--- a/docs/02_ng_basics_followup.pptx
+++ b/docs/02_ng_basics_followup.pptx
@@ -5,29 +5,23 @@
     <p:sldMasterId id="2147483648" r:id="rId1"/>
   </p:sldMasterIdLst>
   <p:notesMasterIdLst>
-    <p:notesMasterId r:id="rId22"/>
+    <p:notesMasterId r:id="rId16"/>
   </p:notesMasterIdLst>
   <p:sldIdLst>
     <p:sldId id="256" r:id="rId2"/>
     <p:sldId id="257" r:id="rId3"/>
     <p:sldId id="259" r:id="rId4"/>
-    <p:sldId id="258" r:id="rId5"/>
-    <p:sldId id="260" r:id="rId6"/>
-    <p:sldId id="271" r:id="rId7"/>
+    <p:sldId id="260" r:id="rId5"/>
+    <p:sldId id="271" r:id="rId6"/>
+    <p:sldId id="258" r:id="rId7"/>
     <p:sldId id="275" r:id="rId8"/>
     <p:sldId id="278" r:id="rId9"/>
     <p:sldId id="276" r:id="rId10"/>
     <p:sldId id="274" r:id="rId11"/>
     <p:sldId id="277" r:id="rId12"/>
-    <p:sldId id="273" r:id="rId13"/>
-    <p:sldId id="268" r:id="rId14"/>
-    <p:sldId id="267" r:id="rId15"/>
-    <p:sldId id="272" r:id="rId16"/>
-    <p:sldId id="266" r:id="rId17"/>
-    <p:sldId id="261" r:id="rId18"/>
-    <p:sldId id="262" r:id="rId19"/>
-    <p:sldId id="263" r:id="rId20"/>
-    <p:sldId id="264" r:id="rId21"/>
+    <p:sldId id="280" r:id="rId13"/>
+    <p:sldId id="279" r:id="rId14"/>
+    <p:sldId id="281" r:id="rId15"/>
   </p:sldIdLst>
   <p:sldSz cx="9144000" cy="6858000" type="screen4x3"/>
   <p:notesSz cx="6858000" cy="9144000"/>
@@ -128,7 +122,7 @@
   </p:defaultTextStyle>
   <p:extLst>
     <p:ext uri="{EFAFB233-063F-42B5-8137-9DF3F51BA10A}">
-      <p15:sldGuideLst xmlns:p15="http://schemas.microsoft.com/office/powerpoint/2012/main" xmlns="">
+      <p15:sldGuideLst xmlns:p15="http://schemas.microsoft.com/office/powerpoint/2012/main">
         <p15:guide id="1" orient="horz" pos="2160">
           <p15:clr>
             <a:srgbClr val="A4A3A4"/>
@@ -669,7 +663,7 @@
     </p:spTree>
     <p:extLst>
       <p:ext uri="{BB962C8B-B14F-4D97-AF65-F5344CB8AC3E}">
-        <p14:creationId xmlns:p14="http://schemas.microsoft.com/office/powerpoint/2010/main" val="1631308460"/>
+        <p14:creationId xmlns:p14="http://schemas.microsoft.com/office/powerpoint/2010/main" val="3254970924"/>
       </p:ext>
     </p:extLst>
   </p:cSld>
@@ -761,311 +755,7 @@
     </p:spTree>
     <p:extLst>
       <p:ext uri="{BB962C8B-B14F-4D97-AF65-F5344CB8AC3E}">
-        <p14:creationId xmlns:p14="http://schemas.microsoft.com/office/powerpoint/2010/main" val="2208590362"/>
-      </p:ext>
-    </p:extLst>
-  </p:cSld>
-  <p:clrMapOvr>
-    <a:masterClrMapping/>
-  </p:clrMapOvr>
-</p:notes>
-</file>
-
-<file path=ppt/notesSlides/notesSlide12.xml><?xml version="1.0" encoding="utf-8"?>
-<p:notes xmlns:a="http://schemas.openxmlformats.org/drawingml/2006/main" xmlns:r="http://schemas.openxmlformats.org/officeDocument/2006/relationships" xmlns:p="http://schemas.openxmlformats.org/presentationml/2006/main">
-  <p:cSld>
-    <p:spTree>
-      <p:nvGrpSpPr>
-        <p:cNvPr id="1" name=""/>
-        <p:cNvGrpSpPr/>
-        <p:nvPr/>
-      </p:nvGrpSpPr>
-      <p:grpSpPr>
-        <a:xfrm>
-          <a:off x="0" y="0"/>
-          <a:ext cx="0" cy="0"/>
-          <a:chOff x="0" y="0"/>
-          <a:chExt cx="0" cy="0"/>
-        </a:xfrm>
-      </p:grpSpPr>
-      <p:sp>
-        <p:nvSpPr>
-          <p:cNvPr id="2" name="Slide Image Placeholder 1"/>
-          <p:cNvSpPr>
-            <a:spLocks noGrp="1" noRot="1" noChangeAspect="1"/>
-          </p:cNvSpPr>
-          <p:nvPr>
-            <p:ph type="sldImg"/>
-          </p:nvPr>
-        </p:nvSpPr>
-        <p:spPr/>
-      </p:sp>
-      <p:sp>
-        <p:nvSpPr>
-          <p:cNvPr id="3" name="Notes Placeholder 2"/>
-          <p:cNvSpPr>
-            <a:spLocks noGrp="1"/>
-          </p:cNvSpPr>
-          <p:nvPr>
-            <p:ph type="body" idx="1"/>
-          </p:nvPr>
-        </p:nvSpPr>
-        <p:spPr/>
-        <p:txBody>
-          <a:bodyPr/>
-          <a:lstStyle/>
-          <a:p>
-            <a:r>
-              <a:rPr lang="en-US" dirty="0" smtClean="0"/>
-              <a:t>make</a:t>
-            </a:r>
-            <a:r>
-              <a:rPr lang="en-US" baseline="0" dirty="0" smtClean="0"/>
-              <a:t> picture of ctrl + view</a:t>
-            </a:r>
-            <a:endParaRPr lang="ru-RU" dirty="0"/>
-          </a:p>
-        </p:txBody>
-      </p:sp>
-      <p:sp>
-        <p:nvSpPr>
-          <p:cNvPr id="4" name="Slide Number Placeholder 3"/>
-          <p:cNvSpPr>
-            <a:spLocks noGrp="1"/>
-          </p:cNvSpPr>
-          <p:nvPr>
-            <p:ph type="sldNum" sz="quarter" idx="10"/>
-          </p:nvPr>
-        </p:nvSpPr>
-        <p:spPr/>
-        <p:txBody>
-          <a:bodyPr/>
-          <a:lstStyle/>
-          <a:p>
-            <a:fld id="{DA8CAE91-5FC7-41E5-8054-44424FFBB7AB}" type="slidenum">
-              <a:rPr lang="ru-RU" smtClean="0"/>
-              <a:t>15</a:t>
-            </a:fld>
-            <a:endParaRPr lang="ru-RU"/>
-          </a:p>
-        </p:txBody>
-      </p:sp>
-    </p:spTree>
-    <p:extLst>
-      <p:ext uri="{BB962C8B-B14F-4D97-AF65-F5344CB8AC3E}">
-        <p14:creationId xmlns:p14="http://schemas.microsoft.com/office/powerpoint/2010/main" val="4140982790"/>
-      </p:ext>
-    </p:extLst>
-  </p:cSld>
-  <p:clrMapOvr>
-    <a:masterClrMapping/>
-  </p:clrMapOvr>
-</p:notes>
-</file>
-
-<file path=ppt/notesSlides/notesSlide13.xml><?xml version="1.0" encoding="utf-8"?>
-<p:notes xmlns:a="http://schemas.openxmlformats.org/drawingml/2006/main" xmlns:r="http://schemas.openxmlformats.org/officeDocument/2006/relationships" xmlns:p="http://schemas.openxmlformats.org/presentationml/2006/main">
-  <p:cSld>
-    <p:spTree>
-      <p:nvGrpSpPr>
-        <p:cNvPr id="1" name=""/>
-        <p:cNvGrpSpPr/>
-        <p:nvPr/>
-      </p:nvGrpSpPr>
-      <p:grpSpPr>
-        <a:xfrm>
-          <a:off x="0" y="0"/>
-          <a:ext cx="0" cy="0"/>
-          <a:chOff x="0" y="0"/>
-          <a:chExt cx="0" cy="0"/>
-        </a:xfrm>
-      </p:grpSpPr>
-      <p:sp>
-        <p:nvSpPr>
-          <p:cNvPr id="2" name="Slide Image Placeholder 1"/>
-          <p:cNvSpPr>
-            <a:spLocks noGrp="1" noRot="1" noChangeAspect="1"/>
-          </p:cNvSpPr>
-          <p:nvPr>
-            <p:ph type="sldImg"/>
-          </p:nvPr>
-        </p:nvSpPr>
-        <p:spPr/>
-      </p:sp>
-      <p:sp>
-        <p:nvSpPr>
-          <p:cNvPr id="3" name="Notes Placeholder 2"/>
-          <p:cNvSpPr>
-            <a:spLocks noGrp="1"/>
-          </p:cNvSpPr>
-          <p:nvPr>
-            <p:ph type="body" idx="1"/>
-          </p:nvPr>
-        </p:nvSpPr>
-        <p:spPr/>
-        <p:txBody>
-          <a:bodyPr/>
-          <a:lstStyle/>
-          <a:p>
-            <a:r>
-              <a:rPr lang="en-US" dirty="0" smtClean="0"/>
-              <a:t>Nothing to do with</a:t>
-            </a:r>
-            <a:r>
-              <a:rPr lang="en-US" baseline="0" dirty="0" smtClean="0"/>
-              <a:t> java</a:t>
-            </a:r>
-          </a:p>
-          <a:p>
-            <a:r>
-              <a:rPr lang="en-US" baseline="0" dirty="0" smtClean="0"/>
-              <a:t>Not a scripting </a:t>
-            </a:r>
-            <a:r>
-              <a:rPr lang="en-US" baseline="0" dirty="0" err="1" smtClean="0"/>
-              <a:t>lang</a:t>
-            </a:r>
-            <a:r>
-              <a:rPr lang="en-US" baseline="0" dirty="0" smtClean="0"/>
-              <a:t> anymore</a:t>
-            </a:r>
-            <a:endParaRPr lang="en-US" dirty="0"/>
-          </a:p>
-        </p:txBody>
-      </p:sp>
-      <p:sp>
-        <p:nvSpPr>
-          <p:cNvPr id="4" name="Slide Number Placeholder 3"/>
-          <p:cNvSpPr>
-            <a:spLocks noGrp="1"/>
-          </p:cNvSpPr>
-          <p:nvPr>
-            <p:ph type="sldNum" sz="quarter" idx="10"/>
-          </p:nvPr>
-        </p:nvSpPr>
-        <p:spPr/>
-        <p:txBody>
-          <a:bodyPr/>
-          <a:lstStyle/>
-          <a:p>
-            <a:fld id="{DA8CAE91-5FC7-41E5-8054-44424FFBB7AB}" type="slidenum">
-              <a:rPr lang="ru-RU" smtClean="0"/>
-              <a:t>19</a:t>
-            </a:fld>
-            <a:endParaRPr lang="ru-RU"/>
-          </a:p>
-        </p:txBody>
-      </p:sp>
-    </p:spTree>
-    <p:extLst>
-      <p:ext uri="{BB962C8B-B14F-4D97-AF65-F5344CB8AC3E}">
-        <p14:creationId xmlns:p14="http://schemas.microsoft.com/office/powerpoint/2010/main" val="3609066261"/>
-      </p:ext>
-    </p:extLst>
-  </p:cSld>
-  <p:clrMapOvr>
-    <a:masterClrMapping/>
-  </p:clrMapOvr>
-</p:notes>
-</file>
-
-<file path=ppt/notesSlides/notesSlide14.xml><?xml version="1.0" encoding="utf-8"?>
-<p:notes xmlns:a="http://schemas.openxmlformats.org/drawingml/2006/main" xmlns:r="http://schemas.openxmlformats.org/officeDocument/2006/relationships" xmlns:p="http://schemas.openxmlformats.org/presentationml/2006/main">
-  <p:cSld>
-    <p:spTree>
-      <p:nvGrpSpPr>
-        <p:cNvPr id="1" name=""/>
-        <p:cNvGrpSpPr/>
-        <p:nvPr/>
-      </p:nvGrpSpPr>
-      <p:grpSpPr>
-        <a:xfrm>
-          <a:off x="0" y="0"/>
-          <a:ext cx="0" cy="0"/>
-          <a:chOff x="0" y="0"/>
-          <a:chExt cx="0" cy="0"/>
-        </a:xfrm>
-      </p:grpSpPr>
-      <p:sp>
-        <p:nvSpPr>
-          <p:cNvPr id="2" name="Slide Image Placeholder 1"/>
-          <p:cNvSpPr>
-            <a:spLocks noGrp="1" noRot="1" noChangeAspect="1"/>
-          </p:cNvSpPr>
-          <p:nvPr>
-            <p:ph type="sldImg"/>
-          </p:nvPr>
-        </p:nvSpPr>
-        <p:spPr/>
-      </p:sp>
-      <p:sp>
-        <p:nvSpPr>
-          <p:cNvPr id="3" name="Notes Placeholder 2"/>
-          <p:cNvSpPr>
-            <a:spLocks noGrp="1"/>
-          </p:cNvSpPr>
-          <p:nvPr>
-            <p:ph type="body" idx="1"/>
-          </p:nvPr>
-        </p:nvSpPr>
-        <p:spPr/>
-        <p:txBody>
-          <a:bodyPr/>
-          <a:lstStyle/>
-          <a:p>
-            <a:r>
-              <a:rPr lang="en-US" dirty="0" smtClean="0"/>
-              <a:t>Nothing to do with</a:t>
-            </a:r>
-            <a:r>
-              <a:rPr lang="en-US" baseline="0" dirty="0" smtClean="0"/>
-              <a:t> java</a:t>
-            </a:r>
-          </a:p>
-          <a:p>
-            <a:r>
-              <a:rPr lang="en-US" baseline="0" dirty="0" smtClean="0"/>
-              <a:t>Not a scripting </a:t>
-            </a:r>
-            <a:r>
-              <a:rPr lang="en-US" baseline="0" dirty="0" err="1" smtClean="0"/>
-              <a:t>lang</a:t>
-            </a:r>
-            <a:r>
-              <a:rPr lang="en-US" baseline="0" dirty="0" smtClean="0"/>
-              <a:t> anymore</a:t>
-            </a:r>
-            <a:endParaRPr lang="en-US" dirty="0"/>
-          </a:p>
-        </p:txBody>
-      </p:sp>
-      <p:sp>
-        <p:nvSpPr>
-          <p:cNvPr id="4" name="Slide Number Placeholder 3"/>
-          <p:cNvSpPr>
-            <a:spLocks noGrp="1"/>
-          </p:cNvSpPr>
-          <p:nvPr>
-            <p:ph type="sldNum" sz="quarter" idx="10"/>
-          </p:nvPr>
-        </p:nvSpPr>
-        <p:spPr/>
-        <p:txBody>
-          <a:bodyPr/>
-          <a:lstStyle/>
-          <a:p>
-            <a:fld id="{DA8CAE91-5FC7-41E5-8054-44424FFBB7AB}" type="slidenum">
-              <a:rPr lang="ru-RU" smtClean="0"/>
-              <a:t>20</a:t>
-            </a:fld>
-            <a:endParaRPr lang="ru-RU"/>
-          </a:p>
-        </p:txBody>
-      </p:sp>
-    </p:spTree>
-    <p:extLst>
-      <p:ext uri="{BB962C8B-B14F-4D97-AF65-F5344CB8AC3E}">
-        <p14:creationId xmlns:p14="http://schemas.microsoft.com/office/powerpoint/2010/main" val="1226178349"/>
+        <p14:creationId xmlns:p14="http://schemas.microsoft.com/office/powerpoint/2010/main" val="3191455273"/>
       </p:ext>
     </p:extLst>
   </p:cSld>
@@ -1152,7 +842,7 @@
           <a:p>
             <a:fld id="{DA8CAE91-5FC7-41E5-8054-44424FFBB7AB}" type="slidenum">
               <a:rPr lang="ru-RU" smtClean="0"/>
-              <a:t>5</a:t>
+              <a:t>4</a:t>
             </a:fld>
             <a:endParaRPr lang="ru-RU"/>
           </a:p>
@@ -1244,7 +934,7 @@
           <a:p>
             <a:fld id="{DA8CAE91-5FC7-41E5-8054-44424FFBB7AB}" type="slidenum">
               <a:rPr lang="ru-RU" smtClean="0"/>
-              <a:t>6</a:t>
+              <a:t>5</a:t>
             </a:fld>
             <a:endParaRPr lang="ru-RU"/>
           </a:p>
@@ -1768,12 +1458,8 @@
           <a:lstStyle/>
           <a:p>
             <a:r>
-              <a:rPr lang="en-US" dirty="0" smtClean="0"/>
-              <a:t>make</a:t>
-            </a:r>
-            <a:r>
-              <a:rPr lang="en-US" baseline="0" dirty="0" smtClean="0"/>
-              <a:t> picture of ctrl + view</a:t>
+              <a:rPr lang="en-US" dirty="0" err="1" smtClean="0"/>
+              <a:t>vietnam</a:t>
             </a:r>
             <a:endParaRPr lang="ru-RU" dirty="0"/>
           </a:p>
@@ -1805,7 +1491,7 @@
     </p:spTree>
     <p:extLst>
       <p:ext uri="{BB962C8B-B14F-4D97-AF65-F5344CB8AC3E}">
-        <p14:creationId xmlns:p14="http://schemas.microsoft.com/office/powerpoint/2010/main" val="1068933017"/>
+        <p14:creationId xmlns:p14="http://schemas.microsoft.com/office/powerpoint/2010/main" val="3373412012"/>
       </p:ext>
     </p:extLst>
   </p:cSld>
@@ -4889,7 +4575,7 @@
           <a:p>
             <a:r>
               <a:rPr lang="en-US" dirty="0" smtClean="0"/>
-              <a:t>basics</a:t>
+              <a:t>inside</a:t>
             </a:r>
             <a:endParaRPr lang="en-US" dirty="0"/>
           </a:p>
@@ -5080,7 +4766,7 @@
       </p:sp>
       <p:pic>
         <p:nvPicPr>
-          <p:cNvPr id="1026" name="Picture 2" descr="https://docs.angularjs.org/img/guide/concepts-module-injector.png"/>
+          <p:cNvPr id="1030" name="Picture 6" descr="Sơ đồ hoạt động của $injector"/>
           <p:cNvPicPr>
             <a:picLocks noChangeAspect="1" noChangeArrowheads="1"/>
           </p:cNvPicPr>
@@ -5101,8 +4787,8 @@
         </p:blipFill>
         <p:spPr bwMode="auto">
           <a:xfrm>
-            <a:off x="5534025" y="1981200"/>
-            <a:ext cx="3152775" cy="2552700"/>
+            <a:off x="957262" y="1600200"/>
+            <a:ext cx="7229475" cy="4552951"/>
           </a:xfrm>
           <a:prstGeom prst="rect">
             <a:avLst/>
@@ -5176,7 +4862,9 @@
         </p:nvSpPr>
         <p:spPr/>
         <p:txBody>
-          <a:bodyPr/>
+          <a:bodyPr>
+            <a:normAutofit/>
+          </a:bodyPr>
           <a:lstStyle/>
           <a:p>
             <a:r>
@@ -5184,7 +4872,7 @@
                 <a:latin typeface="Courier New" panose="02070309020205020404" pitchFamily="49" charset="0"/>
                 <a:cs typeface="Courier New" panose="02070309020205020404" pitchFamily="49" charset="0"/>
               </a:rPr>
-              <a:t>Module</a:t>
+              <a:t>[Dependency injection]</a:t>
             </a:r>
             <a:endParaRPr lang="ru-RU" dirty="0">
               <a:latin typeface="Courier New" panose="02070309020205020404" pitchFamily="49" charset="0"/>
@@ -5193,379 +4881,71 @@
           </a:p>
         </p:txBody>
       </p:sp>
-      <p:sp>
-        <p:nvSpPr>
-          <p:cNvPr id="3" name="Content Placeholder 2"/>
-          <p:cNvSpPr>
-            <a:spLocks noGrp="1"/>
-          </p:cNvSpPr>
-          <p:nvPr>
-            <p:ph idx="1"/>
-          </p:nvPr>
-        </p:nvSpPr>
-        <p:spPr>
+      <p:pic>
+        <p:nvPicPr>
+          <p:cNvPr id="3" name="Picture 2" descr="Chart visually illustrates the concept Injection"/>
+          <p:cNvPicPr>
+            <a:picLocks noChangeAspect="1" noChangeArrowheads="1"/>
+          </p:cNvPicPr>
+          <p:nvPr/>
+        </p:nvPicPr>
+        <p:blipFill>
+          <a:blip r:embed="rId3">
+            <a:extLst>
+              <a:ext uri="{28A0092B-C50C-407E-A947-70E740481C1C}">
+                <a14:useLocalDpi xmlns:a14="http://schemas.microsoft.com/office/drawing/2010/main" val="0"/>
+              </a:ext>
+            </a:extLst>
+          </a:blip>
+          <a:srcRect/>
+          <a:stretch>
+            <a:fillRect/>
+          </a:stretch>
+        </p:blipFill>
+        <p:spPr bwMode="auto">
           <a:xfrm>
-            <a:off x="457200" y="1600201"/>
-            <a:ext cx="8229600" cy="1219200"/>
-          </a:xfrm>
-        </p:spPr>
-        <p:txBody>
-          <a:bodyPr>
-            <a:normAutofit/>
-          </a:bodyPr>
-          <a:lstStyle/>
-          <a:p>
-            <a:r>
-              <a:rPr lang="en-US" sz="2000" dirty="0"/>
-              <a:t>decouple DOM manipulation from app </a:t>
-            </a:r>
-            <a:r>
-              <a:rPr lang="en-US" sz="2000" dirty="0" smtClean="0"/>
-              <a:t>logic</a:t>
-            </a:r>
-          </a:p>
-          <a:p>
-            <a:r>
-              <a:rPr lang="en-US" sz="2000" dirty="0" smtClean="0"/>
-              <a:t>well structured coding</a:t>
-            </a:r>
-          </a:p>
-          <a:p>
-            <a:r>
-              <a:rPr lang="en-US" sz="2000" dirty="0" smtClean="0"/>
-              <a:t>2-way binding</a:t>
-            </a:r>
-          </a:p>
-        </p:txBody>
-      </p:sp>
-      <p:sp>
-        <p:nvSpPr>
-          <p:cNvPr id="5" name="TextBox 4"/>
-          <p:cNvSpPr txBox="1"/>
-          <p:nvPr/>
-        </p:nvSpPr>
-        <p:spPr>
-          <a:xfrm>
-            <a:off x="4704114" y="2947537"/>
-            <a:ext cx="4335862" cy="461665"/>
+            <a:off x="1728787" y="2133600"/>
+            <a:ext cx="5686425" cy="3067050"/>
           </a:xfrm>
           <a:prstGeom prst="rect">
             <a:avLst/>
           </a:prstGeom>
           <a:noFill/>
-        </p:spPr>
-        <p:txBody>
-          <a:bodyPr wrap="square" rtlCol="0">
-            <a:spAutoFit/>
-          </a:bodyPr>
-          <a:lstStyle/>
-          <a:p>
-            <a:r>
-              <a:rPr lang="en-US" sz="2400" dirty="0" smtClean="0"/>
-              <a:t>Does it have an engine? VM?</a:t>
-            </a:r>
-            <a:endParaRPr lang="en-US" sz="2400" dirty="0"/>
-          </a:p>
-        </p:txBody>
-      </p:sp>
-      <p:sp>
-        <p:nvSpPr>
-          <p:cNvPr id="6" name="TextBox 5"/>
-          <p:cNvSpPr txBox="1"/>
-          <p:nvPr/>
-        </p:nvSpPr>
-        <p:spPr>
-          <a:xfrm>
-            <a:off x="1524000" y="4569769"/>
-            <a:ext cx="3358150" cy="369332"/>
-          </a:xfrm>
-          <a:prstGeom prst="rect">
-            <a:avLst/>
-          </a:prstGeom>
-          <a:noFill/>
-        </p:spPr>
-        <p:txBody>
-          <a:bodyPr wrap="square" rtlCol="0">
-            <a:spAutoFit/>
-          </a:bodyPr>
-          <a:lstStyle/>
-          <a:p>
-            <a:r>
-              <a:rPr lang="en-US" i="1" dirty="0" smtClean="0"/>
-              <a:t>It’s something that always breaks</a:t>
-            </a:r>
-            <a:endParaRPr lang="en-US" sz="3200" i="1" dirty="0"/>
-          </a:p>
-        </p:txBody>
-      </p:sp>
-      <p:sp>
-        <p:nvSpPr>
-          <p:cNvPr id="7" name="Rectangle 6"/>
-          <p:cNvSpPr/>
-          <p:nvPr/>
-        </p:nvSpPr>
-        <p:spPr>
-          <a:xfrm>
-            <a:off x="1043440" y="4482187"/>
-            <a:ext cx="470000" cy="707886"/>
-          </a:xfrm>
-          <a:prstGeom prst="rect">
-            <a:avLst/>
-          </a:prstGeom>
-        </p:spPr>
-        <p:txBody>
-          <a:bodyPr wrap="none">
-            <a:spAutoFit/>
-          </a:bodyPr>
-          <a:lstStyle/>
-          <a:p>
-            <a:r>
-              <a:rPr lang="en-US" sz="4000" i="1" dirty="0">
-                <a:latin typeface="Times New Roman" panose="02020603050405020304" pitchFamily="18" charset="0"/>
-                <a:cs typeface="Times New Roman" panose="02020603050405020304" pitchFamily="18" charset="0"/>
-              </a:rPr>
-              <a:t>“</a:t>
-            </a:r>
-          </a:p>
-        </p:txBody>
-      </p:sp>
-      <p:sp>
-        <p:nvSpPr>
-          <p:cNvPr id="8" name="Rectangle 4"/>
-          <p:cNvSpPr>
-            <a:spLocks noChangeArrowheads="1"/>
-          </p:cNvSpPr>
-          <p:nvPr/>
-        </p:nvSpPr>
-        <p:spPr bwMode="auto">
-          <a:xfrm>
-            <a:off x="5500445" y="4079412"/>
-            <a:ext cx="2743200" cy="402775"/>
-          </a:xfrm>
-          <a:prstGeom prst="rect">
-            <a:avLst/>
-          </a:prstGeom>
-          <a:solidFill>
-            <a:srgbClr val="F5F2F0"/>
-          </a:solidFill>
-          <a:ln>
-            <a:noFill/>
-          </a:ln>
-          <a:effectLst/>
           <a:extLst>
-            <a:ext uri="{91240B29-F687-4F45-9708-019B960494DF}">
-              <a14:hiddenLine xmlns:a14="http://schemas.microsoft.com/office/drawing/2010/main" w="9525">
-                <a:solidFill>
-                  <a:schemeClr val="tx1"/>
-                </a:solidFill>
-                <a:miter lim="800000"/>
-                <a:headEnd/>
-                <a:tailEnd/>
-              </a14:hiddenLine>
-            </a:ext>
-            <a:ext uri="{AF507438-7753-43E0-B8FC-AC1667EBCBE1}">
-              <a14:hiddenEffects xmlns:a14="http://schemas.microsoft.com/office/drawing/2010/main">
-                <a:effectLst>
-                  <a:outerShdw dist="35921" dir="2700000" algn="ctr" rotWithShape="0">
-                    <a:schemeClr val="bg2"/>
-                  </a:outerShdw>
-                </a:effectLst>
-              </a14:hiddenEffects>
+            <a:ext uri="{909E8E84-426E-40DD-AFC4-6F175D3DCCD1}">
+              <a14:hiddenFill xmlns:a14="http://schemas.microsoft.com/office/drawing/2010/main">
+                <a:solidFill>
+                  <a:srgbClr val="FFFFFF"/>
+                </a:solidFill>
+              </a14:hiddenFill>
             </a:ext>
           </a:extLst>
         </p:spPr>
-        <p:txBody>
-          <a:bodyPr vert="horz" wrap="square" lIns="108000" tIns="108000" rIns="108000" bIns="108000" numCol="1" anchor="ctr" anchorCtr="0" compatLnSpc="1">
-            <a:prstTxWarp prst="textNoShape">
-              <a:avLst/>
-            </a:prstTxWarp>
-            <a:spAutoFit/>
-          </a:bodyPr>
-          <a:lstStyle/>
-          <a:p>
-            <a:pPr lvl="0" eaLnBrk="0" fontAlgn="base" hangingPunct="0">
-              <a:spcBef>
-                <a:spcPct val="0"/>
-              </a:spcBef>
-              <a:spcAft>
-                <a:spcPct val="0"/>
-              </a:spcAft>
-            </a:pPr>
-            <a:endParaRPr lang="en-US" altLang="en-US" sz="1100" dirty="0">
-              <a:latin typeface="Arial" panose="020B0604020202020204" pitchFamily="34" charset="0"/>
-            </a:endParaRPr>
-          </a:p>
-        </p:txBody>
-      </p:sp>
+      </p:pic>
     </p:spTree>
     <p:extLst>
       <p:ext uri="{BB962C8B-B14F-4D97-AF65-F5344CB8AC3E}">
-        <p14:creationId xmlns:p14="http://schemas.microsoft.com/office/powerpoint/2010/main" val="3797030103"/>
+        <p14:creationId xmlns:p14="http://schemas.microsoft.com/office/powerpoint/2010/main" val="904935962"/>
       </p:ext>
     </p:extLst>
   </p:cSld>
   <p:clrMapOvr>
     <a:masterClrMapping/>
   </p:clrMapOvr>
-  <mc:AlternateContent xmlns:mc="http://schemas.openxmlformats.org/markup-compatibility/2006" xmlns:p14="http://schemas.microsoft.com/office/powerpoint/2010/main">
-    <mc:Choice Requires="p14">
+  <mc:AlternateContent xmlns:mc="http://schemas.openxmlformats.org/markup-compatibility/2006">
+    <mc:Choice xmlns:p14="http://schemas.microsoft.com/office/powerpoint/2010/main" Requires="p14">
       <p:transition spd="slow" p14:dur="2000"/>
     </mc:Choice>
-    <mc:Fallback xmlns="">
+    <mc:Fallback>
       <p:transition spd="slow"/>
     </mc:Fallback>
   </mc:AlternateContent>
   <p:timing>
     <p:tnLst>
       <p:par>
-        <p:cTn id="1" dur="indefinite" restart="never" nodeType="tmRoot">
-          <p:childTnLst>
-            <p:seq concurrent="1" nextAc="seek">
-              <p:cTn id="2" dur="indefinite" nodeType="mainSeq">
-                <p:childTnLst>
-                  <p:par>
-                    <p:cTn id="3" fill="hold">
-                      <p:stCondLst>
-                        <p:cond delay="indefinite"/>
-                      </p:stCondLst>
-                      <p:childTnLst>
-                        <p:par>
-                          <p:cTn id="4" fill="hold">
-                            <p:stCondLst>
-                              <p:cond delay="0"/>
-                            </p:stCondLst>
-                            <p:childTnLst>
-                              <p:par>
-                                <p:cTn id="5" presetID="1" presetClass="entr" presetSubtype="0" fill="hold" grpId="0" nodeType="clickEffect">
-                                  <p:stCondLst>
-                                    <p:cond delay="0"/>
-                                  </p:stCondLst>
-                                  <p:childTnLst>
-                                    <p:set>
-                                      <p:cBhvr>
-                                        <p:cTn id="6" dur="1" fill="hold">
-                                          <p:stCondLst>
-                                            <p:cond delay="0"/>
-                                          </p:stCondLst>
-                                        </p:cTn>
-                                        <p:tgtEl>
-                                          <p:spTgt spid="5"/>
-                                        </p:tgtEl>
-                                        <p:attrNameLst>
-                                          <p:attrName>style.visibility</p:attrName>
-                                        </p:attrNameLst>
-                                      </p:cBhvr>
-                                      <p:to>
-                                        <p:strVal val="visible"/>
-                                      </p:to>
-                                    </p:set>
-                                  </p:childTnLst>
-                                </p:cTn>
-                              </p:par>
-                            </p:childTnLst>
-                          </p:cTn>
-                        </p:par>
-                      </p:childTnLst>
-                    </p:cTn>
-                  </p:par>
-                  <p:par>
-                    <p:cTn id="7" fill="hold">
-                      <p:stCondLst>
-                        <p:cond delay="indefinite"/>
-                      </p:stCondLst>
-                      <p:childTnLst>
-                        <p:par>
-                          <p:cTn id="8" fill="hold">
-                            <p:stCondLst>
-                              <p:cond delay="0"/>
-                            </p:stCondLst>
-                            <p:childTnLst>
-                              <p:par>
-                                <p:cTn id="9" presetID="1" presetClass="entr" presetSubtype="0" fill="hold" grpId="0" nodeType="clickEffect">
-                                  <p:stCondLst>
-                                    <p:cond delay="0"/>
-                                  </p:stCondLst>
-                                  <p:childTnLst>
-                                    <p:set>
-                                      <p:cBhvr>
-                                        <p:cTn id="10" dur="1" fill="hold">
-                                          <p:stCondLst>
-                                            <p:cond delay="0"/>
-                                          </p:stCondLst>
-                                        </p:cTn>
-                                        <p:tgtEl>
-                                          <p:spTgt spid="6"/>
-                                        </p:tgtEl>
-                                        <p:attrNameLst>
-                                          <p:attrName>style.visibility</p:attrName>
-                                        </p:attrNameLst>
-                                      </p:cBhvr>
-                                      <p:to>
-                                        <p:strVal val="visible"/>
-                                      </p:to>
-                                    </p:set>
-                                  </p:childTnLst>
-                                </p:cTn>
-                              </p:par>
-                              <p:par>
-                                <p:cTn id="11" presetID="1" presetClass="entr" presetSubtype="0" fill="hold" grpId="0" nodeType="withEffect">
-                                  <p:stCondLst>
-                                    <p:cond delay="0"/>
-                                  </p:stCondLst>
-                                  <p:childTnLst>
-                                    <p:set>
-                                      <p:cBhvr>
-                                        <p:cTn id="12" dur="1" fill="hold">
-                                          <p:stCondLst>
-                                            <p:cond delay="0"/>
-                                          </p:stCondLst>
-                                        </p:cTn>
-                                        <p:tgtEl>
-                                          <p:spTgt spid="7"/>
-                                        </p:tgtEl>
-                                        <p:attrNameLst>
-                                          <p:attrName>style.visibility</p:attrName>
-                                        </p:attrNameLst>
-                                      </p:cBhvr>
-                                      <p:to>
-                                        <p:strVal val="visible"/>
-                                      </p:to>
-                                    </p:set>
-                                  </p:childTnLst>
-                                </p:cTn>
-                              </p:par>
-                            </p:childTnLst>
-                          </p:cTn>
-                        </p:par>
-                      </p:childTnLst>
-                    </p:cTn>
-                  </p:par>
-                </p:childTnLst>
-              </p:cTn>
-              <p:prevCondLst>
-                <p:cond evt="onPrev" delay="0">
-                  <p:tgtEl>
-                    <p:sldTgt/>
-                  </p:tgtEl>
-                </p:cond>
-              </p:prevCondLst>
-              <p:nextCondLst>
-                <p:cond evt="onNext" delay="0">
-                  <p:tgtEl>
-                    <p:sldTgt/>
-                  </p:tgtEl>
-                </p:cond>
-              </p:nextCondLst>
-            </p:seq>
-          </p:childTnLst>
-        </p:cTn>
+        <p:cTn id="1" dur="indefinite" restart="never" nodeType="tmRoot"/>
       </p:par>
     </p:tnLst>
-    <p:bldLst>
-      <p:bldP spid="5" grpId="0"/>
-      <p:bldP spid="6" grpId="0"/>
-      <p:bldP spid="7" grpId="0"/>
-    </p:bldLst>
   </p:timing>
 </p:sld>
 </file>
@@ -5599,7 +4979,9 @@
         </p:nvSpPr>
         <p:spPr/>
         <p:txBody>
-          <a:bodyPr/>
+          <a:bodyPr>
+            <a:normAutofit/>
+          </a:bodyPr>
           <a:lstStyle/>
           <a:p>
             <a:r>
@@ -5607,7 +4989,7 @@
                 <a:latin typeface="Courier New" panose="02070309020205020404" pitchFamily="49" charset="0"/>
                 <a:cs typeface="Courier New" panose="02070309020205020404" pitchFamily="49" charset="0"/>
               </a:rPr>
-              <a:t>Model View Whatever</a:t>
+              <a:t>service / factory</a:t>
             </a:r>
             <a:endParaRPr lang="ru-RU" dirty="0">
               <a:latin typeface="Courier New" panose="02070309020205020404" pitchFamily="49" charset="0"/>
@@ -5618,61 +5000,1031 @@
       </p:sp>
       <p:sp>
         <p:nvSpPr>
-          <p:cNvPr id="3" name="Content Placeholder 2"/>
-          <p:cNvSpPr>
-            <a:spLocks noGrp="1"/>
-          </p:cNvSpPr>
-          <p:nvPr>
-            <p:ph idx="1"/>
-          </p:nvPr>
+          <p:cNvPr id="4" name="Rectangle 4"/>
+          <p:cNvSpPr>
+            <a:spLocks noChangeArrowheads="1"/>
+          </p:cNvSpPr>
+          <p:nvPr/>
+        </p:nvSpPr>
+        <p:spPr bwMode="auto">
+          <a:xfrm>
+            <a:off x="4800600" y="4343400"/>
+            <a:ext cx="4038600" cy="2080158"/>
+          </a:xfrm>
+          <a:prstGeom prst="rect">
+            <a:avLst/>
+          </a:prstGeom>
+          <a:solidFill>
+            <a:srgbClr val="F5F2F0"/>
+          </a:solidFill>
+          <a:ln>
+            <a:noFill/>
+          </a:ln>
+          <a:effectLst/>
+          <a:extLst>
+            <a:ext uri="{91240B29-F687-4F45-9708-019B960494DF}">
+              <a14:hiddenLine xmlns:a14="http://schemas.microsoft.com/office/drawing/2010/main" w="9525">
+                <a:solidFill>
+                  <a:schemeClr val="tx1"/>
+                </a:solidFill>
+                <a:miter lim="800000"/>
+                <a:headEnd/>
+                <a:tailEnd/>
+              </a14:hiddenLine>
+            </a:ext>
+            <a:ext uri="{AF507438-7753-43E0-B8FC-AC1667EBCBE1}">
+              <a14:hiddenEffects xmlns:a14="http://schemas.microsoft.com/office/drawing/2010/main">
+                <a:effectLst>
+                  <a:outerShdw dist="35921" dir="2700000" algn="ctr" rotWithShape="0">
+                    <a:schemeClr val="bg2"/>
+                  </a:outerShdw>
+                </a:effectLst>
+              </a14:hiddenEffects>
+            </a:ext>
+          </a:extLst>
+        </p:spPr>
+        <p:txBody>
+          <a:bodyPr vert="horz" wrap="square" lIns="108000" tIns="108000" rIns="108000" bIns="108000" numCol="1" anchor="ctr" anchorCtr="0" compatLnSpc="1">
+            <a:prstTxWarp prst="textNoShape">
+              <a:avLst/>
+            </a:prstTxWarp>
+            <a:spAutoFit/>
+          </a:bodyPr>
+          <a:lstStyle/>
+          <a:p>
+            <a:pPr lvl="0" eaLnBrk="0" fontAlgn="base" hangingPunct="0">
+              <a:spcBef>
+                <a:spcPct val="0"/>
+              </a:spcBef>
+              <a:spcAft>
+                <a:spcPct val="0"/>
+              </a:spcAft>
+            </a:pPr>
+            <a:r>
+              <a:rPr lang="en-US" altLang="en-US" sz="1100" b="1" i="1" dirty="0" err="1">
+                <a:solidFill>
+                  <a:srgbClr val="660E7A"/>
+                </a:solidFill>
+                <a:latin typeface="Courier New" panose="02070309020205020404" pitchFamily="49" charset="0"/>
+                <a:cs typeface="Courier New" panose="02070309020205020404" pitchFamily="49" charset="0"/>
+              </a:rPr>
+              <a:t>app</a:t>
+            </a:r>
+            <a:r>
+              <a:rPr lang="en-US" altLang="en-US" sz="1100" dirty="0" err="1">
+                <a:solidFill>
+                  <a:srgbClr val="000000"/>
+                </a:solidFill>
+                <a:latin typeface="Courier New" panose="02070309020205020404" pitchFamily="49" charset="0"/>
+                <a:cs typeface="Courier New" panose="02070309020205020404" pitchFamily="49" charset="0"/>
+              </a:rPr>
+              <a:t>.</a:t>
+            </a:r>
+            <a:r>
+              <a:rPr lang="en-US" altLang="en-US" sz="1100" b="1" dirty="0" err="1">
+                <a:solidFill>
+                  <a:srgbClr val="660E7A"/>
+                </a:solidFill>
+                <a:latin typeface="Courier New" panose="02070309020205020404" pitchFamily="49" charset="0"/>
+                <a:cs typeface="Courier New" panose="02070309020205020404" pitchFamily="49" charset="0"/>
+              </a:rPr>
+              <a:t>factory</a:t>
+            </a:r>
+            <a:r>
+              <a:rPr lang="en-US" altLang="en-US" sz="1100" dirty="0">
+                <a:solidFill>
+                  <a:srgbClr val="000000"/>
+                </a:solidFill>
+                <a:latin typeface="Courier New" panose="02070309020205020404" pitchFamily="49" charset="0"/>
+                <a:cs typeface="Courier New" panose="02070309020205020404" pitchFamily="49" charset="0"/>
+              </a:rPr>
+              <a:t>(</a:t>
+            </a:r>
+            <a:r>
+              <a:rPr lang="en-US" altLang="en-US" sz="1100" b="1" dirty="0">
+                <a:solidFill>
+                  <a:srgbClr val="008000"/>
+                </a:solidFill>
+                <a:latin typeface="Courier New" panose="02070309020205020404" pitchFamily="49" charset="0"/>
+                <a:cs typeface="Courier New" panose="02070309020205020404" pitchFamily="49" charset="0"/>
+              </a:rPr>
+              <a:t>'</a:t>
+            </a:r>
+            <a:r>
+              <a:rPr lang="en-US" altLang="en-US" sz="1100" b="1" dirty="0" err="1">
+                <a:solidFill>
+                  <a:srgbClr val="008000"/>
+                </a:solidFill>
+                <a:latin typeface="Courier New" panose="02070309020205020404" pitchFamily="49" charset="0"/>
+                <a:cs typeface="Courier New" panose="02070309020205020404" pitchFamily="49" charset="0"/>
+              </a:rPr>
+              <a:t>myFactory</a:t>
+            </a:r>
+            <a:r>
+              <a:rPr lang="en-US" altLang="en-US" sz="1100" b="1" dirty="0">
+                <a:solidFill>
+                  <a:srgbClr val="008000"/>
+                </a:solidFill>
+                <a:latin typeface="Courier New" panose="02070309020205020404" pitchFamily="49" charset="0"/>
+                <a:cs typeface="Courier New" panose="02070309020205020404" pitchFamily="49" charset="0"/>
+              </a:rPr>
+              <a:t>'</a:t>
+            </a:r>
+            <a:r>
+              <a:rPr lang="en-US" altLang="en-US" sz="1100" dirty="0">
+                <a:solidFill>
+                  <a:srgbClr val="000000"/>
+                </a:solidFill>
+                <a:latin typeface="Courier New" panose="02070309020205020404" pitchFamily="49" charset="0"/>
+                <a:cs typeface="Courier New" panose="02070309020205020404" pitchFamily="49" charset="0"/>
+              </a:rPr>
+              <a:t>, </a:t>
+            </a:r>
+            <a:r>
+              <a:rPr lang="en-US" altLang="en-US" sz="1100" b="1" dirty="0">
+                <a:solidFill>
+                  <a:srgbClr val="000080"/>
+                </a:solidFill>
+                <a:latin typeface="Courier New" panose="02070309020205020404" pitchFamily="49" charset="0"/>
+                <a:cs typeface="Courier New" panose="02070309020205020404" pitchFamily="49" charset="0"/>
+              </a:rPr>
+              <a:t>function</a:t>
+            </a:r>
+            <a:r>
+              <a:rPr lang="en-US" altLang="en-US" sz="1100" dirty="0">
+                <a:solidFill>
+                  <a:srgbClr val="000000"/>
+                </a:solidFill>
+                <a:latin typeface="Courier New" panose="02070309020205020404" pitchFamily="49" charset="0"/>
+                <a:cs typeface="Courier New" panose="02070309020205020404" pitchFamily="49" charset="0"/>
+              </a:rPr>
+              <a:t>() {</a:t>
+            </a:r>
+            <a:br>
+              <a:rPr lang="en-US" altLang="en-US" sz="1100" dirty="0">
+                <a:solidFill>
+                  <a:srgbClr val="000000"/>
+                </a:solidFill>
+                <a:latin typeface="Courier New" panose="02070309020205020404" pitchFamily="49" charset="0"/>
+                <a:cs typeface="Courier New" panose="02070309020205020404" pitchFamily="49" charset="0"/>
+              </a:rPr>
+            </a:br>
+            <a:r>
+              <a:rPr lang="en-US" altLang="en-US" sz="1100" dirty="0">
+                <a:solidFill>
+                  <a:srgbClr val="000000"/>
+                </a:solidFill>
+                <a:latin typeface="Courier New" panose="02070309020205020404" pitchFamily="49" charset="0"/>
+                <a:cs typeface="Courier New" panose="02070309020205020404" pitchFamily="49" charset="0"/>
+              </a:rPr>
+              <a:t/>
+            </a:r>
+            <a:br>
+              <a:rPr lang="en-US" altLang="en-US" sz="1100" dirty="0">
+                <a:solidFill>
+                  <a:srgbClr val="000000"/>
+                </a:solidFill>
+                <a:latin typeface="Courier New" panose="02070309020205020404" pitchFamily="49" charset="0"/>
+                <a:cs typeface="Courier New" panose="02070309020205020404" pitchFamily="49" charset="0"/>
+              </a:rPr>
+            </a:br>
+            <a:r>
+              <a:rPr lang="en-US" altLang="en-US" sz="1100" dirty="0">
+                <a:solidFill>
+                  <a:srgbClr val="000000"/>
+                </a:solidFill>
+                <a:latin typeface="Courier New" panose="02070309020205020404" pitchFamily="49" charset="0"/>
+                <a:cs typeface="Courier New" panose="02070309020205020404" pitchFamily="49" charset="0"/>
+              </a:rPr>
+              <a:t>    </a:t>
+            </a:r>
+            <a:r>
+              <a:rPr lang="en-US" altLang="en-US" sz="1100" i="1" dirty="0">
+                <a:solidFill>
+                  <a:srgbClr val="808080"/>
+                </a:solidFill>
+                <a:latin typeface="Courier New" panose="02070309020205020404" pitchFamily="49" charset="0"/>
+                <a:cs typeface="Courier New" panose="02070309020205020404" pitchFamily="49" charset="0"/>
+              </a:rPr>
+              <a:t>// factory returns an object</a:t>
+            </a:r>
+            <a:br>
+              <a:rPr lang="en-US" altLang="en-US" sz="1100" i="1" dirty="0">
+                <a:solidFill>
+                  <a:srgbClr val="808080"/>
+                </a:solidFill>
+                <a:latin typeface="Courier New" panose="02070309020205020404" pitchFamily="49" charset="0"/>
+                <a:cs typeface="Courier New" panose="02070309020205020404" pitchFamily="49" charset="0"/>
+              </a:rPr>
+            </a:br>
+            <a:r>
+              <a:rPr lang="en-US" altLang="en-US" sz="1100" i="1" dirty="0">
+                <a:solidFill>
+                  <a:srgbClr val="808080"/>
+                </a:solidFill>
+                <a:latin typeface="Courier New" panose="02070309020205020404" pitchFamily="49" charset="0"/>
+                <a:cs typeface="Courier New" panose="02070309020205020404" pitchFamily="49" charset="0"/>
+              </a:rPr>
+              <a:t>    // you can run some code before</a:t>
+            </a:r>
+            <a:br>
+              <a:rPr lang="en-US" altLang="en-US" sz="1100" i="1" dirty="0">
+                <a:solidFill>
+                  <a:srgbClr val="808080"/>
+                </a:solidFill>
+                <a:latin typeface="Courier New" panose="02070309020205020404" pitchFamily="49" charset="0"/>
+                <a:cs typeface="Courier New" panose="02070309020205020404" pitchFamily="49" charset="0"/>
+              </a:rPr>
+            </a:br>
+            <a:r>
+              <a:rPr lang="en-US" altLang="en-US" sz="1100" i="1" dirty="0">
+                <a:solidFill>
+                  <a:srgbClr val="808080"/>
+                </a:solidFill>
+                <a:latin typeface="Courier New" panose="02070309020205020404" pitchFamily="49" charset="0"/>
+                <a:cs typeface="Courier New" panose="02070309020205020404" pitchFamily="49" charset="0"/>
+              </a:rPr>
+              <a:t/>
+            </a:r>
+            <a:br>
+              <a:rPr lang="en-US" altLang="en-US" sz="1100" i="1" dirty="0">
+                <a:solidFill>
+                  <a:srgbClr val="808080"/>
+                </a:solidFill>
+                <a:latin typeface="Courier New" panose="02070309020205020404" pitchFamily="49" charset="0"/>
+                <a:cs typeface="Courier New" panose="02070309020205020404" pitchFamily="49" charset="0"/>
+              </a:rPr>
+            </a:br>
+            <a:r>
+              <a:rPr lang="en-US" altLang="en-US" sz="1100" i="1" dirty="0">
+                <a:solidFill>
+                  <a:srgbClr val="808080"/>
+                </a:solidFill>
+                <a:latin typeface="Courier New" panose="02070309020205020404" pitchFamily="49" charset="0"/>
+                <a:cs typeface="Courier New" panose="02070309020205020404" pitchFamily="49" charset="0"/>
+              </a:rPr>
+              <a:t>    </a:t>
+            </a:r>
+            <a:r>
+              <a:rPr lang="en-US" altLang="en-US" sz="1100" b="1" dirty="0">
+                <a:solidFill>
+                  <a:srgbClr val="000080"/>
+                </a:solidFill>
+                <a:latin typeface="Courier New" panose="02070309020205020404" pitchFamily="49" charset="0"/>
+                <a:cs typeface="Courier New" panose="02070309020205020404" pitchFamily="49" charset="0"/>
+              </a:rPr>
+              <a:t>return </a:t>
+            </a:r>
+            <a:r>
+              <a:rPr lang="en-US" altLang="en-US" sz="1100" dirty="0">
+                <a:solidFill>
+                  <a:srgbClr val="000000"/>
+                </a:solidFill>
+                <a:latin typeface="Courier New" panose="02070309020205020404" pitchFamily="49" charset="0"/>
+                <a:cs typeface="Courier New" panose="02070309020205020404" pitchFamily="49" charset="0"/>
+              </a:rPr>
+              <a:t>{</a:t>
+            </a:r>
+            <a:br>
+              <a:rPr lang="en-US" altLang="en-US" sz="1100" dirty="0">
+                <a:solidFill>
+                  <a:srgbClr val="000000"/>
+                </a:solidFill>
+                <a:latin typeface="Courier New" panose="02070309020205020404" pitchFamily="49" charset="0"/>
+                <a:cs typeface="Courier New" panose="02070309020205020404" pitchFamily="49" charset="0"/>
+              </a:rPr>
+            </a:br>
+            <a:r>
+              <a:rPr lang="en-US" altLang="en-US" sz="1100" dirty="0">
+                <a:solidFill>
+                  <a:srgbClr val="000000"/>
+                </a:solidFill>
+                <a:latin typeface="Courier New" panose="02070309020205020404" pitchFamily="49" charset="0"/>
+                <a:cs typeface="Courier New" panose="02070309020205020404" pitchFamily="49" charset="0"/>
+              </a:rPr>
+              <a:t>        </a:t>
+            </a:r>
+            <a:r>
+              <a:rPr lang="en-US" altLang="en-US" sz="1100" dirty="0" err="1">
+                <a:solidFill>
+                  <a:srgbClr val="7A7A43"/>
+                </a:solidFill>
+                <a:latin typeface="Courier New" panose="02070309020205020404" pitchFamily="49" charset="0"/>
+                <a:cs typeface="Courier New" panose="02070309020205020404" pitchFamily="49" charset="0"/>
+              </a:rPr>
+              <a:t>sayHello</a:t>
+            </a:r>
+            <a:r>
+              <a:rPr lang="en-US" altLang="en-US" sz="1100" dirty="0">
+                <a:solidFill>
+                  <a:srgbClr val="7A7A43"/>
+                </a:solidFill>
+                <a:latin typeface="Courier New" panose="02070309020205020404" pitchFamily="49" charset="0"/>
+                <a:cs typeface="Courier New" panose="02070309020205020404" pitchFamily="49" charset="0"/>
+              </a:rPr>
+              <a:t> </a:t>
+            </a:r>
+            <a:r>
+              <a:rPr lang="en-US" altLang="en-US" sz="1100" dirty="0">
+                <a:solidFill>
+                  <a:srgbClr val="000000"/>
+                </a:solidFill>
+                <a:latin typeface="Courier New" panose="02070309020205020404" pitchFamily="49" charset="0"/>
+                <a:cs typeface="Courier New" panose="02070309020205020404" pitchFamily="49" charset="0"/>
+              </a:rPr>
+              <a:t>: </a:t>
+            </a:r>
+            <a:r>
+              <a:rPr lang="en-US" altLang="en-US" sz="1100" b="1" dirty="0">
+                <a:solidFill>
+                  <a:srgbClr val="000080"/>
+                </a:solidFill>
+                <a:latin typeface="Courier New" panose="02070309020205020404" pitchFamily="49" charset="0"/>
+                <a:cs typeface="Courier New" panose="02070309020205020404" pitchFamily="49" charset="0"/>
+              </a:rPr>
+              <a:t>function</a:t>
+            </a:r>
+            <a:r>
+              <a:rPr lang="en-US" altLang="en-US" sz="1100" dirty="0">
+                <a:solidFill>
+                  <a:srgbClr val="000000"/>
+                </a:solidFill>
+                <a:latin typeface="Courier New" panose="02070309020205020404" pitchFamily="49" charset="0"/>
+                <a:cs typeface="Courier New" panose="02070309020205020404" pitchFamily="49" charset="0"/>
+              </a:rPr>
+              <a:t>(name) {</a:t>
+            </a:r>
+            <a:br>
+              <a:rPr lang="en-US" altLang="en-US" sz="1100" dirty="0">
+                <a:solidFill>
+                  <a:srgbClr val="000000"/>
+                </a:solidFill>
+                <a:latin typeface="Courier New" panose="02070309020205020404" pitchFamily="49" charset="0"/>
+                <a:cs typeface="Courier New" panose="02070309020205020404" pitchFamily="49" charset="0"/>
+              </a:rPr>
+            </a:br>
+            <a:r>
+              <a:rPr lang="en-US" altLang="en-US" sz="1100" dirty="0">
+                <a:solidFill>
+                  <a:srgbClr val="000000"/>
+                </a:solidFill>
+                <a:latin typeface="Courier New" panose="02070309020205020404" pitchFamily="49" charset="0"/>
+                <a:cs typeface="Courier New" panose="02070309020205020404" pitchFamily="49" charset="0"/>
+              </a:rPr>
+              <a:t>            </a:t>
+            </a:r>
+            <a:r>
+              <a:rPr lang="en-US" altLang="en-US" sz="1100" b="1" dirty="0">
+                <a:solidFill>
+                  <a:srgbClr val="000080"/>
+                </a:solidFill>
+                <a:latin typeface="Courier New" panose="02070309020205020404" pitchFamily="49" charset="0"/>
+                <a:cs typeface="Courier New" panose="02070309020205020404" pitchFamily="49" charset="0"/>
+              </a:rPr>
+              <a:t>return </a:t>
+            </a:r>
+            <a:r>
+              <a:rPr lang="en-US" altLang="en-US" sz="1100" b="1" dirty="0">
+                <a:solidFill>
+                  <a:srgbClr val="008000"/>
+                </a:solidFill>
+                <a:latin typeface="Courier New" panose="02070309020205020404" pitchFamily="49" charset="0"/>
+                <a:cs typeface="Courier New" panose="02070309020205020404" pitchFamily="49" charset="0"/>
+              </a:rPr>
+              <a:t>"Hi " </a:t>
+            </a:r>
+            <a:r>
+              <a:rPr lang="en-US" altLang="en-US" sz="1100" dirty="0">
+                <a:solidFill>
+                  <a:srgbClr val="000000"/>
+                </a:solidFill>
+                <a:latin typeface="Courier New" panose="02070309020205020404" pitchFamily="49" charset="0"/>
+                <a:cs typeface="Courier New" panose="02070309020205020404" pitchFamily="49" charset="0"/>
+              </a:rPr>
+              <a:t>+ name + </a:t>
+            </a:r>
+            <a:r>
+              <a:rPr lang="en-US" altLang="en-US" sz="1100" b="1" dirty="0">
+                <a:solidFill>
+                  <a:srgbClr val="008000"/>
+                </a:solidFill>
+                <a:latin typeface="Courier New" panose="02070309020205020404" pitchFamily="49" charset="0"/>
+                <a:cs typeface="Courier New" panose="02070309020205020404" pitchFamily="49" charset="0"/>
+              </a:rPr>
+              <a:t>"!"</a:t>
+            </a:r>
+            <a:r>
+              <a:rPr lang="en-US" altLang="en-US" sz="1100" dirty="0">
+                <a:solidFill>
+                  <a:srgbClr val="000000"/>
+                </a:solidFill>
+                <a:latin typeface="Courier New" panose="02070309020205020404" pitchFamily="49" charset="0"/>
+                <a:cs typeface="Courier New" panose="02070309020205020404" pitchFamily="49" charset="0"/>
+              </a:rPr>
+              <a:t>;</a:t>
+            </a:r>
+            <a:br>
+              <a:rPr lang="en-US" altLang="en-US" sz="1100" dirty="0">
+                <a:solidFill>
+                  <a:srgbClr val="000000"/>
+                </a:solidFill>
+                <a:latin typeface="Courier New" panose="02070309020205020404" pitchFamily="49" charset="0"/>
+                <a:cs typeface="Courier New" panose="02070309020205020404" pitchFamily="49" charset="0"/>
+              </a:rPr>
+            </a:br>
+            <a:r>
+              <a:rPr lang="en-US" altLang="en-US" sz="1100" dirty="0">
+                <a:solidFill>
+                  <a:srgbClr val="000000"/>
+                </a:solidFill>
+                <a:latin typeface="Courier New" panose="02070309020205020404" pitchFamily="49" charset="0"/>
+                <a:cs typeface="Courier New" panose="02070309020205020404" pitchFamily="49" charset="0"/>
+              </a:rPr>
+              <a:t>        }</a:t>
+            </a:r>
+            <a:br>
+              <a:rPr lang="en-US" altLang="en-US" sz="1100" dirty="0">
+                <a:solidFill>
+                  <a:srgbClr val="000000"/>
+                </a:solidFill>
+                <a:latin typeface="Courier New" panose="02070309020205020404" pitchFamily="49" charset="0"/>
+                <a:cs typeface="Courier New" panose="02070309020205020404" pitchFamily="49" charset="0"/>
+              </a:rPr>
+            </a:br>
+            <a:r>
+              <a:rPr lang="en-US" altLang="en-US" sz="1100" dirty="0">
+                <a:solidFill>
+                  <a:srgbClr val="000000"/>
+                </a:solidFill>
+                <a:latin typeface="Courier New" panose="02070309020205020404" pitchFamily="49" charset="0"/>
+                <a:cs typeface="Courier New" panose="02070309020205020404" pitchFamily="49" charset="0"/>
+              </a:rPr>
+              <a:t>    }</a:t>
+            </a:r>
+            <a:br>
+              <a:rPr lang="en-US" altLang="en-US" sz="1100" dirty="0">
+                <a:solidFill>
+                  <a:srgbClr val="000000"/>
+                </a:solidFill>
+                <a:latin typeface="Courier New" panose="02070309020205020404" pitchFamily="49" charset="0"/>
+                <a:cs typeface="Courier New" panose="02070309020205020404" pitchFamily="49" charset="0"/>
+              </a:rPr>
+            </a:br>
+            <a:r>
+              <a:rPr lang="en-US" altLang="en-US" sz="1100" dirty="0">
+                <a:solidFill>
+                  <a:srgbClr val="000000"/>
+                </a:solidFill>
+                <a:latin typeface="Courier New" panose="02070309020205020404" pitchFamily="49" charset="0"/>
+                <a:cs typeface="Courier New" panose="02070309020205020404" pitchFamily="49" charset="0"/>
+              </a:rPr>
+              <a:t>});</a:t>
+            </a:r>
+            <a:endParaRPr lang="en-US" altLang="en-US" sz="2400" dirty="0">
+              <a:latin typeface="Arial" panose="020B0604020202020204" pitchFamily="34" charset="0"/>
+            </a:endParaRPr>
+          </a:p>
+        </p:txBody>
+      </p:sp>
+      <p:sp>
+        <p:nvSpPr>
+          <p:cNvPr id="5" name="Rectangle 4"/>
+          <p:cNvSpPr>
+            <a:spLocks noChangeArrowheads="1"/>
+          </p:cNvSpPr>
+          <p:nvPr/>
+        </p:nvSpPr>
+        <p:spPr bwMode="auto">
+          <a:xfrm>
+            <a:off x="457200" y="1989138"/>
+            <a:ext cx="4191000" cy="1741603"/>
+          </a:xfrm>
+          <a:prstGeom prst="rect">
+            <a:avLst/>
+          </a:prstGeom>
+          <a:solidFill>
+            <a:srgbClr val="F5F2F0"/>
+          </a:solidFill>
+          <a:ln>
+            <a:noFill/>
+          </a:ln>
+          <a:effectLst/>
+          <a:extLst>
+            <a:ext uri="{91240B29-F687-4F45-9708-019B960494DF}">
+              <a14:hiddenLine xmlns:a14="http://schemas.microsoft.com/office/drawing/2010/main" w="9525">
+                <a:solidFill>
+                  <a:schemeClr val="tx1"/>
+                </a:solidFill>
+                <a:miter lim="800000"/>
+                <a:headEnd/>
+                <a:tailEnd/>
+              </a14:hiddenLine>
+            </a:ext>
+            <a:ext uri="{AF507438-7753-43E0-B8FC-AC1667EBCBE1}">
+              <a14:hiddenEffects xmlns:a14="http://schemas.microsoft.com/office/drawing/2010/main">
+                <a:effectLst>
+                  <a:outerShdw dist="35921" dir="2700000" algn="ctr" rotWithShape="0">
+                    <a:schemeClr val="bg2"/>
+                  </a:outerShdw>
+                </a:effectLst>
+              </a14:hiddenEffects>
+            </a:ext>
+          </a:extLst>
+        </p:spPr>
+        <p:txBody>
+          <a:bodyPr vert="horz" wrap="square" lIns="108000" tIns="108000" rIns="108000" bIns="108000" numCol="1" anchor="ctr" anchorCtr="0" compatLnSpc="1">
+            <a:prstTxWarp prst="textNoShape">
+              <a:avLst/>
+            </a:prstTxWarp>
+            <a:spAutoFit/>
+          </a:bodyPr>
+          <a:lstStyle/>
+          <a:p>
+            <a:pPr lvl="0" eaLnBrk="0" fontAlgn="base" hangingPunct="0">
+              <a:spcBef>
+                <a:spcPct val="0"/>
+              </a:spcBef>
+              <a:spcAft>
+                <a:spcPct val="0"/>
+              </a:spcAft>
+            </a:pPr>
+            <a:r>
+              <a:rPr lang="en-US" altLang="en-US" sz="1100" b="1" i="1" dirty="0" err="1">
+                <a:solidFill>
+                  <a:srgbClr val="660E7A"/>
+                </a:solidFill>
+                <a:latin typeface="Courier New" panose="02070309020205020404" pitchFamily="49" charset="0"/>
+                <a:cs typeface="Courier New" panose="02070309020205020404" pitchFamily="49" charset="0"/>
+              </a:rPr>
+              <a:t>app</a:t>
+            </a:r>
+            <a:r>
+              <a:rPr lang="en-US" altLang="en-US" sz="1100" dirty="0" err="1">
+                <a:solidFill>
+                  <a:srgbClr val="000000"/>
+                </a:solidFill>
+                <a:latin typeface="Courier New" panose="02070309020205020404" pitchFamily="49" charset="0"/>
+                <a:cs typeface="Courier New" panose="02070309020205020404" pitchFamily="49" charset="0"/>
+              </a:rPr>
+              <a:t>.</a:t>
+            </a:r>
+            <a:r>
+              <a:rPr lang="en-US" altLang="en-US" sz="1100" b="1" dirty="0" err="1">
+                <a:solidFill>
+                  <a:srgbClr val="660E7A"/>
+                </a:solidFill>
+                <a:latin typeface="Courier New" panose="02070309020205020404" pitchFamily="49" charset="0"/>
+                <a:cs typeface="Courier New" panose="02070309020205020404" pitchFamily="49" charset="0"/>
+              </a:rPr>
+              <a:t>service</a:t>
+            </a:r>
+            <a:r>
+              <a:rPr lang="en-US" altLang="en-US" sz="1100" dirty="0">
+                <a:solidFill>
+                  <a:srgbClr val="000000"/>
+                </a:solidFill>
+                <a:latin typeface="Courier New" panose="02070309020205020404" pitchFamily="49" charset="0"/>
+                <a:cs typeface="Courier New" panose="02070309020205020404" pitchFamily="49" charset="0"/>
+              </a:rPr>
+              <a:t>(</a:t>
+            </a:r>
+            <a:r>
+              <a:rPr lang="en-US" altLang="en-US" sz="1100" b="1" dirty="0">
+                <a:solidFill>
+                  <a:srgbClr val="008000"/>
+                </a:solidFill>
+                <a:latin typeface="Courier New" panose="02070309020205020404" pitchFamily="49" charset="0"/>
+                <a:cs typeface="Courier New" panose="02070309020205020404" pitchFamily="49" charset="0"/>
+              </a:rPr>
+              <a:t>'</a:t>
+            </a:r>
+            <a:r>
+              <a:rPr lang="en-US" altLang="en-US" sz="1100" b="1" dirty="0" err="1">
+                <a:solidFill>
+                  <a:srgbClr val="008000"/>
+                </a:solidFill>
+                <a:latin typeface="Courier New" panose="02070309020205020404" pitchFamily="49" charset="0"/>
+                <a:cs typeface="Courier New" panose="02070309020205020404" pitchFamily="49" charset="0"/>
+              </a:rPr>
+              <a:t>myService</a:t>
+            </a:r>
+            <a:r>
+              <a:rPr lang="en-US" altLang="en-US" sz="1100" b="1" dirty="0">
+                <a:solidFill>
+                  <a:srgbClr val="008000"/>
+                </a:solidFill>
+                <a:latin typeface="Courier New" panose="02070309020205020404" pitchFamily="49" charset="0"/>
+                <a:cs typeface="Courier New" panose="02070309020205020404" pitchFamily="49" charset="0"/>
+              </a:rPr>
+              <a:t>'</a:t>
+            </a:r>
+            <a:r>
+              <a:rPr lang="en-US" altLang="en-US" sz="1100" dirty="0">
+                <a:solidFill>
+                  <a:srgbClr val="000000"/>
+                </a:solidFill>
+                <a:latin typeface="Courier New" panose="02070309020205020404" pitchFamily="49" charset="0"/>
+                <a:cs typeface="Courier New" panose="02070309020205020404" pitchFamily="49" charset="0"/>
+              </a:rPr>
+              <a:t>, </a:t>
+            </a:r>
+            <a:r>
+              <a:rPr lang="en-US" altLang="en-US" sz="1100" b="1" dirty="0">
+                <a:solidFill>
+                  <a:srgbClr val="000080"/>
+                </a:solidFill>
+                <a:latin typeface="Courier New" panose="02070309020205020404" pitchFamily="49" charset="0"/>
+                <a:cs typeface="Courier New" panose="02070309020205020404" pitchFamily="49" charset="0"/>
+              </a:rPr>
+              <a:t>function</a:t>
+            </a:r>
+            <a:r>
+              <a:rPr lang="en-US" altLang="en-US" sz="1100" dirty="0">
+                <a:solidFill>
+                  <a:srgbClr val="000000"/>
+                </a:solidFill>
+                <a:latin typeface="Courier New" panose="02070309020205020404" pitchFamily="49" charset="0"/>
+                <a:cs typeface="Courier New" panose="02070309020205020404" pitchFamily="49" charset="0"/>
+              </a:rPr>
+              <a:t>() {</a:t>
+            </a:r>
+            <a:br>
+              <a:rPr lang="en-US" altLang="en-US" sz="1100" dirty="0">
+                <a:solidFill>
+                  <a:srgbClr val="000000"/>
+                </a:solidFill>
+                <a:latin typeface="Courier New" panose="02070309020205020404" pitchFamily="49" charset="0"/>
+                <a:cs typeface="Courier New" panose="02070309020205020404" pitchFamily="49" charset="0"/>
+              </a:rPr>
+            </a:br>
+            <a:r>
+              <a:rPr lang="en-US" altLang="en-US" sz="1100" dirty="0">
+                <a:solidFill>
+                  <a:srgbClr val="000000"/>
+                </a:solidFill>
+                <a:latin typeface="Courier New" panose="02070309020205020404" pitchFamily="49" charset="0"/>
+                <a:cs typeface="Courier New" panose="02070309020205020404" pitchFamily="49" charset="0"/>
+              </a:rPr>
+              <a:t/>
+            </a:r>
+            <a:br>
+              <a:rPr lang="en-US" altLang="en-US" sz="1100" dirty="0">
+                <a:solidFill>
+                  <a:srgbClr val="000000"/>
+                </a:solidFill>
+                <a:latin typeface="Courier New" panose="02070309020205020404" pitchFamily="49" charset="0"/>
+                <a:cs typeface="Courier New" panose="02070309020205020404" pitchFamily="49" charset="0"/>
+              </a:rPr>
+            </a:br>
+            <a:r>
+              <a:rPr lang="en-US" altLang="en-US" sz="1100" dirty="0">
+                <a:solidFill>
+                  <a:srgbClr val="000000"/>
+                </a:solidFill>
+                <a:latin typeface="Courier New" panose="02070309020205020404" pitchFamily="49" charset="0"/>
+                <a:cs typeface="Courier New" panose="02070309020205020404" pitchFamily="49" charset="0"/>
+              </a:rPr>
+              <a:t>    </a:t>
+            </a:r>
+            <a:r>
+              <a:rPr lang="en-US" altLang="en-US" sz="1100" i="1" dirty="0">
+                <a:solidFill>
+                  <a:srgbClr val="808080"/>
+                </a:solidFill>
+                <a:latin typeface="Courier New" panose="02070309020205020404" pitchFamily="49" charset="0"/>
+                <a:cs typeface="Courier New" panose="02070309020205020404" pitchFamily="49" charset="0"/>
+              </a:rPr>
+              <a:t>// service is just a constructor function</a:t>
+            </a:r>
+            <a:br>
+              <a:rPr lang="en-US" altLang="en-US" sz="1100" i="1" dirty="0">
+                <a:solidFill>
+                  <a:srgbClr val="808080"/>
+                </a:solidFill>
+                <a:latin typeface="Courier New" panose="02070309020205020404" pitchFamily="49" charset="0"/>
+                <a:cs typeface="Courier New" panose="02070309020205020404" pitchFamily="49" charset="0"/>
+              </a:rPr>
+            </a:br>
+            <a:r>
+              <a:rPr lang="en-US" altLang="en-US" sz="1100" i="1" dirty="0">
+                <a:solidFill>
+                  <a:srgbClr val="808080"/>
+                </a:solidFill>
+                <a:latin typeface="Courier New" panose="02070309020205020404" pitchFamily="49" charset="0"/>
+                <a:cs typeface="Courier New" panose="02070309020205020404" pitchFamily="49" charset="0"/>
+              </a:rPr>
+              <a:t>    // that will be called with 'new'</a:t>
+            </a:r>
+            <a:br>
+              <a:rPr lang="en-US" altLang="en-US" sz="1100" i="1" dirty="0">
+                <a:solidFill>
+                  <a:srgbClr val="808080"/>
+                </a:solidFill>
+                <a:latin typeface="Courier New" panose="02070309020205020404" pitchFamily="49" charset="0"/>
+                <a:cs typeface="Courier New" panose="02070309020205020404" pitchFamily="49" charset="0"/>
+              </a:rPr>
+            </a:br>
+            <a:r>
+              <a:rPr lang="en-US" altLang="en-US" sz="1100" i="1" dirty="0">
+                <a:solidFill>
+                  <a:srgbClr val="808080"/>
+                </a:solidFill>
+                <a:latin typeface="Courier New" panose="02070309020205020404" pitchFamily="49" charset="0"/>
+                <a:cs typeface="Courier New" panose="02070309020205020404" pitchFamily="49" charset="0"/>
+              </a:rPr>
+              <a:t/>
+            </a:r>
+            <a:br>
+              <a:rPr lang="en-US" altLang="en-US" sz="1100" i="1" dirty="0">
+                <a:solidFill>
+                  <a:srgbClr val="808080"/>
+                </a:solidFill>
+                <a:latin typeface="Courier New" panose="02070309020205020404" pitchFamily="49" charset="0"/>
+                <a:cs typeface="Courier New" panose="02070309020205020404" pitchFamily="49" charset="0"/>
+              </a:rPr>
+            </a:br>
+            <a:r>
+              <a:rPr lang="en-US" altLang="en-US" sz="1100" i="1" dirty="0">
+                <a:solidFill>
+                  <a:srgbClr val="808080"/>
+                </a:solidFill>
+                <a:latin typeface="Courier New" panose="02070309020205020404" pitchFamily="49" charset="0"/>
+                <a:cs typeface="Courier New" panose="02070309020205020404" pitchFamily="49" charset="0"/>
+              </a:rPr>
+              <a:t>    </a:t>
+            </a:r>
+            <a:r>
+              <a:rPr lang="en-US" altLang="en-US" sz="1100" b="1" dirty="0" err="1">
+                <a:solidFill>
+                  <a:srgbClr val="000080"/>
+                </a:solidFill>
+                <a:latin typeface="Courier New" panose="02070309020205020404" pitchFamily="49" charset="0"/>
+                <a:cs typeface="Courier New" panose="02070309020205020404" pitchFamily="49" charset="0"/>
+              </a:rPr>
+              <a:t>this</a:t>
+            </a:r>
+            <a:r>
+              <a:rPr lang="en-US" altLang="en-US" sz="1100" dirty="0" err="1">
+                <a:solidFill>
+                  <a:srgbClr val="000000"/>
+                </a:solidFill>
+                <a:latin typeface="Courier New" panose="02070309020205020404" pitchFamily="49" charset="0"/>
+                <a:cs typeface="Courier New" panose="02070309020205020404" pitchFamily="49" charset="0"/>
+              </a:rPr>
+              <a:t>.</a:t>
+            </a:r>
+            <a:r>
+              <a:rPr lang="en-US" altLang="en-US" sz="1100" dirty="0" err="1">
+                <a:solidFill>
+                  <a:srgbClr val="7A7A43"/>
+                </a:solidFill>
+                <a:latin typeface="Courier New" panose="02070309020205020404" pitchFamily="49" charset="0"/>
+                <a:cs typeface="Courier New" panose="02070309020205020404" pitchFamily="49" charset="0"/>
+              </a:rPr>
+              <a:t>sayHello</a:t>
+            </a:r>
+            <a:r>
+              <a:rPr lang="en-US" altLang="en-US" sz="1100" dirty="0">
+                <a:solidFill>
+                  <a:srgbClr val="7A7A43"/>
+                </a:solidFill>
+                <a:latin typeface="Courier New" panose="02070309020205020404" pitchFamily="49" charset="0"/>
+                <a:cs typeface="Courier New" panose="02070309020205020404" pitchFamily="49" charset="0"/>
+              </a:rPr>
+              <a:t> </a:t>
+            </a:r>
+            <a:r>
+              <a:rPr lang="en-US" altLang="en-US" sz="1100" dirty="0">
+                <a:solidFill>
+                  <a:srgbClr val="000000"/>
+                </a:solidFill>
+                <a:latin typeface="Courier New" panose="02070309020205020404" pitchFamily="49" charset="0"/>
+                <a:cs typeface="Courier New" panose="02070309020205020404" pitchFamily="49" charset="0"/>
+              </a:rPr>
+              <a:t>= </a:t>
+            </a:r>
+            <a:r>
+              <a:rPr lang="en-US" altLang="en-US" sz="1100" b="1" dirty="0">
+                <a:solidFill>
+                  <a:srgbClr val="000080"/>
+                </a:solidFill>
+                <a:latin typeface="Courier New" panose="02070309020205020404" pitchFamily="49" charset="0"/>
+                <a:cs typeface="Courier New" panose="02070309020205020404" pitchFamily="49" charset="0"/>
+              </a:rPr>
+              <a:t>function</a:t>
+            </a:r>
+            <a:r>
+              <a:rPr lang="en-US" altLang="en-US" sz="1100" dirty="0">
+                <a:solidFill>
+                  <a:srgbClr val="000000"/>
+                </a:solidFill>
+                <a:latin typeface="Courier New" panose="02070309020205020404" pitchFamily="49" charset="0"/>
+                <a:cs typeface="Courier New" panose="02070309020205020404" pitchFamily="49" charset="0"/>
+              </a:rPr>
+              <a:t>(name) {</a:t>
+            </a:r>
+            <a:br>
+              <a:rPr lang="en-US" altLang="en-US" sz="1100" dirty="0">
+                <a:solidFill>
+                  <a:srgbClr val="000000"/>
+                </a:solidFill>
+                <a:latin typeface="Courier New" panose="02070309020205020404" pitchFamily="49" charset="0"/>
+                <a:cs typeface="Courier New" panose="02070309020205020404" pitchFamily="49" charset="0"/>
+              </a:rPr>
+            </a:br>
+            <a:r>
+              <a:rPr lang="en-US" altLang="en-US" sz="1100" dirty="0">
+                <a:solidFill>
+                  <a:srgbClr val="000000"/>
+                </a:solidFill>
+                <a:latin typeface="Courier New" panose="02070309020205020404" pitchFamily="49" charset="0"/>
+                <a:cs typeface="Courier New" panose="02070309020205020404" pitchFamily="49" charset="0"/>
+              </a:rPr>
+              <a:t>        </a:t>
+            </a:r>
+            <a:r>
+              <a:rPr lang="en-US" altLang="en-US" sz="1100" b="1" dirty="0">
+                <a:solidFill>
+                  <a:srgbClr val="000080"/>
+                </a:solidFill>
+                <a:latin typeface="Courier New" panose="02070309020205020404" pitchFamily="49" charset="0"/>
+                <a:cs typeface="Courier New" panose="02070309020205020404" pitchFamily="49" charset="0"/>
+              </a:rPr>
+              <a:t>return </a:t>
+            </a:r>
+            <a:r>
+              <a:rPr lang="en-US" altLang="en-US" sz="1100" b="1" dirty="0">
+                <a:solidFill>
+                  <a:srgbClr val="008000"/>
+                </a:solidFill>
+                <a:latin typeface="Courier New" panose="02070309020205020404" pitchFamily="49" charset="0"/>
+                <a:cs typeface="Courier New" panose="02070309020205020404" pitchFamily="49" charset="0"/>
+              </a:rPr>
+              <a:t>"Hi " </a:t>
+            </a:r>
+            <a:r>
+              <a:rPr lang="en-US" altLang="en-US" sz="1100" dirty="0">
+                <a:solidFill>
+                  <a:srgbClr val="000000"/>
+                </a:solidFill>
+                <a:latin typeface="Courier New" panose="02070309020205020404" pitchFamily="49" charset="0"/>
+                <a:cs typeface="Courier New" panose="02070309020205020404" pitchFamily="49" charset="0"/>
+              </a:rPr>
+              <a:t>+ name + </a:t>
+            </a:r>
+            <a:r>
+              <a:rPr lang="en-US" altLang="en-US" sz="1100" b="1" dirty="0">
+                <a:solidFill>
+                  <a:srgbClr val="008000"/>
+                </a:solidFill>
+                <a:latin typeface="Courier New" panose="02070309020205020404" pitchFamily="49" charset="0"/>
+                <a:cs typeface="Courier New" panose="02070309020205020404" pitchFamily="49" charset="0"/>
+              </a:rPr>
+              <a:t>"!"</a:t>
+            </a:r>
+            <a:r>
+              <a:rPr lang="en-US" altLang="en-US" sz="1100" dirty="0">
+                <a:solidFill>
+                  <a:srgbClr val="000000"/>
+                </a:solidFill>
+                <a:latin typeface="Courier New" panose="02070309020205020404" pitchFamily="49" charset="0"/>
+                <a:cs typeface="Courier New" panose="02070309020205020404" pitchFamily="49" charset="0"/>
+              </a:rPr>
+              <a:t>;</a:t>
+            </a:r>
+            <a:br>
+              <a:rPr lang="en-US" altLang="en-US" sz="1100" dirty="0">
+                <a:solidFill>
+                  <a:srgbClr val="000000"/>
+                </a:solidFill>
+                <a:latin typeface="Courier New" panose="02070309020205020404" pitchFamily="49" charset="0"/>
+                <a:cs typeface="Courier New" panose="02070309020205020404" pitchFamily="49" charset="0"/>
+              </a:rPr>
+            </a:br>
+            <a:r>
+              <a:rPr lang="en-US" altLang="en-US" sz="1100" dirty="0">
+                <a:solidFill>
+                  <a:srgbClr val="000000"/>
+                </a:solidFill>
+                <a:latin typeface="Courier New" panose="02070309020205020404" pitchFamily="49" charset="0"/>
+                <a:cs typeface="Courier New" panose="02070309020205020404" pitchFamily="49" charset="0"/>
+              </a:rPr>
+              <a:t>    };</a:t>
+            </a:r>
+            <a:br>
+              <a:rPr lang="en-US" altLang="en-US" sz="1100" dirty="0">
+                <a:solidFill>
+                  <a:srgbClr val="000000"/>
+                </a:solidFill>
+                <a:latin typeface="Courier New" panose="02070309020205020404" pitchFamily="49" charset="0"/>
+                <a:cs typeface="Courier New" panose="02070309020205020404" pitchFamily="49" charset="0"/>
+              </a:rPr>
+            </a:br>
+            <a:r>
+              <a:rPr lang="en-US" altLang="en-US" sz="1100" dirty="0">
+                <a:solidFill>
+                  <a:srgbClr val="000000"/>
+                </a:solidFill>
+                <a:latin typeface="Courier New" panose="02070309020205020404" pitchFamily="49" charset="0"/>
+                <a:cs typeface="Courier New" panose="02070309020205020404" pitchFamily="49" charset="0"/>
+              </a:rPr>
+              <a:t>});</a:t>
+            </a:r>
+            <a:endParaRPr lang="en-US" altLang="en-US" sz="2400" dirty="0">
+              <a:latin typeface="Arial" panose="020B0604020202020204" pitchFamily="34" charset="0"/>
+            </a:endParaRPr>
+          </a:p>
+        </p:txBody>
+      </p:sp>
+      <p:sp>
+        <p:nvSpPr>
+          <p:cNvPr id="8" name="Rectangle 7"/>
+          <p:cNvSpPr/>
+          <p:nvPr/>
         </p:nvSpPr>
         <p:spPr>
           <a:xfrm>
-            <a:off x="457200" y="1600200"/>
-            <a:ext cx="8229600" cy="3809999"/>
+            <a:off x="457200" y="1472555"/>
+            <a:ext cx="6569940" cy="461665"/>
           </a:xfrm>
+          <a:prstGeom prst="rect">
+            <a:avLst/>
+          </a:prstGeom>
         </p:spPr>
         <p:txBody>
-          <a:bodyPr>
-            <a:normAutofit/>
+          <a:bodyPr wrap="none">
+            <a:spAutoFit/>
           </a:bodyPr>
           <a:lstStyle/>
           <a:p>
             <a:r>
-              <a:rPr lang="en-US" dirty="0" smtClean="0"/>
-              <a:t>JS – model</a:t>
-            </a:r>
-          </a:p>
-          <a:p>
-            <a:r>
-              <a:rPr lang="en-US" dirty="0" smtClean="0"/>
-              <a:t>HTML – view</a:t>
-            </a:r>
-          </a:p>
-          <a:p>
-            <a:r>
-              <a:rPr lang="en-US" dirty="0" smtClean="0"/>
-              <a:t>$scope – view model – shared object between view and model</a:t>
-            </a:r>
-            <a:endParaRPr lang="ru-RU" dirty="0"/>
+              <a:rPr lang="en-US" sz="2400" dirty="0" smtClean="0"/>
+              <a:t>service is a constructor </a:t>
+            </a:r>
+            <a:r>
+              <a:rPr lang="en-US" sz="2400" dirty="0" err="1" smtClean="0"/>
+              <a:t>fn</a:t>
+            </a:r>
+            <a:r>
+              <a:rPr lang="en-US" sz="2400" dirty="0" smtClean="0"/>
+              <a:t> (also accepts es6 classes)</a:t>
+            </a:r>
+            <a:endParaRPr lang="en-US" sz="2400" dirty="0">
+              <a:solidFill>
+                <a:srgbClr val="C00000"/>
+              </a:solidFill>
+            </a:endParaRPr>
+          </a:p>
+        </p:txBody>
+      </p:sp>
+      <p:sp>
+        <p:nvSpPr>
+          <p:cNvPr id="11" name="Rectangle 10"/>
+          <p:cNvSpPr/>
+          <p:nvPr/>
+        </p:nvSpPr>
+        <p:spPr>
+          <a:xfrm>
+            <a:off x="5126199" y="3814732"/>
+            <a:ext cx="3710824" cy="461665"/>
+          </a:xfrm>
+          <a:prstGeom prst="rect">
+            <a:avLst/>
+          </a:prstGeom>
+        </p:spPr>
+        <p:txBody>
+          <a:bodyPr wrap="none">
+            <a:spAutoFit/>
+          </a:bodyPr>
+          <a:lstStyle/>
+          <a:p>
+            <a:r>
+              <a:rPr lang="en-US" sz="2400" dirty="0" smtClean="0"/>
+              <a:t>factory returns object as API</a:t>
+            </a:r>
+            <a:endParaRPr lang="en-US" sz="2400" dirty="0">
+              <a:solidFill>
+                <a:srgbClr val="C00000"/>
+              </a:solidFill>
+            </a:endParaRPr>
           </a:p>
         </p:txBody>
       </p:sp>
     </p:spTree>
     <p:extLst>
       <p:ext uri="{BB962C8B-B14F-4D97-AF65-F5344CB8AC3E}">
-        <p14:creationId xmlns:p14="http://schemas.microsoft.com/office/powerpoint/2010/main" val="1498899927"/>
+        <p14:creationId xmlns:p14="http://schemas.microsoft.com/office/powerpoint/2010/main" val="4037644220"/>
       </p:ext>
     </p:extLst>
   </p:cSld>
   <p:clrMapOvr>
     <a:masterClrMapping/>
   </p:clrMapOvr>
-  <mc:AlternateContent xmlns:mc="http://schemas.openxmlformats.org/markup-compatibility/2006" xmlns:p14="http://schemas.microsoft.com/office/powerpoint/2010/main">
-    <mc:Choice Requires="p14">
+  <mc:AlternateContent xmlns:mc="http://schemas.openxmlformats.org/markup-compatibility/2006">
+    <mc:Choice xmlns:p14="http://schemas.microsoft.com/office/powerpoint/2010/main" Requires="p14">
       <p:transition spd="slow" p14:dur="2000"/>
     </mc:Choice>
-    <mc:Fallback xmlns="">
+    <mc:Fallback>
       <p:transition spd="slow"/>
     </mc:Fallback>
   </mc:AlternateContent>
@@ -5713,9 +6065,16 @@
             <p:ph type="title"/>
           </p:nvPr>
         </p:nvSpPr>
-        <p:spPr/>
-        <p:txBody>
-          <a:bodyPr/>
+        <p:spPr>
+          <a:xfrm>
+            <a:off x="533400" y="1981200"/>
+            <a:ext cx="8229600" cy="1143000"/>
+          </a:xfrm>
+        </p:spPr>
+        <p:txBody>
+          <a:bodyPr>
+            <a:normAutofit/>
+          </a:bodyPr>
           <a:lstStyle/>
           <a:p>
             <a:r>
@@ -5723,7 +6082,7 @@
                 <a:latin typeface="Courier New" panose="02070309020205020404" pitchFamily="49" charset="0"/>
                 <a:cs typeface="Courier New" panose="02070309020205020404" pitchFamily="49" charset="0"/>
               </a:rPr>
-              <a:t>$scope</a:t>
+              <a:t>Homework!</a:t>
             </a:r>
             <a:endParaRPr lang="ru-RU" dirty="0">
               <a:latin typeface="Courier New" panose="02070309020205020404" pitchFamily="49" charset="0"/>
@@ -5732,580 +6091,24 @@
           </a:p>
         </p:txBody>
       </p:sp>
-      <p:sp>
-        <p:nvSpPr>
-          <p:cNvPr id="3" name="Content Placeholder 2"/>
-          <p:cNvSpPr>
-            <a:spLocks noGrp="1"/>
-          </p:cNvSpPr>
-          <p:nvPr>
-            <p:ph idx="1"/>
-          </p:nvPr>
-        </p:nvSpPr>
-        <p:spPr>
-          <a:xfrm>
-            <a:off x="457200" y="1600200"/>
-            <a:ext cx="8229600" cy="3809999"/>
-          </a:xfrm>
-        </p:spPr>
-        <p:txBody>
-          <a:bodyPr>
-            <a:normAutofit/>
-          </a:bodyPr>
-          <a:lstStyle/>
-          <a:p>
-            <a:r>
-              <a:rPr lang="en-US" dirty="0"/>
-              <a:t>In an AngularJS application, the controller and view share an object called a </a:t>
-            </a:r>
-            <a:r>
-              <a:rPr lang="en-US" dirty="0" smtClean="0"/>
-              <a:t>scope</a:t>
-            </a:r>
-          </a:p>
-          <a:p>
-            <a:r>
-              <a:rPr lang="en-US" dirty="0" smtClean="0"/>
-              <a:t>scope has </a:t>
-            </a:r>
-            <a:r>
-              <a:rPr lang="en-US" dirty="0"/>
-              <a:t>two-way data </a:t>
-            </a:r>
-            <a:r>
-              <a:rPr lang="en-US" dirty="0" smtClean="0"/>
-              <a:t>binding</a:t>
-            </a:r>
-          </a:p>
-          <a:p>
-            <a:r>
-              <a:rPr lang="en-US" dirty="0"/>
-              <a:t>$</a:t>
-            </a:r>
-            <a:r>
-              <a:rPr lang="en-US" dirty="0" err="1" smtClean="0"/>
-              <a:t>rootScope</a:t>
-            </a:r>
-            <a:r>
-              <a:rPr lang="en-US" dirty="0" smtClean="0"/>
-              <a:t> is always created on app start</a:t>
-            </a:r>
-            <a:endParaRPr lang="ru-RU" dirty="0"/>
-          </a:p>
-        </p:txBody>
-      </p:sp>
     </p:spTree>
     <p:extLst>
       <p:ext uri="{BB962C8B-B14F-4D97-AF65-F5344CB8AC3E}">
-        <p14:creationId xmlns:p14="http://schemas.microsoft.com/office/powerpoint/2010/main" val="2019787567"/>
+        <p14:creationId xmlns:p14="http://schemas.microsoft.com/office/powerpoint/2010/main" val="2954431745"/>
       </p:ext>
     </p:extLst>
   </p:cSld>
   <p:clrMapOvr>
     <a:masterClrMapping/>
   </p:clrMapOvr>
-  <mc:AlternateContent xmlns:mc="http://schemas.openxmlformats.org/markup-compatibility/2006" xmlns:p14="http://schemas.microsoft.com/office/powerpoint/2010/main">
-    <mc:Choice Requires="p14">
+  <mc:AlternateContent xmlns:mc="http://schemas.openxmlformats.org/markup-compatibility/2006">
+    <mc:Choice xmlns:p14="http://schemas.microsoft.com/office/powerpoint/2010/main" Requires="p14">
       <p:transition spd="slow" p14:dur="2000"/>
     </mc:Choice>
-    <mc:Fallback xmlns="">
+    <mc:Fallback>
       <p:transition spd="slow"/>
     </mc:Fallback>
   </mc:AlternateContent>
-  <p:timing>
-    <p:tnLst>
-      <p:par>
-        <p:cTn id="1" dur="indefinite" restart="never" nodeType="tmRoot"/>
-      </p:par>
-    </p:tnLst>
-  </p:timing>
-</p:sld>
-</file>
-
-<file path=ppt/slides/slide15.xml><?xml version="1.0" encoding="utf-8"?>
-<p:sld xmlns:a="http://schemas.openxmlformats.org/drawingml/2006/main" xmlns:r="http://schemas.openxmlformats.org/officeDocument/2006/relationships" xmlns:p="http://schemas.openxmlformats.org/presentationml/2006/main">
-  <p:cSld>
-    <p:spTree>
-      <p:nvGrpSpPr>
-        <p:cNvPr id="1" name=""/>
-        <p:cNvGrpSpPr/>
-        <p:nvPr/>
-      </p:nvGrpSpPr>
-      <p:grpSpPr>
-        <a:xfrm>
-          <a:off x="0" y="0"/>
-          <a:ext cx="0" cy="0"/>
-          <a:chOff x="0" y="0"/>
-          <a:chExt cx="0" cy="0"/>
-        </a:xfrm>
-      </p:grpSpPr>
-      <p:sp>
-        <p:nvSpPr>
-          <p:cNvPr id="2" name="Title 1"/>
-          <p:cNvSpPr>
-            <a:spLocks noGrp="1"/>
-          </p:cNvSpPr>
-          <p:nvPr>
-            <p:ph type="title"/>
-          </p:nvPr>
-        </p:nvSpPr>
-        <p:spPr/>
-        <p:txBody>
-          <a:bodyPr/>
-          <a:lstStyle/>
-          <a:p>
-            <a:r>
-              <a:rPr lang="en-US" dirty="0" smtClean="0">
-                <a:latin typeface="Courier New" panose="02070309020205020404" pitchFamily="49" charset="0"/>
-                <a:cs typeface="Courier New" panose="02070309020205020404" pitchFamily="49" charset="0"/>
-              </a:rPr>
-              <a:t>$ build-in services</a:t>
-            </a:r>
-            <a:endParaRPr lang="ru-RU" dirty="0">
-              <a:latin typeface="Courier New" panose="02070309020205020404" pitchFamily="49" charset="0"/>
-              <a:cs typeface="Courier New" panose="02070309020205020404" pitchFamily="49" charset="0"/>
-            </a:endParaRPr>
-          </a:p>
-        </p:txBody>
-      </p:sp>
-      <p:sp>
-        <p:nvSpPr>
-          <p:cNvPr id="3" name="Content Placeholder 2"/>
-          <p:cNvSpPr>
-            <a:spLocks noGrp="1"/>
-          </p:cNvSpPr>
-          <p:nvPr>
-            <p:ph idx="1"/>
-          </p:nvPr>
-        </p:nvSpPr>
-        <p:spPr>
-          <a:xfrm>
-            <a:off x="457200" y="1600200"/>
-            <a:ext cx="8229600" cy="3809999"/>
-          </a:xfrm>
-        </p:spPr>
-        <p:txBody>
-          <a:bodyPr>
-            <a:normAutofit/>
-          </a:bodyPr>
-          <a:lstStyle/>
-          <a:p>
-            <a:r>
-              <a:rPr lang="en-US" dirty="0" smtClean="0"/>
-              <a:t>services are lazy-initialized</a:t>
-            </a:r>
-          </a:p>
-          <a:p>
-            <a:r>
-              <a:rPr lang="en-US" dirty="0" smtClean="0"/>
-              <a:t>build-in services always start with </a:t>
-            </a:r>
-            <a:r>
-              <a:rPr lang="en-US" dirty="0" smtClean="0">
-                <a:latin typeface="Courier New" panose="02070309020205020404" pitchFamily="49" charset="0"/>
-                <a:cs typeface="Courier New" panose="02070309020205020404" pitchFamily="49" charset="0"/>
-              </a:rPr>
-              <a:t>$</a:t>
-            </a:r>
-          </a:p>
-          <a:p>
-            <a:endParaRPr lang="ru-RU" dirty="0">
-              <a:latin typeface="+mj-lt"/>
-              <a:cs typeface="Courier New" panose="02070309020205020404" pitchFamily="49" charset="0"/>
-            </a:endParaRPr>
-          </a:p>
-        </p:txBody>
-      </p:sp>
-    </p:spTree>
-    <p:extLst>
-      <p:ext uri="{BB962C8B-B14F-4D97-AF65-F5344CB8AC3E}">
-        <p14:creationId xmlns:p14="http://schemas.microsoft.com/office/powerpoint/2010/main" val="1584952820"/>
-      </p:ext>
-    </p:extLst>
-  </p:cSld>
-  <p:clrMapOvr>
-    <a:masterClrMapping/>
-  </p:clrMapOvr>
-  <mc:AlternateContent xmlns:mc="http://schemas.openxmlformats.org/markup-compatibility/2006" xmlns:p14="http://schemas.microsoft.com/office/powerpoint/2010/main">
-    <mc:Choice Requires="p14">
-      <p:transition spd="slow" p14:dur="2000"/>
-    </mc:Choice>
-    <mc:Fallback xmlns="">
-      <p:transition spd="slow"/>
-    </mc:Fallback>
-  </mc:AlternateContent>
-  <p:timing>
-    <p:tnLst>
-      <p:par>
-        <p:cTn id="1" dur="indefinite" restart="never" nodeType="tmRoot"/>
-      </p:par>
-    </p:tnLst>
-  </p:timing>
-</p:sld>
-</file>
-
-<file path=ppt/slides/slide16.xml><?xml version="1.0" encoding="utf-8"?>
-<p:sld xmlns:a="http://schemas.openxmlformats.org/drawingml/2006/main" xmlns:r="http://schemas.openxmlformats.org/officeDocument/2006/relationships" xmlns:p="http://schemas.openxmlformats.org/presentationml/2006/main">
-  <p:cSld>
-    <p:spTree>
-      <p:nvGrpSpPr>
-        <p:cNvPr id="1" name=""/>
-        <p:cNvGrpSpPr/>
-        <p:nvPr/>
-      </p:nvGrpSpPr>
-      <p:grpSpPr>
-        <a:xfrm>
-          <a:off x="0" y="0"/>
-          <a:ext cx="0" cy="0"/>
-          <a:chOff x="0" y="0"/>
-          <a:chExt cx="0" cy="0"/>
-        </a:xfrm>
-      </p:grpSpPr>
-      <p:sp>
-        <p:nvSpPr>
-          <p:cNvPr id="2" name="Title 1"/>
-          <p:cNvSpPr>
-            <a:spLocks noGrp="1"/>
-          </p:cNvSpPr>
-          <p:nvPr>
-            <p:ph type="title"/>
-          </p:nvPr>
-        </p:nvSpPr>
-        <p:spPr/>
-        <p:txBody>
-          <a:bodyPr/>
-          <a:lstStyle/>
-          <a:p>
-            <a:r>
-              <a:rPr lang="en-US" dirty="0" smtClean="0">
-                <a:latin typeface="Courier New" panose="02070309020205020404" pitchFamily="49" charset="0"/>
-                <a:cs typeface="Courier New" panose="02070309020205020404" pitchFamily="49" charset="0"/>
-              </a:rPr>
-              <a:t>Directives</a:t>
-            </a:r>
-            <a:endParaRPr lang="ru-RU" dirty="0">
-              <a:latin typeface="Courier New" panose="02070309020205020404" pitchFamily="49" charset="0"/>
-              <a:cs typeface="Courier New" panose="02070309020205020404" pitchFamily="49" charset="0"/>
-            </a:endParaRPr>
-          </a:p>
-        </p:txBody>
-      </p:sp>
-      <p:sp>
-        <p:nvSpPr>
-          <p:cNvPr id="3" name="Content Placeholder 2"/>
-          <p:cNvSpPr>
-            <a:spLocks noGrp="1"/>
-          </p:cNvSpPr>
-          <p:nvPr>
-            <p:ph idx="1"/>
-          </p:nvPr>
-        </p:nvSpPr>
-        <p:spPr/>
-        <p:txBody>
-          <a:bodyPr/>
-          <a:lstStyle/>
-          <a:p>
-            <a:r>
-              <a:rPr lang="en-US" dirty="0" smtClean="0"/>
-              <a:t>separated scopes are useful when writing reusable components (like XHTML templates)</a:t>
-            </a:r>
-          </a:p>
-          <a:p>
-            <a:r>
-              <a:rPr lang="en-US" dirty="0" smtClean="0"/>
-              <a:t>these components are called directives</a:t>
-            </a:r>
-            <a:endParaRPr lang="ru-RU" dirty="0"/>
-          </a:p>
-        </p:txBody>
-      </p:sp>
-    </p:spTree>
-    <p:extLst>
-      <p:ext uri="{BB962C8B-B14F-4D97-AF65-F5344CB8AC3E}">
-        <p14:creationId xmlns:p14="http://schemas.microsoft.com/office/powerpoint/2010/main" val="1059718523"/>
-      </p:ext>
-    </p:extLst>
-  </p:cSld>
-  <p:clrMapOvr>
-    <a:masterClrMapping/>
-  </p:clrMapOvr>
-  <p:timing>
-    <p:tnLst>
-      <p:par>
-        <p:cTn id="1" dur="indefinite" restart="never" nodeType="tmRoot"/>
-      </p:par>
-    </p:tnLst>
-  </p:timing>
-</p:sld>
-</file>
-
-<file path=ppt/slides/slide17.xml><?xml version="1.0" encoding="utf-8"?>
-<p:sld xmlns:a="http://schemas.openxmlformats.org/drawingml/2006/main" xmlns:r="http://schemas.openxmlformats.org/officeDocument/2006/relationships" xmlns:p="http://schemas.openxmlformats.org/presentationml/2006/main">
-  <p:cSld>
-    <p:spTree>
-      <p:nvGrpSpPr>
-        <p:cNvPr id="1" name=""/>
-        <p:cNvGrpSpPr/>
-        <p:nvPr/>
-      </p:nvGrpSpPr>
-      <p:grpSpPr>
-        <a:xfrm>
-          <a:off x="0" y="0"/>
-          <a:ext cx="0" cy="0"/>
-          <a:chOff x="0" y="0"/>
-          <a:chExt cx="0" cy="0"/>
-        </a:xfrm>
-      </p:grpSpPr>
-      <p:sp>
-        <p:nvSpPr>
-          <p:cNvPr id="2" name="Title 1"/>
-          <p:cNvSpPr>
-            <a:spLocks noGrp="1"/>
-          </p:cNvSpPr>
-          <p:nvPr>
-            <p:ph type="title"/>
-          </p:nvPr>
-        </p:nvSpPr>
-        <p:spPr/>
-        <p:txBody>
-          <a:bodyPr/>
-          <a:lstStyle/>
-          <a:p>
-            <a:r>
-              <a:rPr lang="en-US" dirty="0" smtClean="0">
-                <a:latin typeface="Courier New" panose="02070309020205020404" pitchFamily="49" charset="0"/>
-                <a:cs typeface="Courier New" panose="02070309020205020404" pitchFamily="49" charset="0"/>
-              </a:rPr>
-              <a:t>Directives are hard</a:t>
-            </a:r>
-            <a:endParaRPr lang="ru-RU" dirty="0">
-              <a:latin typeface="Courier New" panose="02070309020205020404" pitchFamily="49" charset="0"/>
-              <a:cs typeface="Courier New" panose="02070309020205020404" pitchFamily="49" charset="0"/>
-            </a:endParaRPr>
-          </a:p>
-        </p:txBody>
-      </p:sp>
-      <p:pic>
-        <p:nvPicPr>
-          <p:cNvPr id="5" name="Content Placeholder 4"/>
-          <p:cNvPicPr>
-            <a:picLocks noGrp="1" noChangeAspect="1"/>
-          </p:cNvPicPr>
-          <p:nvPr>
-            <p:ph idx="1"/>
-          </p:nvPr>
-        </p:nvPicPr>
-        <p:blipFill>
-          <a:blip r:embed="rId2">
-            <a:extLst>
-              <a:ext uri="{28A0092B-C50C-407E-A947-70E740481C1C}">
-                <a14:useLocalDpi xmlns:a14="http://schemas.microsoft.com/office/drawing/2010/main" val="0"/>
-              </a:ext>
-            </a:extLst>
-          </a:blip>
-          <a:stretch>
-            <a:fillRect/>
-          </a:stretch>
-        </p:blipFill>
-        <p:spPr>
-          <a:xfrm>
-            <a:off x="1714500" y="2105819"/>
-            <a:ext cx="5715000" cy="3514725"/>
-          </a:xfrm>
-        </p:spPr>
-      </p:pic>
-    </p:spTree>
-    <p:extLst>
-      <p:ext uri="{BB962C8B-B14F-4D97-AF65-F5344CB8AC3E}">
-        <p14:creationId xmlns:p14="http://schemas.microsoft.com/office/powerpoint/2010/main" val="865190789"/>
-      </p:ext>
-    </p:extLst>
-  </p:cSld>
-  <p:clrMapOvr>
-    <a:masterClrMapping/>
-  </p:clrMapOvr>
-  <p:timing>
-    <p:tnLst>
-      <p:par>
-        <p:cTn id="1" dur="indefinite" restart="never" nodeType="tmRoot"/>
-      </p:par>
-    </p:tnLst>
-  </p:timing>
-</p:sld>
-</file>
-
-<file path=ppt/slides/slide18.xml><?xml version="1.0" encoding="utf-8"?>
-<p:sld xmlns:a="http://schemas.openxmlformats.org/drawingml/2006/main" xmlns:r="http://schemas.openxmlformats.org/officeDocument/2006/relationships" xmlns:p="http://schemas.openxmlformats.org/presentationml/2006/main">
-  <p:cSld>
-    <p:spTree>
-      <p:nvGrpSpPr>
-        <p:cNvPr id="1" name=""/>
-        <p:cNvGrpSpPr/>
-        <p:nvPr/>
-      </p:nvGrpSpPr>
-      <p:grpSpPr>
-        <a:xfrm>
-          <a:off x="0" y="0"/>
-          <a:ext cx="0" cy="0"/>
-          <a:chOff x="0" y="0"/>
-          <a:chExt cx="0" cy="0"/>
-        </a:xfrm>
-      </p:grpSpPr>
-      <p:sp>
-        <p:nvSpPr>
-          <p:cNvPr id="2" name="Title 1"/>
-          <p:cNvSpPr>
-            <a:spLocks noGrp="1"/>
-          </p:cNvSpPr>
-          <p:nvPr>
-            <p:ph type="title"/>
-          </p:nvPr>
-        </p:nvSpPr>
-        <p:spPr/>
-        <p:txBody>
-          <a:bodyPr/>
-          <a:lstStyle/>
-          <a:p>
-            <a:r>
-              <a:rPr lang="en-US" dirty="0" smtClean="0">
-                <a:latin typeface="Courier New" panose="02070309020205020404" pitchFamily="49" charset="0"/>
-                <a:cs typeface="Courier New" panose="02070309020205020404" pitchFamily="49" charset="0"/>
-              </a:rPr>
-              <a:t>HTML 5</a:t>
-            </a:r>
-            <a:endParaRPr lang="en-US" dirty="0">
-              <a:latin typeface="Courier New" panose="02070309020205020404" pitchFamily="49" charset="0"/>
-              <a:cs typeface="Courier New" panose="02070309020205020404" pitchFamily="49" charset="0"/>
-            </a:endParaRPr>
-          </a:p>
-        </p:txBody>
-      </p:sp>
-      <p:sp>
-        <p:nvSpPr>
-          <p:cNvPr id="3" name="Content Placeholder 2"/>
-          <p:cNvSpPr>
-            <a:spLocks noGrp="1"/>
-          </p:cNvSpPr>
-          <p:nvPr>
-            <p:ph idx="1"/>
-          </p:nvPr>
-        </p:nvSpPr>
-        <p:spPr/>
-        <p:txBody>
-          <a:bodyPr/>
-          <a:lstStyle/>
-          <a:p>
-            <a:r>
-              <a:rPr lang="en-US" dirty="0"/>
-              <a:t>&lt;applet</a:t>
-            </a:r>
-            <a:r>
-              <a:rPr lang="en-US" dirty="0" smtClean="0"/>
-              <a:t>&gt; removed (&lt;object&gt; instead)</a:t>
-            </a:r>
-            <a:endParaRPr lang="en-US" dirty="0"/>
-          </a:p>
-        </p:txBody>
-      </p:sp>
-    </p:spTree>
-    <p:extLst>
-      <p:ext uri="{BB962C8B-B14F-4D97-AF65-F5344CB8AC3E}">
-        <p14:creationId xmlns:p14="http://schemas.microsoft.com/office/powerpoint/2010/main" val="2612680553"/>
-      </p:ext>
-    </p:extLst>
-  </p:cSld>
-  <p:clrMapOvr>
-    <a:masterClrMapping/>
-  </p:clrMapOvr>
-  <p:timing>
-    <p:tnLst>
-      <p:par>
-        <p:cTn id="1" dur="indefinite" restart="never" nodeType="tmRoot"/>
-      </p:par>
-    </p:tnLst>
-  </p:timing>
-</p:sld>
-</file>
-
-<file path=ppt/slides/slide19.xml><?xml version="1.0" encoding="utf-8"?>
-<p:sld xmlns:a="http://schemas.openxmlformats.org/drawingml/2006/main" xmlns:r="http://schemas.openxmlformats.org/officeDocument/2006/relationships" xmlns:p="http://schemas.openxmlformats.org/presentationml/2006/main">
-  <p:cSld>
-    <p:spTree>
-      <p:nvGrpSpPr>
-        <p:cNvPr id="1" name=""/>
-        <p:cNvGrpSpPr/>
-        <p:nvPr/>
-      </p:nvGrpSpPr>
-      <p:grpSpPr>
-        <a:xfrm>
-          <a:off x="0" y="0"/>
-          <a:ext cx="0" cy="0"/>
-          <a:chOff x="0" y="0"/>
-          <a:chExt cx="0" cy="0"/>
-        </a:xfrm>
-      </p:grpSpPr>
-      <p:sp>
-        <p:nvSpPr>
-          <p:cNvPr id="2" name="Title 1"/>
-          <p:cNvSpPr>
-            <a:spLocks noGrp="1"/>
-          </p:cNvSpPr>
-          <p:nvPr>
-            <p:ph type="title"/>
-          </p:nvPr>
-        </p:nvSpPr>
-        <p:spPr/>
-        <p:txBody>
-          <a:bodyPr/>
-          <a:lstStyle/>
-          <a:p>
-            <a:r>
-              <a:rPr lang="en-US" dirty="0" err="1" smtClean="0"/>
-              <a:t>Javascript</a:t>
-            </a:r>
-            <a:endParaRPr lang="en-US" dirty="0"/>
-          </a:p>
-        </p:txBody>
-      </p:sp>
-      <p:sp>
-        <p:nvSpPr>
-          <p:cNvPr id="3" name="Content Placeholder 2"/>
-          <p:cNvSpPr>
-            <a:spLocks noGrp="1"/>
-          </p:cNvSpPr>
-          <p:nvPr>
-            <p:ph idx="1"/>
-          </p:nvPr>
-        </p:nvSpPr>
-        <p:spPr/>
-        <p:txBody>
-          <a:bodyPr/>
-          <a:lstStyle/>
-          <a:p>
-            <a:r>
-              <a:rPr lang="en-US" dirty="0" smtClean="0"/>
-              <a:t>Java? </a:t>
-            </a:r>
-          </a:p>
-          <a:p>
-            <a:r>
-              <a:rPr lang="en-US" dirty="0" smtClean="0"/>
-              <a:t>Scripting?</a:t>
-            </a:r>
-            <a:endParaRPr lang="en-US" dirty="0"/>
-          </a:p>
-        </p:txBody>
-      </p:sp>
-    </p:spTree>
-    <p:extLst>
-      <p:ext uri="{BB962C8B-B14F-4D97-AF65-F5344CB8AC3E}">
-        <p14:creationId xmlns:p14="http://schemas.microsoft.com/office/powerpoint/2010/main" val="3725139495"/>
-      </p:ext>
-    </p:extLst>
-  </p:cSld>
-  <p:clrMapOvr>
-    <a:masterClrMapping/>
-  </p:clrMapOvr>
   <p:timing>
     <p:tnLst>
       <p:par>
@@ -7322,95 +7125,6 @@
 </p:sld>
 </file>
 
-<file path=ppt/slides/slide20.xml><?xml version="1.0" encoding="utf-8"?>
-<p:sld xmlns:a="http://schemas.openxmlformats.org/drawingml/2006/main" xmlns:r="http://schemas.openxmlformats.org/officeDocument/2006/relationships" xmlns:p="http://schemas.openxmlformats.org/presentationml/2006/main">
-  <p:cSld>
-    <p:spTree>
-      <p:nvGrpSpPr>
-        <p:cNvPr id="1" name=""/>
-        <p:cNvGrpSpPr/>
-        <p:nvPr/>
-      </p:nvGrpSpPr>
-      <p:grpSpPr>
-        <a:xfrm>
-          <a:off x="0" y="0"/>
-          <a:ext cx="0" cy="0"/>
-          <a:chOff x="0" y="0"/>
-          <a:chExt cx="0" cy="0"/>
-        </a:xfrm>
-      </p:grpSpPr>
-      <p:sp>
-        <p:nvSpPr>
-          <p:cNvPr id="2" name="Title 1"/>
-          <p:cNvSpPr>
-            <a:spLocks noGrp="1"/>
-          </p:cNvSpPr>
-          <p:nvPr>
-            <p:ph type="title"/>
-          </p:nvPr>
-        </p:nvSpPr>
-        <p:spPr/>
-        <p:txBody>
-          <a:bodyPr/>
-          <a:lstStyle/>
-          <a:p>
-            <a:r>
-              <a:rPr lang="en-US" dirty="0" smtClean="0"/>
-              <a:t>Semantics</a:t>
-            </a:r>
-            <a:endParaRPr lang="en-US" dirty="0"/>
-          </a:p>
-        </p:txBody>
-      </p:sp>
-      <p:sp>
-        <p:nvSpPr>
-          <p:cNvPr id="3" name="Content Placeholder 2"/>
-          <p:cNvSpPr>
-            <a:spLocks noGrp="1"/>
-          </p:cNvSpPr>
-          <p:nvPr>
-            <p:ph idx="1"/>
-          </p:nvPr>
-        </p:nvSpPr>
-        <p:spPr/>
-        <p:txBody>
-          <a:bodyPr/>
-          <a:lstStyle/>
-          <a:p>
-            <a:r>
-              <a:rPr lang="en-US" dirty="0" smtClean="0"/>
-              <a:t>extends HTML with clarity</a:t>
-            </a:r>
-          </a:p>
-          <a:p>
-            <a:r>
-              <a:rPr lang="en-US" dirty="0" smtClean="0"/>
-              <a:t>custom behavioral notations (directives)</a:t>
-            </a:r>
-            <a:endParaRPr lang="en-US" dirty="0"/>
-          </a:p>
-        </p:txBody>
-      </p:sp>
-    </p:spTree>
-    <p:extLst>
-      <p:ext uri="{BB962C8B-B14F-4D97-AF65-F5344CB8AC3E}">
-        <p14:creationId xmlns:p14="http://schemas.microsoft.com/office/powerpoint/2010/main" val="3478444464"/>
-      </p:ext>
-    </p:extLst>
-  </p:cSld>
-  <p:clrMapOvr>
-    <a:masterClrMapping/>
-  </p:clrMapOvr>
-  <p:timing>
-    <p:tnLst>
-      <p:par>
-        <p:cTn id="1" dur="indefinite" restart="never" nodeType="tmRoot"/>
-      </p:par>
-    </p:tnLst>
-  </p:timing>
-</p:sld>
-</file>
-
 <file path=ppt/slides/slide3.xml><?xml version="1.0" encoding="utf-8"?>
 <p:sld xmlns:a="http://schemas.openxmlformats.org/drawingml/2006/main" xmlns:r="http://schemas.openxmlformats.org/officeDocument/2006/relationships" xmlns:p="http://schemas.openxmlformats.org/presentationml/2006/main">
   <p:cSld>
@@ -7470,7 +7184,7 @@
         <p:spPr>
           <a:xfrm>
             <a:off x="457200" y="1600201"/>
-            <a:ext cx="8229600" cy="755400"/>
+            <a:ext cx="3886200" cy="379144"/>
           </a:xfrm>
         </p:spPr>
         <p:txBody>
@@ -8398,6 +8112,454 @@
             </a:r>
             <a:endParaRPr lang="en-US" altLang="en-US" sz="2400" dirty="0">
               <a:latin typeface="Arial" panose="020B0604020202020204" pitchFamily="34" charset="0"/>
+            </a:endParaRPr>
+          </a:p>
+        </p:txBody>
+      </p:sp>
+      <p:sp>
+        <p:nvSpPr>
+          <p:cNvPr id="4" name="Rectangle 3"/>
+          <p:cNvSpPr/>
+          <p:nvPr/>
+        </p:nvSpPr>
+        <p:spPr>
+          <a:xfrm>
+            <a:off x="5943600" y="2133601"/>
+            <a:ext cx="2743200" cy="3181218"/>
+          </a:xfrm>
+          <a:prstGeom prst="rect">
+            <a:avLst/>
+          </a:prstGeom>
+          <a:solidFill>
+            <a:schemeClr val="bg1"/>
+          </a:solidFill>
+        </p:spPr>
+        <p:style>
+          <a:lnRef idx="2">
+            <a:schemeClr val="accent1">
+              <a:shade val="50000"/>
+            </a:schemeClr>
+          </a:lnRef>
+          <a:fillRef idx="1">
+            <a:schemeClr val="accent1"/>
+          </a:fillRef>
+          <a:effectRef idx="0">
+            <a:schemeClr val="accent1"/>
+          </a:effectRef>
+          <a:fontRef idx="minor">
+            <a:schemeClr val="lt1"/>
+          </a:fontRef>
+        </p:style>
+        <p:txBody>
+          <a:bodyPr rtlCol="0" anchor="ctr"/>
+          <a:lstStyle/>
+          <a:p>
+            <a:pPr algn="ctr"/>
+            <a:endParaRPr lang="en-US" dirty="0">
+              <a:ln w="0"/>
+              <a:solidFill>
+                <a:schemeClr val="tx1"/>
+              </a:solidFill>
+              <a:effectLst>
+                <a:outerShdw blurRad="38100" dist="19050" dir="2700000" algn="tl" rotWithShape="0">
+                  <a:schemeClr val="dk1">
+                    <a:alpha val="40000"/>
+                  </a:schemeClr>
+                </a:outerShdw>
+              </a:effectLst>
+            </a:endParaRPr>
+          </a:p>
+        </p:txBody>
+      </p:sp>
+      <p:sp>
+        <p:nvSpPr>
+          <p:cNvPr id="5" name="Rectangle 4"/>
+          <p:cNvSpPr/>
+          <p:nvPr/>
+        </p:nvSpPr>
+        <p:spPr>
+          <a:xfrm>
+            <a:off x="6857382" y="2160571"/>
+            <a:ext cx="915635" cy="369332"/>
+          </a:xfrm>
+          <a:prstGeom prst="rect">
+            <a:avLst/>
+          </a:prstGeom>
+        </p:spPr>
+        <p:txBody>
+          <a:bodyPr wrap="none">
+            <a:spAutoFit/>
+          </a:bodyPr>
+          <a:lstStyle/>
+          <a:p>
+            <a:pPr algn="ctr"/>
+            <a:r>
+              <a:rPr lang="en-US" dirty="0">
+                <a:ln w="0"/>
+                <a:effectLst>
+                  <a:outerShdw blurRad="38100" dist="19050" dir="2700000" algn="tl" rotWithShape="0">
+                    <a:schemeClr val="dk1">
+                      <a:alpha val="40000"/>
+                    </a:schemeClr>
+                  </a:outerShdw>
+                </a:effectLst>
+              </a:rPr>
+              <a:t>Module</a:t>
+            </a:r>
+            <a:endParaRPr lang="en-US" dirty="0">
+              <a:ln w="0"/>
+              <a:effectLst>
+                <a:outerShdw blurRad="38100" dist="19050" dir="2700000" algn="tl" rotWithShape="0">
+                  <a:schemeClr val="dk1">
+                    <a:alpha val="40000"/>
+                  </a:schemeClr>
+                </a:outerShdw>
+              </a:effectLst>
+            </a:endParaRPr>
+          </a:p>
+        </p:txBody>
+      </p:sp>
+      <p:sp>
+        <p:nvSpPr>
+          <p:cNvPr id="6" name="Rectangle 5"/>
+          <p:cNvSpPr/>
+          <p:nvPr/>
+        </p:nvSpPr>
+        <p:spPr>
+          <a:xfrm>
+            <a:off x="6095999" y="2623298"/>
+            <a:ext cx="2438400" cy="387386"/>
+          </a:xfrm>
+          <a:prstGeom prst="rect">
+            <a:avLst/>
+          </a:prstGeom>
+        </p:spPr>
+        <p:style>
+          <a:lnRef idx="2">
+            <a:schemeClr val="accent2"/>
+          </a:lnRef>
+          <a:fillRef idx="1">
+            <a:schemeClr val="lt1"/>
+          </a:fillRef>
+          <a:effectRef idx="0">
+            <a:schemeClr val="accent2"/>
+          </a:effectRef>
+          <a:fontRef idx="minor">
+            <a:schemeClr val="dk1"/>
+          </a:fontRef>
+        </p:style>
+        <p:txBody>
+          <a:bodyPr rtlCol="0" anchor="ctr"/>
+          <a:lstStyle/>
+          <a:p>
+            <a:pPr algn="ctr"/>
+            <a:r>
+              <a:rPr lang="en-US" dirty="0" smtClean="0"/>
+              <a:t>controller</a:t>
+            </a:r>
+            <a:endParaRPr lang="en-US" dirty="0"/>
+          </a:p>
+        </p:txBody>
+      </p:sp>
+      <p:sp>
+        <p:nvSpPr>
+          <p:cNvPr id="13" name="Rectangle 12"/>
+          <p:cNvSpPr/>
+          <p:nvPr/>
+        </p:nvSpPr>
+        <p:spPr>
+          <a:xfrm>
+            <a:off x="6095999" y="3176426"/>
+            <a:ext cx="2438400" cy="387386"/>
+          </a:xfrm>
+          <a:prstGeom prst="rect">
+            <a:avLst/>
+          </a:prstGeom>
+        </p:spPr>
+        <p:style>
+          <a:lnRef idx="2">
+            <a:schemeClr val="accent3"/>
+          </a:lnRef>
+          <a:fillRef idx="1">
+            <a:schemeClr val="lt1"/>
+          </a:fillRef>
+          <a:effectRef idx="0">
+            <a:schemeClr val="accent3"/>
+          </a:effectRef>
+          <a:fontRef idx="minor">
+            <a:schemeClr val="dk1"/>
+          </a:fontRef>
+        </p:style>
+        <p:txBody>
+          <a:bodyPr rtlCol="0" anchor="ctr"/>
+          <a:lstStyle/>
+          <a:p>
+            <a:pPr algn="ctr"/>
+            <a:r>
+              <a:rPr lang="en-US" dirty="0" smtClean="0"/>
+              <a:t>service</a:t>
+            </a:r>
+            <a:endParaRPr lang="en-US" dirty="0"/>
+          </a:p>
+        </p:txBody>
+      </p:sp>
+      <p:sp>
+        <p:nvSpPr>
+          <p:cNvPr id="15" name="Rectangle 14"/>
+          <p:cNvSpPr/>
+          <p:nvPr/>
+        </p:nvSpPr>
+        <p:spPr>
+          <a:xfrm>
+            <a:off x="6095999" y="3764319"/>
+            <a:ext cx="2438400" cy="387386"/>
+          </a:xfrm>
+          <a:prstGeom prst="rect">
+            <a:avLst/>
+          </a:prstGeom>
+        </p:spPr>
+        <p:style>
+          <a:lnRef idx="2">
+            <a:schemeClr val="accent5"/>
+          </a:lnRef>
+          <a:fillRef idx="1">
+            <a:schemeClr val="lt1"/>
+          </a:fillRef>
+          <a:effectRef idx="0">
+            <a:schemeClr val="accent5"/>
+          </a:effectRef>
+          <a:fontRef idx="minor">
+            <a:schemeClr val="dk1"/>
+          </a:fontRef>
+        </p:style>
+        <p:txBody>
+          <a:bodyPr rtlCol="0" anchor="ctr"/>
+          <a:lstStyle/>
+          <a:p>
+            <a:pPr algn="ctr"/>
+            <a:r>
+              <a:rPr lang="en-US" dirty="0" smtClean="0"/>
+              <a:t>directive</a:t>
+            </a:r>
+            <a:endParaRPr lang="en-US" dirty="0"/>
+          </a:p>
+        </p:txBody>
+      </p:sp>
+      <p:sp>
+        <p:nvSpPr>
+          <p:cNvPr id="16" name="Rectangle 15"/>
+          <p:cNvSpPr/>
+          <p:nvPr/>
+        </p:nvSpPr>
+        <p:spPr>
+          <a:xfrm>
+            <a:off x="6095999" y="4352212"/>
+            <a:ext cx="2438400" cy="387386"/>
+          </a:xfrm>
+          <a:prstGeom prst="rect">
+            <a:avLst/>
+          </a:prstGeom>
+        </p:spPr>
+        <p:style>
+          <a:lnRef idx="2">
+            <a:schemeClr val="accent6"/>
+          </a:lnRef>
+          <a:fillRef idx="1">
+            <a:schemeClr val="lt1"/>
+          </a:fillRef>
+          <a:effectRef idx="0">
+            <a:schemeClr val="accent6"/>
+          </a:effectRef>
+          <a:fontRef idx="minor">
+            <a:schemeClr val="dk1"/>
+          </a:fontRef>
+        </p:style>
+        <p:txBody>
+          <a:bodyPr rtlCol="0" anchor="ctr"/>
+          <a:lstStyle/>
+          <a:p>
+            <a:pPr algn="ctr"/>
+            <a:r>
+              <a:rPr lang="en-US" dirty="0" smtClean="0"/>
+              <a:t>…</a:t>
+            </a:r>
+            <a:endParaRPr lang="en-US" dirty="0"/>
+          </a:p>
+        </p:txBody>
+      </p:sp>
+      <p:sp>
+        <p:nvSpPr>
+          <p:cNvPr id="17" name="Content Placeholder 2"/>
+          <p:cNvSpPr txBox="1">
+            <a:spLocks/>
+          </p:cNvSpPr>
+          <p:nvPr/>
+        </p:nvSpPr>
+        <p:spPr>
+          <a:xfrm>
+            <a:off x="5562600" y="1528107"/>
+            <a:ext cx="3429001" cy="379144"/>
+          </a:xfrm>
+          <a:prstGeom prst="rect">
+            <a:avLst/>
+          </a:prstGeom>
+        </p:spPr>
+        <p:txBody>
+          <a:bodyPr vert="horz" lIns="91440" tIns="45720" rIns="91440" bIns="45720" rtlCol="0">
+            <a:noAutofit/>
+          </a:bodyPr>
+          <a:lstStyle>
+            <a:lvl1pPr marL="342900" indent="-342900" algn="l" defTabSz="914400" rtl="0" eaLnBrk="1" latinLnBrk="0" hangingPunct="1">
+              <a:spcBef>
+                <a:spcPct val="20000"/>
+              </a:spcBef>
+              <a:buFont typeface="Arial" pitchFamily="34" charset="0"/>
+              <a:buChar char="•"/>
+              <a:defRPr sz="3200" kern="1200">
+                <a:solidFill>
+                  <a:schemeClr val="tx1"/>
+                </a:solidFill>
+                <a:latin typeface="+mn-lt"/>
+                <a:ea typeface="+mn-ea"/>
+                <a:cs typeface="+mn-cs"/>
+              </a:defRPr>
+            </a:lvl1pPr>
+            <a:lvl2pPr marL="742950" indent="-285750" algn="l" defTabSz="914400" rtl="0" eaLnBrk="1" latinLnBrk="0" hangingPunct="1">
+              <a:spcBef>
+                <a:spcPct val="20000"/>
+              </a:spcBef>
+              <a:buFont typeface="Arial" pitchFamily="34" charset="0"/>
+              <a:buChar char="–"/>
+              <a:defRPr sz="2800" kern="1200">
+                <a:solidFill>
+                  <a:schemeClr val="tx1"/>
+                </a:solidFill>
+                <a:latin typeface="+mn-lt"/>
+                <a:ea typeface="+mn-ea"/>
+                <a:cs typeface="+mn-cs"/>
+              </a:defRPr>
+            </a:lvl2pPr>
+            <a:lvl3pPr marL="1143000" indent="-228600" algn="l" defTabSz="914400" rtl="0" eaLnBrk="1" latinLnBrk="0" hangingPunct="1">
+              <a:spcBef>
+                <a:spcPct val="20000"/>
+              </a:spcBef>
+              <a:buFont typeface="Arial" pitchFamily="34" charset="0"/>
+              <a:buChar char="•"/>
+              <a:defRPr sz="2400" kern="1200">
+                <a:solidFill>
+                  <a:schemeClr val="tx1"/>
+                </a:solidFill>
+                <a:latin typeface="+mn-lt"/>
+                <a:ea typeface="+mn-ea"/>
+                <a:cs typeface="+mn-cs"/>
+              </a:defRPr>
+            </a:lvl3pPr>
+            <a:lvl4pPr marL="1600200" indent="-228600" algn="l" defTabSz="914400" rtl="0" eaLnBrk="1" latinLnBrk="0" hangingPunct="1">
+              <a:spcBef>
+                <a:spcPct val="20000"/>
+              </a:spcBef>
+              <a:buFont typeface="Arial" pitchFamily="34" charset="0"/>
+              <a:buChar char="–"/>
+              <a:defRPr sz="2000" kern="1200">
+                <a:solidFill>
+                  <a:schemeClr val="tx1"/>
+                </a:solidFill>
+                <a:latin typeface="+mn-lt"/>
+                <a:ea typeface="+mn-ea"/>
+                <a:cs typeface="+mn-cs"/>
+              </a:defRPr>
+            </a:lvl4pPr>
+            <a:lvl5pPr marL="2057400" indent="-228600" algn="l" defTabSz="914400" rtl="0" eaLnBrk="1" latinLnBrk="0" hangingPunct="1">
+              <a:spcBef>
+                <a:spcPct val="20000"/>
+              </a:spcBef>
+              <a:buFont typeface="Arial" pitchFamily="34" charset="0"/>
+              <a:buChar char="»"/>
+              <a:defRPr sz="2000" kern="1200">
+                <a:solidFill>
+                  <a:schemeClr val="tx1"/>
+                </a:solidFill>
+                <a:latin typeface="+mn-lt"/>
+                <a:ea typeface="+mn-ea"/>
+                <a:cs typeface="+mn-cs"/>
+              </a:defRPr>
+            </a:lvl5pPr>
+            <a:lvl6pPr marL="2514600" indent="-228600" algn="l" defTabSz="914400" rtl="0" eaLnBrk="1" latinLnBrk="0" hangingPunct="1">
+              <a:spcBef>
+                <a:spcPct val="20000"/>
+              </a:spcBef>
+              <a:buFont typeface="Arial" pitchFamily="34" charset="0"/>
+              <a:buChar char="•"/>
+              <a:defRPr sz="2000" kern="1200">
+                <a:solidFill>
+                  <a:schemeClr val="tx1"/>
+                </a:solidFill>
+                <a:latin typeface="+mn-lt"/>
+                <a:ea typeface="+mn-ea"/>
+                <a:cs typeface="+mn-cs"/>
+              </a:defRPr>
+            </a:lvl6pPr>
+            <a:lvl7pPr marL="2971800" indent="-228600" algn="l" defTabSz="914400" rtl="0" eaLnBrk="1" latinLnBrk="0" hangingPunct="1">
+              <a:spcBef>
+                <a:spcPct val="20000"/>
+              </a:spcBef>
+              <a:buFont typeface="Arial" pitchFamily="34" charset="0"/>
+              <a:buChar char="•"/>
+              <a:defRPr sz="2000" kern="1200">
+                <a:solidFill>
+                  <a:schemeClr val="tx1"/>
+                </a:solidFill>
+                <a:latin typeface="+mn-lt"/>
+                <a:ea typeface="+mn-ea"/>
+                <a:cs typeface="+mn-cs"/>
+              </a:defRPr>
+            </a:lvl7pPr>
+            <a:lvl8pPr marL="3429000" indent="-228600" algn="l" defTabSz="914400" rtl="0" eaLnBrk="1" latinLnBrk="0" hangingPunct="1">
+              <a:spcBef>
+                <a:spcPct val="20000"/>
+              </a:spcBef>
+              <a:buFont typeface="Arial" pitchFamily="34" charset="0"/>
+              <a:buChar char="•"/>
+              <a:defRPr sz="2000" kern="1200">
+                <a:solidFill>
+                  <a:schemeClr val="tx1"/>
+                </a:solidFill>
+                <a:latin typeface="+mn-lt"/>
+                <a:ea typeface="+mn-ea"/>
+                <a:cs typeface="+mn-cs"/>
+              </a:defRPr>
+            </a:lvl8pPr>
+            <a:lvl9pPr marL="3886200" indent="-228600" algn="l" defTabSz="914400" rtl="0" eaLnBrk="1" latinLnBrk="0" hangingPunct="1">
+              <a:spcBef>
+                <a:spcPct val="20000"/>
+              </a:spcBef>
+              <a:buFont typeface="Arial" pitchFamily="34" charset="0"/>
+              <a:buChar char="•"/>
+              <a:defRPr sz="2000" kern="1200">
+                <a:solidFill>
+                  <a:schemeClr val="tx1"/>
+                </a:solidFill>
+                <a:latin typeface="+mn-lt"/>
+                <a:ea typeface="+mn-ea"/>
+                <a:cs typeface="+mn-cs"/>
+              </a:defRPr>
+            </a:lvl9pPr>
+          </a:lstStyle>
+          <a:p>
+            <a:pPr marL="0" indent="0">
+              <a:buFont typeface="Arial" pitchFamily="34" charset="0"/>
+              <a:buNone/>
+            </a:pPr>
+            <a:r>
+              <a:rPr lang="en-US" sz="2400" dirty="0" smtClean="0">
+                <a:latin typeface="+mj-lt"/>
+                <a:cs typeface="Courier New" panose="02070309020205020404" pitchFamily="49" charset="0"/>
+              </a:rPr>
+              <a:t>Module is just a container</a:t>
+            </a:r>
+            <a:endParaRPr lang="ru-RU" sz="2400" dirty="0">
+              <a:latin typeface="+mj-lt"/>
+              <a:cs typeface="Courier New" panose="02070309020205020404" pitchFamily="49" charset="0"/>
             </a:endParaRPr>
           </a:p>
         </p:txBody>
@@ -8459,7 +8621,7 @@
                 <a:latin typeface="Courier New" panose="02070309020205020404" pitchFamily="49" charset="0"/>
                 <a:cs typeface="Courier New" panose="02070309020205020404" pitchFamily="49" charset="0"/>
               </a:rPr>
-              <a:t>Application lifecycle</a:t>
+              <a:t>Scope inheritance</a:t>
             </a:r>
             <a:endParaRPr lang="ru-RU" dirty="0">
               <a:latin typeface="Courier New" panose="02070309020205020404" pitchFamily="49" charset="0"/>
@@ -8468,66 +8630,47 @@
           </a:p>
         </p:txBody>
       </p:sp>
-      <p:sp>
-        <p:nvSpPr>
-          <p:cNvPr id="3" name="Content Placeholder 2"/>
-          <p:cNvSpPr>
-            <a:spLocks noGrp="1"/>
-          </p:cNvSpPr>
-          <p:nvPr>
-            <p:ph idx="1"/>
-          </p:nvPr>
-        </p:nvSpPr>
-        <p:spPr>
+      <p:pic>
+        <p:nvPicPr>
+          <p:cNvPr id="2050" name="Picture 2" descr="http://backstopmedia.booktype.pro/angularjs-book/chapter-6-the-directive-in-detail/static/AngularJS%20-%20isolate.png"/>
+          <p:cNvPicPr>
+            <a:picLocks noChangeAspect="1" noChangeArrowheads="1"/>
+          </p:cNvPicPr>
+          <p:nvPr/>
+        </p:nvPicPr>
+        <p:blipFill>
+          <a:blip r:embed="rId3">
+            <a:extLst>
+              <a:ext uri="{28A0092B-C50C-407E-A947-70E740481C1C}">
+                <a14:useLocalDpi xmlns:a14="http://schemas.microsoft.com/office/drawing/2010/main" val="0"/>
+              </a:ext>
+            </a:extLst>
+          </a:blip>
+          <a:srcRect/>
+          <a:stretch>
+            <a:fillRect/>
+          </a:stretch>
+        </p:blipFill>
+        <p:spPr bwMode="auto">
           <a:xfrm>
-            <a:off x="457200" y="1600201"/>
-            <a:ext cx="8229600" cy="1676400"/>
+            <a:off x="533400" y="2209800"/>
+            <a:ext cx="5057775" cy="3933826"/>
           </a:xfrm>
+          <a:prstGeom prst="rect">
+            <a:avLst/>
+          </a:prstGeom>
+          <a:noFill/>
+          <a:extLst>
+            <a:ext uri="{909E8E84-426E-40DD-AFC4-6F175D3DCCD1}">
+              <a14:hiddenFill xmlns:a14="http://schemas.microsoft.com/office/drawing/2010/main">
+                <a:solidFill>
+                  <a:srgbClr val="FFFFFF"/>
+                </a:solidFill>
+              </a14:hiddenFill>
+            </a:ext>
+          </a:extLst>
         </p:spPr>
-        <p:txBody>
-          <a:bodyPr>
-            <a:normAutofit/>
-          </a:bodyPr>
-          <a:lstStyle/>
-          <a:p>
-            <a:r>
-              <a:rPr lang="en-US" sz="2400" dirty="0" smtClean="0"/>
-              <a:t>starts the app, creates </a:t>
-            </a:r>
-            <a:r>
-              <a:rPr lang="en-US" sz="2400" dirty="0" smtClean="0">
-                <a:latin typeface="Courier New" panose="02070309020205020404" pitchFamily="49" charset="0"/>
-                <a:cs typeface="Courier New" panose="02070309020205020404" pitchFamily="49" charset="0"/>
-              </a:rPr>
-              <a:t>$</a:t>
-            </a:r>
-            <a:r>
-              <a:rPr lang="en-US" sz="2400" dirty="0" err="1" smtClean="0">
-                <a:latin typeface="Courier New" panose="02070309020205020404" pitchFamily="49" charset="0"/>
-                <a:cs typeface="Courier New" panose="02070309020205020404" pitchFamily="49" charset="0"/>
-              </a:rPr>
-              <a:t>rootScope</a:t>
-            </a:r>
-            <a:endParaRPr lang="en-US" sz="2400" dirty="0" smtClean="0">
-              <a:latin typeface="Courier New" panose="02070309020205020404" pitchFamily="49" charset="0"/>
-              <a:cs typeface="Courier New" panose="02070309020205020404" pitchFamily="49" charset="0"/>
-            </a:endParaRPr>
-          </a:p>
-          <a:p>
-            <a:r>
-              <a:rPr lang="en-US" sz="2400" dirty="0" smtClean="0"/>
-              <a:t>“compiles” the DOM, searches for directives</a:t>
-            </a:r>
-          </a:p>
-          <a:p>
-            <a:r>
-              <a:rPr lang="en-US" sz="2400" dirty="0" smtClean="0"/>
-              <a:t>creates the scopes tree that “mirrors” the DOM</a:t>
-            </a:r>
-            <a:endParaRPr lang="ru-RU" sz="2400" dirty="0"/>
-          </a:p>
-        </p:txBody>
-      </p:sp>
+      </p:pic>
       <p:sp>
         <p:nvSpPr>
           <p:cNvPr id="4" name="Rectangle 3"/>
@@ -8536,7 +8679,153 @@
         </p:nvSpPr>
         <p:spPr>
           <a:xfrm>
-            <a:off x="4648200" y="3352800"/>
+            <a:off x="2971800" y="1511193"/>
+            <a:ext cx="6025817" cy="461665"/>
+          </a:xfrm>
+          <a:prstGeom prst="rect">
+            <a:avLst/>
+          </a:prstGeom>
+        </p:spPr>
+        <p:txBody>
+          <a:bodyPr wrap="none">
+            <a:spAutoFit/>
+          </a:bodyPr>
+          <a:lstStyle/>
+          <a:p>
+            <a:r>
+              <a:rPr lang="en-US" sz="2400" dirty="0"/>
+              <a:t>parent scope </a:t>
+            </a:r>
+            <a:r>
+              <a:rPr lang="en-US" sz="2400" dirty="0" smtClean="0"/>
+              <a:t>props are </a:t>
+            </a:r>
+            <a:r>
+              <a:rPr lang="en-US" sz="2400" dirty="0"/>
+              <a:t>inherited in child scope</a:t>
+            </a:r>
+          </a:p>
+        </p:txBody>
+      </p:sp>
+      <p:sp>
+        <p:nvSpPr>
+          <p:cNvPr id="5" name="Rectangle 4"/>
+          <p:cNvSpPr/>
+          <p:nvPr/>
+        </p:nvSpPr>
+        <p:spPr>
+          <a:xfrm>
+            <a:off x="6044768" y="1969407"/>
+            <a:ext cx="2946832" cy="369332"/>
+          </a:xfrm>
+          <a:prstGeom prst="rect">
+            <a:avLst/>
+          </a:prstGeom>
+        </p:spPr>
+        <p:txBody>
+          <a:bodyPr wrap="none">
+            <a:spAutoFit/>
+          </a:bodyPr>
+          <a:lstStyle/>
+          <a:p>
+            <a:r>
+              <a:rPr lang="en-US" dirty="0" smtClean="0"/>
+              <a:t>…unless </a:t>
+            </a:r>
+            <a:r>
+              <a:rPr lang="en-US" dirty="0"/>
+              <a:t>it’s an isolated scope</a:t>
+            </a:r>
+          </a:p>
+        </p:txBody>
+      </p:sp>
+      <p:sp>
+        <p:nvSpPr>
+          <p:cNvPr id="7" name="Rectangle 6"/>
+          <p:cNvSpPr/>
+          <p:nvPr/>
+        </p:nvSpPr>
+        <p:spPr>
+          <a:xfrm>
+            <a:off x="4241443" y="2427979"/>
+            <a:ext cx="4756174" cy="461665"/>
+          </a:xfrm>
+          <a:prstGeom prst="rect">
+            <a:avLst/>
+          </a:prstGeom>
+        </p:spPr>
+        <p:txBody>
+          <a:bodyPr wrap="none">
+            <a:spAutoFit/>
+          </a:bodyPr>
+          <a:lstStyle/>
+          <a:p>
+            <a:r>
+              <a:rPr lang="en-US" sz="2400" dirty="0"/>
+              <a:t>scopes are inherited using prototype</a:t>
+            </a:r>
+            <a:endParaRPr lang="ru-RU" sz="2400" dirty="0"/>
+          </a:p>
+        </p:txBody>
+      </p:sp>
+      <p:sp>
+        <p:nvSpPr>
+          <p:cNvPr id="9" name="Rectangle 8"/>
+          <p:cNvSpPr/>
+          <p:nvPr/>
+        </p:nvSpPr>
+        <p:spPr>
+          <a:xfrm>
+            <a:off x="4953000" y="3303679"/>
+            <a:ext cx="3737370" cy="461665"/>
+          </a:xfrm>
+          <a:prstGeom prst="rect">
+            <a:avLst/>
+          </a:prstGeom>
+        </p:spPr>
+        <p:txBody>
+          <a:bodyPr wrap="none">
+            <a:spAutoFit/>
+          </a:bodyPr>
+          <a:lstStyle/>
+          <a:p>
+            <a:r>
+              <a:rPr lang="en-US" sz="2400" dirty="0" smtClean="0"/>
+              <a:t>there is always a </a:t>
+            </a:r>
+            <a:r>
+              <a:rPr lang="en-US" sz="2400" dirty="0" smtClean="0">
+                <a:solidFill>
+                  <a:srgbClr val="C00000"/>
+                </a:solidFill>
+              </a:rPr>
+              <a:t>$</a:t>
+            </a:r>
+            <a:r>
+              <a:rPr lang="en-US" sz="2400" dirty="0" err="1" smtClean="0">
+                <a:solidFill>
+                  <a:srgbClr val="C00000"/>
+                </a:solidFill>
+              </a:rPr>
+              <a:t>rootScope</a:t>
+            </a:r>
+            <a:endParaRPr lang="ru-RU" sz="2400" dirty="0">
+              <a:solidFill>
+                <a:srgbClr val="C00000"/>
+              </a:solidFill>
+            </a:endParaRPr>
+          </a:p>
+        </p:txBody>
+      </p:sp>
+      <p:sp>
+        <p:nvSpPr>
+          <p:cNvPr id="8" name="Rectangle 7"/>
+          <p:cNvSpPr/>
+          <p:nvPr/>
+        </p:nvSpPr>
+        <p:spPr>
+          <a:xfrm>
+            <a:off x="304800" y="6195902"/>
             <a:ext cx="3625416" cy="369332"/>
           </a:xfrm>
           <a:prstGeom prst="rect">
@@ -8555,7 +8844,7 @@
             </a:r>
             <a:r>
               <a:rPr lang="en-US" dirty="0" smtClean="0">
-                <a:hlinkClick r:id="rId2"/>
+                <a:hlinkClick r:id="rId4"/>
               </a:rPr>
               <a:t>tool</a:t>
             </a:r>
@@ -8569,14 +8858,14 @@
       </p:sp>
       <p:cxnSp>
         <p:nvCxnSpPr>
-          <p:cNvPr id="6" name="Straight Arrow Connector 5"/>
+          <p:cNvPr id="10" name="Straight Arrow Connector 9"/>
           <p:cNvCxnSpPr/>
           <p:nvPr/>
         </p:nvCxnSpPr>
         <p:spPr>
-          <a:xfrm flipH="1" flipV="1">
-            <a:off x="6460908" y="2895600"/>
-            <a:ext cx="244692" cy="457200"/>
+          <a:xfrm flipV="1">
+            <a:off x="2362200" y="5334000"/>
+            <a:ext cx="228600" cy="861902"/>
           </a:xfrm>
           <a:prstGeom prst="straightConnector1">
             <a:avLst/>
@@ -8603,7 +8892,7 @@
     </p:spTree>
     <p:extLst>
       <p:ext uri="{BB962C8B-B14F-4D97-AF65-F5344CB8AC3E}">
-        <p14:creationId xmlns:p14="http://schemas.microsoft.com/office/powerpoint/2010/main" val="1797790202"/>
+        <p14:creationId xmlns:p14="http://schemas.microsoft.com/office/powerpoint/2010/main" val="3403269080"/>
       </p:ext>
     </p:extLst>
   </p:cSld>
@@ -8649,259 +8938,6 @@
         </p:nvSpPr>
         <p:spPr/>
         <p:txBody>
-          <a:bodyPr/>
-          <a:lstStyle/>
-          <a:p>
-            <a:r>
-              <a:rPr lang="en-US" dirty="0" smtClean="0">
-                <a:latin typeface="Courier New" panose="02070309020205020404" pitchFamily="49" charset="0"/>
-                <a:cs typeface="Courier New" panose="02070309020205020404" pitchFamily="49" charset="0"/>
-              </a:rPr>
-              <a:t>Scope inheritance</a:t>
-            </a:r>
-            <a:endParaRPr lang="ru-RU" dirty="0">
-              <a:latin typeface="Courier New" panose="02070309020205020404" pitchFamily="49" charset="0"/>
-              <a:cs typeface="Courier New" panose="02070309020205020404" pitchFamily="49" charset="0"/>
-            </a:endParaRPr>
-          </a:p>
-        </p:txBody>
-      </p:sp>
-      <p:pic>
-        <p:nvPicPr>
-          <p:cNvPr id="2050" name="Picture 2" descr="http://backstopmedia.booktype.pro/angularjs-book/chapter-6-the-directive-in-detail/static/AngularJS%20-%20isolate.png"/>
-          <p:cNvPicPr>
-            <a:picLocks noChangeAspect="1" noChangeArrowheads="1"/>
-          </p:cNvPicPr>
-          <p:nvPr/>
-        </p:nvPicPr>
-        <p:blipFill>
-          <a:blip r:embed="rId3">
-            <a:extLst>
-              <a:ext uri="{28A0092B-C50C-407E-A947-70E740481C1C}">
-                <a14:useLocalDpi xmlns:a14="http://schemas.microsoft.com/office/drawing/2010/main" val="0"/>
-              </a:ext>
-            </a:extLst>
-          </a:blip>
-          <a:srcRect/>
-          <a:stretch>
-            <a:fillRect/>
-          </a:stretch>
-        </p:blipFill>
-        <p:spPr bwMode="auto">
-          <a:xfrm>
-            <a:off x="533400" y="2209800"/>
-            <a:ext cx="5057775" cy="3933826"/>
-          </a:xfrm>
-          <a:prstGeom prst="rect">
-            <a:avLst/>
-          </a:prstGeom>
-          <a:noFill/>
-          <a:extLst>
-            <a:ext uri="{909E8E84-426E-40DD-AFC4-6F175D3DCCD1}">
-              <a14:hiddenFill xmlns:a14="http://schemas.microsoft.com/office/drawing/2010/main">
-                <a:solidFill>
-                  <a:srgbClr val="FFFFFF"/>
-                </a:solidFill>
-              </a14:hiddenFill>
-            </a:ext>
-          </a:extLst>
-        </p:spPr>
-      </p:pic>
-      <p:sp>
-        <p:nvSpPr>
-          <p:cNvPr id="4" name="Rectangle 3"/>
-          <p:cNvSpPr/>
-          <p:nvPr/>
-        </p:nvSpPr>
-        <p:spPr>
-          <a:xfrm>
-            <a:off x="2971800" y="1511193"/>
-            <a:ext cx="6025817" cy="461665"/>
-          </a:xfrm>
-          <a:prstGeom prst="rect">
-            <a:avLst/>
-          </a:prstGeom>
-        </p:spPr>
-        <p:txBody>
-          <a:bodyPr wrap="none">
-            <a:spAutoFit/>
-          </a:bodyPr>
-          <a:lstStyle/>
-          <a:p>
-            <a:r>
-              <a:rPr lang="en-US" sz="2400" dirty="0"/>
-              <a:t>parent scope </a:t>
-            </a:r>
-            <a:r>
-              <a:rPr lang="en-US" sz="2400" dirty="0" smtClean="0"/>
-              <a:t>props are </a:t>
-            </a:r>
-            <a:r>
-              <a:rPr lang="en-US" sz="2400" dirty="0"/>
-              <a:t>inherited in child scope</a:t>
-            </a:r>
-          </a:p>
-        </p:txBody>
-      </p:sp>
-      <p:sp>
-        <p:nvSpPr>
-          <p:cNvPr id="5" name="Rectangle 4"/>
-          <p:cNvSpPr/>
-          <p:nvPr/>
-        </p:nvSpPr>
-        <p:spPr>
-          <a:xfrm>
-            <a:off x="6044768" y="1969407"/>
-            <a:ext cx="2946832" cy="369332"/>
-          </a:xfrm>
-          <a:prstGeom prst="rect">
-            <a:avLst/>
-          </a:prstGeom>
-        </p:spPr>
-        <p:txBody>
-          <a:bodyPr wrap="none">
-            <a:spAutoFit/>
-          </a:bodyPr>
-          <a:lstStyle/>
-          <a:p>
-            <a:r>
-              <a:rPr lang="en-US" dirty="0" smtClean="0"/>
-              <a:t>…unless </a:t>
-            </a:r>
-            <a:r>
-              <a:rPr lang="en-US" dirty="0"/>
-              <a:t>it’s an isolated scope</a:t>
-            </a:r>
-          </a:p>
-        </p:txBody>
-      </p:sp>
-      <p:sp>
-        <p:nvSpPr>
-          <p:cNvPr id="7" name="Rectangle 6"/>
-          <p:cNvSpPr/>
-          <p:nvPr/>
-        </p:nvSpPr>
-        <p:spPr>
-          <a:xfrm>
-            <a:off x="4241443" y="2427979"/>
-            <a:ext cx="4756174" cy="461665"/>
-          </a:xfrm>
-          <a:prstGeom prst="rect">
-            <a:avLst/>
-          </a:prstGeom>
-        </p:spPr>
-        <p:txBody>
-          <a:bodyPr wrap="none">
-            <a:spAutoFit/>
-          </a:bodyPr>
-          <a:lstStyle/>
-          <a:p>
-            <a:r>
-              <a:rPr lang="en-US" sz="2400" dirty="0"/>
-              <a:t>scopes are inherited using prototype</a:t>
-            </a:r>
-            <a:endParaRPr lang="ru-RU" sz="2400" dirty="0"/>
-          </a:p>
-        </p:txBody>
-      </p:sp>
-      <p:sp>
-        <p:nvSpPr>
-          <p:cNvPr id="9" name="Rectangle 8"/>
-          <p:cNvSpPr/>
-          <p:nvPr/>
-        </p:nvSpPr>
-        <p:spPr>
-          <a:xfrm>
-            <a:off x="4953000" y="3303679"/>
-            <a:ext cx="3737370" cy="461665"/>
-          </a:xfrm>
-          <a:prstGeom prst="rect">
-            <a:avLst/>
-          </a:prstGeom>
-        </p:spPr>
-        <p:txBody>
-          <a:bodyPr wrap="none">
-            <a:spAutoFit/>
-          </a:bodyPr>
-          <a:lstStyle/>
-          <a:p>
-            <a:r>
-              <a:rPr lang="en-US" sz="2400" dirty="0" smtClean="0"/>
-              <a:t>there is always a </a:t>
-            </a:r>
-            <a:r>
-              <a:rPr lang="en-US" sz="2400" dirty="0" smtClean="0">
-                <a:solidFill>
-                  <a:srgbClr val="C00000"/>
-                </a:solidFill>
-              </a:rPr>
-              <a:t>$</a:t>
-            </a:r>
-            <a:r>
-              <a:rPr lang="en-US" sz="2400" dirty="0" err="1" smtClean="0">
-                <a:solidFill>
-                  <a:srgbClr val="C00000"/>
-                </a:solidFill>
-              </a:rPr>
-              <a:t>rootScope</a:t>
-            </a:r>
-            <a:endParaRPr lang="ru-RU" sz="2400" dirty="0">
-              <a:solidFill>
-                <a:srgbClr val="C00000"/>
-              </a:solidFill>
-            </a:endParaRPr>
-          </a:p>
-        </p:txBody>
-      </p:sp>
-    </p:spTree>
-    <p:extLst>
-      <p:ext uri="{BB962C8B-B14F-4D97-AF65-F5344CB8AC3E}">
-        <p14:creationId xmlns:p14="http://schemas.microsoft.com/office/powerpoint/2010/main" val="3403269080"/>
-      </p:ext>
-    </p:extLst>
-  </p:cSld>
-  <p:clrMapOvr>
-    <a:masterClrMapping/>
-  </p:clrMapOvr>
-  <p:timing>
-    <p:tnLst>
-      <p:par>
-        <p:cTn id="1" dur="indefinite" restart="never" nodeType="tmRoot"/>
-      </p:par>
-    </p:tnLst>
-  </p:timing>
-</p:sld>
-</file>
-
-<file path=ppt/slides/slide6.xml><?xml version="1.0" encoding="utf-8"?>
-<p:sld xmlns:a="http://schemas.openxmlformats.org/drawingml/2006/main" xmlns:r="http://schemas.openxmlformats.org/officeDocument/2006/relationships" xmlns:p="http://schemas.openxmlformats.org/presentationml/2006/main">
-  <p:cSld>
-    <p:spTree>
-      <p:nvGrpSpPr>
-        <p:cNvPr id="1" name=""/>
-        <p:cNvGrpSpPr/>
-        <p:nvPr/>
-      </p:nvGrpSpPr>
-      <p:grpSpPr>
-        <a:xfrm>
-          <a:off x="0" y="0"/>
-          <a:ext cx="0" cy="0"/>
-          <a:chOff x="0" y="0"/>
-          <a:chExt cx="0" cy="0"/>
-        </a:xfrm>
-      </p:grpSpPr>
-      <p:sp>
-        <p:nvSpPr>
-          <p:cNvPr id="2" name="Title 1"/>
-          <p:cNvSpPr>
-            <a:spLocks noGrp="1"/>
-          </p:cNvSpPr>
-          <p:nvPr>
-            <p:ph type="title"/>
-          </p:nvPr>
-        </p:nvSpPr>
-        <p:spPr/>
-        <p:txBody>
           <a:bodyPr>
             <a:normAutofit/>
           </a:bodyPr>
@@ -9039,6 +9075,367 @@
       <p:transition spd="slow"/>
     </mc:Fallback>
   </mc:AlternateContent>
+  <p:timing>
+    <p:tnLst>
+      <p:par>
+        <p:cTn id="1" dur="indefinite" restart="never" nodeType="tmRoot"/>
+      </p:par>
+    </p:tnLst>
+  </p:timing>
+</p:sld>
+</file>
+
+<file path=ppt/slides/slide6.xml><?xml version="1.0" encoding="utf-8"?>
+<p:sld xmlns:a="http://schemas.openxmlformats.org/drawingml/2006/main" xmlns:r="http://schemas.openxmlformats.org/officeDocument/2006/relationships" xmlns:p="http://schemas.openxmlformats.org/presentationml/2006/main">
+  <p:cSld>
+    <p:spTree>
+      <p:nvGrpSpPr>
+        <p:cNvPr id="1" name=""/>
+        <p:cNvGrpSpPr/>
+        <p:nvPr/>
+      </p:nvGrpSpPr>
+      <p:grpSpPr>
+        <a:xfrm>
+          <a:off x="0" y="0"/>
+          <a:ext cx="0" cy="0"/>
+          <a:chOff x="0" y="0"/>
+          <a:chExt cx="0" cy="0"/>
+        </a:xfrm>
+      </p:grpSpPr>
+      <p:sp>
+        <p:nvSpPr>
+          <p:cNvPr id="2" name="Title 1"/>
+          <p:cNvSpPr>
+            <a:spLocks noGrp="1"/>
+          </p:cNvSpPr>
+          <p:nvPr>
+            <p:ph type="title"/>
+          </p:nvPr>
+        </p:nvSpPr>
+        <p:spPr/>
+        <p:txBody>
+          <a:bodyPr/>
+          <a:lstStyle/>
+          <a:p>
+            <a:r>
+              <a:rPr lang="en-US" dirty="0" smtClean="0">
+                <a:latin typeface="Courier New" panose="02070309020205020404" pitchFamily="49" charset="0"/>
+                <a:cs typeface="Courier New" panose="02070309020205020404" pitchFamily="49" charset="0"/>
+              </a:rPr>
+              <a:t>Application lifecycle</a:t>
+            </a:r>
+            <a:endParaRPr lang="ru-RU" dirty="0">
+              <a:latin typeface="Courier New" panose="02070309020205020404" pitchFamily="49" charset="0"/>
+              <a:cs typeface="Courier New" panose="02070309020205020404" pitchFamily="49" charset="0"/>
+            </a:endParaRPr>
+          </a:p>
+        </p:txBody>
+      </p:sp>
+      <p:sp>
+        <p:nvSpPr>
+          <p:cNvPr id="7" name="Rectangle 6"/>
+          <p:cNvSpPr/>
+          <p:nvPr/>
+        </p:nvSpPr>
+        <p:spPr>
+          <a:xfrm>
+            <a:off x="685800" y="1839949"/>
+            <a:ext cx="7772400" cy="461665"/>
+          </a:xfrm>
+          <a:prstGeom prst="rect">
+            <a:avLst/>
+          </a:prstGeom>
+        </p:spPr>
+        <p:style>
+          <a:lnRef idx="2">
+            <a:schemeClr val="dk1"/>
+          </a:lnRef>
+          <a:fillRef idx="1">
+            <a:schemeClr val="lt1"/>
+          </a:fillRef>
+          <a:effectRef idx="0">
+            <a:schemeClr val="dk1"/>
+          </a:effectRef>
+          <a:fontRef idx="minor">
+            <a:schemeClr val="dk1"/>
+          </a:fontRef>
+        </p:style>
+        <p:txBody>
+          <a:bodyPr wrap="square">
+            <a:spAutoFit/>
+          </a:bodyPr>
+          <a:lstStyle/>
+          <a:p>
+            <a:r>
+              <a:rPr lang="en-US" sz="2400" dirty="0" smtClean="0"/>
+              <a:t>Bootstrap</a:t>
+            </a:r>
+            <a:endParaRPr lang="en-US" sz="2400" dirty="0"/>
+          </a:p>
+        </p:txBody>
+      </p:sp>
+      <p:sp>
+        <p:nvSpPr>
+          <p:cNvPr id="8" name="Rectangle 7"/>
+          <p:cNvSpPr/>
+          <p:nvPr/>
+        </p:nvSpPr>
+        <p:spPr>
+          <a:xfrm>
+            <a:off x="685801" y="2937042"/>
+            <a:ext cx="7772399" cy="461665"/>
+          </a:xfrm>
+          <a:prstGeom prst="rect">
+            <a:avLst/>
+          </a:prstGeom>
+          <a:ln>
+            <a:solidFill>
+              <a:schemeClr val="bg1">
+                <a:lumMod val="50000"/>
+              </a:schemeClr>
+            </a:solidFill>
+          </a:ln>
+        </p:spPr>
+        <p:style>
+          <a:lnRef idx="2">
+            <a:schemeClr val="dk1"/>
+          </a:lnRef>
+          <a:fillRef idx="1">
+            <a:schemeClr val="lt1"/>
+          </a:fillRef>
+          <a:effectRef idx="0">
+            <a:schemeClr val="dk1"/>
+          </a:effectRef>
+          <a:fontRef idx="minor">
+            <a:schemeClr val="dk1"/>
+          </a:fontRef>
+        </p:style>
+        <p:txBody>
+          <a:bodyPr wrap="square">
+            <a:spAutoFit/>
+          </a:bodyPr>
+          <a:lstStyle/>
+          <a:p>
+            <a:r>
+              <a:rPr lang="en-US" sz="2400" dirty="0" smtClean="0"/>
+              <a:t>HTML compilation</a:t>
+            </a:r>
+            <a:endParaRPr lang="en-US" sz="2400" dirty="0"/>
+          </a:p>
+        </p:txBody>
+      </p:sp>
+      <p:sp>
+        <p:nvSpPr>
+          <p:cNvPr id="9" name="Rectangle 8"/>
+          <p:cNvSpPr/>
+          <p:nvPr/>
+        </p:nvSpPr>
+        <p:spPr>
+          <a:xfrm>
+            <a:off x="685800" y="4034135"/>
+            <a:ext cx="7772400" cy="461665"/>
+          </a:xfrm>
+          <a:prstGeom prst="rect">
+            <a:avLst/>
+          </a:prstGeom>
+          <a:ln>
+            <a:solidFill>
+              <a:schemeClr val="accent3">
+                <a:lumMod val="75000"/>
+              </a:schemeClr>
+            </a:solidFill>
+          </a:ln>
+        </p:spPr>
+        <p:style>
+          <a:lnRef idx="2">
+            <a:schemeClr val="dk1"/>
+          </a:lnRef>
+          <a:fillRef idx="1">
+            <a:schemeClr val="lt1"/>
+          </a:fillRef>
+          <a:effectRef idx="0">
+            <a:schemeClr val="dk1"/>
+          </a:effectRef>
+          <a:fontRef idx="minor">
+            <a:schemeClr val="dk1"/>
+          </a:fontRef>
+        </p:style>
+        <p:txBody>
+          <a:bodyPr wrap="square">
+            <a:spAutoFit/>
+          </a:bodyPr>
+          <a:lstStyle/>
+          <a:p>
+            <a:r>
+              <a:rPr lang="en-US" sz="2400" dirty="0" smtClean="0"/>
+              <a:t>Runtime</a:t>
+            </a:r>
+            <a:endParaRPr lang="en-US" sz="2400" dirty="0"/>
+          </a:p>
+        </p:txBody>
+      </p:sp>
+      <p:sp>
+        <p:nvSpPr>
+          <p:cNvPr id="10" name="Down Arrow 9"/>
+          <p:cNvSpPr/>
+          <p:nvPr/>
+        </p:nvSpPr>
+        <p:spPr>
+          <a:xfrm>
+            <a:off x="4267200" y="2390728"/>
+            <a:ext cx="457200" cy="457200"/>
+          </a:xfrm>
+          <a:prstGeom prst="downArrow">
+            <a:avLst/>
+          </a:prstGeom>
+        </p:spPr>
+        <p:style>
+          <a:lnRef idx="2">
+            <a:schemeClr val="dk1">
+              <a:shade val="50000"/>
+            </a:schemeClr>
+          </a:lnRef>
+          <a:fillRef idx="1">
+            <a:schemeClr val="dk1"/>
+          </a:fillRef>
+          <a:effectRef idx="0">
+            <a:schemeClr val="dk1"/>
+          </a:effectRef>
+          <a:fontRef idx="minor">
+            <a:schemeClr val="lt1"/>
+          </a:fontRef>
+        </p:style>
+        <p:txBody>
+          <a:bodyPr rtlCol="0" anchor="ctr"/>
+          <a:lstStyle/>
+          <a:p>
+            <a:pPr algn="ctr"/>
+            <a:endParaRPr lang="en-US"/>
+          </a:p>
+        </p:txBody>
+      </p:sp>
+      <p:sp>
+        <p:nvSpPr>
+          <p:cNvPr id="11" name="Down Arrow 10"/>
+          <p:cNvSpPr/>
+          <p:nvPr/>
+        </p:nvSpPr>
+        <p:spPr>
+          <a:xfrm>
+            <a:off x="4267200" y="3483356"/>
+            <a:ext cx="457200" cy="457200"/>
+          </a:xfrm>
+          <a:prstGeom prst="downArrow">
+            <a:avLst/>
+          </a:prstGeom>
+          <a:solidFill>
+            <a:schemeClr val="tx1">
+              <a:lumMod val="75000"/>
+              <a:lumOff val="25000"/>
+            </a:schemeClr>
+          </a:solidFill>
+          <a:ln>
+            <a:solidFill>
+              <a:schemeClr val="tx1">
+                <a:lumMod val="75000"/>
+                <a:lumOff val="25000"/>
+              </a:schemeClr>
+            </a:solidFill>
+          </a:ln>
+        </p:spPr>
+        <p:style>
+          <a:lnRef idx="2">
+            <a:schemeClr val="dk1">
+              <a:shade val="50000"/>
+            </a:schemeClr>
+          </a:lnRef>
+          <a:fillRef idx="1">
+            <a:schemeClr val="dk1"/>
+          </a:fillRef>
+          <a:effectRef idx="0">
+            <a:schemeClr val="dk1"/>
+          </a:effectRef>
+          <a:fontRef idx="minor">
+            <a:schemeClr val="lt1"/>
+          </a:fontRef>
+        </p:style>
+        <p:txBody>
+          <a:bodyPr rtlCol="0" anchor="ctr"/>
+          <a:lstStyle/>
+          <a:p>
+            <a:pPr algn="ctr"/>
+            <a:endParaRPr lang="en-US"/>
+          </a:p>
+        </p:txBody>
+      </p:sp>
+      <p:sp>
+        <p:nvSpPr>
+          <p:cNvPr id="13" name="U-Turn Arrow 12"/>
+          <p:cNvSpPr/>
+          <p:nvPr/>
+        </p:nvSpPr>
+        <p:spPr>
+          <a:xfrm rot="10800000">
+            <a:off x="3657600" y="4589379"/>
+            <a:ext cx="914400" cy="838200"/>
+          </a:xfrm>
+          <a:prstGeom prst="uturnArrow">
+            <a:avLst/>
+          </a:prstGeom>
+          <a:solidFill>
+            <a:schemeClr val="accent3">
+              <a:lumMod val="20000"/>
+              <a:lumOff val="80000"/>
+            </a:schemeClr>
+          </a:solidFill>
+          <a:ln>
+            <a:solidFill>
+              <a:schemeClr val="accent3">
+                <a:lumMod val="60000"/>
+                <a:lumOff val="40000"/>
+              </a:schemeClr>
+            </a:solidFill>
+          </a:ln>
+        </p:spPr>
+        <p:style>
+          <a:lnRef idx="2">
+            <a:schemeClr val="dk1">
+              <a:shade val="50000"/>
+            </a:schemeClr>
+          </a:lnRef>
+          <a:fillRef idx="1">
+            <a:schemeClr val="dk1"/>
+          </a:fillRef>
+          <a:effectRef idx="0">
+            <a:schemeClr val="dk1"/>
+          </a:effectRef>
+          <a:fontRef idx="minor">
+            <a:schemeClr val="lt1"/>
+          </a:fontRef>
+        </p:style>
+        <p:txBody>
+          <a:bodyPr rtlCol="0" anchor="ctr"/>
+          <a:lstStyle/>
+          <a:p>
+            <a:pPr algn="ctr"/>
+            <a:endParaRPr lang="en-US">
+              <a:solidFill>
+                <a:schemeClr val="tx1"/>
+              </a:solidFill>
+            </a:endParaRPr>
+          </a:p>
+        </p:txBody>
+      </p:sp>
+    </p:spTree>
+    <p:extLst>
+      <p:ext uri="{BB962C8B-B14F-4D97-AF65-F5344CB8AC3E}">
+        <p14:creationId xmlns:p14="http://schemas.microsoft.com/office/powerpoint/2010/main" val="1797790202"/>
+      </p:ext>
+    </p:extLst>
+  </p:cSld>
+  <p:clrMapOvr>
+    <a:masterClrMapping/>
+  </p:clrMapOvr>
   <p:timing>
     <p:tnLst>
       <p:par>

--- a/docs/02_ng_basics_followup.pptx
+++ b/docs/02_ng_basics_followup.pptx
@@ -5,7 +5,7 @@
     <p:sldMasterId id="2147483648" r:id="rId1"/>
   </p:sldMasterIdLst>
   <p:notesMasterIdLst>
-    <p:notesMasterId r:id="rId16"/>
+    <p:notesMasterId r:id="rId17"/>
   </p:notesMasterIdLst>
   <p:sldIdLst>
     <p:sldId id="256" r:id="rId2"/>
@@ -13,15 +13,16 @@
     <p:sldId id="259" r:id="rId4"/>
     <p:sldId id="260" r:id="rId5"/>
     <p:sldId id="271" r:id="rId6"/>
-    <p:sldId id="258" r:id="rId7"/>
-    <p:sldId id="275" r:id="rId8"/>
-    <p:sldId id="278" r:id="rId9"/>
-    <p:sldId id="276" r:id="rId10"/>
-    <p:sldId id="274" r:id="rId11"/>
-    <p:sldId id="277" r:id="rId12"/>
-    <p:sldId id="280" r:id="rId13"/>
-    <p:sldId id="279" r:id="rId14"/>
-    <p:sldId id="281" r:id="rId15"/>
+    <p:sldId id="279" r:id="rId7"/>
+    <p:sldId id="258" r:id="rId8"/>
+    <p:sldId id="282" r:id="rId9"/>
+    <p:sldId id="275" r:id="rId10"/>
+    <p:sldId id="278" r:id="rId11"/>
+    <p:sldId id="276" r:id="rId12"/>
+    <p:sldId id="274" r:id="rId13"/>
+    <p:sldId id="277" r:id="rId14"/>
+    <p:sldId id="280" r:id="rId15"/>
+    <p:sldId id="281" r:id="rId16"/>
   </p:sldIdLst>
   <p:sldSz cx="9144000" cy="6858000" type="screen4x3"/>
   <p:notesSz cx="6858000" cy="9144000"/>
@@ -122,7 +123,7 @@
   </p:defaultTextStyle>
   <p:extLst>
     <p:ext uri="{EFAFB233-063F-42B5-8137-9DF3F51BA10A}">
-      <p15:sldGuideLst xmlns:p15="http://schemas.microsoft.com/office/powerpoint/2012/main">
+      <p15:sldGuideLst xmlns:p15="http://schemas.microsoft.com/office/powerpoint/2012/main" xmlns="">
         <p15:guide id="1" orient="horz" pos="2160">
           <p15:clr>
             <a:srgbClr val="A4A3A4"/>
@@ -221,7 +222,7 @@
           <a:p>
             <a:fld id="{CB1C2BA7-0370-4E4B-9997-E70834CB9037}" type="datetimeFigureOut">
               <a:rPr lang="ru-RU" smtClean="0"/>
-              <a:t>08.12.2016</a:t>
+              <a:t>09.12.2016</a:t>
             </a:fld>
             <a:endParaRPr lang="ru-RU"/>
           </a:p>
@@ -663,7 +664,7 @@
     </p:spTree>
     <p:extLst>
       <p:ext uri="{BB962C8B-B14F-4D97-AF65-F5344CB8AC3E}">
-        <p14:creationId xmlns:p14="http://schemas.microsoft.com/office/powerpoint/2010/main" val="3254970924"/>
+        <p14:creationId xmlns:p14="http://schemas.microsoft.com/office/powerpoint/2010/main" val="4149209114"/>
       </p:ext>
     </p:extLst>
   </p:cSld>
@@ -718,12 +719,8 @@
           <a:lstStyle/>
           <a:p>
             <a:r>
-              <a:rPr lang="en-US" dirty="0" smtClean="0"/>
-              <a:t>make</a:t>
-            </a:r>
-            <a:r>
-              <a:rPr lang="en-US" baseline="0" dirty="0" smtClean="0"/>
-              <a:t> picture of ctrl + view</a:t>
+              <a:rPr lang="en-US" dirty="0" err="1" smtClean="0"/>
+              <a:t>vietnam</a:t>
             </a:r>
             <a:endParaRPr lang="ru-RU" dirty="0"/>
           </a:p>
@@ -747,6 +744,94 @@
             <a:fld id="{DA8CAE91-5FC7-41E5-8054-44424FFBB7AB}" type="slidenum">
               <a:rPr lang="ru-RU" smtClean="0"/>
               <a:t>14</a:t>
+            </a:fld>
+            <a:endParaRPr lang="ru-RU"/>
+          </a:p>
+        </p:txBody>
+      </p:sp>
+    </p:spTree>
+    <p:extLst>
+      <p:ext uri="{BB962C8B-B14F-4D97-AF65-F5344CB8AC3E}">
+        <p14:creationId xmlns:p14="http://schemas.microsoft.com/office/powerpoint/2010/main" val="3373412012"/>
+      </p:ext>
+    </p:extLst>
+  </p:cSld>
+  <p:clrMapOvr>
+    <a:masterClrMapping/>
+  </p:clrMapOvr>
+</p:notes>
+</file>
+
+<file path=ppt/notesSlides/notesSlide12.xml><?xml version="1.0" encoding="utf-8"?>
+<p:notes xmlns:a="http://schemas.openxmlformats.org/drawingml/2006/main" xmlns:r="http://schemas.openxmlformats.org/officeDocument/2006/relationships" xmlns:p="http://schemas.openxmlformats.org/presentationml/2006/main">
+  <p:cSld>
+    <p:spTree>
+      <p:nvGrpSpPr>
+        <p:cNvPr id="1" name=""/>
+        <p:cNvGrpSpPr/>
+        <p:nvPr/>
+      </p:nvGrpSpPr>
+      <p:grpSpPr>
+        <a:xfrm>
+          <a:off x="0" y="0"/>
+          <a:ext cx="0" cy="0"/>
+          <a:chOff x="0" y="0"/>
+          <a:chExt cx="0" cy="0"/>
+        </a:xfrm>
+      </p:grpSpPr>
+      <p:sp>
+        <p:nvSpPr>
+          <p:cNvPr id="2" name="Slide Image Placeholder 1"/>
+          <p:cNvSpPr>
+            <a:spLocks noGrp="1" noRot="1" noChangeAspect="1"/>
+          </p:cNvSpPr>
+          <p:nvPr>
+            <p:ph type="sldImg"/>
+          </p:nvPr>
+        </p:nvSpPr>
+        <p:spPr/>
+      </p:sp>
+      <p:sp>
+        <p:nvSpPr>
+          <p:cNvPr id="3" name="Notes Placeholder 2"/>
+          <p:cNvSpPr>
+            <a:spLocks noGrp="1"/>
+          </p:cNvSpPr>
+          <p:nvPr>
+            <p:ph type="body" idx="1"/>
+          </p:nvPr>
+        </p:nvSpPr>
+        <p:spPr/>
+        <p:txBody>
+          <a:bodyPr/>
+          <a:lstStyle/>
+          <a:p>
+            <a:r>
+              <a:rPr lang="en-US" dirty="0" smtClean="0"/>
+              <a:t>https://docs.angularjs.org/guide</a:t>
+            </a:r>
+            <a:endParaRPr lang="ru-RU" dirty="0"/>
+          </a:p>
+        </p:txBody>
+      </p:sp>
+      <p:sp>
+        <p:nvSpPr>
+          <p:cNvPr id="4" name="Slide Number Placeholder 3"/>
+          <p:cNvSpPr>
+            <a:spLocks noGrp="1"/>
+          </p:cNvSpPr>
+          <p:nvPr>
+            <p:ph type="sldNum" sz="quarter" idx="10"/>
+          </p:nvPr>
+        </p:nvSpPr>
+        <p:spPr/>
+        <p:txBody>
+          <a:bodyPr/>
+          <a:lstStyle/>
+          <a:p>
+            <a:fld id="{DA8CAE91-5FC7-41E5-8054-44424FFBB7AB}" type="slidenum">
+              <a:rPr lang="ru-RU" smtClean="0"/>
+              <a:t>15</a:t>
             </a:fld>
             <a:endParaRPr lang="ru-RU"/>
           </a:p>
@@ -1026,7 +1111,7 @@
           <a:p>
             <a:fld id="{DA8CAE91-5FC7-41E5-8054-44424FFBB7AB}" type="slidenum">
               <a:rPr lang="ru-RU" smtClean="0"/>
-              <a:t>7</a:t>
+              <a:t>6</a:t>
             </a:fld>
             <a:endParaRPr lang="ru-RU"/>
           </a:p>
@@ -1035,7 +1120,7 @@
     </p:spTree>
     <p:extLst>
       <p:ext uri="{BB962C8B-B14F-4D97-AF65-F5344CB8AC3E}">
-        <p14:creationId xmlns:p14="http://schemas.microsoft.com/office/powerpoint/2010/main" val="4149209114"/>
+        <p14:creationId xmlns:p14="http://schemas.microsoft.com/office/powerpoint/2010/main" val="3254970924"/>
       </p:ext>
     </p:extLst>
   </p:cSld>
@@ -1311,7 +1396,7 @@
     </p:spTree>
     <p:extLst>
       <p:ext uri="{BB962C8B-B14F-4D97-AF65-F5344CB8AC3E}">
-        <p14:creationId xmlns:p14="http://schemas.microsoft.com/office/powerpoint/2010/main" val="2208590362"/>
+        <p14:creationId xmlns:p14="http://schemas.microsoft.com/office/powerpoint/2010/main" val="4149209114"/>
       </p:ext>
     </p:extLst>
   </p:cSld>
@@ -1458,8 +1543,12 @@
           <a:lstStyle/>
           <a:p>
             <a:r>
-              <a:rPr lang="en-US" dirty="0" err="1" smtClean="0"/>
-              <a:t>vietnam</a:t>
+              <a:rPr lang="en-US" dirty="0" smtClean="0"/>
+              <a:t>make</a:t>
+            </a:r>
+            <a:r>
+              <a:rPr lang="en-US" baseline="0" dirty="0" smtClean="0"/>
+              <a:t> picture of ctrl + view</a:t>
             </a:r>
             <a:endParaRPr lang="ru-RU" dirty="0"/>
           </a:p>
@@ -1491,7 +1580,7 @@
     </p:spTree>
     <p:extLst>
       <p:ext uri="{BB962C8B-B14F-4D97-AF65-F5344CB8AC3E}">
-        <p14:creationId xmlns:p14="http://schemas.microsoft.com/office/powerpoint/2010/main" val="3373412012"/>
+        <p14:creationId xmlns:p14="http://schemas.microsoft.com/office/powerpoint/2010/main" val="2208590362"/>
       </p:ext>
     </p:extLst>
   </p:cSld>
@@ -1683,7 +1772,7 @@
             <a:fld id="{1D8BD707-D9CF-40AE-B4C6-C98DA3205C09}" type="datetimeFigureOut">
               <a:rPr lang="en-US" smtClean="0"/>
               <a:pPr/>
-              <a:t>12/8/2016</a:t>
+              <a:t>12/9/2016</a:t>
             </a:fld>
             <a:endParaRPr lang="en-US"/>
           </a:p>
@@ -1850,7 +1939,7 @@
             <a:fld id="{1D8BD707-D9CF-40AE-B4C6-C98DA3205C09}" type="datetimeFigureOut">
               <a:rPr lang="en-US" smtClean="0"/>
               <a:pPr/>
-              <a:t>12/8/2016</a:t>
+              <a:t>12/9/2016</a:t>
             </a:fld>
             <a:endParaRPr lang="en-US"/>
           </a:p>
@@ -2027,7 +2116,7 @@
             <a:fld id="{1D8BD707-D9CF-40AE-B4C6-C98DA3205C09}" type="datetimeFigureOut">
               <a:rPr lang="en-US" smtClean="0"/>
               <a:pPr/>
-              <a:t>12/8/2016</a:t>
+              <a:t>12/9/2016</a:t>
             </a:fld>
             <a:endParaRPr lang="en-US"/>
           </a:p>
@@ -2194,7 +2283,7 @@
             <a:fld id="{1D8BD707-D9CF-40AE-B4C6-C98DA3205C09}" type="datetimeFigureOut">
               <a:rPr lang="en-US" smtClean="0"/>
               <a:pPr/>
-              <a:t>12/8/2016</a:t>
+              <a:t>12/9/2016</a:t>
             </a:fld>
             <a:endParaRPr lang="en-US"/>
           </a:p>
@@ -2437,7 +2526,7 @@
             <a:fld id="{1D8BD707-D9CF-40AE-B4C6-C98DA3205C09}" type="datetimeFigureOut">
               <a:rPr lang="en-US" smtClean="0"/>
               <a:pPr/>
-              <a:t>12/8/2016</a:t>
+              <a:t>12/9/2016</a:t>
             </a:fld>
             <a:endParaRPr lang="en-US"/>
           </a:p>
@@ -2722,7 +2811,7 @@
             <a:fld id="{1D8BD707-D9CF-40AE-B4C6-C98DA3205C09}" type="datetimeFigureOut">
               <a:rPr lang="en-US" smtClean="0"/>
               <a:pPr/>
-              <a:t>12/8/2016</a:t>
+              <a:t>12/9/2016</a:t>
             </a:fld>
             <a:endParaRPr lang="en-US"/>
           </a:p>
@@ -3141,7 +3230,7 @@
             <a:fld id="{1D8BD707-D9CF-40AE-B4C6-C98DA3205C09}" type="datetimeFigureOut">
               <a:rPr lang="en-US" smtClean="0"/>
               <a:pPr/>
-              <a:t>12/8/2016</a:t>
+              <a:t>12/9/2016</a:t>
             </a:fld>
             <a:endParaRPr lang="en-US"/>
           </a:p>
@@ -3256,7 +3345,7 @@
             <a:fld id="{1D8BD707-D9CF-40AE-B4C6-C98DA3205C09}" type="datetimeFigureOut">
               <a:rPr lang="en-US" smtClean="0"/>
               <a:pPr/>
-              <a:t>12/8/2016</a:t>
+              <a:t>12/9/2016</a:t>
             </a:fld>
             <a:endParaRPr lang="en-US"/>
           </a:p>
@@ -3348,7 +3437,7 @@
             <a:fld id="{1D8BD707-D9CF-40AE-B4C6-C98DA3205C09}" type="datetimeFigureOut">
               <a:rPr lang="en-US" smtClean="0"/>
               <a:pPr/>
-              <a:t>12/8/2016</a:t>
+              <a:t>12/9/2016</a:t>
             </a:fld>
             <a:endParaRPr lang="en-US"/>
           </a:p>
@@ -3622,7 +3711,7 @@
             <a:fld id="{1D8BD707-D9CF-40AE-B4C6-C98DA3205C09}" type="datetimeFigureOut">
               <a:rPr lang="en-US" smtClean="0"/>
               <a:pPr/>
-              <a:t>12/8/2016</a:t>
+              <a:t>12/9/2016</a:t>
             </a:fld>
             <a:endParaRPr lang="en-US"/>
           </a:p>
@@ -3872,7 +3961,7 @@
             <a:fld id="{1D8BD707-D9CF-40AE-B4C6-C98DA3205C09}" type="datetimeFigureOut">
               <a:rPr lang="en-US" smtClean="0"/>
               <a:pPr/>
-              <a:t>12/8/2016</a:t>
+              <a:t>12/9/2016</a:t>
             </a:fld>
             <a:endParaRPr lang="en-US"/>
           </a:p>
@@ -4085,7 +4174,7 @@
             <a:fld id="{1D8BD707-D9CF-40AE-B4C6-C98DA3205C09}" type="datetimeFigureOut">
               <a:rPr lang="en-US" smtClean="0"/>
               <a:pPr/>
-              <a:t>12/8/2016</a:t>
+              <a:t>12/9/2016</a:t>
             </a:fld>
             <a:endParaRPr lang="en-US"/>
           </a:p>
@@ -4630,6 +4719,1391 @@
         </p:nvSpPr>
         <p:spPr/>
         <p:txBody>
+          <a:bodyPr>
+            <a:normAutofit/>
+          </a:bodyPr>
+          <a:lstStyle/>
+          <a:p>
+            <a:r>
+              <a:rPr lang="en-US" dirty="0" smtClean="0">
+                <a:latin typeface="Courier New" panose="02070309020205020404" pitchFamily="49" charset="0"/>
+                <a:cs typeface="Courier New" panose="02070309020205020404" pitchFamily="49" charset="0"/>
+              </a:rPr>
+              <a:t>dirty checking</a:t>
+            </a:r>
+            <a:endParaRPr lang="ru-RU" dirty="0">
+              <a:latin typeface="Courier New" panose="02070309020205020404" pitchFamily="49" charset="0"/>
+              <a:cs typeface="Courier New" panose="02070309020205020404" pitchFamily="49" charset="0"/>
+            </a:endParaRPr>
+          </a:p>
+        </p:txBody>
+      </p:sp>
+      <p:sp>
+        <p:nvSpPr>
+          <p:cNvPr id="4" name="Rectangle 3"/>
+          <p:cNvSpPr/>
+          <p:nvPr/>
+        </p:nvSpPr>
+        <p:spPr>
+          <a:xfrm>
+            <a:off x="990600" y="1447800"/>
+            <a:ext cx="6984413" cy="461665"/>
+          </a:xfrm>
+          <a:prstGeom prst="rect">
+            <a:avLst/>
+          </a:prstGeom>
+        </p:spPr>
+        <p:txBody>
+          <a:bodyPr wrap="none">
+            <a:spAutoFit/>
+          </a:bodyPr>
+          <a:lstStyle/>
+          <a:p>
+            <a:r>
+              <a:rPr lang="en-US" sz="2400" dirty="0" smtClean="0"/>
+              <a:t>dirty checking is done “in 1 transaction” of digest cycle</a:t>
+            </a:r>
+            <a:endParaRPr lang="en-US" sz="2400" dirty="0"/>
+          </a:p>
+        </p:txBody>
+      </p:sp>
+      <p:sp>
+        <p:nvSpPr>
+          <p:cNvPr id="5" name="Rectangle 4"/>
+          <p:cNvSpPr/>
+          <p:nvPr/>
+        </p:nvSpPr>
+        <p:spPr>
+          <a:xfrm>
+            <a:off x="939592" y="2057400"/>
+            <a:ext cx="7086427" cy="830997"/>
+          </a:xfrm>
+          <a:prstGeom prst="rect">
+            <a:avLst/>
+          </a:prstGeom>
+        </p:spPr>
+        <p:txBody>
+          <a:bodyPr wrap="none">
+            <a:spAutoFit/>
+          </a:bodyPr>
+          <a:lstStyle/>
+          <a:p>
+            <a:pPr algn="ctr"/>
+            <a:r>
+              <a:rPr lang="en-US" sz="2400" dirty="0" smtClean="0">
+                <a:hlinkClick r:id="rId3"/>
+              </a:rPr>
+              <a:t>opposed to </a:t>
+            </a:r>
+            <a:r>
+              <a:rPr lang="en-US" sz="2400" dirty="0" smtClean="0"/>
+              <a:t>change listeners in </a:t>
+            </a:r>
+            <a:r>
+              <a:rPr lang="en-US" sz="2400" dirty="0" err="1" smtClean="0"/>
+              <a:t>KnockoutJS</a:t>
+            </a:r>
+            <a:r>
+              <a:rPr lang="en-US" sz="2400" dirty="0" smtClean="0"/>
+              <a:t> or Backbone</a:t>
+            </a:r>
+            <a:br>
+              <a:rPr lang="en-US" sz="2400" dirty="0" smtClean="0"/>
+            </a:br>
+            <a:r>
+              <a:rPr lang="en-US" sz="2400" dirty="0" smtClean="0"/>
+              <a:t>which could create inconsistent state</a:t>
+            </a:r>
+            <a:endParaRPr lang="en-US" sz="2400" dirty="0"/>
+          </a:p>
+        </p:txBody>
+      </p:sp>
+      <p:sp>
+        <p:nvSpPr>
+          <p:cNvPr id="6" name="Rectangle 5"/>
+          <p:cNvSpPr/>
+          <p:nvPr/>
+        </p:nvSpPr>
+        <p:spPr>
+          <a:xfrm>
+            <a:off x="2866593" y="2971800"/>
+            <a:ext cx="3328155" cy="338554"/>
+          </a:xfrm>
+          <a:prstGeom prst="rect">
+            <a:avLst/>
+          </a:prstGeom>
+        </p:spPr>
+        <p:txBody>
+          <a:bodyPr wrap="none">
+            <a:spAutoFit/>
+          </a:bodyPr>
+          <a:lstStyle/>
+          <a:p>
+            <a:pPr algn="ctr"/>
+            <a:r>
+              <a:rPr lang="en-US" sz="1600" dirty="0" smtClean="0"/>
+              <a:t>(but with dependency tracking it’s ok)</a:t>
+            </a:r>
+            <a:endParaRPr lang="en-US" sz="1600" dirty="0"/>
+          </a:p>
+        </p:txBody>
+      </p:sp>
+    </p:spTree>
+    <p:extLst>
+      <p:ext uri="{BB962C8B-B14F-4D97-AF65-F5344CB8AC3E}">
+        <p14:creationId xmlns:p14="http://schemas.microsoft.com/office/powerpoint/2010/main" val="3478346650"/>
+      </p:ext>
+    </p:extLst>
+  </p:cSld>
+  <p:clrMapOvr>
+    <a:masterClrMapping/>
+  </p:clrMapOvr>
+  <mc:AlternateContent xmlns:mc="http://schemas.openxmlformats.org/markup-compatibility/2006" xmlns:p14="http://schemas.microsoft.com/office/powerpoint/2010/main">
+    <mc:Choice Requires="p14">
+      <p:transition spd="slow" p14:dur="2000"/>
+    </mc:Choice>
+    <mc:Fallback xmlns="">
+      <p:transition spd="slow"/>
+    </mc:Fallback>
+  </mc:AlternateContent>
+  <p:timing>
+    <p:tnLst>
+      <p:par>
+        <p:cTn id="1" dur="indefinite" restart="never" nodeType="tmRoot">
+          <p:childTnLst>
+            <p:seq concurrent="1" nextAc="seek">
+              <p:cTn id="2" dur="indefinite" nodeType="mainSeq">
+                <p:childTnLst>
+                  <p:par>
+                    <p:cTn id="3" fill="hold">
+                      <p:stCondLst>
+                        <p:cond delay="indefinite"/>
+                      </p:stCondLst>
+                      <p:childTnLst>
+                        <p:par>
+                          <p:cTn id="4" fill="hold">
+                            <p:stCondLst>
+                              <p:cond delay="0"/>
+                            </p:stCondLst>
+                            <p:childTnLst>
+                              <p:par>
+                                <p:cTn id="5" presetID="1" presetClass="entr" presetSubtype="0" fill="hold" grpId="0" nodeType="clickEffect">
+                                  <p:stCondLst>
+                                    <p:cond delay="0"/>
+                                  </p:stCondLst>
+                                  <p:childTnLst>
+                                    <p:set>
+                                      <p:cBhvr>
+                                        <p:cTn id="6" dur="1" fill="hold">
+                                          <p:stCondLst>
+                                            <p:cond delay="0"/>
+                                          </p:stCondLst>
+                                        </p:cTn>
+                                        <p:tgtEl>
+                                          <p:spTgt spid="4"/>
+                                        </p:tgtEl>
+                                        <p:attrNameLst>
+                                          <p:attrName>style.visibility</p:attrName>
+                                        </p:attrNameLst>
+                                      </p:cBhvr>
+                                      <p:to>
+                                        <p:strVal val="visible"/>
+                                      </p:to>
+                                    </p:set>
+                                  </p:childTnLst>
+                                </p:cTn>
+                              </p:par>
+                            </p:childTnLst>
+                          </p:cTn>
+                        </p:par>
+                      </p:childTnLst>
+                    </p:cTn>
+                  </p:par>
+                  <p:par>
+                    <p:cTn id="7" fill="hold">
+                      <p:stCondLst>
+                        <p:cond delay="indefinite"/>
+                      </p:stCondLst>
+                      <p:childTnLst>
+                        <p:par>
+                          <p:cTn id="8" fill="hold">
+                            <p:stCondLst>
+                              <p:cond delay="0"/>
+                            </p:stCondLst>
+                            <p:childTnLst>
+                              <p:par>
+                                <p:cTn id="9" presetID="1" presetClass="entr" presetSubtype="0" fill="hold" grpId="0" nodeType="clickEffect">
+                                  <p:stCondLst>
+                                    <p:cond delay="0"/>
+                                  </p:stCondLst>
+                                  <p:childTnLst>
+                                    <p:set>
+                                      <p:cBhvr>
+                                        <p:cTn id="10" dur="1" fill="hold">
+                                          <p:stCondLst>
+                                            <p:cond delay="0"/>
+                                          </p:stCondLst>
+                                        </p:cTn>
+                                        <p:tgtEl>
+                                          <p:spTgt spid="5"/>
+                                        </p:tgtEl>
+                                        <p:attrNameLst>
+                                          <p:attrName>style.visibility</p:attrName>
+                                        </p:attrNameLst>
+                                      </p:cBhvr>
+                                      <p:to>
+                                        <p:strVal val="visible"/>
+                                      </p:to>
+                                    </p:set>
+                                  </p:childTnLst>
+                                </p:cTn>
+                              </p:par>
+                              <p:par>
+                                <p:cTn id="11" presetID="1" presetClass="entr" presetSubtype="0" fill="hold" grpId="0" nodeType="withEffect">
+                                  <p:stCondLst>
+                                    <p:cond delay="0"/>
+                                  </p:stCondLst>
+                                  <p:childTnLst>
+                                    <p:set>
+                                      <p:cBhvr>
+                                        <p:cTn id="12" dur="1" fill="hold">
+                                          <p:stCondLst>
+                                            <p:cond delay="0"/>
+                                          </p:stCondLst>
+                                        </p:cTn>
+                                        <p:tgtEl>
+                                          <p:spTgt spid="6"/>
+                                        </p:tgtEl>
+                                        <p:attrNameLst>
+                                          <p:attrName>style.visibility</p:attrName>
+                                        </p:attrNameLst>
+                                      </p:cBhvr>
+                                      <p:to>
+                                        <p:strVal val="visible"/>
+                                      </p:to>
+                                    </p:set>
+                                  </p:childTnLst>
+                                </p:cTn>
+                              </p:par>
+                            </p:childTnLst>
+                          </p:cTn>
+                        </p:par>
+                      </p:childTnLst>
+                    </p:cTn>
+                  </p:par>
+                </p:childTnLst>
+              </p:cTn>
+              <p:prevCondLst>
+                <p:cond evt="onPrev" delay="0">
+                  <p:tgtEl>
+                    <p:sldTgt/>
+                  </p:tgtEl>
+                </p:cond>
+              </p:prevCondLst>
+              <p:nextCondLst>
+                <p:cond evt="onNext" delay="0">
+                  <p:tgtEl>
+                    <p:sldTgt/>
+                  </p:tgtEl>
+                </p:cond>
+              </p:nextCondLst>
+            </p:seq>
+          </p:childTnLst>
+        </p:cTn>
+      </p:par>
+    </p:tnLst>
+    <p:bldLst>
+      <p:bldP spid="4" grpId="0"/>
+      <p:bldP spid="5" grpId="0"/>
+      <p:bldP spid="6" grpId="0"/>
+    </p:bldLst>
+  </p:timing>
+</p:sld>
+</file>
+
+<file path=ppt/slides/slide11.xml><?xml version="1.0" encoding="utf-8"?>
+<p:sld xmlns:a="http://schemas.openxmlformats.org/drawingml/2006/main" xmlns:r="http://schemas.openxmlformats.org/officeDocument/2006/relationships" xmlns:p="http://schemas.openxmlformats.org/presentationml/2006/main">
+  <p:cSld>
+    <p:spTree>
+      <p:nvGrpSpPr>
+        <p:cNvPr id="1" name=""/>
+        <p:cNvGrpSpPr/>
+        <p:nvPr/>
+      </p:nvGrpSpPr>
+      <p:grpSpPr>
+        <a:xfrm>
+          <a:off x="0" y="0"/>
+          <a:ext cx="0" cy="0"/>
+          <a:chOff x="0" y="0"/>
+          <a:chExt cx="0" cy="0"/>
+        </a:xfrm>
+      </p:grpSpPr>
+      <p:sp>
+        <p:nvSpPr>
+          <p:cNvPr id="2" name="Title 1"/>
+          <p:cNvSpPr>
+            <a:spLocks noGrp="1"/>
+          </p:cNvSpPr>
+          <p:nvPr>
+            <p:ph type="title"/>
+          </p:nvPr>
+        </p:nvSpPr>
+        <p:spPr/>
+        <p:txBody>
+          <a:bodyPr>
+            <a:normAutofit/>
+          </a:bodyPr>
+          <a:lstStyle/>
+          <a:p>
+            <a:r>
+              <a:rPr lang="en-US" dirty="0" smtClean="0">
+                <a:latin typeface="Courier New" panose="02070309020205020404" pitchFamily="49" charset="0"/>
+                <a:cs typeface="Courier New" panose="02070309020205020404" pitchFamily="49" charset="0"/>
+              </a:rPr>
+              <a:t>$apply</a:t>
+            </a:r>
+            <a:endParaRPr lang="ru-RU" dirty="0">
+              <a:latin typeface="Courier New" panose="02070309020205020404" pitchFamily="49" charset="0"/>
+              <a:cs typeface="Courier New" panose="02070309020205020404" pitchFamily="49" charset="0"/>
+            </a:endParaRPr>
+          </a:p>
+        </p:txBody>
+      </p:sp>
+      <p:sp>
+        <p:nvSpPr>
+          <p:cNvPr id="4" name="Rectangle 4"/>
+          <p:cNvSpPr>
+            <a:spLocks noChangeArrowheads="1"/>
+          </p:cNvSpPr>
+          <p:nvPr/>
+        </p:nvSpPr>
+        <p:spPr bwMode="auto">
+          <a:xfrm>
+            <a:off x="2819400" y="2819400"/>
+            <a:ext cx="2895600" cy="1741603"/>
+          </a:xfrm>
+          <a:prstGeom prst="rect">
+            <a:avLst/>
+          </a:prstGeom>
+          <a:solidFill>
+            <a:srgbClr val="F5F2F0"/>
+          </a:solidFill>
+          <a:ln>
+            <a:noFill/>
+          </a:ln>
+          <a:effectLst/>
+          <a:extLst>
+            <a:ext uri="{91240B29-F687-4F45-9708-019B960494DF}">
+              <a14:hiddenLine xmlns:a14="http://schemas.microsoft.com/office/drawing/2010/main" w="9525">
+                <a:solidFill>
+                  <a:schemeClr val="tx1"/>
+                </a:solidFill>
+                <a:miter lim="800000"/>
+                <a:headEnd/>
+                <a:tailEnd/>
+              </a14:hiddenLine>
+            </a:ext>
+            <a:ext uri="{AF507438-7753-43E0-B8FC-AC1667EBCBE1}">
+              <a14:hiddenEffects xmlns:a14="http://schemas.microsoft.com/office/drawing/2010/main">
+                <a:effectLst>
+                  <a:outerShdw dist="35921" dir="2700000" algn="ctr" rotWithShape="0">
+                    <a:schemeClr val="bg2"/>
+                  </a:outerShdw>
+                </a:effectLst>
+              </a14:hiddenEffects>
+            </a:ext>
+          </a:extLst>
+        </p:spPr>
+        <p:txBody>
+          <a:bodyPr vert="horz" wrap="square" lIns="108000" tIns="108000" rIns="108000" bIns="108000" numCol="1" anchor="ctr" anchorCtr="0" compatLnSpc="1">
+            <a:prstTxWarp prst="textNoShape">
+              <a:avLst/>
+            </a:prstTxWarp>
+            <a:spAutoFit/>
+          </a:bodyPr>
+          <a:lstStyle/>
+          <a:p>
+            <a:pPr lvl="0" fontAlgn="base">
+              <a:spcBef>
+                <a:spcPct val="0"/>
+              </a:spcBef>
+              <a:spcAft>
+                <a:spcPct val="0"/>
+              </a:spcAft>
+            </a:pPr>
+            <a:r>
+              <a:rPr lang="ru-RU" altLang="ru-RU" sz="1100" b="1" dirty="0">
+                <a:solidFill>
+                  <a:srgbClr val="000080"/>
+                </a:solidFill>
+                <a:latin typeface="Courier New" pitchFamily="49" charset="0"/>
+                <a:cs typeface="Courier New" pitchFamily="49" charset="0"/>
+              </a:rPr>
+              <a:t>function </a:t>
+            </a:r>
+            <a:r>
+              <a:rPr lang="ru-RU" altLang="ru-RU" sz="1100" i="1" dirty="0">
+                <a:solidFill>
+                  <a:srgbClr val="000000"/>
+                </a:solidFill>
+                <a:latin typeface="Courier New" pitchFamily="49" charset="0"/>
+                <a:cs typeface="Courier New" pitchFamily="49" charset="0"/>
+              </a:rPr>
+              <a:t>$apply</a:t>
+            </a:r>
+            <a:r>
+              <a:rPr lang="ru-RU" altLang="ru-RU" sz="1100" dirty="0">
+                <a:solidFill>
+                  <a:srgbClr val="000000"/>
+                </a:solidFill>
+                <a:latin typeface="Courier New" pitchFamily="49" charset="0"/>
+                <a:cs typeface="Courier New" pitchFamily="49" charset="0"/>
+              </a:rPr>
+              <a:t>(expr) {</a:t>
+            </a:r>
+            <a:br>
+              <a:rPr lang="ru-RU" altLang="ru-RU" sz="1100" dirty="0">
+                <a:solidFill>
+                  <a:srgbClr val="000000"/>
+                </a:solidFill>
+                <a:latin typeface="Courier New" pitchFamily="49" charset="0"/>
+                <a:cs typeface="Courier New" pitchFamily="49" charset="0"/>
+              </a:rPr>
+            </a:br>
+            <a:r>
+              <a:rPr lang="ru-RU" altLang="ru-RU" sz="1100" dirty="0">
+                <a:solidFill>
+                  <a:srgbClr val="000000"/>
+                </a:solidFill>
+                <a:latin typeface="Courier New" pitchFamily="49" charset="0"/>
+                <a:cs typeface="Courier New" pitchFamily="49" charset="0"/>
+              </a:rPr>
+              <a:t>    </a:t>
+            </a:r>
+            <a:r>
+              <a:rPr lang="ru-RU" altLang="ru-RU" sz="1100" b="1" dirty="0">
+                <a:solidFill>
+                  <a:srgbClr val="000080"/>
+                </a:solidFill>
+                <a:latin typeface="Courier New" pitchFamily="49" charset="0"/>
+                <a:cs typeface="Courier New" pitchFamily="49" charset="0"/>
+              </a:rPr>
+              <a:t>try </a:t>
+            </a:r>
+            <a:r>
+              <a:rPr lang="ru-RU" altLang="ru-RU" sz="1100" dirty="0">
+                <a:solidFill>
+                  <a:srgbClr val="000000"/>
+                </a:solidFill>
+                <a:latin typeface="Courier New" pitchFamily="49" charset="0"/>
+                <a:cs typeface="Courier New" pitchFamily="49" charset="0"/>
+              </a:rPr>
+              <a:t>{</a:t>
+            </a:r>
+            <a:br>
+              <a:rPr lang="ru-RU" altLang="ru-RU" sz="1100" dirty="0">
+                <a:solidFill>
+                  <a:srgbClr val="000000"/>
+                </a:solidFill>
+                <a:latin typeface="Courier New" pitchFamily="49" charset="0"/>
+                <a:cs typeface="Courier New" pitchFamily="49" charset="0"/>
+              </a:rPr>
+            </a:br>
+            <a:r>
+              <a:rPr lang="ru-RU" altLang="ru-RU" sz="1100" dirty="0">
+                <a:solidFill>
+                  <a:srgbClr val="000000"/>
+                </a:solidFill>
+                <a:latin typeface="Courier New" pitchFamily="49" charset="0"/>
+                <a:cs typeface="Courier New" pitchFamily="49" charset="0"/>
+              </a:rPr>
+              <a:t>        </a:t>
+            </a:r>
+            <a:r>
+              <a:rPr lang="ru-RU" altLang="ru-RU" sz="1100" b="1" dirty="0">
+                <a:solidFill>
+                  <a:srgbClr val="000080"/>
+                </a:solidFill>
+                <a:latin typeface="Courier New" pitchFamily="49" charset="0"/>
+                <a:cs typeface="Courier New" pitchFamily="49" charset="0"/>
+              </a:rPr>
+              <a:t>return </a:t>
+            </a:r>
+            <a:r>
+              <a:rPr lang="ru-RU" altLang="ru-RU" sz="1100" dirty="0">
+                <a:solidFill>
+                  <a:srgbClr val="000000"/>
+                </a:solidFill>
+                <a:latin typeface="Courier New" pitchFamily="49" charset="0"/>
+                <a:cs typeface="Courier New" pitchFamily="49" charset="0"/>
+              </a:rPr>
+              <a:t>$eval(expr);</a:t>
+            </a:r>
+            <a:br>
+              <a:rPr lang="ru-RU" altLang="ru-RU" sz="1100" dirty="0">
+                <a:solidFill>
+                  <a:srgbClr val="000000"/>
+                </a:solidFill>
+                <a:latin typeface="Courier New" pitchFamily="49" charset="0"/>
+                <a:cs typeface="Courier New" pitchFamily="49" charset="0"/>
+              </a:rPr>
+            </a:br>
+            <a:r>
+              <a:rPr lang="ru-RU" altLang="ru-RU" sz="1100" dirty="0">
+                <a:solidFill>
+                  <a:srgbClr val="000000"/>
+                </a:solidFill>
+                <a:latin typeface="Courier New" pitchFamily="49" charset="0"/>
+                <a:cs typeface="Courier New" pitchFamily="49" charset="0"/>
+              </a:rPr>
+              <a:t>    } </a:t>
+            </a:r>
+            <a:r>
+              <a:rPr lang="ru-RU" altLang="ru-RU" sz="1100" b="1" dirty="0">
+                <a:solidFill>
+                  <a:srgbClr val="000080"/>
+                </a:solidFill>
+                <a:latin typeface="Courier New" pitchFamily="49" charset="0"/>
+                <a:cs typeface="Courier New" pitchFamily="49" charset="0"/>
+              </a:rPr>
+              <a:t>catch </a:t>
+            </a:r>
+            <a:r>
+              <a:rPr lang="ru-RU" altLang="ru-RU" sz="1100" dirty="0">
+                <a:solidFill>
+                  <a:srgbClr val="000000"/>
+                </a:solidFill>
+                <a:latin typeface="Courier New" pitchFamily="49" charset="0"/>
+                <a:cs typeface="Courier New" pitchFamily="49" charset="0"/>
+              </a:rPr>
+              <a:t>(e) {</a:t>
+            </a:r>
+            <a:br>
+              <a:rPr lang="ru-RU" altLang="ru-RU" sz="1100" dirty="0">
+                <a:solidFill>
+                  <a:srgbClr val="000000"/>
+                </a:solidFill>
+                <a:latin typeface="Courier New" pitchFamily="49" charset="0"/>
+                <a:cs typeface="Courier New" pitchFamily="49" charset="0"/>
+              </a:rPr>
+            </a:br>
+            <a:r>
+              <a:rPr lang="ru-RU" altLang="ru-RU" sz="1100" dirty="0">
+                <a:solidFill>
+                  <a:srgbClr val="000000"/>
+                </a:solidFill>
+                <a:latin typeface="Courier New" pitchFamily="49" charset="0"/>
+                <a:cs typeface="Courier New" pitchFamily="49" charset="0"/>
+              </a:rPr>
+              <a:t>        </a:t>
+            </a:r>
+            <a:r>
+              <a:rPr lang="ru-RU" altLang="ru-RU" sz="1100" i="1" dirty="0">
+                <a:solidFill>
+                  <a:srgbClr val="000000"/>
+                </a:solidFill>
+                <a:latin typeface="Courier New" pitchFamily="49" charset="0"/>
+                <a:cs typeface="Courier New" pitchFamily="49" charset="0"/>
+              </a:rPr>
+              <a:t>$exceptionHandler</a:t>
+            </a:r>
+            <a:r>
+              <a:rPr lang="ru-RU" altLang="ru-RU" sz="1100" dirty="0">
+                <a:solidFill>
+                  <a:srgbClr val="000000"/>
+                </a:solidFill>
+                <a:latin typeface="Courier New" pitchFamily="49" charset="0"/>
+                <a:cs typeface="Courier New" pitchFamily="49" charset="0"/>
+              </a:rPr>
+              <a:t>(e);</a:t>
+            </a:r>
+            <a:br>
+              <a:rPr lang="ru-RU" altLang="ru-RU" sz="1100" dirty="0">
+                <a:solidFill>
+                  <a:srgbClr val="000000"/>
+                </a:solidFill>
+                <a:latin typeface="Courier New" pitchFamily="49" charset="0"/>
+                <a:cs typeface="Courier New" pitchFamily="49" charset="0"/>
+              </a:rPr>
+            </a:br>
+            <a:r>
+              <a:rPr lang="ru-RU" altLang="ru-RU" sz="1100" dirty="0">
+                <a:solidFill>
+                  <a:srgbClr val="000000"/>
+                </a:solidFill>
+                <a:latin typeface="Courier New" pitchFamily="49" charset="0"/>
+                <a:cs typeface="Courier New" pitchFamily="49" charset="0"/>
+              </a:rPr>
+              <a:t>    } </a:t>
+            </a:r>
+            <a:r>
+              <a:rPr lang="ru-RU" altLang="ru-RU" sz="1100" b="1" dirty="0">
+                <a:solidFill>
+                  <a:srgbClr val="000080"/>
+                </a:solidFill>
+                <a:latin typeface="Courier New" pitchFamily="49" charset="0"/>
+                <a:cs typeface="Courier New" pitchFamily="49" charset="0"/>
+              </a:rPr>
+              <a:t>finally </a:t>
+            </a:r>
+            <a:r>
+              <a:rPr lang="ru-RU" altLang="ru-RU" sz="1100" dirty="0">
+                <a:solidFill>
+                  <a:srgbClr val="000000"/>
+                </a:solidFill>
+                <a:latin typeface="Courier New" pitchFamily="49" charset="0"/>
+                <a:cs typeface="Courier New" pitchFamily="49" charset="0"/>
+              </a:rPr>
+              <a:t>{</a:t>
+            </a:r>
+            <a:br>
+              <a:rPr lang="ru-RU" altLang="ru-RU" sz="1100" dirty="0">
+                <a:solidFill>
+                  <a:srgbClr val="000000"/>
+                </a:solidFill>
+                <a:latin typeface="Courier New" pitchFamily="49" charset="0"/>
+                <a:cs typeface="Courier New" pitchFamily="49" charset="0"/>
+              </a:rPr>
+            </a:br>
+            <a:r>
+              <a:rPr lang="ru-RU" altLang="ru-RU" sz="1100" dirty="0">
+                <a:solidFill>
+                  <a:srgbClr val="000000"/>
+                </a:solidFill>
+                <a:latin typeface="Courier New" pitchFamily="49" charset="0"/>
+                <a:cs typeface="Courier New" pitchFamily="49" charset="0"/>
+              </a:rPr>
+              <a:t>        </a:t>
+            </a:r>
+            <a:r>
+              <a:rPr lang="ru-RU" altLang="ru-RU" sz="1100" b="1" dirty="0">
+                <a:solidFill>
+                  <a:srgbClr val="660E7A"/>
+                </a:solidFill>
+                <a:latin typeface="Courier New" pitchFamily="49" charset="0"/>
+                <a:cs typeface="Courier New" pitchFamily="49" charset="0"/>
+              </a:rPr>
+              <a:t>$root</a:t>
+            </a:r>
+            <a:r>
+              <a:rPr lang="ru-RU" altLang="ru-RU" sz="1100" dirty="0">
+                <a:solidFill>
+                  <a:srgbClr val="000000"/>
+                </a:solidFill>
+                <a:latin typeface="Courier New" pitchFamily="49" charset="0"/>
+                <a:cs typeface="Courier New" pitchFamily="49" charset="0"/>
+              </a:rPr>
+              <a:t>.</a:t>
+            </a:r>
+            <a:r>
+              <a:rPr lang="ru-RU" altLang="ru-RU" sz="1100" dirty="0">
+                <a:solidFill>
+                  <a:srgbClr val="7A7A43"/>
+                </a:solidFill>
+                <a:latin typeface="Courier New" pitchFamily="49" charset="0"/>
+                <a:cs typeface="Courier New" pitchFamily="49" charset="0"/>
+              </a:rPr>
+              <a:t>$digest</a:t>
+            </a:r>
+            <a:r>
+              <a:rPr lang="ru-RU" altLang="ru-RU" sz="1100" dirty="0">
+                <a:solidFill>
+                  <a:srgbClr val="000000"/>
+                </a:solidFill>
+                <a:latin typeface="Courier New" pitchFamily="49" charset="0"/>
+                <a:cs typeface="Courier New" pitchFamily="49" charset="0"/>
+              </a:rPr>
+              <a:t>();</a:t>
+            </a:r>
+            <a:br>
+              <a:rPr lang="ru-RU" altLang="ru-RU" sz="1100" dirty="0">
+                <a:solidFill>
+                  <a:srgbClr val="000000"/>
+                </a:solidFill>
+                <a:latin typeface="Courier New" pitchFamily="49" charset="0"/>
+                <a:cs typeface="Courier New" pitchFamily="49" charset="0"/>
+              </a:rPr>
+            </a:br>
+            <a:r>
+              <a:rPr lang="ru-RU" altLang="ru-RU" sz="1100" dirty="0">
+                <a:solidFill>
+                  <a:srgbClr val="000000"/>
+                </a:solidFill>
+                <a:latin typeface="Courier New" pitchFamily="49" charset="0"/>
+                <a:cs typeface="Courier New" pitchFamily="49" charset="0"/>
+              </a:rPr>
+              <a:t>    }</a:t>
+            </a:r>
+            <a:br>
+              <a:rPr lang="ru-RU" altLang="ru-RU" sz="1100" dirty="0">
+                <a:solidFill>
+                  <a:srgbClr val="000000"/>
+                </a:solidFill>
+                <a:latin typeface="Courier New" pitchFamily="49" charset="0"/>
+                <a:cs typeface="Courier New" pitchFamily="49" charset="0"/>
+              </a:rPr>
+            </a:br>
+            <a:r>
+              <a:rPr lang="ru-RU" altLang="ru-RU" sz="1100" dirty="0">
+                <a:solidFill>
+                  <a:srgbClr val="000000"/>
+                </a:solidFill>
+                <a:latin typeface="Courier New" pitchFamily="49" charset="0"/>
+                <a:cs typeface="Courier New" pitchFamily="49" charset="0"/>
+              </a:rPr>
+              <a:t>}</a:t>
+            </a:r>
+            <a:endParaRPr lang="ru-RU" altLang="ru-RU" sz="2400" dirty="0">
+              <a:latin typeface="Arial" pitchFamily="34" charset="0"/>
+              <a:cs typeface="Arial" pitchFamily="34" charset="0"/>
+            </a:endParaRPr>
+          </a:p>
+        </p:txBody>
+      </p:sp>
+      <p:sp>
+        <p:nvSpPr>
+          <p:cNvPr id="5" name="Rectangle 4"/>
+          <p:cNvSpPr/>
+          <p:nvPr/>
+        </p:nvSpPr>
+        <p:spPr>
+          <a:xfrm>
+            <a:off x="546393" y="2133600"/>
+            <a:ext cx="5915915" cy="461665"/>
+          </a:xfrm>
+          <a:prstGeom prst="rect">
+            <a:avLst/>
+          </a:prstGeom>
+        </p:spPr>
+        <p:txBody>
+          <a:bodyPr wrap="none">
+            <a:spAutoFit/>
+          </a:bodyPr>
+          <a:lstStyle/>
+          <a:p>
+            <a:r>
+              <a:rPr lang="en-US" sz="2400" dirty="0" smtClean="0"/>
+              <a:t>used if some code is executed outside </a:t>
+            </a:r>
+            <a:r>
+              <a:rPr lang="en-US" sz="2400" dirty="0" smtClean="0">
+                <a:solidFill>
+                  <a:srgbClr val="C00000"/>
+                </a:solidFill>
+              </a:rPr>
+              <a:t>angular</a:t>
+            </a:r>
+            <a:endParaRPr lang="en-US" sz="2400" dirty="0">
+              <a:solidFill>
+                <a:srgbClr val="C00000"/>
+              </a:solidFill>
+            </a:endParaRPr>
+          </a:p>
+        </p:txBody>
+      </p:sp>
+      <p:sp>
+        <p:nvSpPr>
+          <p:cNvPr id="6" name="Rectangle 5"/>
+          <p:cNvSpPr/>
+          <p:nvPr/>
+        </p:nvSpPr>
+        <p:spPr>
+          <a:xfrm>
+            <a:off x="546393" y="1524000"/>
+            <a:ext cx="5551776" cy="461665"/>
+          </a:xfrm>
+          <a:prstGeom prst="rect">
+            <a:avLst/>
+          </a:prstGeom>
+        </p:spPr>
+        <p:txBody>
+          <a:bodyPr wrap="none">
+            <a:spAutoFit/>
+          </a:bodyPr>
+          <a:lstStyle/>
+          <a:p>
+            <a:r>
+              <a:rPr lang="en-US" sz="2400" dirty="0" smtClean="0"/>
+              <a:t>all </a:t>
+            </a:r>
+            <a:r>
+              <a:rPr lang="en-US" sz="2400" dirty="0" smtClean="0">
+                <a:latin typeface="Courier New" panose="02070309020205020404" pitchFamily="49" charset="0"/>
+                <a:cs typeface="Courier New" panose="02070309020205020404" pitchFamily="49" charset="0"/>
+              </a:rPr>
+              <a:t>$scope </a:t>
+            </a:r>
+            <a:r>
+              <a:rPr lang="en-US" sz="2400" dirty="0" smtClean="0"/>
+              <a:t>functions run in apply context</a:t>
+            </a:r>
+            <a:endParaRPr lang="en-US" sz="2400" dirty="0">
+              <a:solidFill>
+                <a:srgbClr val="C00000"/>
+              </a:solidFill>
+            </a:endParaRPr>
+          </a:p>
+        </p:txBody>
+      </p:sp>
+      <p:sp>
+        <p:nvSpPr>
+          <p:cNvPr id="7" name="Rectangle 6"/>
+          <p:cNvSpPr/>
+          <p:nvPr/>
+        </p:nvSpPr>
+        <p:spPr>
+          <a:xfrm>
+            <a:off x="4275031" y="4724400"/>
+            <a:ext cx="2152641" cy="369332"/>
+          </a:xfrm>
+          <a:prstGeom prst="rect">
+            <a:avLst/>
+          </a:prstGeom>
+        </p:spPr>
+        <p:txBody>
+          <a:bodyPr wrap="none">
+            <a:spAutoFit/>
+          </a:bodyPr>
+          <a:lstStyle/>
+          <a:p>
+            <a:r>
+              <a:rPr lang="en-US" dirty="0" smtClean="0"/>
+              <a:t>always runs from top</a:t>
+            </a:r>
+            <a:endParaRPr lang="en-US" dirty="0">
+              <a:solidFill>
+                <a:srgbClr val="C00000"/>
+              </a:solidFill>
+            </a:endParaRPr>
+          </a:p>
+        </p:txBody>
+      </p:sp>
+      <p:sp>
+        <p:nvSpPr>
+          <p:cNvPr id="8" name="Rectangle 7"/>
+          <p:cNvSpPr/>
+          <p:nvPr/>
+        </p:nvSpPr>
+        <p:spPr>
+          <a:xfrm>
+            <a:off x="4275031" y="5072320"/>
+            <a:ext cx="4452181" cy="369332"/>
+          </a:xfrm>
+          <a:prstGeom prst="rect">
+            <a:avLst/>
+          </a:prstGeom>
+        </p:spPr>
+        <p:txBody>
+          <a:bodyPr wrap="none">
+            <a:spAutoFit/>
+          </a:bodyPr>
+          <a:lstStyle/>
+          <a:p>
+            <a:r>
+              <a:rPr lang="en-US" dirty="0" smtClean="0"/>
+              <a:t>(because ng doesn’t know what you’re doing)</a:t>
+            </a:r>
+            <a:endParaRPr lang="en-US" dirty="0">
+              <a:solidFill>
+                <a:srgbClr val="C00000"/>
+              </a:solidFill>
+            </a:endParaRPr>
+          </a:p>
+        </p:txBody>
+      </p:sp>
+      <p:cxnSp>
+        <p:nvCxnSpPr>
+          <p:cNvPr id="9" name="Straight Arrow Connector 8"/>
+          <p:cNvCxnSpPr/>
+          <p:nvPr/>
+        </p:nvCxnSpPr>
+        <p:spPr>
+          <a:xfrm flipH="1" flipV="1">
+            <a:off x="4495800" y="4191000"/>
+            <a:ext cx="533400" cy="533400"/>
+          </a:xfrm>
+          <a:prstGeom prst="straightConnector1">
+            <a:avLst/>
+          </a:prstGeom>
+          <a:ln>
+            <a:tailEnd type="arrow"/>
+          </a:ln>
+        </p:spPr>
+        <p:style>
+          <a:lnRef idx="2">
+            <a:schemeClr val="accent2"/>
+          </a:lnRef>
+          <a:fillRef idx="0">
+            <a:schemeClr val="accent2"/>
+          </a:fillRef>
+          <a:effectRef idx="1">
+            <a:schemeClr val="accent2"/>
+          </a:effectRef>
+          <a:fontRef idx="minor">
+            <a:schemeClr val="tx1"/>
+          </a:fontRef>
+        </p:style>
+      </p:cxnSp>
+      <p:sp>
+        <p:nvSpPr>
+          <p:cNvPr id="10" name="Rectangle 9"/>
+          <p:cNvSpPr/>
+          <p:nvPr/>
+        </p:nvSpPr>
+        <p:spPr>
+          <a:xfrm>
+            <a:off x="1066800" y="5725133"/>
+            <a:ext cx="7225824" cy="461665"/>
+          </a:xfrm>
+          <a:prstGeom prst="rect">
+            <a:avLst/>
+          </a:prstGeom>
+        </p:spPr>
+        <p:txBody>
+          <a:bodyPr wrap="none">
+            <a:spAutoFit/>
+          </a:bodyPr>
+          <a:lstStyle/>
+          <a:p>
+            <a:r>
+              <a:rPr lang="en-US" sz="2400" dirty="0" smtClean="0">
+                <a:solidFill>
+                  <a:srgbClr val="FF0000"/>
+                </a:solidFill>
+              </a:rPr>
+              <a:t>!important   </a:t>
+            </a:r>
+            <a:r>
+              <a:rPr lang="en-US" sz="2400" dirty="0" smtClean="0"/>
+              <a:t>angular changes DOM elements in template</a:t>
+            </a:r>
+          </a:p>
+        </p:txBody>
+      </p:sp>
+      <p:sp>
+        <p:nvSpPr>
+          <p:cNvPr id="11" name="Rectangle 10"/>
+          <p:cNvSpPr/>
+          <p:nvPr/>
+        </p:nvSpPr>
+        <p:spPr>
+          <a:xfrm>
+            <a:off x="2316340" y="6175873"/>
+            <a:ext cx="4726743" cy="369332"/>
+          </a:xfrm>
+          <a:prstGeom prst="rect">
+            <a:avLst/>
+          </a:prstGeom>
+        </p:spPr>
+        <p:txBody>
+          <a:bodyPr wrap="none">
+            <a:spAutoFit/>
+          </a:bodyPr>
+          <a:lstStyle/>
+          <a:p>
+            <a:r>
+              <a:rPr lang="en-US" dirty="0" smtClean="0"/>
+              <a:t>(not bare strings transformed to DOM elements)</a:t>
+            </a:r>
+            <a:endParaRPr lang="en-US" dirty="0"/>
+          </a:p>
+        </p:txBody>
+      </p:sp>
+    </p:spTree>
+    <p:extLst>
+      <p:ext uri="{BB962C8B-B14F-4D97-AF65-F5344CB8AC3E}">
+        <p14:creationId xmlns:p14="http://schemas.microsoft.com/office/powerpoint/2010/main" val="2890765039"/>
+      </p:ext>
+    </p:extLst>
+  </p:cSld>
+  <p:clrMapOvr>
+    <a:masterClrMapping/>
+  </p:clrMapOvr>
+  <mc:AlternateContent xmlns:mc="http://schemas.openxmlformats.org/markup-compatibility/2006" xmlns:p14="http://schemas.microsoft.com/office/powerpoint/2010/main">
+    <mc:Choice Requires="p14">
+      <p:transition spd="slow" p14:dur="2000"/>
+    </mc:Choice>
+    <mc:Fallback xmlns="">
+      <p:transition spd="slow"/>
+    </mc:Fallback>
+  </mc:AlternateContent>
+  <p:timing>
+    <p:tnLst>
+      <p:par>
+        <p:cTn id="1" dur="indefinite" restart="never" nodeType="tmRoot">
+          <p:childTnLst>
+            <p:seq concurrent="1" nextAc="seek">
+              <p:cTn id="2" dur="indefinite" nodeType="mainSeq">
+                <p:childTnLst>
+                  <p:par>
+                    <p:cTn id="3" fill="hold">
+                      <p:stCondLst>
+                        <p:cond delay="indefinite"/>
+                      </p:stCondLst>
+                      <p:childTnLst>
+                        <p:par>
+                          <p:cTn id="4" fill="hold">
+                            <p:stCondLst>
+                              <p:cond delay="0"/>
+                            </p:stCondLst>
+                            <p:childTnLst>
+                              <p:par>
+                                <p:cTn id="5" presetID="1" presetClass="entr" presetSubtype="0" fill="hold" grpId="0" nodeType="clickEffect">
+                                  <p:stCondLst>
+                                    <p:cond delay="0"/>
+                                  </p:stCondLst>
+                                  <p:childTnLst>
+                                    <p:set>
+                                      <p:cBhvr>
+                                        <p:cTn id="6" dur="1" fill="hold">
+                                          <p:stCondLst>
+                                            <p:cond delay="0"/>
+                                          </p:stCondLst>
+                                        </p:cTn>
+                                        <p:tgtEl>
+                                          <p:spTgt spid="6"/>
+                                        </p:tgtEl>
+                                        <p:attrNameLst>
+                                          <p:attrName>style.visibility</p:attrName>
+                                        </p:attrNameLst>
+                                      </p:cBhvr>
+                                      <p:to>
+                                        <p:strVal val="visible"/>
+                                      </p:to>
+                                    </p:set>
+                                  </p:childTnLst>
+                                </p:cTn>
+                              </p:par>
+                            </p:childTnLst>
+                          </p:cTn>
+                        </p:par>
+                      </p:childTnLst>
+                    </p:cTn>
+                  </p:par>
+                  <p:par>
+                    <p:cTn id="7" fill="hold">
+                      <p:stCondLst>
+                        <p:cond delay="indefinite"/>
+                      </p:stCondLst>
+                      <p:childTnLst>
+                        <p:par>
+                          <p:cTn id="8" fill="hold">
+                            <p:stCondLst>
+                              <p:cond delay="0"/>
+                            </p:stCondLst>
+                            <p:childTnLst>
+                              <p:par>
+                                <p:cTn id="9" presetID="1" presetClass="entr" presetSubtype="0" fill="hold" grpId="0" nodeType="clickEffect">
+                                  <p:stCondLst>
+                                    <p:cond delay="0"/>
+                                  </p:stCondLst>
+                                  <p:childTnLst>
+                                    <p:set>
+                                      <p:cBhvr>
+                                        <p:cTn id="10" dur="1" fill="hold">
+                                          <p:stCondLst>
+                                            <p:cond delay="0"/>
+                                          </p:stCondLst>
+                                        </p:cTn>
+                                        <p:tgtEl>
+                                          <p:spTgt spid="5"/>
+                                        </p:tgtEl>
+                                        <p:attrNameLst>
+                                          <p:attrName>style.visibility</p:attrName>
+                                        </p:attrNameLst>
+                                      </p:cBhvr>
+                                      <p:to>
+                                        <p:strVal val="visible"/>
+                                      </p:to>
+                                    </p:set>
+                                  </p:childTnLst>
+                                </p:cTn>
+                              </p:par>
+                            </p:childTnLst>
+                          </p:cTn>
+                        </p:par>
+                      </p:childTnLst>
+                    </p:cTn>
+                  </p:par>
+                  <p:par>
+                    <p:cTn id="11" fill="hold">
+                      <p:stCondLst>
+                        <p:cond delay="indefinite"/>
+                      </p:stCondLst>
+                      <p:childTnLst>
+                        <p:par>
+                          <p:cTn id="12" fill="hold">
+                            <p:stCondLst>
+                              <p:cond delay="0"/>
+                            </p:stCondLst>
+                            <p:childTnLst>
+                              <p:par>
+                                <p:cTn id="13" presetID="1" presetClass="entr" presetSubtype="0" fill="hold" grpId="0" nodeType="clickEffect">
+                                  <p:stCondLst>
+                                    <p:cond delay="0"/>
+                                  </p:stCondLst>
+                                  <p:childTnLst>
+                                    <p:set>
+                                      <p:cBhvr>
+                                        <p:cTn id="14" dur="1" fill="hold">
+                                          <p:stCondLst>
+                                            <p:cond delay="0"/>
+                                          </p:stCondLst>
+                                        </p:cTn>
+                                        <p:tgtEl>
+                                          <p:spTgt spid="4"/>
+                                        </p:tgtEl>
+                                        <p:attrNameLst>
+                                          <p:attrName>style.visibility</p:attrName>
+                                        </p:attrNameLst>
+                                      </p:cBhvr>
+                                      <p:to>
+                                        <p:strVal val="visible"/>
+                                      </p:to>
+                                    </p:set>
+                                  </p:childTnLst>
+                                </p:cTn>
+                              </p:par>
+                            </p:childTnLst>
+                          </p:cTn>
+                        </p:par>
+                      </p:childTnLst>
+                    </p:cTn>
+                  </p:par>
+                  <p:par>
+                    <p:cTn id="15" fill="hold">
+                      <p:stCondLst>
+                        <p:cond delay="indefinite"/>
+                      </p:stCondLst>
+                      <p:childTnLst>
+                        <p:par>
+                          <p:cTn id="16" fill="hold">
+                            <p:stCondLst>
+                              <p:cond delay="0"/>
+                            </p:stCondLst>
+                            <p:childTnLst>
+                              <p:par>
+                                <p:cTn id="17" presetID="1" presetClass="entr" presetSubtype="0" fill="hold" grpId="0" nodeType="clickEffect">
+                                  <p:stCondLst>
+                                    <p:cond delay="0"/>
+                                  </p:stCondLst>
+                                  <p:childTnLst>
+                                    <p:set>
+                                      <p:cBhvr>
+                                        <p:cTn id="18" dur="1" fill="hold">
+                                          <p:stCondLst>
+                                            <p:cond delay="0"/>
+                                          </p:stCondLst>
+                                        </p:cTn>
+                                        <p:tgtEl>
+                                          <p:spTgt spid="7"/>
+                                        </p:tgtEl>
+                                        <p:attrNameLst>
+                                          <p:attrName>style.visibility</p:attrName>
+                                        </p:attrNameLst>
+                                      </p:cBhvr>
+                                      <p:to>
+                                        <p:strVal val="visible"/>
+                                      </p:to>
+                                    </p:set>
+                                  </p:childTnLst>
+                                </p:cTn>
+                              </p:par>
+                              <p:par>
+                                <p:cTn id="19" presetID="1" presetClass="entr" presetSubtype="0" fill="hold" grpId="0" nodeType="withEffect">
+                                  <p:stCondLst>
+                                    <p:cond delay="0"/>
+                                  </p:stCondLst>
+                                  <p:childTnLst>
+                                    <p:set>
+                                      <p:cBhvr>
+                                        <p:cTn id="20" dur="1" fill="hold">
+                                          <p:stCondLst>
+                                            <p:cond delay="0"/>
+                                          </p:stCondLst>
+                                        </p:cTn>
+                                        <p:tgtEl>
+                                          <p:spTgt spid="8"/>
+                                        </p:tgtEl>
+                                        <p:attrNameLst>
+                                          <p:attrName>style.visibility</p:attrName>
+                                        </p:attrNameLst>
+                                      </p:cBhvr>
+                                      <p:to>
+                                        <p:strVal val="visible"/>
+                                      </p:to>
+                                    </p:set>
+                                  </p:childTnLst>
+                                </p:cTn>
+                              </p:par>
+                              <p:par>
+                                <p:cTn id="21" presetID="1" presetClass="entr" presetSubtype="0" fill="hold" nodeType="withEffect">
+                                  <p:stCondLst>
+                                    <p:cond delay="0"/>
+                                  </p:stCondLst>
+                                  <p:childTnLst>
+                                    <p:set>
+                                      <p:cBhvr>
+                                        <p:cTn id="22" dur="1" fill="hold">
+                                          <p:stCondLst>
+                                            <p:cond delay="0"/>
+                                          </p:stCondLst>
+                                        </p:cTn>
+                                        <p:tgtEl>
+                                          <p:spTgt spid="9"/>
+                                        </p:tgtEl>
+                                        <p:attrNameLst>
+                                          <p:attrName>style.visibility</p:attrName>
+                                        </p:attrNameLst>
+                                      </p:cBhvr>
+                                      <p:to>
+                                        <p:strVal val="visible"/>
+                                      </p:to>
+                                    </p:set>
+                                  </p:childTnLst>
+                                </p:cTn>
+                              </p:par>
+                            </p:childTnLst>
+                          </p:cTn>
+                        </p:par>
+                      </p:childTnLst>
+                    </p:cTn>
+                  </p:par>
+                  <p:par>
+                    <p:cTn id="23" fill="hold">
+                      <p:stCondLst>
+                        <p:cond delay="indefinite"/>
+                      </p:stCondLst>
+                      <p:childTnLst>
+                        <p:par>
+                          <p:cTn id="24" fill="hold">
+                            <p:stCondLst>
+                              <p:cond delay="0"/>
+                            </p:stCondLst>
+                            <p:childTnLst>
+                              <p:par>
+                                <p:cTn id="25" presetID="1" presetClass="entr" presetSubtype="0" fill="hold" grpId="0" nodeType="clickEffect">
+                                  <p:stCondLst>
+                                    <p:cond delay="0"/>
+                                  </p:stCondLst>
+                                  <p:childTnLst>
+                                    <p:set>
+                                      <p:cBhvr>
+                                        <p:cTn id="26" dur="1" fill="hold">
+                                          <p:stCondLst>
+                                            <p:cond delay="0"/>
+                                          </p:stCondLst>
+                                        </p:cTn>
+                                        <p:tgtEl>
+                                          <p:spTgt spid="10"/>
+                                        </p:tgtEl>
+                                        <p:attrNameLst>
+                                          <p:attrName>style.visibility</p:attrName>
+                                        </p:attrNameLst>
+                                      </p:cBhvr>
+                                      <p:to>
+                                        <p:strVal val="visible"/>
+                                      </p:to>
+                                    </p:set>
+                                  </p:childTnLst>
+                                </p:cTn>
+                              </p:par>
+                              <p:par>
+                                <p:cTn id="27" presetID="1" presetClass="entr" presetSubtype="0" fill="hold" grpId="0" nodeType="withEffect">
+                                  <p:stCondLst>
+                                    <p:cond delay="0"/>
+                                  </p:stCondLst>
+                                  <p:childTnLst>
+                                    <p:set>
+                                      <p:cBhvr>
+                                        <p:cTn id="28" dur="1" fill="hold">
+                                          <p:stCondLst>
+                                            <p:cond delay="0"/>
+                                          </p:stCondLst>
+                                        </p:cTn>
+                                        <p:tgtEl>
+                                          <p:spTgt spid="11"/>
+                                        </p:tgtEl>
+                                        <p:attrNameLst>
+                                          <p:attrName>style.visibility</p:attrName>
+                                        </p:attrNameLst>
+                                      </p:cBhvr>
+                                      <p:to>
+                                        <p:strVal val="visible"/>
+                                      </p:to>
+                                    </p:set>
+                                  </p:childTnLst>
+                                </p:cTn>
+                              </p:par>
+                            </p:childTnLst>
+                          </p:cTn>
+                        </p:par>
+                      </p:childTnLst>
+                    </p:cTn>
+                  </p:par>
+                </p:childTnLst>
+              </p:cTn>
+              <p:prevCondLst>
+                <p:cond evt="onPrev" delay="0">
+                  <p:tgtEl>
+                    <p:sldTgt/>
+                  </p:tgtEl>
+                </p:cond>
+              </p:prevCondLst>
+              <p:nextCondLst>
+                <p:cond evt="onNext" delay="0">
+                  <p:tgtEl>
+                    <p:sldTgt/>
+                  </p:tgtEl>
+                </p:cond>
+              </p:nextCondLst>
+            </p:seq>
+          </p:childTnLst>
+        </p:cTn>
+      </p:par>
+    </p:tnLst>
+    <p:bldLst>
+      <p:bldP spid="4" grpId="0" animBg="1"/>
+      <p:bldP spid="5" grpId="0"/>
+      <p:bldP spid="6" grpId="0"/>
+      <p:bldP spid="7" grpId="0"/>
+      <p:bldP spid="8" grpId="0"/>
+      <p:bldP spid="10" grpId="0"/>
+      <p:bldP spid="11" grpId="0"/>
+    </p:bldLst>
+  </p:timing>
+</p:sld>
+</file>
+
+<file path=ppt/slides/slide12.xml><?xml version="1.0" encoding="utf-8"?>
+<p:sld xmlns:a="http://schemas.openxmlformats.org/drawingml/2006/main" xmlns:r="http://schemas.openxmlformats.org/officeDocument/2006/relationships" xmlns:p="http://schemas.openxmlformats.org/presentationml/2006/main">
+  <p:cSld>
+    <p:spTree>
+      <p:nvGrpSpPr>
+        <p:cNvPr id="1" name=""/>
+        <p:cNvGrpSpPr/>
+        <p:nvPr/>
+      </p:nvGrpSpPr>
+      <p:grpSpPr>
+        <a:xfrm>
+          <a:off x="0" y="0"/>
+          <a:ext cx="0" cy="0"/>
+          <a:chOff x="0" y="0"/>
+          <a:chExt cx="0" cy="0"/>
+        </a:xfrm>
+      </p:grpSpPr>
+      <p:sp>
+        <p:nvSpPr>
+          <p:cNvPr id="2" name="Title 1"/>
+          <p:cNvSpPr>
+            <a:spLocks noGrp="1"/>
+          </p:cNvSpPr>
+          <p:nvPr>
+            <p:ph type="title"/>
+          </p:nvPr>
+        </p:nvSpPr>
+        <p:spPr/>
+        <p:txBody>
           <a:bodyPr/>
           <a:lstStyle/>
           <a:p>
@@ -4638,7 +6112,7 @@
                 <a:latin typeface="Courier New" panose="02070309020205020404" pitchFamily="49" charset="0"/>
                 <a:cs typeface="Courier New" panose="02070309020205020404" pitchFamily="49" charset="0"/>
               </a:rPr>
-              <a:t>Events propagation</a:t>
+              <a:t>internal events</a:t>
             </a:r>
             <a:endParaRPr lang="ru-RU" dirty="0">
               <a:latin typeface="Courier New" panose="02070309020205020404" pitchFamily="49" charset="0"/>
@@ -4716,7 +6190,7 @@
 </p:sld>
 </file>
 
-<file path=ppt/slides/slide11.xml><?xml version="1.0" encoding="utf-8"?>
+<file path=ppt/slides/slide13.xml><?xml version="1.0" encoding="utf-8"?>
 <p:sld xmlns:a="http://schemas.openxmlformats.org/drawingml/2006/main" xmlns:r="http://schemas.openxmlformats.org/officeDocument/2006/relationships" xmlns:p="http://schemas.openxmlformats.org/presentationml/2006/main">
   <p:cSld>
     <p:spTree>
@@ -4833,7 +6307,7 @@
 </p:sld>
 </file>
 
-<file path=ppt/slides/slide12.xml><?xml version="1.0" encoding="utf-8"?>
+<file path=ppt/slides/slide14.xml><?xml version="1.0" encoding="utf-8"?>
 <p:sld xmlns:a="http://schemas.openxmlformats.org/drawingml/2006/main" xmlns:r="http://schemas.openxmlformats.org/officeDocument/2006/relationships" xmlns:p="http://schemas.openxmlformats.org/presentationml/2006/main">
   <p:cSld>
     <p:spTree>
@@ -4904,7 +6378,7 @@
         </p:blipFill>
         <p:spPr bwMode="auto">
           <a:xfrm>
-            <a:off x="1728787" y="2133600"/>
+            <a:off x="1524000" y="2438400"/>
             <a:ext cx="5686425" cy="3067050"/>
           </a:xfrm>
           <a:prstGeom prst="rect">
@@ -4922,6 +6396,43 @@
           </a:extLst>
         </p:spPr>
       </p:pic>
+      <p:sp>
+        <p:nvSpPr>
+          <p:cNvPr id="4" name="Rectangle 3"/>
+          <p:cNvSpPr/>
+          <p:nvPr/>
+        </p:nvSpPr>
+        <p:spPr>
+          <a:xfrm>
+            <a:off x="3505200" y="6154986"/>
+            <a:ext cx="2866169" cy="369332"/>
+          </a:xfrm>
+          <a:prstGeom prst="rect">
+            <a:avLst/>
+          </a:prstGeom>
+        </p:spPr>
+        <p:txBody>
+          <a:bodyPr wrap="none">
+            <a:spAutoFit/>
+          </a:bodyPr>
+          <a:lstStyle/>
+          <a:p>
+            <a:r>
+              <a:rPr lang="en-US" dirty="0" smtClean="0"/>
+              <a:t>(</a:t>
+            </a:r>
+            <a:r>
+              <a:rPr lang="en-US" dirty="0" err="1" smtClean="0"/>
+              <a:t>vietnamese</a:t>
+            </a:r>
+            <a:r>
+              <a:rPr lang="en-US" dirty="0" smtClean="0"/>
+              <a:t> guy’s look of di)</a:t>
+            </a:r>
+            <a:endParaRPr lang="en-US" dirty="0"/>
+          </a:p>
+        </p:txBody>
+      </p:sp>
     </p:spTree>
     <p:extLst>
       <p:ext uri="{BB962C8B-B14F-4D97-AF65-F5344CB8AC3E}">
@@ -4932,25 +6443,99 @@
   <p:clrMapOvr>
     <a:masterClrMapping/>
   </p:clrMapOvr>
-  <mc:AlternateContent xmlns:mc="http://schemas.openxmlformats.org/markup-compatibility/2006">
-    <mc:Choice xmlns:p14="http://schemas.microsoft.com/office/powerpoint/2010/main" Requires="p14">
+  <mc:AlternateContent xmlns:mc="http://schemas.openxmlformats.org/markup-compatibility/2006" xmlns:p14="http://schemas.microsoft.com/office/powerpoint/2010/main">
+    <mc:Choice Requires="p14">
       <p:transition spd="slow" p14:dur="2000"/>
     </mc:Choice>
-    <mc:Fallback>
+    <mc:Fallback xmlns="">
       <p:transition spd="slow"/>
     </mc:Fallback>
   </mc:AlternateContent>
   <p:timing>
     <p:tnLst>
       <p:par>
-        <p:cTn id="1" dur="indefinite" restart="never" nodeType="tmRoot"/>
+        <p:cTn id="1" dur="indefinite" restart="never" nodeType="tmRoot">
+          <p:childTnLst>
+            <p:seq concurrent="1" nextAc="seek">
+              <p:cTn id="2" dur="indefinite" nodeType="mainSeq">
+                <p:childTnLst>
+                  <p:par>
+                    <p:cTn id="3" fill="hold">
+                      <p:stCondLst>
+                        <p:cond delay="indefinite"/>
+                        <p:cond evt="onBegin" delay="0">
+                          <p:tn val="2"/>
+                        </p:cond>
+                      </p:stCondLst>
+                      <p:childTnLst>
+                        <p:par>
+                          <p:cTn id="4" fill="hold">
+                            <p:stCondLst>
+                              <p:cond delay="0"/>
+                            </p:stCondLst>
+                            <p:childTnLst>
+                              <p:par>
+                                <p:cTn id="5" presetID="1" presetClass="entr" presetSubtype="0" fill="hold" grpId="0" nodeType="withEffect">
+                                  <p:stCondLst>
+                                    <p:cond delay="0"/>
+                                  </p:stCondLst>
+                                  <p:childTnLst>
+                                    <p:set>
+                                      <p:cBhvr>
+                                        <p:cTn id="6" dur="1" fill="hold">
+                                          <p:stCondLst>
+                                            <p:cond delay="0"/>
+                                          </p:stCondLst>
+                                        </p:cTn>
+                                        <p:tgtEl>
+                                          <p:spTgt spid="4"/>
+                                        </p:tgtEl>
+                                        <p:attrNameLst>
+                                          <p:attrName>style.visibility</p:attrName>
+                                        </p:attrNameLst>
+                                      </p:cBhvr>
+                                      <p:to>
+                                        <p:strVal val="visible"/>
+                                      </p:to>
+                                    </p:set>
+                                  </p:childTnLst>
+                                </p:cTn>
+                              </p:par>
+                            </p:childTnLst>
+                          </p:cTn>
+                        </p:par>
+                      </p:childTnLst>
+                    </p:cTn>
+                  </p:par>
+                </p:childTnLst>
+              </p:cTn>
+              <p:prevCondLst>
+                <p:cond evt="onPrev" delay="0">
+                  <p:tgtEl>
+                    <p:sldTgt/>
+                  </p:tgtEl>
+                </p:cond>
+              </p:prevCondLst>
+              <p:nextCondLst>
+                <p:cond evt="onNext" delay="0">
+                  <p:tgtEl>
+                    <p:sldTgt/>
+                  </p:tgtEl>
+                </p:cond>
+              </p:nextCondLst>
+            </p:seq>
+          </p:childTnLst>
+        </p:cTn>
       </p:par>
     </p:tnLst>
+    <p:bldLst>
+      <p:bldP spid="4" grpId="0"/>
+    </p:bldLst>
   </p:timing>
 </p:sld>
 </file>
 
-<file path=ppt/slides/slide13.xml><?xml version="1.0" encoding="utf-8"?>
+<file path=ppt/slides/slide15.xml><?xml version="1.0" encoding="utf-8"?>
 <p:sld xmlns:a="http://schemas.openxmlformats.org/drawingml/2006/main" xmlns:r="http://schemas.openxmlformats.org/officeDocument/2006/relationships" xmlns:p="http://schemas.openxmlformats.org/presentationml/2006/main">
   <p:cSld>
     <p:spTree>
@@ -4977,1094 +6562,6 @@
             <p:ph type="title"/>
           </p:nvPr>
         </p:nvSpPr>
-        <p:spPr/>
-        <p:txBody>
-          <a:bodyPr>
-            <a:normAutofit/>
-          </a:bodyPr>
-          <a:lstStyle/>
-          <a:p>
-            <a:r>
-              <a:rPr lang="en-US" dirty="0" smtClean="0">
-                <a:latin typeface="Courier New" panose="02070309020205020404" pitchFamily="49" charset="0"/>
-                <a:cs typeface="Courier New" panose="02070309020205020404" pitchFamily="49" charset="0"/>
-              </a:rPr>
-              <a:t>service / factory</a:t>
-            </a:r>
-            <a:endParaRPr lang="ru-RU" dirty="0">
-              <a:latin typeface="Courier New" panose="02070309020205020404" pitchFamily="49" charset="0"/>
-              <a:cs typeface="Courier New" panose="02070309020205020404" pitchFamily="49" charset="0"/>
-            </a:endParaRPr>
-          </a:p>
-        </p:txBody>
-      </p:sp>
-      <p:sp>
-        <p:nvSpPr>
-          <p:cNvPr id="4" name="Rectangle 4"/>
-          <p:cNvSpPr>
-            <a:spLocks noChangeArrowheads="1"/>
-          </p:cNvSpPr>
-          <p:nvPr/>
-        </p:nvSpPr>
-        <p:spPr bwMode="auto">
-          <a:xfrm>
-            <a:off x="4800600" y="4343400"/>
-            <a:ext cx="4038600" cy="2080158"/>
-          </a:xfrm>
-          <a:prstGeom prst="rect">
-            <a:avLst/>
-          </a:prstGeom>
-          <a:solidFill>
-            <a:srgbClr val="F5F2F0"/>
-          </a:solidFill>
-          <a:ln>
-            <a:noFill/>
-          </a:ln>
-          <a:effectLst/>
-          <a:extLst>
-            <a:ext uri="{91240B29-F687-4F45-9708-019B960494DF}">
-              <a14:hiddenLine xmlns:a14="http://schemas.microsoft.com/office/drawing/2010/main" w="9525">
-                <a:solidFill>
-                  <a:schemeClr val="tx1"/>
-                </a:solidFill>
-                <a:miter lim="800000"/>
-                <a:headEnd/>
-                <a:tailEnd/>
-              </a14:hiddenLine>
-            </a:ext>
-            <a:ext uri="{AF507438-7753-43E0-B8FC-AC1667EBCBE1}">
-              <a14:hiddenEffects xmlns:a14="http://schemas.microsoft.com/office/drawing/2010/main">
-                <a:effectLst>
-                  <a:outerShdw dist="35921" dir="2700000" algn="ctr" rotWithShape="0">
-                    <a:schemeClr val="bg2"/>
-                  </a:outerShdw>
-                </a:effectLst>
-              </a14:hiddenEffects>
-            </a:ext>
-          </a:extLst>
-        </p:spPr>
-        <p:txBody>
-          <a:bodyPr vert="horz" wrap="square" lIns="108000" tIns="108000" rIns="108000" bIns="108000" numCol="1" anchor="ctr" anchorCtr="0" compatLnSpc="1">
-            <a:prstTxWarp prst="textNoShape">
-              <a:avLst/>
-            </a:prstTxWarp>
-            <a:spAutoFit/>
-          </a:bodyPr>
-          <a:lstStyle/>
-          <a:p>
-            <a:pPr lvl="0" eaLnBrk="0" fontAlgn="base" hangingPunct="0">
-              <a:spcBef>
-                <a:spcPct val="0"/>
-              </a:spcBef>
-              <a:spcAft>
-                <a:spcPct val="0"/>
-              </a:spcAft>
-            </a:pPr>
-            <a:r>
-              <a:rPr lang="en-US" altLang="en-US" sz="1100" b="1" i="1" dirty="0" err="1">
-                <a:solidFill>
-                  <a:srgbClr val="660E7A"/>
-                </a:solidFill>
-                <a:latin typeface="Courier New" panose="02070309020205020404" pitchFamily="49" charset="0"/>
-                <a:cs typeface="Courier New" panose="02070309020205020404" pitchFamily="49" charset="0"/>
-              </a:rPr>
-              <a:t>app</a:t>
-            </a:r>
-            <a:r>
-              <a:rPr lang="en-US" altLang="en-US" sz="1100" dirty="0" err="1">
-                <a:solidFill>
-                  <a:srgbClr val="000000"/>
-                </a:solidFill>
-                <a:latin typeface="Courier New" panose="02070309020205020404" pitchFamily="49" charset="0"/>
-                <a:cs typeface="Courier New" panose="02070309020205020404" pitchFamily="49" charset="0"/>
-              </a:rPr>
-              <a:t>.</a:t>
-            </a:r>
-            <a:r>
-              <a:rPr lang="en-US" altLang="en-US" sz="1100" b="1" dirty="0" err="1">
-                <a:solidFill>
-                  <a:srgbClr val="660E7A"/>
-                </a:solidFill>
-                <a:latin typeface="Courier New" panose="02070309020205020404" pitchFamily="49" charset="0"/>
-                <a:cs typeface="Courier New" panose="02070309020205020404" pitchFamily="49" charset="0"/>
-              </a:rPr>
-              <a:t>factory</a:t>
-            </a:r>
-            <a:r>
-              <a:rPr lang="en-US" altLang="en-US" sz="1100" dirty="0">
-                <a:solidFill>
-                  <a:srgbClr val="000000"/>
-                </a:solidFill>
-                <a:latin typeface="Courier New" panose="02070309020205020404" pitchFamily="49" charset="0"/>
-                <a:cs typeface="Courier New" panose="02070309020205020404" pitchFamily="49" charset="0"/>
-              </a:rPr>
-              <a:t>(</a:t>
-            </a:r>
-            <a:r>
-              <a:rPr lang="en-US" altLang="en-US" sz="1100" b="1" dirty="0">
-                <a:solidFill>
-                  <a:srgbClr val="008000"/>
-                </a:solidFill>
-                <a:latin typeface="Courier New" panose="02070309020205020404" pitchFamily="49" charset="0"/>
-                <a:cs typeface="Courier New" panose="02070309020205020404" pitchFamily="49" charset="0"/>
-              </a:rPr>
-              <a:t>'</a:t>
-            </a:r>
-            <a:r>
-              <a:rPr lang="en-US" altLang="en-US" sz="1100" b="1" dirty="0" err="1">
-                <a:solidFill>
-                  <a:srgbClr val="008000"/>
-                </a:solidFill>
-                <a:latin typeface="Courier New" panose="02070309020205020404" pitchFamily="49" charset="0"/>
-                <a:cs typeface="Courier New" panose="02070309020205020404" pitchFamily="49" charset="0"/>
-              </a:rPr>
-              <a:t>myFactory</a:t>
-            </a:r>
-            <a:r>
-              <a:rPr lang="en-US" altLang="en-US" sz="1100" b="1" dirty="0">
-                <a:solidFill>
-                  <a:srgbClr val="008000"/>
-                </a:solidFill>
-                <a:latin typeface="Courier New" panose="02070309020205020404" pitchFamily="49" charset="0"/>
-                <a:cs typeface="Courier New" panose="02070309020205020404" pitchFamily="49" charset="0"/>
-              </a:rPr>
-              <a:t>'</a:t>
-            </a:r>
-            <a:r>
-              <a:rPr lang="en-US" altLang="en-US" sz="1100" dirty="0">
-                <a:solidFill>
-                  <a:srgbClr val="000000"/>
-                </a:solidFill>
-                <a:latin typeface="Courier New" panose="02070309020205020404" pitchFamily="49" charset="0"/>
-                <a:cs typeface="Courier New" panose="02070309020205020404" pitchFamily="49" charset="0"/>
-              </a:rPr>
-              <a:t>, </a:t>
-            </a:r>
-            <a:r>
-              <a:rPr lang="en-US" altLang="en-US" sz="1100" b="1" dirty="0">
-                <a:solidFill>
-                  <a:srgbClr val="000080"/>
-                </a:solidFill>
-                <a:latin typeface="Courier New" panose="02070309020205020404" pitchFamily="49" charset="0"/>
-                <a:cs typeface="Courier New" panose="02070309020205020404" pitchFamily="49" charset="0"/>
-              </a:rPr>
-              <a:t>function</a:t>
-            </a:r>
-            <a:r>
-              <a:rPr lang="en-US" altLang="en-US" sz="1100" dirty="0">
-                <a:solidFill>
-                  <a:srgbClr val="000000"/>
-                </a:solidFill>
-                <a:latin typeface="Courier New" panose="02070309020205020404" pitchFamily="49" charset="0"/>
-                <a:cs typeface="Courier New" panose="02070309020205020404" pitchFamily="49" charset="0"/>
-              </a:rPr>
-              <a:t>() {</a:t>
-            </a:r>
-            <a:br>
-              <a:rPr lang="en-US" altLang="en-US" sz="1100" dirty="0">
-                <a:solidFill>
-                  <a:srgbClr val="000000"/>
-                </a:solidFill>
-                <a:latin typeface="Courier New" panose="02070309020205020404" pitchFamily="49" charset="0"/>
-                <a:cs typeface="Courier New" panose="02070309020205020404" pitchFamily="49" charset="0"/>
-              </a:rPr>
-            </a:br>
-            <a:r>
-              <a:rPr lang="en-US" altLang="en-US" sz="1100" dirty="0">
-                <a:solidFill>
-                  <a:srgbClr val="000000"/>
-                </a:solidFill>
-                <a:latin typeface="Courier New" panose="02070309020205020404" pitchFamily="49" charset="0"/>
-                <a:cs typeface="Courier New" panose="02070309020205020404" pitchFamily="49" charset="0"/>
-              </a:rPr>
-              <a:t/>
-            </a:r>
-            <a:br>
-              <a:rPr lang="en-US" altLang="en-US" sz="1100" dirty="0">
-                <a:solidFill>
-                  <a:srgbClr val="000000"/>
-                </a:solidFill>
-                <a:latin typeface="Courier New" panose="02070309020205020404" pitchFamily="49" charset="0"/>
-                <a:cs typeface="Courier New" panose="02070309020205020404" pitchFamily="49" charset="0"/>
-              </a:rPr>
-            </a:br>
-            <a:r>
-              <a:rPr lang="en-US" altLang="en-US" sz="1100" dirty="0">
-                <a:solidFill>
-                  <a:srgbClr val="000000"/>
-                </a:solidFill>
-                <a:latin typeface="Courier New" panose="02070309020205020404" pitchFamily="49" charset="0"/>
-                <a:cs typeface="Courier New" panose="02070309020205020404" pitchFamily="49" charset="0"/>
-              </a:rPr>
-              <a:t>    </a:t>
-            </a:r>
-            <a:r>
-              <a:rPr lang="en-US" altLang="en-US" sz="1100" i="1" dirty="0">
-                <a:solidFill>
-                  <a:srgbClr val="808080"/>
-                </a:solidFill>
-                <a:latin typeface="Courier New" panose="02070309020205020404" pitchFamily="49" charset="0"/>
-                <a:cs typeface="Courier New" panose="02070309020205020404" pitchFamily="49" charset="0"/>
-              </a:rPr>
-              <a:t>// factory returns an object</a:t>
-            </a:r>
-            <a:br>
-              <a:rPr lang="en-US" altLang="en-US" sz="1100" i="1" dirty="0">
-                <a:solidFill>
-                  <a:srgbClr val="808080"/>
-                </a:solidFill>
-                <a:latin typeface="Courier New" panose="02070309020205020404" pitchFamily="49" charset="0"/>
-                <a:cs typeface="Courier New" panose="02070309020205020404" pitchFamily="49" charset="0"/>
-              </a:rPr>
-            </a:br>
-            <a:r>
-              <a:rPr lang="en-US" altLang="en-US" sz="1100" i="1" dirty="0">
-                <a:solidFill>
-                  <a:srgbClr val="808080"/>
-                </a:solidFill>
-                <a:latin typeface="Courier New" panose="02070309020205020404" pitchFamily="49" charset="0"/>
-                <a:cs typeface="Courier New" panose="02070309020205020404" pitchFamily="49" charset="0"/>
-              </a:rPr>
-              <a:t>    // you can run some code before</a:t>
-            </a:r>
-            <a:br>
-              <a:rPr lang="en-US" altLang="en-US" sz="1100" i="1" dirty="0">
-                <a:solidFill>
-                  <a:srgbClr val="808080"/>
-                </a:solidFill>
-                <a:latin typeface="Courier New" panose="02070309020205020404" pitchFamily="49" charset="0"/>
-                <a:cs typeface="Courier New" panose="02070309020205020404" pitchFamily="49" charset="0"/>
-              </a:rPr>
-            </a:br>
-            <a:r>
-              <a:rPr lang="en-US" altLang="en-US" sz="1100" i="1" dirty="0">
-                <a:solidFill>
-                  <a:srgbClr val="808080"/>
-                </a:solidFill>
-                <a:latin typeface="Courier New" panose="02070309020205020404" pitchFamily="49" charset="0"/>
-                <a:cs typeface="Courier New" panose="02070309020205020404" pitchFamily="49" charset="0"/>
-              </a:rPr>
-              <a:t/>
-            </a:r>
-            <a:br>
-              <a:rPr lang="en-US" altLang="en-US" sz="1100" i="1" dirty="0">
-                <a:solidFill>
-                  <a:srgbClr val="808080"/>
-                </a:solidFill>
-                <a:latin typeface="Courier New" panose="02070309020205020404" pitchFamily="49" charset="0"/>
-                <a:cs typeface="Courier New" panose="02070309020205020404" pitchFamily="49" charset="0"/>
-              </a:rPr>
-            </a:br>
-            <a:r>
-              <a:rPr lang="en-US" altLang="en-US" sz="1100" i="1" dirty="0">
-                <a:solidFill>
-                  <a:srgbClr val="808080"/>
-                </a:solidFill>
-                <a:latin typeface="Courier New" panose="02070309020205020404" pitchFamily="49" charset="0"/>
-                <a:cs typeface="Courier New" panose="02070309020205020404" pitchFamily="49" charset="0"/>
-              </a:rPr>
-              <a:t>    </a:t>
-            </a:r>
-            <a:r>
-              <a:rPr lang="en-US" altLang="en-US" sz="1100" b="1" dirty="0">
-                <a:solidFill>
-                  <a:srgbClr val="000080"/>
-                </a:solidFill>
-                <a:latin typeface="Courier New" panose="02070309020205020404" pitchFamily="49" charset="0"/>
-                <a:cs typeface="Courier New" panose="02070309020205020404" pitchFamily="49" charset="0"/>
-              </a:rPr>
-              <a:t>return </a:t>
-            </a:r>
-            <a:r>
-              <a:rPr lang="en-US" altLang="en-US" sz="1100" dirty="0">
-                <a:solidFill>
-                  <a:srgbClr val="000000"/>
-                </a:solidFill>
-                <a:latin typeface="Courier New" panose="02070309020205020404" pitchFamily="49" charset="0"/>
-                <a:cs typeface="Courier New" panose="02070309020205020404" pitchFamily="49" charset="0"/>
-              </a:rPr>
-              <a:t>{</a:t>
-            </a:r>
-            <a:br>
-              <a:rPr lang="en-US" altLang="en-US" sz="1100" dirty="0">
-                <a:solidFill>
-                  <a:srgbClr val="000000"/>
-                </a:solidFill>
-                <a:latin typeface="Courier New" panose="02070309020205020404" pitchFamily="49" charset="0"/>
-                <a:cs typeface="Courier New" panose="02070309020205020404" pitchFamily="49" charset="0"/>
-              </a:rPr>
-            </a:br>
-            <a:r>
-              <a:rPr lang="en-US" altLang="en-US" sz="1100" dirty="0">
-                <a:solidFill>
-                  <a:srgbClr val="000000"/>
-                </a:solidFill>
-                <a:latin typeface="Courier New" panose="02070309020205020404" pitchFamily="49" charset="0"/>
-                <a:cs typeface="Courier New" panose="02070309020205020404" pitchFamily="49" charset="0"/>
-              </a:rPr>
-              <a:t>        </a:t>
-            </a:r>
-            <a:r>
-              <a:rPr lang="en-US" altLang="en-US" sz="1100" dirty="0" err="1">
-                <a:solidFill>
-                  <a:srgbClr val="7A7A43"/>
-                </a:solidFill>
-                <a:latin typeface="Courier New" panose="02070309020205020404" pitchFamily="49" charset="0"/>
-                <a:cs typeface="Courier New" panose="02070309020205020404" pitchFamily="49" charset="0"/>
-              </a:rPr>
-              <a:t>sayHello</a:t>
-            </a:r>
-            <a:r>
-              <a:rPr lang="en-US" altLang="en-US" sz="1100" dirty="0">
-                <a:solidFill>
-                  <a:srgbClr val="7A7A43"/>
-                </a:solidFill>
-                <a:latin typeface="Courier New" panose="02070309020205020404" pitchFamily="49" charset="0"/>
-                <a:cs typeface="Courier New" panose="02070309020205020404" pitchFamily="49" charset="0"/>
-              </a:rPr>
-              <a:t> </a:t>
-            </a:r>
-            <a:r>
-              <a:rPr lang="en-US" altLang="en-US" sz="1100" dirty="0">
-                <a:solidFill>
-                  <a:srgbClr val="000000"/>
-                </a:solidFill>
-                <a:latin typeface="Courier New" panose="02070309020205020404" pitchFamily="49" charset="0"/>
-                <a:cs typeface="Courier New" panose="02070309020205020404" pitchFamily="49" charset="0"/>
-              </a:rPr>
-              <a:t>: </a:t>
-            </a:r>
-            <a:r>
-              <a:rPr lang="en-US" altLang="en-US" sz="1100" b="1" dirty="0">
-                <a:solidFill>
-                  <a:srgbClr val="000080"/>
-                </a:solidFill>
-                <a:latin typeface="Courier New" panose="02070309020205020404" pitchFamily="49" charset="0"/>
-                <a:cs typeface="Courier New" panose="02070309020205020404" pitchFamily="49" charset="0"/>
-              </a:rPr>
-              <a:t>function</a:t>
-            </a:r>
-            <a:r>
-              <a:rPr lang="en-US" altLang="en-US" sz="1100" dirty="0">
-                <a:solidFill>
-                  <a:srgbClr val="000000"/>
-                </a:solidFill>
-                <a:latin typeface="Courier New" panose="02070309020205020404" pitchFamily="49" charset="0"/>
-                <a:cs typeface="Courier New" panose="02070309020205020404" pitchFamily="49" charset="0"/>
-              </a:rPr>
-              <a:t>(name) {</a:t>
-            </a:r>
-            <a:br>
-              <a:rPr lang="en-US" altLang="en-US" sz="1100" dirty="0">
-                <a:solidFill>
-                  <a:srgbClr val="000000"/>
-                </a:solidFill>
-                <a:latin typeface="Courier New" panose="02070309020205020404" pitchFamily="49" charset="0"/>
-                <a:cs typeface="Courier New" panose="02070309020205020404" pitchFamily="49" charset="0"/>
-              </a:rPr>
-            </a:br>
-            <a:r>
-              <a:rPr lang="en-US" altLang="en-US" sz="1100" dirty="0">
-                <a:solidFill>
-                  <a:srgbClr val="000000"/>
-                </a:solidFill>
-                <a:latin typeface="Courier New" panose="02070309020205020404" pitchFamily="49" charset="0"/>
-                <a:cs typeface="Courier New" panose="02070309020205020404" pitchFamily="49" charset="0"/>
-              </a:rPr>
-              <a:t>            </a:t>
-            </a:r>
-            <a:r>
-              <a:rPr lang="en-US" altLang="en-US" sz="1100" b="1" dirty="0">
-                <a:solidFill>
-                  <a:srgbClr val="000080"/>
-                </a:solidFill>
-                <a:latin typeface="Courier New" panose="02070309020205020404" pitchFamily="49" charset="0"/>
-                <a:cs typeface="Courier New" panose="02070309020205020404" pitchFamily="49" charset="0"/>
-              </a:rPr>
-              <a:t>return </a:t>
-            </a:r>
-            <a:r>
-              <a:rPr lang="en-US" altLang="en-US" sz="1100" b="1" dirty="0">
-                <a:solidFill>
-                  <a:srgbClr val="008000"/>
-                </a:solidFill>
-                <a:latin typeface="Courier New" panose="02070309020205020404" pitchFamily="49" charset="0"/>
-                <a:cs typeface="Courier New" panose="02070309020205020404" pitchFamily="49" charset="0"/>
-              </a:rPr>
-              <a:t>"Hi " </a:t>
-            </a:r>
-            <a:r>
-              <a:rPr lang="en-US" altLang="en-US" sz="1100" dirty="0">
-                <a:solidFill>
-                  <a:srgbClr val="000000"/>
-                </a:solidFill>
-                <a:latin typeface="Courier New" panose="02070309020205020404" pitchFamily="49" charset="0"/>
-                <a:cs typeface="Courier New" panose="02070309020205020404" pitchFamily="49" charset="0"/>
-              </a:rPr>
-              <a:t>+ name + </a:t>
-            </a:r>
-            <a:r>
-              <a:rPr lang="en-US" altLang="en-US" sz="1100" b="1" dirty="0">
-                <a:solidFill>
-                  <a:srgbClr val="008000"/>
-                </a:solidFill>
-                <a:latin typeface="Courier New" panose="02070309020205020404" pitchFamily="49" charset="0"/>
-                <a:cs typeface="Courier New" panose="02070309020205020404" pitchFamily="49" charset="0"/>
-              </a:rPr>
-              <a:t>"!"</a:t>
-            </a:r>
-            <a:r>
-              <a:rPr lang="en-US" altLang="en-US" sz="1100" dirty="0">
-                <a:solidFill>
-                  <a:srgbClr val="000000"/>
-                </a:solidFill>
-                <a:latin typeface="Courier New" panose="02070309020205020404" pitchFamily="49" charset="0"/>
-                <a:cs typeface="Courier New" panose="02070309020205020404" pitchFamily="49" charset="0"/>
-              </a:rPr>
-              <a:t>;</a:t>
-            </a:r>
-            <a:br>
-              <a:rPr lang="en-US" altLang="en-US" sz="1100" dirty="0">
-                <a:solidFill>
-                  <a:srgbClr val="000000"/>
-                </a:solidFill>
-                <a:latin typeface="Courier New" panose="02070309020205020404" pitchFamily="49" charset="0"/>
-                <a:cs typeface="Courier New" panose="02070309020205020404" pitchFamily="49" charset="0"/>
-              </a:rPr>
-            </a:br>
-            <a:r>
-              <a:rPr lang="en-US" altLang="en-US" sz="1100" dirty="0">
-                <a:solidFill>
-                  <a:srgbClr val="000000"/>
-                </a:solidFill>
-                <a:latin typeface="Courier New" panose="02070309020205020404" pitchFamily="49" charset="0"/>
-                <a:cs typeface="Courier New" panose="02070309020205020404" pitchFamily="49" charset="0"/>
-              </a:rPr>
-              <a:t>        }</a:t>
-            </a:r>
-            <a:br>
-              <a:rPr lang="en-US" altLang="en-US" sz="1100" dirty="0">
-                <a:solidFill>
-                  <a:srgbClr val="000000"/>
-                </a:solidFill>
-                <a:latin typeface="Courier New" panose="02070309020205020404" pitchFamily="49" charset="0"/>
-                <a:cs typeface="Courier New" panose="02070309020205020404" pitchFamily="49" charset="0"/>
-              </a:rPr>
-            </a:br>
-            <a:r>
-              <a:rPr lang="en-US" altLang="en-US" sz="1100" dirty="0">
-                <a:solidFill>
-                  <a:srgbClr val="000000"/>
-                </a:solidFill>
-                <a:latin typeface="Courier New" panose="02070309020205020404" pitchFamily="49" charset="0"/>
-                <a:cs typeface="Courier New" panose="02070309020205020404" pitchFamily="49" charset="0"/>
-              </a:rPr>
-              <a:t>    }</a:t>
-            </a:r>
-            <a:br>
-              <a:rPr lang="en-US" altLang="en-US" sz="1100" dirty="0">
-                <a:solidFill>
-                  <a:srgbClr val="000000"/>
-                </a:solidFill>
-                <a:latin typeface="Courier New" panose="02070309020205020404" pitchFamily="49" charset="0"/>
-                <a:cs typeface="Courier New" panose="02070309020205020404" pitchFamily="49" charset="0"/>
-              </a:rPr>
-            </a:br>
-            <a:r>
-              <a:rPr lang="en-US" altLang="en-US" sz="1100" dirty="0">
-                <a:solidFill>
-                  <a:srgbClr val="000000"/>
-                </a:solidFill>
-                <a:latin typeface="Courier New" panose="02070309020205020404" pitchFamily="49" charset="0"/>
-                <a:cs typeface="Courier New" panose="02070309020205020404" pitchFamily="49" charset="0"/>
-              </a:rPr>
-              <a:t>});</a:t>
-            </a:r>
-            <a:endParaRPr lang="en-US" altLang="en-US" sz="2400" dirty="0">
-              <a:latin typeface="Arial" panose="020B0604020202020204" pitchFamily="34" charset="0"/>
-            </a:endParaRPr>
-          </a:p>
-        </p:txBody>
-      </p:sp>
-      <p:sp>
-        <p:nvSpPr>
-          <p:cNvPr id="5" name="Rectangle 4"/>
-          <p:cNvSpPr>
-            <a:spLocks noChangeArrowheads="1"/>
-          </p:cNvSpPr>
-          <p:nvPr/>
-        </p:nvSpPr>
-        <p:spPr bwMode="auto">
-          <a:xfrm>
-            <a:off x="457200" y="1989138"/>
-            <a:ext cx="4191000" cy="1741603"/>
-          </a:xfrm>
-          <a:prstGeom prst="rect">
-            <a:avLst/>
-          </a:prstGeom>
-          <a:solidFill>
-            <a:srgbClr val="F5F2F0"/>
-          </a:solidFill>
-          <a:ln>
-            <a:noFill/>
-          </a:ln>
-          <a:effectLst/>
-          <a:extLst>
-            <a:ext uri="{91240B29-F687-4F45-9708-019B960494DF}">
-              <a14:hiddenLine xmlns:a14="http://schemas.microsoft.com/office/drawing/2010/main" w="9525">
-                <a:solidFill>
-                  <a:schemeClr val="tx1"/>
-                </a:solidFill>
-                <a:miter lim="800000"/>
-                <a:headEnd/>
-                <a:tailEnd/>
-              </a14:hiddenLine>
-            </a:ext>
-            <a:ext uri="{AF507438-7753-43E0-B8FC-AC1667EBCBE1}">
-              <a14:hiddenEffects xmlns:a14="http://schemas.microsoft.com/office/drawing/2010/main">
-                <a:effectLst>
-                  <a:outerShdw dist="35921" dir="2700000" algn="ctr" rotWithShape="0">
-                    <a:schemeClr val="bg2"/>
-                  </a:outerShdw>
-                </a:effectLst>
-              </a14:hiddenEffects>
-            </a:ext>
-          </a:extLst>
-        </p:spPr>
-        <p:txBody>
-          <a:bodyPr vert="horz" wrap="square" lIns="108000" tIns="108000" rIns="108000" bIns="108000" numCol="1" anchor="ctr" anchorCtr="0" compatLnSpc="1">
-            <a:prstTxWarp prst="textNoShape">
-              <a:avLst/>
-            </a:prstTxWarp>
-            <a:spAutoFit/>
-          </a:bodyPr>
-          <a:lstStyle/>
-          <a:p>
-            <a:pPr lvl="0" eaLnBrk="0" fontAlgn="base" hangingPunct="0">
-              <a:spcBef>
-                <a:spcPct val="0"/>
-              </a:spcBef>
-              <a:spcAft>
-                <a:spcPct val="0"/>
-              </a:spcAft>
-            </a:pPr>
-            <a:r>
-              <a:rPr lang="en-US" altLang="en-US" sz="1100" b="1" i="1" dirty="0" err="1">
-                <a:solidFill>
-                  <a:srgbClr val="660E7A"/>
-                </a:solidFill>
-                <a:latin typeface="Courier New" panose="02070309020205020404" pitchFamily="49" charset="0"/>
-                <a:cs typeface="Courier New" panose="02070309020205020404" pitchFamily="49" charset="0"/>
-              </a:rPr>
-              <a:t>app</a:t>
-            </a:r>
-            <a:r>
-              <a:rPr lang="en-US" altLang="en-US" sz="1100" dirty="0" err="1">
-                <a:solidFill>
-                  <a:srgbClr val="000000"/>
-                </a:solidFill>
-                <a:latin typeface="Courier New" panose="02070309020205020404" pitchFamily="49" charset="0"/>
-                <a:cs typeface="Courier New" panose="02070309020205020404" pitchFamily="49" charset="0"/>
-              </a:rPr>
-              <a:t>.</a:t>
-            </a:r>
-            <a:r>
-              <a:rPr lang="en-US" altLang="en-US" sz="1100" b="1" dirty="0" err="1">
-                <a:solidFill>
-                  <a:srgbClr val="660E7A"/>
-                </a:solidFill>
-                <a:latin typeface="Courier New" panose="02070309020205020404" pitchFamily="49" charset="0"/>
-                <a:cs typeface="Courier New" panose="02070309020205020404" pitchFamily="49" charset="0"/>
-              </a:rPr>
-              <a:t>service</a:t>
-            </a:r>
-            <a:r>
-              <a:rPr lang="en-US" altLang="en-US" sz="1100" dirty="0">
-                <a:solidFill>
-                  <a:srgbClr val="000000"/>
-                </a:solidFill>
-                <a:latin typeface="Courier New" panose="02070309020205020404" pitchFamily="49" charset="0"/>
-                <a:cs typeface="Courier New" panose="02070309020205020404" pitchFamily="49" charset="0"/>
-              </a:rPr>
-              <a:t>(</a:t>
-            </a:r>
-            <a:r>
-              <a:rPr lang="en-US" altLang="en-US" sz="1100" b="1" dirty="0">
-                <a:solidFill>
-                  <a:srgbClr val="008000"/>
-                </a:solidFill>
-                <a:latin typeface="Courier New" panose="02070309020205020404" pitchFamily="49" charset="0"/>
-                <a:cs typeface="Courier New" panose="02070309020205020404" pitchFamily="49" charset="0"/>
-              </a:rPr>
-              <a:t>'</a:t>
-            </a:r>
-            <a:r>
-              <a:rPr lang="en-US" altLang="en-US" sz="1100" b="1" dirty="0" err="1">
-                <a:solidFill>
-                  <a:srgbClr val="008000"/>
-                </a:solidFill>
-                <a:latin typeface="Courier New" panose="02070309020205020404" pitchFamily="49" charset="0"/>
-                <a:cs typeface="Courier New" panose="02070309020205020404" pitchFamily="49" charset="0"/>
-              </a:rPr>
-              <a:t>myService</a:t>
-            </a:r>
-            <a:r>
-              <a:rPr lang="en-US" altLang="en-US" sz="1100" b="1" dirty="0">
-                <a:solidFill>
-                  <a:srgbClr val="008000"/>
-                </a:solidFill>
-                <a:latin typeface="Courier New" panose="02070309020205020404" pitchFamily="49" charset="0"/>
-                <a:cs typeface="Courier New" panose="02070309020205020404" pitchFamily="49" charset="0"/>
-              </a:rPr>
-              <a:t>'</a:t>
-            </a:r>
-            <a:r>
-              <a:rPr lang="en-US" altLang="en-US" sz="1100" dirty="0">
-                <a:solidFill>
-                  <a:srgbClr val="000000"/>
-                </a:solidFill>
-                <a:latin typeface="Courier New" panose="02070309020205020404" pitchFamily="49" charset="0"/>
-                <a:cs typeface="Courier New" panose="02070309020205020404" pitchFamily="49" charset="0"/>
-              </a:rPr>
-              <a:t>, </a:t>
-            </a:r>
-            <a:r>
-              <a:rPr lang="en-US" altLang="en-US" sz="1100" b="1" dirty="0">
-                <a:solidFill>
-                  <a:srgbClr val="000080"/>
-                </a:solidFill>
-                <a:latin typeface="Courier New" panose="02070309020205020404" pitchFamily="49" charset="0"/>
-                <a:cs typeface="Courier New" panose="02070309020205020404" pitchFamily="49" charset="0"/>
-              </a:rPr>
-              <a:t>function</a:t>
-            </a:r>
-            <a:r>
-              <a:rPr lang="en-US" altLang="en-US" sz="1100" dirty="0">
-                <a:solidFill>
-                  <a:srgbClr val="000000"/>
-                </a:solidFill>
-                <a:latin typeface="Courier New" panose="02070309020205020404" pitchFamily="49" charset="0"/>
-                <a:cs typeface="Courier New" panose="02070309020205020404" pitchFamily="49" charset="0"/>
-              </a:rPr>
-              <a:t>() {</a:t>
-            </a:r>
-            <a:br>
-              <a:rPr lang="en-US" altLang="en-US" sz="1100" dirty="0">
-                <a:solidFill>
-                  <a:srgbClr val="000000"/>
-                </a:solidFill>
-                <a:latin typeface="Courier New" panose="02070309020205020404" pitchFamily="49" charset="0"/>
-                <a:cs typeface="Courier New" panose="02070309020205020404" pitchFamily="49" charset="0"/>
-              </a:rPr>
-            </a:br>
-            <a:r>
-              <a:rPr lang="en-US" altLang="en-US" sz="1100" dirty="0">
-                <a:solidFill>
-                  <a:srgbClr val="000000"/>
-                </a:solidFill>
-                <a:latin typeface="Courier New" panose="02070309020205020404" pitchFamily="49" charset="0"/>
-                <a:cs typeface="Courier New" panose="02070309020205020404" pitchFamily="49" charset="0"/>
-              </a:rPr>
-              <a:t/>
-            </a:r>
-            <a:br>
-              <a:rPr lang="en-US" altLang="en-US" sz="1100" dirty="0">
-                <a:solidFill>
-                  <a:srgbClr val="000000"/>
-                </a:solidFill>
-                <a:latin typeface="Courier New" panose="02070309020205020404" pitchFamily="49" charset="0"/>
-                <a:cs typeface="Courier New" panose="02070309020205020404" pitchFamily="49" charset="0"/>
-              </a:rPr>
-            </a:br>
-            <a:r>
-              <a:rPr lang="en-US" altLang="en-US" sz="1100" dirty="0">
-                <a:solidFill>
-                  <a:srgbClr val="000000"/>
-                </a:solidFill>
-                <a:latin typeface="Courier New" panose="02070309020205020404" pitchFamily="49" charset="0"/>
-                <a:cs typeface="Courier New" panose="02070309020205020404" pitchFamily="49" charset="0"/>
-              </a:rPr>
-              <a:t>    </a:t>
-            </a:r>
-            <a:r>
-              <a:rPr lang="en-US" altLang="en-US" sz="1100" i="1" dirty="0">
-                <a:solidFill>
-                  <a:srgbClr val="808080"/>
-                </a:solidFill>
-                <a:latin typeface="Courier New" panose="02070309020205020404" pitchFamily="49" charset="0"/>
-                <a:cs typeface="Courier New" panose="02070309020205020404" pitchFamily="49" charset="0"/>
-              </a:rPr>
-              <a:t>// service is just a constructor function</a:t>
-            </a:r>
-            <a:br>
-              <a:rPr lang="en-US" altLang="en-US" sz="1100" i="1" dirty="0">
-                <a:solidFill>
-                  <a:srgbClr val="808080"/>
-                </a:solidFill>
-                <a:latin typeface="Courier New" panose="02070309020205020404" pitchFamily="49" charset="0"/>
-                <a:cs typeface="Courier New" panose="02070309020205020404" pitchFamily="49" charset="0"/>
-              </a:rPr>
-            </a:br>
-            <a:r>
-              <a:rPr lang="en-US" altLang="en-US" sz="1100" i="1" dirty="0">
-                <a:solidFill>
-                  <a:srgbClr val="808080"/>
-                </a:solidFill>
-                <a:latin typeface="Courier New" panose="02070309020205020404" pitchFamily="49" charset="0"/>
-                <a:cs typeface="Courier New" panose="02070309020205020404" pitchFamily="49" charset="0"/>
-              </a:rPr>
-              <a:t>    // that will be called with 'new'</a:t>
-            </a:r>
-            <a:br>
-              <a:rPr lang="en-US" altLang="en-US" sz="1100" i="1" dirty="0">
-                <a:solidFill>
-                  <a:srgbClr val="808080"/>
-                </a:solidFill>
-                <a:latin typeface="Courier New" panose="02070309020205020404" pitchFamily="49" charset="0"/>
-                <a:cs typeface="Courier New" panose="02070309020205020404" pitchFamily="49" charset="0"/>
-              </a:rPr>
-            </a:br>
-            <a:r>
-              <a:rPr lang="en-US" altLang="en-US" sz="1100" i="1" dirty="0">
-                <a:solidFill>
-                  <a:srgbClr val="808080"/>
-                </a:solidFill>
-                <a:latin typeface="Courier New" panose="02070309020205020404" pitchFamily="49" charset="0"/>
-                <a:cs typeface="Courier New" panose="02070309020205020404" pitchFamily="49" charset="0"/>
-              </a:rPr>
-              <a:t/>
-            </a:r>
-            <a:br>
-              <a:rPr lang="en-US" altLang="en-US" sz="1100" i="1" dirty="0">
-                <a:solidFill>
-                  <a:srgbClr val="808080"/>
-                </a:solidFill>
-                <a:latin typeface="Courier New" panose="02070309020205020404" pitchFamily="49" charset="0"/>
-                <a:cs typeface="Courier New" panose="02070309020205020404" pitchFamily="49" charset="0"/>
-              </a:rPr>
-            </a:br>
-            <a:r>
-              <a:rPr lang="en-US" altLang="en-US" sz="1100" i="1" dirty="0">
-                <a:solidFill>
-                  <a:srgbClr val="808080"/>
-                </a:solidFill>
-                <a:latin typeface="Courier New" panose="02070309020205020404" pitchFamily="49" charset="0"/>
-                <a:cs typeface="Courier New" panose="02070309020205020404" pitchFamily="49" charset="0"/>
-              </a:rPr>
-              <a:t>    </a:t>
-            </a:r>
-            <a:r>
-              <a:rPr lang="en-US" altLang="en-US" sz="1100" b="1" dirty="0" err="1">
-                <a:solidFill>
-                  <a:srgbClr val="000080"/>
-                </a:solidFill>
-                <a:latin typeface="Courier New" panose="02070309020205020404" pitchFamily="49" charset="0"/>
-                <a:cs typeface="Courier New" panose="02070309020205020404" pitchFamily="49" charset="0"/>
-              </a:rPr>
-              <a:t>this</a:t>
-            </a:r>
-            <a:r>
-              <a:rPr lang="en-US" altLang="en-US" sz="1100" dirty="0" err="1">
-                <a:solidFill>
-                  <a:srgbClr val="000000"/>
-                </a:solidFill>
-                <a:latin typeface="Courier New" panose="02070309020205020404" pitchFamily="49" charset="0"/>
-                <a:cs typeface="Courier New" panose="02070309020205020404" pitchFamily="49" charset="0"/>
-              </a:rPr>
-              <a:t>.</a:t>
-            </a:r>
-            <a:r>
-              <a:rPr lang="en-US" altLang="en-US" sz="1100" dirty="0" err="1">
-                <a:solidFill>
-                  <a:srgbClr val="7A7A43"/>
-                </a:solidFill>
-                <a:latin typeface="Courier New" panose="02070309020205020404" pitchFamily="49" charset="0"/>
-                <a:cs typeface="Courier New" panose="02070309020205020404" pitchFamily="49" charset="0"/>
-              </a:rPr>
-              <a:t>sayHello</a:t>
-            </a:r>
-            <a:r>
-              <a:rPr lang="en-US" altLang="en-US" sz="1100" dirty="0">
-                <a:solidFill>
-                  <a:srgbClr val="7A7A43"/>
-                </a:solidFill>
-                <a:latin typeface="Courier New" panose="02070309020205020404" pitchFamily="49" charset="0"/>
-                <a:cs typeface="Courier New" panose="02070309020205020404" pitchFamily="49" charset="0"/>
-              </a:rPr>
-              <a:t> </a:t>
-            </a:r>
-            <a:r>
-              <a:rPr lang="en-US" altLang="en-US" sz="1100" dirty="0">
-                <a:solidFill>
-                  <a:srgbClr val="000000"/>
-                </a:solidFill>
-                <a:latin typeface="Courier New" panose="02070309020205020404" pitchFamily="49" charset="0"/>
-                <a:cs typeface="Courier New" panose="02070309020205020404" pitchFamily="49" charset="0"/>
-              </a:rPr>
-              <a:t>= </a:t>
-            </a:r>
-            <a:r>
-              <a:rPr lang="en-US" altLang="en-US" sz="1100" b="1" dirty="0">
-                <a:solidFill>
-                  <a:srgbClr val="000080"/>
-                </a:solidFill>
-                <a:latin typeface="Courier New" panose="02070309020205020404" pitchFamily="49" charset="0"/>
-                <a:cs typeface="Courier New" panose="02070309020205020404" pitchFamily="49" charset="0"/>
-              </a:rPr>
-              <a:t>function</a:t>
-            </a:r>
-            <a:r>
-              <a:rPr lang="en-US" altLang="en-US" sz="1100" dirty="0">
-                <a:solidFill>
-                  <a:srgbClr val="000000"/>
-                </a:solidFill>
-                <a:latin typeface="Courier New" panose="02070309020205020404" pitchFamily="49" charset="0"/>
-                <a:cs typeface="Courier New" panose="02070309020205020404" pitchFamily="49" charset="0"/>
-              </a:rPr>
-              <a:t>(name) {</a:t>
-            </a:r>
-            <a:br>
-              <a:rPr lang="en-US" altLang="en-US" sz="1100" dirty="0">
-                <a:solidFill>
-                  <a:srgbClr val="000000"/>
-                </a:solidFill>
-                <a:latin typeface="Courier New" panose="02070309020205020404" pitchFamily="49" charset="0"/>
-                <a:cs typeface="Courier New" panose="02070309020205020404" pitchFamily="49" charset="0"/>
-              </a:rPr>
-            </a:br>
-            <a:r>
-              <a:rPr lang="en-US" altLang="en-US" sz="1100" dirty="0">
-                <a:solidFill>
-                  <a:srgbClr val="000000"/>
-                </a:solidFill>
-                <a:latin typeface="Courier New" panose="02070309020205020404" pitchFamily="49" charset="0"/>
-                <a:cs typeface="Courier New" panose="02070309020205020404" pitchFamily="49" charset="0"/>
-              </a:rPr>
-              <a:t>        </a:t>
-            </a:r>
-            <a:r>
-              <a:rPr lang="en-US" altLang="en-US" sz="1100" b="1" dirty="0">
-                <a:solidFill>
-                  <a:srgbClr val="000080"/>
-                </a:solidFill>
-                <a:latin typeface="Courier New" panose="02070309020205020404" pitchFamily="49" charset="0"/>
-                <a:cs typeface="Courier New" panose="02070309020205020404" pitchFamily="49" charset="0"/>
-              </a:rPr>
-              <a:t>return </a:t>
-            </a:r>
-            <a:r>
-              <a:rPr lang="en-US" altLang="en-US" sz="1100" b="1" dirty="0">
-                <a:solidFill>
-                  <a:srgbClr val="008000"/>
-                </a:solidFill>
-                <a:latin typeface="Courier New" panose="02070309020205020404" pitchFamily="49" charset="0"/>
-                <a:cs typeface="Courier New" panose="02070309020205020404" pitchFamily="49" charset="0"/>
-              </a:rPr>
-              <a:t>"Hi " </a:t>
-            </a:r>
-            <a:r>
-              <a:rPr lang="en-US" altLang="en-US" sz="1100" dirty="0">
-                <a:solidFill>
-                  <a:srgbClr val="000000"/>
-                </a:solidFill>
-                <a:latin typeface="Courier New" panose="02070309020205020404" pitchFamily="49" charset="0"/>
-                <a:cs typeface="Courier New" panose="02070309020205020404" pitchFamily="49" charset="0"/>
-              </a:rPr>
-              <a:t>+ name + </a:t>
-            </a:r>
-            <a:r>
-              <a:rPr lang="en-US" altLang="en-US" sz="1100" b="1" dirty="0">
-                <a:solidFill>
-                  <a:srgbClr val="008000"/>
-                </a:solidFill>
-                <a:latin typeface="Courier New" panose="02070309020205020404" pitchFamily="49" charset="0"/>
-                <a:cs typeface="Courier New" panose="02070309020205020404" pitchFamily="49" charset="0"/>
-              </a:rPr>
-              <a:t>"!"</a:t>
-            </a:r>
-            <a:r>
-              <a:rPr lang="en-US" altLang="en-US" sz="1100" dirty="0">
-                <a:solidFill>
-                  <a:srgbClr val="000000"/>
-                </a:solidFill>
-                <a:latin typeface="Courier New" panose="02070309020205020404" pitchFamily="49" charset="0"/>
-                <a:cs typeface="Courier New" panose="02070309020205020404" pitchFamily="49" charset="0"/>
-              </a:rPr>
-              <a:t>;</a:t>
-            </a:r>
-            <a:br>
-              <a:rPr lang="en-US" altLang="en-US" sz="1100" dirty="0">
-                <a:solidFill>
-                  <a:srgbClr val="000000"/>
-                </a:solidFill>
-                <a:latin typeface="Courier New" panose="02070309020205020404" pitchFamily="49" charset="0"/>
-                <a:cs typeface="Courier New" panose="02070309020205020404" pitchFamily="49" charset="0"/>
-              </a:rPr>
-            </a:br>
-            <a:r>
-              <a:rPr lang="en-US" altLang="en-US" sz="1100" dirty="0">
-                <a:solidFill>
-                  <a:srgbClr val="000000"/>
-                </a:solidFill>
-                <a:latin typeface="Courier New" panose="02070309020205020404" pitchFamily="49" charset="0"/>
-                <a:cs typeface="Courier New" panose="02070309020205020404" pitchFamily="49" charset="0"/>
-              </a:rPr>
-              <a:t>    };</a:t>
-            </a:r>
-            <a:br>
-              <a:rPr lang="en-US" altLang="en-US" sz="1100" dirty="0">
-                <a:solidFill>
-                  <a:srgbClr val="000000"/>
-                </a:solidFill>
-                <a:latin typeface="Courier New" panose="02070309020205020404" pitchFamily="49" charset="0"/>
-                <a:cs typeface="Courier New" panose="02070309020205020404" pitchFamily="49" charset="0"/>
-              </a:rPr>
-            </a:br>
-            <a:r>
-              <a:rPr lang="en-US" altLang="en-US" sz="1100" dirty="0">
-                <a:solidFill>
-                  <a:srgbClr val="000000"/>
-                </a:solidFill>
-                <a:latin typeface="Courier New" panose="02070309020205020404" pitchFamily="49" charset="0"/>
-                <a:cs typeface="Courier New" panose="02070309020205020404" pitchFamily="49" charset="0"/>
-              </a:rPr>
-              <a:t>});</a:t>
-            </a:r>
-            <a:endParaRPr lang="en-US" altLang="en-US" sz="2400" dirty="0">
-              <a:latin typeface="Arial" panose="020B0604020202020204" pitchFamily="34" charset="0"/>
-            </a:endParaRPr>
-          </a:p>
-        </p:txBody>
-      </p:sp>
-      <p:sp>
-        <p:nvSpPr>
-          <p:cNvPr id="8" name="Rectangle 7"/>
-          <p:cNvSpPr/>
-          <p:nvPr/>
-        </p:nvSpPr>
-        <p:spPr>
-          <a:xfrm>
-            <a:off x="457200" y="1472555"/>
-            <a:ext cx="6569940" cy="461665"/>
-          </a:xfrm>
-          <a:prstGeom prst="rect">
-            <a:avLst/>
-          </a:prstGeom>
-        </p:spPr>
-        <p:txBody>
-          <a:bodyPr wrap="none">
-            <a:spAutoFit/>
-          </a:bodyPr>
-          <a:lstStyle/>
-          <a:p>
-            <a:r>
-              <a:rPr lang="en-US" sz="2400" dirty="0" smtClean="0"/>
-              <a:t>service is a constructor </a:t>
-            </a:r>
-            <a:r>
-              <a:rPr lang="en-US" sz="2400" dirty="0" err="1" smtClean="0"/>
-              <a:t>fn</a:t>
-            </a:r>
-            <a:r>
-              <a:rPr lang="en-US" sz="2400" dirty="0" smtClean="0"/>
-              <a:t> (also accepts es6 classes)</a:t>
-            </a:r>
-            <a:endParaRPr lang="en-US" sz="2400" dirty="0">
-              <a:solidFill>
-                <a:srgbClr val="C00000"/>
-              </a:solidFill>
-            </a:endParaRPr>
-          </a:p>
-        </p:txBody>
-      </p:sp>
-      <p:sp>
-        <p:nvSpPr>
-          <p:cNvPr id="11" name="Rectangle 10"/>
-          <p:cNvSpPr/>
-          <p:nvPr/>
-        </p:nvSpPr>
-        <p:spPr>
-          <a:xfrm>
-            <a:off x="5126199" y="3814732"/>
-            <a:ext cx="3710824" cy="461665"/>
-          </a:xfrm>
-          <a:prstGeom prst="rect">
-            <a:avLst/>
-          </a:prstGeom>
-        </p:spPr>
-        <p:txBody>
-          <a:bodyPr wrap="none">
-            <a:spAutoFit/>
-          </a:bodyPr>
-          <a:lstStyle/>
-          <a:p>
-            <a:r>
-              <a:rPr lang="en-US" sz="2400" dirty="0" smtClean="0"/>
-              <a:t>factory returns object as API</a:t>
-            </a:r>
-            <a:endParaRPr lang="en-US" sz="2400" dirty="0">
-              <a:solidFill>
-                <a:srgbClr val="C00000"/>
-              </a:solidFill>
-            </a:endParaRPr>
-          </a:p>
-        </p:txBody>
-      </p:sp>
-    </p:spTree>
-    <p:extLst>
-      <p:ext uri="{BB962C8B-B14F-4D97-AF65-F5344CB8AC3E}">
-        <p14:creationId xmlns:p14="http://schemas.microsoft.com/office/powerpoint/2010/main" val="4037644220"/>
-      </p:ext>
-    </p:extLst>
-  </p:cSld>
-  <p:clrMapOvr>
-    <a:masterClrMapping/>
-  </p:clrMapOvr>
-  <mc:AlternateContent xmlns:mc="http://schemas.openxmlformats.org/markup-compatibility/2006">
-    <mc:Choice xmlns:p14="http://schemas.microsoft.com/office/powerpoint/2010/main" Requires="p14">
-      <p:transition spd="slow" p14:dur="2000"/>
-    </mc:Choice>
-    <mc:Fallback>
-      <p:transition spd="slow"/>
-    </mc:Fallback>
-  </mc:AlternateContent>
-  <p:timing>
-    <p:tnLst>
-      <p:par>
-        <p:cTn id="1" dur="indefinite" restart="never" nodeType="tmRoot"/>
-      </p:par>
-    </p:tnLst>
-  </p:timing>
-</p:sld>
-</file>
-
-<file path=ppt/slides/slide14.xml><?xml version="1.0" encoding="utf-8"?>
-<p:sld xmlns:a="http://schemas.openxmlformats.org/drawingml/2006/main" xmlns:r="http://schemas.openxmlformats.org/officeDocument/2006/relationships" xmlns:p="http://schemas.openxmlformats.org/presentationml/2006/main">
-  <p:cSld>
-    <p:spTree>
-      <p:nvGrpSpPr>
-        <p:cNvPr id="1" name=""/>
-        <p:cNvGrpSpPr/>
-        <p:nvPr/>
-      </p:nvGrpSpPr>
-      <p:grpSpPr>
-        <a:xfrm>
-          <a:off x="0" y="0"/>
-          <a:ext cx="0" cy="0"/>
-          <a:chOff x="0" y="0"/>
-          <a:chExt cx="0" cy="0"/>
-        </a:xfrm>
-      </p:grpSpPr>
-      <p:sp>
-        <p:nvSpPr>
-          <p:cNvPr id="2" name="Title 1"/>
-          <p:cNvSpPr>
-            <a:spLocks noGrp="1"/>
-          </p:cNvSpPr>
-          <p:nvPr>
-            <p:ph type="title"/>
-          </p:nvPr>
-        </p:nvSpPr>
         <p:spPr>
           <a:xfrm>
             <a:off x="533400" y="1981200"/>
@@ -6088,6 +6585,37 @@
               <a:latin typeface="Courier New" panose="02070309020205020404" pitchFamily="49" charset="0"/>
               <a:cs typeface="Courier New" panose="02070309020205020404" pitchFamily="49" charset="0"/>
             </a:endParaRPr>
+          </a:p>
+        </p:txBody>
+      </p:sp>
+      <p:sp>
+        <p:nvSpPr>
+          <p:cNvPr id="3" name="Rectangle 2"/>
+          <p:cNvSpPr/>
+          <p:nvPr/>
+        </p:nvSpPr>
+        <p:spPr>
+          <a:xfrm>
+            <a:off x="2925189" y="3200400"/>
+            <a:ext cx="3228128" cy="369332"/>
+          </a:xfrm>
+          <a:prstGeom prst="rect">
+            <a:avLst/>
+          </a:prstGeom>
+        </p:spPr>
+        <p:txBody>
+          <a:bodyPr wrap="none">
+            <a:spAutoFit/>
+          </a:bodyPr>
+          <a:lstStyle/>
+          <a:p>
+            <a:r>
+              <a:rPr lang="en-US" dirty="0">
+                <a:hlinkClick r:id="rId3"/>
+              </a:rPr>
+              <a:t>https://docs.angularjs.org/guide</a:t>
+            </a:r>
+            <a:endParaRPr lang="ru-RU" dirty="0"/>
           </a:p>
         </p:txBody>
       </p:sp>
@@ -6101,20 +6629,91 @@
   <p:clrMapOvr>
     <a:masterClrMapping/>
   </p:clrMapOvr>
-  <mc:AlternateContent xmlns:mc="http://schemas.openxmlformats.org/markup-compatibility/2006">
-    <mc:Choice xmlns:p14="http://schemas.microsoft.com/office/powerpoint/2010/main" Requires="p14">
+  <mc:AlternateContent xmlns:mc="http://schemas.openxmlformats.org/markup-compatibility/2006" xmlns:p14="http://schemas.microsoft.com/office/powerpoint/2010/main">
+    <mc:Choice Requires="p14">
       <p:transition spd="slow" p14:dur="2000"/>
     </mc:Choice>
-    <mc:Fallback>
+    <mc:Fallback xmlns="">
       <p:transition spd="slow"/>
     </mc:Fallback>
   </mc:AlternateContent>
   <p:timing>
     <p:tnLst>
       <p:par>
-        <p:cTn id="1" dur="indefinite" restart="never" nodeType="tmRoot"/>
+        <p:cTn id="1" dur="indefinite" restart="never" nodeType="tmRoot">
+          <p:childTnLst>
+            <p:seq concurrent="1" nextAc="seek">
+              <p:cTn id="2" dur="indefinite" nodeType="mainSeq">
+                <p:childTnLst>
+                  <p:par>
+                    <p:cTn id="3" fill="hold">
+                      <p:stCondLst>
+                        <p:cond delay="indefinite"/>
+                      </p:stCondLst>
+                      <p:childTnLst>
+                        <p:par>
+                          <p:cTn id="4" fill="hold">
+                            <p:stCondLst>
+                              <p:cond delay="0"/>
+                            </p:stCondLst>
+                            <p:childTnLst>
+                              <p:par>
+                                <p:cTn id="5" presetID="1" presetClass="entr" presetSubtype="0" fill="hold" grpId="0" nodeType="clickEffect">
+                                  <p:stCondLst>
+                                    <p:cond delay="0"/>
+                                  </p:stCondLst>
+                                  <p:childTnLst>
+                                    <p:set>
+                                      <p:cBhvr>
+                                        <p:cTn id="6" dur="1" fill="hold">
+                                          <p:stCondLst>
+                                            <p:cond delay="0"/>
+                                          </p:stCondLst>
+                                        </p:cTn>
+                                        <p:tgtEl>
+                                          <p:spTgt spid="3"/>
+                                        </p:tgtEl>
+                                        <p:attrNameLst>
+                                          <p:attrName>style.visibility</p:attrName>
+                                        </p:attrNameLst>
+                                      </p:cBhvr>
+                                      <p:to>
+                                        <p:strVal val="visible"/>
+                                      </p:to>
+                                    </p:set>
+                                  </p:childTnLst>
+                                </p:cTn>
+                              </p:par>
+                            </p:childTnLst>
+                          </p:cTn>
+                        </p:par>
+                      </p:childTnLst>
+                    </p:cTn>
+                  </p:par>
+                </p:childTnLst>
+              </p:cTn>
+              <p:prevCondLst>
+                <p:cond evt="onPrev" delay="0">
+                  <p:tgtEl>
+                    <p:sldTgt/>
+                  </p:tgtEl>
+                </p:cond>
+              </p:prevCondLst>
+              <p:nextCondLst>
+                <p:cond evt="onNext" delay="0">
+                  <p:tgtEl>
+                    <p:sldTgt/>
+                  </p:tgtEl>
+                </p:cond>
+              </p:nextCondLst>
+            </p:seq>
+          </p:childTnLst>
+        </p:cTn>
       </p:par>
     </p:tnLst>
+    <p:bldLst>
+      <p:bldP spid="3" grpId="0"/>
+    </p:bldLst>
   </p:timing>
 </p:sld>
 </file>
@@ -6980,7 +7579,7 @@
                                           </p:stCondLst>
                                         </p:cTn>
                                         <p:tgtEl>
-                                          <p:spTgt spid="10"/>
+                                          <p:spTgt spid="13"/>
                                         </p:tgtEl>
                                         <p:attrNameLst>
                                           <p:attrName>style.visibility</p:attrName>
@@ -7025,7 +7624,7 @@
                                           </p:stCondLst>
                                         </p:cTn>
                                         <p:tgtEl>
-                                          <p:spTgt spid="13"/>
+                                          <p:spTgt spid="14"/>
                                         </p:tgtEl>
                                         <p:attrNameLst>
                                           <p:attrName>style.visibility</p:attrName>
@@ -7070,7 +7669,52 @@
                                           </p:stCondLst>
                                         </p:cTn>
                                         <p:tgtEl>
-                                          <p:spTgt spid="14"/>
+                                          <p:spTgt spid="10"/>
+                                        </p:tgtEl>
+                                        <p:attrNameLst>
+                                          <p:attrName>style.visibility</p:attrName>
+                                        </p:attrNameLst>
+                                      </p:cBhvr>
+                                      <p:to>
+                                        <p:strVal val="visible"/>
+                                      </p:to>
+                                    </p:set>
+                                  </p:childTnLst>
+                                </p:cTn>
+                              </p:par>
+                            </p:childTnLst>
+                          </p:cTn>
+                        </p:par>
+                      </p:childTnLst>
+                    </p:cTn>
+                  </p:par>
+                  <p:par>
+                    <p:cTn id="39" fill="hold">
+                      <p:stCondLst>
+                        <p:cond delay="indefinite"/>
+                      </p:stCondLst>
+                      <p:childTnLst>
+                        <p:par>
+                          <p:cTn id="40" fill="hold">
+                            <p:stCondLst>
+                              <p:cond delay="0"/>
+                            </p:stCondLst>
+                            <p:childTnLst>
+                              <p:par>
+                                <p:cTn id="41" presetID="1" presetClass="entr" presetSubtype="0" fill="hold" grpId="0" nodeType="clickEffect">
+                                  <p:stCondLst>
+                                    <p:cond delay="0"/>
+                                  </p:stCondLst>
+                                  <p:childTnLst>
+                                    <p:set>
+                                      <p:cBhvr>
+                                        <p:cTn id="42" dur="1" fill="hold">
+                                          <p:stCondLst>
+                                            <p:cond delay="0"/>
+                                          </p:stCondLst>
+                                        </p:cTn>
+                                        <p:tgtEl>
+                                          <p:spTgt spid="11"/>
                                         </p:tgtEl>
                                         <p:attrNameLst>
                                           <p:attrName>style.visibility</p:attrName>
@@ -7118,6 +7762,7 @@
       <p:bldP spid="8" grpId="0"/>
       <p:bldP spid="9" grpId="0"/>
       <p:bldP spid="10" grpId="0"/>
+      <p:bldP spid="11" grpId="0" animBg="1"/>
       <p:bldP spid="13" grpId="0"/>
       <p:bldP spid="14" grpId="0"/>
     </p:bldLst>
@@ -8206,16 +8851,6 @@
               </a:rPr>
               <a:t>Module</a:t>
             </a:r>
-            <a:endParaRPr lang="en-US" dirty="0">
-              <a:ln w="0"/>
-              <a:effectLst>
-                <a:outerShdw blurRad="38100" dist="19050" dir="2700000" algn="tl" rotWithShape="0">
-                  <a:schemeClr val="dk1">
-                    <a:alpha val="40000"/>
-                  </a:schemeClr>
-                </a:outerShdw>
-              </a:effectLst>
-            </a:endParaRPr>
           </a:p>
         </p:txBody>
       </p:sp>
@@ -8902,9 +9537,291 @@
   <p:timing>
     <p:tnLst>
       <p:par>
-        <p:cTn id="1" dur="indefinite" restart="never" nodeType="tmRoot"/>
+        <p:cTn id="1" dur="indefinite" restart="never" nodeType="tmRoot">
+          <p:childTnLst>
+            <p:seq concurrent="1" nextAc="seek">
+              <p:cTn id="2" dur="indefinite" nodeType="mainSeq">
+                <p:childTnLst>
+                  <p:par>
+                    <p:cTn id="3" fill="hold">
+                      <p:stCondLst>
+                        <p:cond delay="indefinite"/>
+                      </p:stCondLst>
+                      <p:childTnLst>
+                        <p:par>
+                          <p:cTn id="4" fill="hold">
+                            <p:stCondLst>
+                              <p:cond delay="0"/>
+                            </p:stCondLst>
+                            <p:childTnLst>
+                              <p:par>
+                                <p:cTn id="5" presetID="1" presetClass="entr" presetSubtype="0" fill="hold" grpId="0" nodeType="clickEffect">
+                                  <p:stCondLst>
+                                    <p:cond delay="0"/>
+                                  </p:stCondLst>
+                                  <p:childTnLst>
+                                    <p:set>
+                                      <p:cBhvr>
+                                        <p:cTn id="6" dur="1" fill="hold">
+                                          <p:stCondLst>
+                                            <p:cond delay="0"/>
+                                          </p:stCondLst>
+                                        </p:cTn>
+                                        <p:tgtEl>
+                                          <p:spTgt spid="4"/>
+                                        </p:tgtEl>
+                                        <p:attrNameLst>
+                                          <p:attrName>style.visibility</p:attrName>
+                                        </p:attrNameLst>
+                                      </p:cBhvr>
+                                      <p:to>
+                                        <p:strVal val="visible"/>
+                                      </p:to>
+                                    </p:set>
+                                  </p:childTnLst>
+                                </p:cTn>
+                              </p:par>
+                            </p:childTnLst>
+                          </p:cTn>
+                        </p:par>
+                      </p:childTnLst>
+                    </p:cTn>
+                  </p:par>
+                  <p:par>
+                    <p:cTn id="7" fill="hold">
+                      <p:stCondLst>
+                        <p:cond delay="indefinite"/>
+                      </p:stCondLst>
+                      <p:childTnLst>
+                        <p:par>
+                          <p:cTn id="8" fill="hold">
+                            <p:stCondLst>
+                              <p:cond delay="0"/>
+                            </p:stCondLst>
+                            <p:childTnLst>
+                              <p:par>
+                                <p:cTn id="9" presetID="1" presetClass="entr" presetSubtype="0" fill="hold" grpId="0" nodeType="clickEffect">
+                                  <p:stCondLst>
+                                    <p:cond delay="0"/>
+                                  </p:stCondLst>
+                                  <p:childTnLst>
+                                    <p:set>
+                                      <p:cBhvr>
+                                        <p:cTn id="10" dur="1" fill="hold">
+                                          <p:stCondLst>
+                                            <p:cond delay="0"/>
+                                          </p:stCondLst>
+                                        </p:cTn>
+                                        <p:tgtEl>
+                                          <p:spTgt spid="5"/>
+                                        </p:tgtEl>
+                                        <p:attrNameLst>
+                                          <p:attrName>style.visibility</p:attrName>
+                                        </p:attrNameLst>
+                                      </p:cBhvr>
+                                      <p:to>
+                                        <p:strVal val="visible"/>
+                                      </p:to>
+                                    </p:set>
+                                  </p:childTnLst>
+                                </p:cTn>
+                              </p:par>
+                            </p:childTnLst>
+                          </p:cTn>
+                        </p:par>
+                      </p:childTnLst>
+                    </p:cTn>
+                  </p:par>
+                  <p:par>
+                    <p:cTn id="11" fill="hold">
+                      <p:stCondLst>
+                        <p:cond delay="indefinite"/>
+                      </p:stCondLst>
+                      <p:childTnLst>
+                        <p:par>
+                          <p:cTn id="12" fill="hold">
+                            <p:stCondLst>
+                              <p:cond delay="0"/>
+                            </p:stCondLst>
+                            <p:childTnLst>
+                              <p:par>
+                                <p:cTn id="13" presetID="1" presetClass="entr" presetSubtype="0" fill="hold" grpId="0" nodeType="clickEffect">
+                                  <p:stCondLst>
+                                    <p:cond delay="0"/>
+                                  </p:stCondLst>
+                                  <p:childTnLst>
+                                    <p:set>
+                                      <p:cBhvr>
+                                        <p:cTn id="14" dur="1" fill="hold">
+                                          <p:stCondLst>
+                                            <p:cond delay="0"/>
+                                          </p:stCondLst>
+                                        </p:cTn>
+                                        <p:tgtEl>
+                                          <p:spTgt spid="7"/>
+                                        </p:tgtEl>
+                                        <p:attrNameLst>
+                                          <p:attrName>style.visibility</p:attrName>
+                                        </p:attrNameLst>
+                                      </p:cBhvr>
+                                      <p:to>
+                                        <p:strVal val="visible"/>
+                                      </p:to>
+                                    </p:set>
+                                  </p:childTnLst>
+                                </p:cTn>
+                              </p:par>
+                            </p:childTnLst>
+                          </p:cTn>
+                        </p:par>
+                      </p:childTnLst>
+                    </p:cTn>
+                  </p:par>
+                  <p:par>
+                    <p:cTn id="15" fill="hold">
+                      <p:stCondLst>
+                        <p:cond delay="indefinite"/>
+                      </p:stCondLst>
+                      <p:childTnLst>
+                        <p:par>
+                          <p:cTn id="16" fill="hold">
+                            <p:stCondLst>
+                              <p:cond delay="0"/>
+                            </p:stCondLst>
+                            <p:childTnLst>
+                              <p:par>
+                                <p:cTn id="17" presetID="1" presetClass="entr" presetSubtype="0" fill="hold" grpId="0" nodeType="clickEffect">
+                                  <p:stCondLst>
+                                    <p:cond delay="0"/>
+                                  </p:stCondLst>
+                                  <p:childTnLst>
+                                    <p:set>
+                                      <p:cBhvr>
+                                        <p:cTn id="18" dur="1" fill="hold">
+                                          <p:stCondLst>
+                                            <p:cond delay="0"/>
+                                          </p:stCondLst>
+                                        </p:cTn>
+                                        <p:tgtEl>
+                                          <p:spTgt spid="9"/>
+                                        </p:tgtEl>
+                                        <p:attrNameLst>
+                                          <p:attrName>style.visibility</p:attrName>
+                                        </p:attrNameLst>
+                                      </p:cBhvr>
+                                      <p:to>
+                                        <p:strVal val="visible"/>
+                                      </p:to>
+                                    </p:set>
+                                  </p:childTnLst>
+                                </p:cTn>
+                              </p:par>
+                            </p:childTnLst>
+                          </p:cTn>
+                        </p:par>
+                      </p:childTnLst>
+                    </p:cTn>
+                  </p:par>
+                  <p:par>
+                    <p:cTn id="19" fill="hold">
+                      <p:stCondLst>
+                        <p:cond delay="indefinite"/>
+                      </p:stCondLst>
+                      <p:childTnLst>
+                        <p:par>
+                          <p:cTn id="20" fill="hold">
+                            <p:stCondLst>
+                              <p:cond delay="0"/>
+                            </p:stCondLst>
+                            <p:childTnLst>
+                              <p:par>
+                                <p:cTn id="21" presetID="1" presetClass="entr" presetSubtype="0" fill="hold" nodeType="clickEffect">
+                                  <p:stCondLst>
+                                    <p:cond delay="0"/>
+                                  </p:stCondLst>
+                                  <p:childTnLst>
+                                    <p:set>
+                                      <p:cBhvr>
+                                        <p:cTn id="22" dur="1" fill="hold">
+                                          <p:stCondLst>
+                                            <p:cond delay="0"/>
+                                          </p:stCondLst>
+                                        </p:cTn>
+                                        <p:tgtEl>
+                                          <p:spTgt spid="10"/>
+                                        </p:tgtEl>
+                                        <p:attrNameLst>
+                                          <p:attrName>style.visibility</p:attrName>
+                                        </p:attrNameLst>
+                                      </p:cBhvr>
+                                      <p:to>
+                                        <p:strVal val="visible"/>
+                                      </p:to>
+                                    </p:set>
+                                  </p:childTnLst>
+                                </p:cTn>
+                              </p:par>
+                              <p:par>
+                                <p:cTn id="23" presetID="1" presetClass="entr" presetSubtype="0" fill="hold" grpId="0" nodeType="withEffect">
+                                  <p:stCondLst>
+                                    <p:cond delay="0"/>
+                                  </p:stCondLst>
+                                  <p:childTnLst>
+                                    <p:set>
+                                      <p:cBhvr>
+                                        <p:cTn id="24" dur="1" fill="hold">
+                                          <p:stCondLst>
+                                            <p:cond delay="0"/>
+                                          </p:stCondLst>
+                                        </p:cTn>
+                                        <p:tgtEl>
+                                          <p:spTgt spid="8"/>
+                                        </p:tgtEl>
+                                        <p:attrNameLst>
+                                          <p:attrName>style.visibility</p:attrName>
+                                        </p:attrNameLst>
+                                      </p:cBhvr>
+                                      <p:to>
+                                        <p:strVal val="visible"/>
+                                      </p:to>
+                                    </p:set>
+                                  </p:childTnLst>
+                                </p:cTn>
+                              </p:par>
+                            </p:childTnLst>
+                          </p:cTn>
+                        </p:par>
+                      </p:childTnLst>
+                    </p:cTn>
+                  </p:par>
+                </p:childTnLst>
+              </p:cTn>
+              <p:prevCondLst>
+                <p:cond evt="onPrev" delay="0">
+                  <p:tgtEl>
+                    <p:sldTgt/>
+                  </p:tgtEl>
+                </p:cond>
+              </p:prevCondLst>
+              <p:nextCondLst>
+                <p:cond evt="onNext" delay="0">
+                  <p:tgtEl>
+                    <p:sldTgt/>
+                  </p:tgtEl>
+                </p:cond>
+              </p:nextCondLst>
+            </p:seq>
+          </p:childTnLst>
+        </p:cTn>
       </p:par>
     </p:tnLst>
+    <p:bldLst>
+      <p:bldP spid="4" grpId="0"/>
+      <p:bldP spid="5" grpId="0"/>
+      <p:bldP spid="7" grpId="0"/>
+      <p:bldP spid="9" grpId="0"/>
+      <p:bldP spid="8" grpId="0"/>
+    </p:bldLst>
   </p:timing>
 </p:sld>
 </file>
@@ -9078,7 +9995,75 @@
   <p:timing>
     <p:tnLst>
       <p:par>
-        <p:cTn id="1" dur="indefinite" restart="never" nodeType="tmRoot"/>
+        <p:cTn id="1" dur="indefinite" restart="never" nodeType="tmRoot">
+          <p:childTnLst>
+            <p:seq concurrent="1" nextAc="seek">
+              <p:cTn id="2" dur="indefinite" nodeType="mainSeq">
+                <p:childTnLst>
+                  <p:par>
+                    <p:cTn id="3" fill="hold">
+                      <p:stCondLst>
+                        <p:cond delay="indefinite"/>
+                      </p:stCondLst>
+                      <p:childTnLst>
+                        <p:par>
+                          <p:cTn id="4" fill="hold">
+                            <p:stCondLst>
+                              <p:cond delay="0"/>
+                            </p:stCondLst>
+                            <p:childTnLst>
+                              <p:par>
+                                <p:cTn id="5" presetID="1" presetClass="entr" presetSubtype="0" fill="hold" nodeType="clickEffect">
+                                  <p:stCondLst>
+                                    <p:cond delay="0"/>
+                                  </p:stCondLst>
+                                  <p:childTnLst>
+                                    <p:set>
+                                      <p:cBhvr>
+                                        <p:cTn id="6" dur="1" fill="hold">
+                                          <p:stCondLst>
+                                            <p:cond delay="0"/>
+                                          </p:stCondLst>
+                                        </p:cTn>
+                                        <p:tgtEl>
+                                          <p:spTgt spid="3074"/>
+                                        </p:tgtEl>
+                                        <p:attrNameLst>
+                                          <p:attrName>style.visibility</p:attrName>
+                                        </p:attrNameLst>
+                                      </p:cBhvr>
+                                      <p:to>
+                                        <p:strVal val="visible"/>
+                                      </p:to>
+                                    </p:set>
+                                  </p:childTnLst>
+                                </p:cTn>
+                              </p:par>
+                            </p:childTnLst>
+                          </p:cTn>
+                        </p:par>
+                      </p:childTnLst>
+                    </p:cTn>
+                  </p:par>
+                </p:childTnLst>
+              </p:cTn>
+              <p:prevCondLst>
+                <p:cond evt="onPrev" delay="0">
+                  <p:tgtEl>
+                    <p:sldTgt/>
+                  </p:tgtEl>
+                </p:cond>
+              </p:prevCondLst>
+              <p:nextCondLst>
+                <p:cond evt="onNext" delay="0">
+                  <p:tgtEl>
+                    <p:sldTgt/>
+                  </p:tgtEl>
+                </p:cond>
+              </p:nextCondLst>
+            </p:seq>
+          </p:childTnLst>
+        </p:cTn>
       </p:par>
     </p:tnLst>
   </p:timing>
@@ -9086,6 +10071,1444 @@
 </file>
 
 <file path=ppt/slides/slide6.xml><?xml version="1.0" encoding="utf-8"?>
+<p:sld xmlns:a="http://schemas.openxmlformats.org/drawingml/2006/main" xmlns:r="http://schemas.openxmlformats.org/officeDocument/2006/relationships" xmlns:p="http://schemas.openxmlformats.org/presentationml/2006/main">
+  <p:cSld>
+    <p:spTree>
+      <p:nvGrpSpPr>
+        <p:cNvPr id="1" name=""/>
+        <p:cNvGrpSpPr/>
+        <p:nvPr/>
+      </p:nvGrpSpPr>
+      <p:grpSpPr>
+        <a:xfrm>
+          <a:off x="0" y="0"/>
+          <a:ext cx="0" cy="0"/>
+          <a:chOff x="0" y="0"/>
+          <a:chExt cx="0" cy="0"/>
+        </a:xfrm>
+      </p:grpSpPr>
+      <p:sp>
+        <p:nvSpPr>
+          <p:cNvPr id="2" name="Title 1"/>
+          <p:cNvSpPr>
+            <a:spLocks noGrp="1"/>
+          </p:cNvSpPr>
+          <p:nvPr>
+            <p:ph type="title"/>
+          </p:nvPr>
+        </p:nvSpPr>
+        <p:spPr/>
+        <p:txBody>
+          <a:bodyPr>
+            <a:normAutofit/>
+          </a:bodyPr>
+          <a:lstStyle/>
+          <a:p>
+            <a:r>
+              <a:rPr lang="en-US" dirty="0" smtClean="0">
+                <a:latin typeface="Courier New" panose="02070309020205020404" pitchFamily="49" charset="0"/>
+                <a:cs typeface="Courier New" panose="02070309020205020404" pitchFamily="49" charset="0"/>
+              </a:rPr>
+              <a:t>service / factory</a:t>
+            </a:r>
+            <a:endParaRPr lang="ru-RU" dirty="0">
+              <a:latin typeface="Courier New" panose="02070309020205020404" pitchFamily="49" charset="0"/>
+              <a:cs typeface="Courier New" panose="02070309020205020404" pitchFamily="49" charset="0"/>
+            </a:endParaRPr>
+          </a:p>
+        </p:txBody>
+      </p:sp>
+      <p:sp>
+        <p:nvSpPr>
+          <p:cNvPr id="4" name="Rectangle 4"/>
+          <p:cNvSpPr>
+            <a:spLocks noChangeArrowheads="1"/>
+          </p:cNvSpPr>
+          <p:nvPr/>
+        </p:nvSpPr>
+        <p:spPr bwMode="auto">
+          <a:xfrm>
+            <a:off x="4724400" y="2317653"/>
+            <a:ext cx="4038600" cy="1910880"/>
+          </a:xfrm>
+          <a:prstGeom prst="rect">
+            <a:avLst/>
+          </a:prstGeom>
+          <a:solidFill>
+            <a:srgbClr val="F5F2F0"/>
+          </a:solidFill>
+          <a:ln>
+            <a:noFill/>
+          </a:ln>
+          <a:effectLst/>
+          <a:extLst>
+            <a:ext uri="{91240B29-F687-4F45-9708-019B960494DF}">
+              <a14:hiddenLine xmlns:a14="http://schemas.microsoft.com/office/drawing/2010/main" w="9525">
+                <a:solidFill>
+                  <a:schemeClr val="tx1"/>
+                </a:solidFill>
+                <a:miter lim="800000"/>
+                <a:headEnd/>
+                <a:tailEnd/>
+              </a14:hiddenLine>
+            </a:ext>
+            <a:ext uri="{AF507438-7753-43E0-B8FC-AC1667EBCBE1}">
+              <a14:hiddenEffects xmlns:a14="http://schemas.microsoft.com/office/drawing/2010/main">
+                <a:effectLst>
+                  <a:outerShdw dist="35921" dir="2700000" algn="ctr" rotWithShape="0">
+                    <a:schemeClr val="bg2"/>
+                  </a:outerShdw>
+                </a:effectLst>
+              </a14:hiddenEffects>
+            </a:ext>
+          </a:extLst>
+        </p:spPr>
+        <p:txBody>
+          <a:bodyPr vert="horz" wrap="square" lIns="108000" tIns="108000" rIns="108000" bIns="108000" numCol="1" anchor="ctr" anchorCtr="0" compatLnSpc="1">
+            <a:prstTxWarp prst="textNoShape">
+              <a:avLst/>
+            </a:prstTxWarp>
+            <a:spAutoFit/>
+          </a:bodyPr>
+          <a:lstStyle/>
+          <a:p>
+            <a:pPr lvl="0" eaLnBrk="0" fontAlgn="base" hangingPunct="0">
+              <a:spcBef>
+                <a:spcPct val="0"/>
+              </a:spcBef>
+              <a:spcAft>
+                <a:spcPct val="0"/>
+              </a:spcAft>
+            </a:pPr>
+            <a:r>
+              <a:rPr lang="en-US" altLang="en-US" sz="1100" b="1" i="1" dirty="0" err="1">
+                <a:solidFill>
+                  <a:srgbClr val="660E7A"/>
+                </a:solidFill>
+                <a:latin typeface="Courier New" panose="02070309020205020404" pitchFamily="49" charset="0"/>
+                <a:cs typeface="Courier New" panose="02070309020205020404" pitchFamily="49" charset="0"/>
+              </a:rPr>
+              <a:t>app</a:t>
+            </a:r>
+            <a:r>
+              <a:rPr lang="en-US" altLang="en-US" sz="1100" dirty="0" err="1">
+                <a:solidFill>
+                  <a:srgbClr val="000000"/>
+                </a:solidFill>
+                <a:latin typeface="Courier New" panose="02070309020205020404" pitchFamily="49" charset="0"/>
+                <a:cs typeface="Courier New" panose="02070309020205020404" pitchFamily="49" charset="0"/>
+              </a:rPr>
+              <a:t>.</a:t>
+            </a:r>
+            <a:r>
+              <a:rPr lang="en-US" altLang="en-US" sz="1100" b="1" dirty="0" err="1">
+                <a:solidFill>
+                  <a:srgbClr val="660E7A"/>
+                </a:solidFill>
+                <a:latin typeface="Courier New" panose="02070309020205020404" pitchFamily="49" charset="0"/>
+                <a:cs typeface="Courier New" panose="02070309020205020404" pitchFamily="49" charset="0"/>
+              </a:rPr>
+              <a:t>factory</a:t>
+            </a:r>
+            <a:r>
+              <a:rPr lang="en-US" altLang="en-US" sz="1100" dirty="0">
+                <a:solidFill>
+                  <a:srgbClr val="000000"/>
+                </a:solidFill>
+                <a:latin typeface="Courier New" panose="02070309020205020404" pitchFamily="49" charset="0"/>
+                <a:cs typeface="Courier New" panose="02070309020205020404" pitchFamily="49" charset="0"/>
+              </a:rPr>
+              <a:t>(</a:t>
+            </a:r>
+            <a:r>
+              <a:rPr lang="en-US" altLang="en-US" sz="1100" b="1" dirty="0">
+                <a:solidFill>
+                  <a:srgbClr val="008000"/>
+                </a:solidFill>
+                <a:latin typeface="Courier New" panose="02070309020205020404" pitchFamily="49" charset="0"/>
+                <a:cs typeface="Courier New" panose="02070309020205020404" pitchFamily="49" charset="0"/>
+              </a:rPr>
+              <a:t>'</a:t>
+            </a:r>
+            <a:r>
+              <a:rPr lang="en-US" altLang="en-US" sz="1100" b="1" dirty="0" err="1">
+                <a:solidFill>
+                  <a:srgbClr val="008000"/>
+                </a:solidFill>
+                <a:latin typeface="Courier New" panose="02070309020205020404" pitchFamily="49" charset="0"/>
+                <a:cs typeface="Courier New" panose="02070309020205020404" pitchFamily="49" charset="0"/>
+              </a:rPr>
+              <a:t>myFactory</a:t>
+            </a:r>
+            <a:r>
+              <a:rPr lang="en-US" altLang="en-US" sz="1100" b="1" dirty="0">
+                <a:solidFill>
+                  <a:srgbClr val="008000"/>
+                </a:solidFill>
+                <a:latin typeface="Courier New" panose="02070309020205020404" pitchFamily="49" charset="0"/>
+                <a:cs typeface="Courier New" panose="02070309020205020404" pitchFamily="49" charset="0"/>
+              </a:rPr>
+              <a:t>'</a:t>
+            </a:r>
+            <a:r>
+              <a:rPr lang="en-US" altLang="en-US" sz="1100" dirty="0">
+                <a:solidFill>
+                  <a:srgbClr val="000000"/>
+                </a:solidFill>
+                <a:latin typeface="Courier New" panose="02070309020205020404" pitchFamily="49" charset="0"/>
+                <a:cs typeface="Courier New" panose="02070309020205020404" pitchFamily="49" charset="0"/>
+              </a:rPr>
+              <a:t>, </a:t>
+            </a:r>
+            <a:r>
+              <a:rPr lang="en-US" altLang="en-US" sz="1100" b="1" dirty="0">
+                <a:solidFill>
+                  <a:srgbClr val="000080"/>
+                </a:solidFill>
+                <a:latin typeface="Courier New" panose="02070309020205020404" pitchFamily="49" charset="0"/>
+                <a:cs typeface="Courier New" panose="02070309020205020404" pitchFamily="49" charset="0"/>
+              </a:rPr>
+              <a:t>function</a:t>
+            </a:r>
+            <a:r>
+              <a:rPr lang="en-US" altLang="en-US" sz="1100" dirty="0">
+                <a:solidFill>
+                  <a:srgbClr val="000000"/>
+                </a:solidFill>
+                <a:latin typeface="Courier New" panose="02070309020205020404" pitchFamily="49" charset="0"/>
+                <a:cs typeface="Courier New" panose="02070309020205020404" pitchFamily="49" charset="0"/>
+              </a:rPr>
+              <a:t>() </a:t>
+            </a:r>
+            <a:r>
+              <a:rPr lang="en-US" altLang="en-US" sz="1100" dirty="0" smtClean="0">
+                <a:solidFill>
+                  <a:srgbClr val="000000"/>
+                </a:solidFill>
+                <a:latin typeface="Courier New" panose="02070309020205020404" pitchFamily="49" charset="0"/>
+                <a:cs typeface="Courier New" panose="02070309020205020404" pitchFamily="49" charset="0"/>
+              </a:rPr>
+              <a:t>{</a:t>
+            </a:r>
+            <a:r>
+              <a:rPr lang="en-US" altLang="en-US" sz="1100" dirty="0">
+                <a:solidFill>
+                  <a:srgbClr val="000000"/>
+                </a:solidFill>
+                <a:latin typeface="Courier New" panose="02070309020205020404" pitchFamily="49" charset="0"/>
+                <a:cs typeface="Courier New" panose="02070309020205020404" pitchFamily="49" charset="0"/>
+              </a:rPr>
+              <a:t/>
+            </a:r>
+            <a:br>
+              <a:rPr lang="en-US" altLang="en-US" sz="1100" dirty="0">
+                <a:solidFill>
+                  <a:srgbClr val="000000"/>
+                </a:solidFill>
+                <a:latin typeface="Courier New" panose="02070309020205020404" pitchFamily="49" charset="0"/>
+                <a:cs typeface="Courier New" panose="02070309020205020404" pitchFamily="49" charset="0"/>
+              </a:rPr>
+            </a:br>
+            <a:r>
+              <a:rPr lang="en-US" altLang="en-US" sz="1100" dirty="0">
+                <a:solidFill>
+                  <a:srgbClr val="000000"/>
+                </a:solidFill>
+                <a:latin typeface="Courier New" panose="02070309020205020404" pitchFamily="49" charset="0"/>
+                <a:cs typeface="Courier New" panose="02070309020205020404" pitchFamily="49" charset="0"/>
+              </a:rPr>
+              <a:t>    </a:t>
+            </a:r>
+            <a:r>
+              <a:rPr lang="en-US" altLang="en-US" sz="1100" i="1" dirty="0">
+                <a:solidFill>
+                  <a:srgbClr val="808080"/>
+                </a:solidFill>
+                <a:latin typeface="Courier New" panose="02070309020205020404" pitchFamily="49" charset="0"/>
+                <a:cs typeface="Courier New" panose="02070309020205020404" pitchFamily="49" charset="0"/>
+              </a:rPr>
+              <a:t>// factory returns an object</a:t>
+            </a:r>
+            <a:br>
+              <a:rPr lang="en-US" altLang="en-US" sz="1100" i="1" dirty="0">
+                <a:solidFill>
+                  <a:srgbClr val="808080"/>
+                </a:solidFill>
+                <a:latin typeface="Courier New" panose="02070309020205020404" pitchFamily="49" charset="0"/>
+                <a:cs typeface="Courier New" panose="02070309020205020404" pitchFamily="49" charset="0"/>
+              </a:rPr>
+            </a:br>
+            <a:r>
+              <a:rPr lang="en-US" altLang="en-US" sz="1100" i="1" dirty="0">
+                <a:solidFill>
+                  <a:srgbClr val="808080"/>
+                </a:solidFill>
+                <a:latin typeface="Courier New" panose="02070309020205020404" pitchFamily="49" charset="0"/>
+                <a:cs typeface="Courier New" panose="02070309020205020404" pitchFamily="49" charset="0"/>
+              </a:rPr>
+              <a:t>    // you can run some code before</a:t>
+            </a:r>
+            <a:br>
+              <a:rPr lang="en-US" altLang="en-US" sz="1100" i="1" dirty="0">
+                <a:solidFill>
+                  <a:srgbClr val="808080"/>
+                </a:solidFill>
+                <a:latin typeface="Courier New" panose="02070309020205020404" pitchFamily="49" charset="0"/>
+                <a:cs typeface="Courier New" panose="02070309020205020404" pitchFamily="49" charset="0"/>
+              </a:rPr>
+            </a:br>
+            <a:r>
+              <a:rPr lang="en-US" altLang="en-US" sz="1100" i="1" dirty="0">
+                <a:solidFill>
+                  <a:srgbClr val="808080"/>
+                </a:solidFill>
+                <a:latin typeface="Courier New" panose="02070309020205020404" pitchFamily="49" charset="0"/>
+                <a:cs typeface="Courier New" panose="02070309020205020404" pitchFamily="49" charset="0"/>
+              </a:rPr>
+              <a:t/>
+            </a:r>
+            <a:br>
+              <a:rPr lang="en-US" altLang="en-US" sz="1100" i="1" dirty="0">
+                <a:solidFill>
+                  <a:srgbClr val="808080"/>
+                </a:solidFill>
+                <a:latin typeface="Courier New" panose="02070309020205020404" pitchFamily="49" charset="0"/>
+                <a:cs typeface="Courier New" panose="02070309020205020404" pitchFamily="49" charset="0"/>
+              </a:rPr>
+            </a:br>
+            <a:r>
+              <a:rPr lang="en-US" altLang="en-US" sz="1100" i="1" dirty="0">
+                <a:solidFill>
+                  <a:srgbClr val="808080"/>
+                </a:solidFill>
+                <a:latin typeface="Courier New" panose="02070309020205020404" pitchFamily="49" charset="0"/>
+                <a:cs typeface="Courier New" panose="02070309020205020404" pitchFamily="49" charset="0"/>
+              </a:rPr>
+              <a:t>    </a:t>
+            </a:r>
+            <a:r>
+              <a:rPr lang="en-US" altLang="en-US" sz="1100" b="1" dirty="0">
+                <a:solidFill>
+                  <a:srgbClr val="000080"/>
+                </a:solidFill>
+                <a:latin typeface="Courier New" panose="02070309020205020404" pitchFamily="49" charset="0"/>
+                <a:cs typeface="Courier New" panose="02070309020205020404" pitchFamily="49" charset="0"/>
+              </a:rPr>
+              <a:t>return </a:t>
+            </a:r>
+            <a:r>
+              <a:rPr lang="en-US" altLang="en-US" sz="1100" dirty="0">
+                <a:solidFill>
+                  <a:srgbClr val="000000"/>
+                </a:solidFill>
+                <a:latin typeface="Courier New" panose="02070309020205020404" pitchFamily="49" charset="0"/>
+                <a:cs typeface="Courier New" panose="02070309020205020404" pitchFamily="49" charset="0"/>
+              </a:rPr>
+              <a:t>{</a:t>
+            </a:r>
+            <a:br>
+              <a:rPr lang="en-US" altLang="en-US" sz="1100" dirty="0">
+                <a:solidFill>
+                  <a:srgbClr val="000000"/>
+                </a:solidFill>
+                <a:latin typeface="Courier New" panose="02070309020205020404" pitchFamily="49" charset="0"/>
+                <a:cs typeface="Courier New" panose="02070309020205020404" pitchFamily="49" charset="0"/>
+              </a:rPr>
+            </a:br>
+            <a:r>
+              <a:rPr lang="en-US" altLang="en-US" sz="1100" dirty="0">
+                <a:solidFill>
+                  <a:srgbClr val="000000"/>
+                </a:solidFill>
+                <a:latin typeface="Courier New" panose="02070309020205020404" pitchFamily="49" charset="0"/>
+                <a:cs typeface="Courier New" panose="02070309020205020404" pitchFamily="49" charset="0"/>
+              </a:rPr>
+              <a:t>        </a:t>
+            </a:r>
+            <a:r>
+              <a:rPr lang="en-US" altLang="en-US" sz="1100" dirty="0" err="1">
+                <a:solidFill>
+                  <a:srgbClr val="7A7A43"/>
+                </a:solidFill>
+                <a:latin typeface="Courier New" panose="02070309020205020404" pitchFamily="49" charset="0"/>
+                <a:cs typeface="Courier New" panose="02070309020205020404" pitchFamily="49" charset="0"/>
+              </a:rPr>
+              <a:t>sayHello</a:t>
+            </a:r>
+            <a:r>
+              <a:rPr lang="en-US" altLang="en-US" sz="1100" dirty="0">
+                <a:solidFill>
+                  <a:srgbClr val="7A7A43"/>
+                </a:solidFill>
+                <a:latin typeface="Courier New" panose="02070309020205020404" pitchFamily="49" charset="0"/>
+                <a:cs typeface="Courier New" panose="02070309020205020404" pitchFamily="49" charset="0"/>
+              </a:rPr>
+              <a:t> </a:t>
+            </a:r>
+            <a:r>
+              <a:rPr lang="en-US" altLang="en-US" sz="1100" dirty="0">
+                <a:solidFill>
+                  <a:srgbClr val="000000"/>
+                </a:solidFill>
+                <a:latin typeface="Courier New" panose="02070309020205020404" pitchFamily="49" charset="0"/>
+                <a:cs typeface="Courier New" panose="02070309020205020404" pitchFamily="49" charset="0"/>
+              </a:rPr>
+              <a:t>: </a:t>
+            </a:r>
+            <a:r>
+              <a:rPr lang="en-US" altLang="en-US" sz="1100" b="1" dirty="0">
+                <a:solidFill>
+                  <a:srgbClr val="000080"/>
+                </a:solidFill>
+                <a:latin typeface="Courier New" panose="02070309020205020404" pitchFamily="49" charset="0"/>
+                <a:cs typeface="Courier New" panose="02070309020205020404" pitchFamily="49" charset="0"/>
+              </a:rPr>
+              <a:t>function</a:t>
+            </a:r>
+            <a:r>
+              <a:rPr lang="en-US" altLang="en-US" sz="1100" dirty="0">
+                <a:solidFill>
+                  <a:srgbClr val="000000"/>
+                </a:solidFill>
+                <a:latin typeface="Courier New" panose="02070309020205020404" pitchFamily="49" charset="0"/>
+                <a:cs typeface="Courier New" panose="02070309020205020404" pitchFamily="49" charset="0"/>
+              </a:rPr>
+              <a:t>(name) {</a:t>
+            </a:r>
+            <a:br>
+              <a:rPr lang="en-US" altLang="en-US" sz="1100" dirty="0">
+                <a:solidFill>
+                  <a:srgbClr val="000000"/>
+                </a:solidFill>
+                <a:latin typeface="Courier New" panose="02070309020205020404" pitchFamily="49" charset="0"/>
+                <a:cs typeface="Courier New" panose="02070309020205020404" pitchFamily="49" charset="0"/>
+              </a:rPr>
+            </a:br>
+            <a:r>
+              <a:rPr lang="en-US" altLang="en-US" sz="1100" dirty="0">
+                <a:solidFill>
+                  <a:srgbClr val="000000"/>
+                </a:solidFill>
+                <a:latin typeface="Courier New" panose="02070309020205020404" pitchFamily="49" charset="0"/>
+                <a:cs typeface="Courier New" panose="02070309020205020404" pitchFamily="49" charset="0"/>
+              </a:rPr>
+              <a:t>            </a:t>
+            </a:r>
+            <a:r>
+              <a:rPr lang="en-US" altLang="en-US" sz="1100" b="1" dirty="0">
+                <a:solidFill>
+                  <a:srgbClr val="000080"/>
+                </a:solidFill>
+                <a:latin typeface="Courier New" panose="02070309020205020404" pitchFamily="49" charset="0"/>
+                <a:cs typeface="Courier New" panose="02070309020205020404" pitchFamily="49" charset="0"/>
+              </a:rPr>
+              <a:t>return </a:t>
+            </a:r>
+            <a:r>
+              <a:rPr lang="en-US" altLang="en-US" sz="1100" b="1" dirty="0">
+                <a:solidFill>
+                  <a:srgbClr val="008000"/>
+                </a:solidFill>
+                <a:latin typeface="Courier New" panose="02070309020205020404" pitchFamily="49" charset="0"/>
+                <a:cs typeface="Courier New" panose="02070309020205020404" pitchFamily="49" charset="0"/>
+              </a:rPr>
+              <a:t>"Hi " </a:t>
+            </a:r>
+            <a:r>
+              <a:rPr lang="en-US" altLang="en-US" sz="1100" dirty="0">
+                <a:solidFill>
+                  <a:srgbClr val="000000"/>
+                </a:solidFill>
+                <a:latin typeface="Courier New" panose="02070309020205020404" pitchFamily="49" charset="0"/>
+                <a:cs typeface="Courier New" panose="02070309020205020404" pitchFamily="49" charset="0"/>
+              </a:rPr>
+              <a:t>+ name + </a:t>
+            </a:r>
+            <a:r>
+              <a:rPr lang="en-US" altLang="en-US" sz="1100" b="1" dirty="0">
+                <a:solidFill>
+                  <a:srgbClr val="008000"/>
+                </a:solidFill>
+                <a:latin typeface="Courier New" panose="02070309020205020404" pitchFamily="49" charset="0"/>
+                <a:cs typeface="Courier New" panose="02070309020205020404" pitchFamily="49" charset="0"/>
+              </a:rPr>
+              <a:t>"!"</a:t>
+            </a:r>
+            <a:r>
+              <a:rPr lang="en-US" altLang="en-US" sz="1100" dirty="0">
+                <a:solidFill>
+                  <a:srgbClr val="000000"/>
+                </a:solidFill>
+                <a:latin typeface="Courier New" panose="02070309020205020404" pitchFamily="49" charset="0"/>
+                <a:cs typeface="Courier New" panose="02070309020205020404" pitchFamily="49" charset="0"/>
+              </a:rPr>
+              <a:t>;</a:t>
+            </a:r>
+            <a:br>
+              <a:rPr lang="en-US" altLang="en-US" sz="1100" dirty="0">
+                <a:solidFill>
+                  <a:srgbClr val="000000"/>
+                </a:solidFill>
+                <a:latin typeface="Courier New" panose="02070309020205020404" pitchFamily="49" charset="0"/>
+                <a:cs typeface="Courier New" panose="02070309020205020404" pitchFamily="49" charset="0"/>
+              </a:rPr>
+            </a:br>
+            <a:r>
+              <a:rPr lang="en-US" altLang="en-US" sz="1100" dirty="0">
+                <a:solidFill>
+                  <a:srgbClr val="000000"/>
+                </a:solidFill>
+                <a:latin typeface="Courier New" panose="02070309020205020404" pitchFamily="49" charset="0"/>
+                <a:cs typeface="Courier New" panose="02070309020205020404" pitchFamily="49" charset="0"/>
+              </a:rPr>
+              <a:t>        }</a:t>
+            </a:r>
+            <a:br>
+              <a:rPr lang="en-US" altLang="en-US" sz="1100" dirty="0">
+                <a:solidFill>
+                  <a:srgbClr val="000000"/>
+                </a:solidFill>
+                <a:latin typeface="Courier New" panose="02070309020205020404" pitchFamily="49" charset="0"/>
+                <a:cs typeface="Courier New" panose="02070309020205020404" pitchFamily="49" charset="0"/>
+              </a:rPr>
+            </a:br>
+            <a:r>
+              <a:rPr lang="en-US" altLang="en-US" sz="1100" dirty="0">
+                <a:solidFill>
+                  <a:srgbClr val="000000"/>
+                </a:solidFill>
+                <a:latin typeface="Courier New" panose="02070309020205020404" pitchFamily="49" charset="0"/>
+                <a:cs typeface="Courier New" panose="02070309020205020404" pitchFamily="49" charset="0"/>
+              </a:rPr>
+              <a:t>    }</a:t>
+            </a:r>
+            <a:br>
+              <a:rPr lang="en-US" altLang="en-US" sz="1100" dirty="0">
+                <a:solidFill>
+                  <a:srgbClr val="000000"/>
+                </a:solidFill>
+                <a:latin typeface="Courier New" panose="02070309020205020404" pitchFamily="49" charset="0"/>
+                <a:cs typeface="Courier New" panose="02070309020205020404" pitchFamily="49" charset="0"/>
+              </a:rPr>
+            </a:br>
+            <a:r>
+              <a:rPr lang="en-US" altLang="en-US" sz="1100" dirty="0">
+                <a:solidFill>
+                  <a:srgbClr val="000000"/>
+                </a:solidFill>
+                <a:latin typeface="Courier New" panose="02070309020205020404" pitchFamily="49" charset="0"/>
+                <a:cs typeface="Courier New" panose="02070309020205020404" pitchFamily="49" charset="0"/>
+              </a:rPr>
+              <a:t>});</a:t>
+            </a:r>
+            <a:endParaRPr lang="en-US" altLang="en-US" sz="2400" dirty="0">
+              <a:latin typeface="Arial" panose="020B0604020202020204" pitchFamily="34" charset="0"/>
+            </a:endParaRPr>
+          </a:p>
+        </p:txBody>
+      </p:sp>
+      <p:sp>
+        <p:nvSpPr>
+          <p:cNvPr id="5" name="Rectangle 4"/>
+          <p:cNvSpPr>
+            <a:spLocks noChangeArrowheads="1"/>
+          </p:cNvSpPr>
+          <p:nvPr/>
+        </p:nvSpPr>
+        <p:spPr bwMode="auto">
+          <a:xfrm>
+            <a:off x="421934" y="2486930"/>
+            <a:ext cx="3581400" cy="1741603"/>
+          </a:xfrm>
+          <a:prstGeom prst="rect">
+            <a:avLst/>
+          </a:prstGeom>
+          <a:solidFill>
+            <a:srgbClr val="F5F2F0"/>
+          </a:solidFill>
+          <a:ln>
+            <a:noFill/>
+          </a:ln>
+          <a:effectLst/>
+          <a:extLst>
+            <a:ext uri="{91240B29-F687-4F45-9708-019B960494DF}">
+              <a14:hiddenLine xmlns:a14="http://schemas.microsoft.com/office/drawing/2010/main" w="9525">
+                <a:solidFill>
+                  <a:schemeClr val="tx1"/>
+                </a:solidFill>
+                <a:miter lim="800000"/>
+                <a:headEnd/>
+                <a:tailEnd/>
+              </a14:hiddenLine>
+            </a:ext>
+            <a:ext uri="{AF507438-7753-43E0-B8FC-AC1667EBCBE1}">
+              <a14:hiddenEffects xmlns:a14="http://schemas.microsoft.com/office/drawing/2010/main">
+                <a:effectLst>
+                  <a:outerShdw dist="35921" dir="2700000" algn="ctr" rotWithShape="0">
+                    <a:schemeClr val="bg2"/>
+                  </a:outerShdw>
+                </a:effectLst>
+              </a14:hiddenEffects>
+            </a:ext>
+          </a:extLst>
+        </p:spPr>
+        <p:txBody>
+          <a:bodyPr vert="horz" wrap="square" lIns="108000" tIns="108000" rIns="108000" bIns="108000" numCol="1" anchor="ctr" anchorCtr="0" compatLnSpc="1">
+            <a:prstTxWarp prst="textNoShape">
+              <a:avLst/>
+            </a:prstTxWarp>
+            <a:spAutoFit/>
+          </a:bodyPr>
+          <a:lstStyle/>
+          <a:p>
+            <a:pPr lvl="0" eaLnBrk="0" fontAlgn="base" hangingPunct="0">
+              <a:spcBef>
+                <a:spcPct val="0"/>
+              </a:spcBef>
+              <a:spcAft>
+                <a:spcPct val="0"/>
+              </a:spcAft>
+            </a:pPr>
+            <a:r>
+              <a:rPr lang="en-US" altLang="en-US" sz="1100" b="1" i="1" dirty="0" err="1">
+                <a:solidFill>
+                  <a:srgbClr val="660E7A"/>
+                </a:solidFill>
+                <a:latin typeface="Courier New" panose="02070309020205020404" pitchFamily="49" charset="0"/>
+                <a:cs typeface="Courier New" panose="02070309020205020404" pitchFamily="49" charset="0"/>
+              </a:rPr>
+              <a:t>app</a:t>
+            </a:r>
+            <a:r>
+              <a:rPr lang="en-US" altLang="en-US" sz="1100" dirty="0" err="1">
+                <a:solidFill>
+                  <a:srgbClr val="000000"/>
+                </a:solidFill>
+                <a:latin typeface="Courier New" panose="02070309020205020404" pitchFamily="49" charset="0"/>
+                <a:cs typeface="Courier New" panose="02070309020205020404" pitchFamily="49" charset="0"/>
+              </a:rPr>
+              <a:t>.</a:t>
+            </a:r>
+            <a:r>
+              <a:rPr lang="en-US" altLang="en-US" sz="1100" b="1" dirty="0" err="1">
+                <a:solidFill>
+                  <a:srgbClr val="660E7A"/>
+                </a:solidFill>
+                <a:latin typeface="Courier New" panose="02070309020205020404" pitchFamily="49" charset="0"/>
+                <a:cs typeface="Courier New" panose="02070309020205020404" pitchFamily="49" charset="0"/>
+              </a:rPr>
+              <a:t>service</a:t>
+            </a:r>
+            <a:r>
+              <a:rPr lang="en-US" altLang="en-US" sz="1100" dirty="0">
+                <a:solidFill>
+                  <a:srgbClr val="000000"/>
+                </a:solidFill>
+                <a:latin typeface="Courier New" panose="02070309020205020404" pitchFamily="49" charset="0"/>
+                <a:cs typeface="Courier New" panose="02070309020205020404" pitchFamily="49" charset="0"/>
+              </a:rPr>
+              <a:t>(</a:t>
+            </a:r>
+            <a:r>
+              <a:rPr lang="en-US" altLang="en-US" sz="1100" b="1" dirty="0">
+                <a:solidFill>
+                  <a:srgbClr val="008000"/>
+                </a:solidFill>
+                <a:latin typeface="Courier New" panose="02070309020205020404" pitchFamily="49" charset="0"/>
+                <a:cs typeface="Courier New" panose="02070309020205020404" pitchFamily="49" charset="0"/>
+              </a:rPr>
+              <a:t>'</a:t>
+            </a:r>
+            <a:r>
+              <a:rPr lang="en-US" altLang="en-US" sz="1100" b="1" dirty="0" err="1">
+                <a:solidFill>
+                  <a:srgbClr val="008000"/>
+                </a:solidFill>
+                <a:latin typeface="Courier New" panose="02070309020205020404" pitchFamily="49" charset="0"/>
+                <a:cs typeface="Courier New" panose="02070309020205020404" pitchFamily="49" charset="0"/>
+              </a:rPr>
+              <a:t>myService</a:t>
+            </a:r>
+            <a:r>
+              <a:rPr lang="en-US" altLang="en-US" sz="1100" b="1" dirty="0">
+                <a:solidFill>
+                  <a:srgbClr val="008000"/>
+                </a:solidFill>
+                <a:latin typeface="Courier New" panose="02070309020205020404" pitchFamily="49" charset="0"/>
+                <a:cs typeface="Courier New" panose="02070309020205020404" pitchFamily="49" charset="0"/>
+              </a:rPr>
+              <a:t>'</a:t>
+            </a:r>
+            <a:r>
+              <a:rPr lang="en-US" altLang="en-US" sz="1100" dirty="0">
+                <a:solidFill>
+                  <a:srgbClr val="000000"/>
+                </a:solidFill>
+                <a:latin typeface="Courier New" panose="02070309020205020404" pitchFamily="49" charset="0"/>
+                <a:cs typeface="Courier New" panose="02070309020205020404" pitchFamily="49" charset="0"/>
+              </a:rPr>
+              <a:t>, </a:t>
+            </a:r>
+            <a:r>
+              <a:rPr lang="en-US" altLang="en-US" sz="1100" b="1" dirty="0">
+                <a:solidFill>
+                  <a:srgbClr val="000080"/>
+                </a:solidFill>
+                <a:latin typeface="Courier New" panose="02070309020205020404" pitchFamily="49" charset="0"/>
+                <a:cs typeface="Courier New" panose="02070309020205020404" pitchFamily="49" charset="0"/>
+              </a:rPr>
+              <a:t>function</a:t>
+            </a:r>
+            <a:r>
+              <a:rPr lang="en-US" altLang="en-US" sz="1100" dirty="0">
+                <a:solidFill>
+                  <a:srgbClr val="000000"/>
+                </a:solidFill>
+                <a:latin typeface="Courier New" panose="02070309020205020404" pitchFamily="49" charset="0"/>
+                <a:cs typeface="Courier New" panose="02070309020205020404" pitchFamily="49" charset="0"/>
+              </a:rPr>
+              <a:t>() </a:t>
+            </a:r>
+            <a:r>
+              <a:rPr lang="en-US" altLang="en-US" sz="1100" dirty="0" smtClean="0">
+                <a:solidFill>
+                  <a:srgbClr val="000000"/>
+                </a:solidFill>
+                <a:latin typeface="Courier New" panose="02070309020205020404" pitchFamily="49" charset="0"/>
+                <a:cs typeface="Courier New" panose="02070309020205020404" pitchFamily="49" charset="0"/>
+              </a:rPr>
+              <a:t>{</a:t>
+            </a:r>
+            <a:r>
+              <a:rPr lang="en-US" altLang="en-US" sz="1100" dirty="0">
+                <a:solidFill>
+                  <a:srgbClr val="000000"/>
+                </a:solidFill>
+                <a:latin typeface="Courier New" panose="02070309020205020404" pitchFamily="49" charset="0"/>
+                <a:cs typeface="Courier New" panose="02070309020205020404" pitchFamily="49" charset="0"/>
+              </a:rPr>
+              <a:t/>
+            </a:r>
+            <a:br>
+              <a:rPr lang="en-US" altLang="en-US" sz="1100" dirty="0">
+                <a:solidFill>
+                  <a:srgbClr val="000000"/>
+                </a:solidFill>
+                <a:latin typeface="Courier New" panose="02070309020205020404" pitchFamily="49" charset="0"/>
+                <a:cs typeface="Courier New" panose="02070309020205020404" pitchFamily="49" charset="0"/>
+              </a:rPr>
+            </a:br>
+            <a:r>
+              <a:rPr lang="en-US" altLang="en-US" sz="1100" dirty="0">
+                <a:solidFill>
+                  <a:srgbClr val="000000"/>
+                </a:solidFill>
+                <a:latin typeface="Courier New" panose="02070309020205020404" pitchFamily="49" charset="0"/>
+                <a:cs typeface="Courier New" panose="02070309020205020404" pitchFamily="49" charset="0"/>
+              </a:rPr>
+              <a:t>    </a:t>
+            </a:r>
+            <a:r>
+              <a:rPr lang="en-US" altLang="en-US" sz="1100" i="1" dirty="0">
+                <a:solidFill>
+                  <a:srgbClr val="808080"/>
+                </a:solidFill>
+                <a:latin typeface="Courier New" panose="02070309020205020404" pitchFamily="49" charset="0"/>
+                <a:cs typeface="Courier New" panose="02070309020205020404" pitchFamily="49" charset="0"/>
+              </a:rPr>
+              <a:t>// service is just a constructor function</a:t>
+            </a:r>
+            <a:br>
+              <a:rPr lang="en-US" altLang="en-US" sz="1100" i="1" dirty="0">
+                <a:solidFill>
+                  <a:srgbClr val="808080"/>
+                </a:solidFill>
+                <a:latin typeface="Courier New" panose="02070309020205020404" pitchFamily="49" charset="0"/>
+                <a:cs typeface="Courier New" panose="02070309020205020404" pitchFamily="49" charset="0"/>
+              </a:rPr>
+            </a:br>
+            <a:r>
+              <a:rPr lang="en-US" altLang="en-US" sz="1100" i="1" dirty="0">
+                <a:solidFill>
+                  <a:srgbClr val="808080"/>
+                </a:solidFill>
+                <a:latin typeface="Courier New" panose="02070309020205020404" pitchFamily="49" charset="0"/>
+                <a:cs typeface="Courier New" panose="02070309020205020404" pitchFamily="49" charset="0"/>
+              </a:rPr>
+              <a:t>    // that will be called with 'new'</a:t>
+            </a:r>
+            <a:br>
+              <a:rPr lang="en-US" altLang="en-US" sz="1100" i="1" dirty="0">
+                <a:solidFill>
+                  <a:srgbClr val="808080"/>
+                </a:solidFill>
+                <a:latin typeface="Courier New" panose="02070309020205020404" pitchFamily="49" charset="0"/>
+                <a:cs typeface="Courier New" panose="02070309020205020404" pitchFamily="49" charset="0"/>
+              </a:rPr>
+            </a:br>
+            <a:r>
+              <a:rPr lang="en-US" altLang="en-US" sz="1100" i="1" dirty="0">
+                <a:solidFill>
+                  <a:srgbClr val="808080"/>
+                </a:solidFill>
+                <a:latin typeface="Courier New" panose="02070309020205020404" pitchFamily="49" charset="0"/>
+                <a:cs typeface="Courier New" panose="02070309020205020404" pitchFamily="49" charset="0"/>
+              </a:rPr>
+              <a:t/>
+            </a:r>
+            <a:br>
+              <a:rPr lang="en-US" altLang="en-US" sz="1100" i="1" dirty="0">
+                <a:solidFill>
+                  <a:srgbClr val="808080"/>
+                </a:solidFill>
+                <a:latin typeface="Courier New" panose="02070309020205020404" pitchFamily="49" charset="0"/>
+                <a:cs typeface="Courier New" panose="02070309020205020404" pitchFamily="49" charset="0"/>
+              </a:rPr>
+            </a:br>
+            <a:r>
+              <a:rPr lang="en-US" altLang="en-US" sz="1100" i="1" dirty="0">
+                <a:solidFill>
+                  <a:srgbClr val="808080"/>
+                </a:solidFill>
+                <a:latin typeface="Courier New" panose="02070309020205020404" pitchFamily="49" charset="0"/>
+                <a:cs typeface="Courier New" panose="02070309020205020404" pitchFamily="49" charset="0"/>
+              </a:rPr>
+              <a:t>    </a:t>
+            </a:r>
+            <a:r>
+              <a:rPr lang="en-US" altLang="en-US" sz="1100" b="1" dirty="0" err="1">
+                <a:solidFill>
+                  <a:srgbClr val="000080"/>
+                </a:solidFill>
+                <a:latin typeface="Courier New" panose="02070309020205020404" pitchFamily="49" charset="0"/>
+                <a:cs typeface="Courier New" panose="02070309020205020404" pitchFamily="49" charset="0"/>
+              </a:rPr>
+              <a:t>this</a:t>
+            </a:r>
+            <a:r>
+              <a:rPr lang="en-US" altLang="en-US" sz="1100" dirty="0" err="1">
+                <a:solidFill>
+                  <a:srgbClr val="000000"/>
+                </a:solidFill>
+                <a:latin typeface="Courier New" panose="02070309020205020404" pitchFamily="49" charset="0"/>
+                <a:cs typeface="Courier New" panose="02070309020205020404" pitchFamily="49" charset="0"/>
+              </a:rPr>
+              <a:t>.</a:t>
+            </a:r>
+            <a:r>
+              <a:rPr lang="en-US" altLang="en-US" sz="1100" dirty="0" err="1">
+                <a:solidFill>
+                  <a:srgbClr val="7A7A43"/>
+                </a:solidFill>
+                <a:latin typeface="Courier New" panose="02070309020205020404" pitchFamily="49" charset="0"/>
+                <a:cs typeface="Courier New" panose="02070309020205020404" pitchFamily="49" charset="0"/>
+              </a:rPr>
+              <a:t>sayHello</a:t>
+            </a:r>
+            <a:r>
+              <a:rPr lang="en-US" altLang="en-US" sz="1100" dirty="0">
+                <a:solidFill>
+                  <a:srgbClr val="7A7A43"/>
+                </a:solidFill>
+                <a:latin typeface="Courier New" panose="02070309020205020404" pitchFamily="49" charset="0"/>
+                <a:cs typeface="Courier New" panose="02070309020205020404" pitchFamily="49" charset="0"/>
+              </a:rPr>
+              <a:t> </a:t>
+            </a:r>
+            <a:r>
+              <a:rPr lang="en-US" altLang="en-US" sz="1100" dirty="0">
+                <a:solidFill>
+                  <a:srgbClr val="000000"/>
+                </a:solidFill>
+                <a:latin typeface="Courier New" panose="02070309020205020404" pitchFamily="49" charset="0"/>
+                <a:cs typeface="Courier New" panose="02070309020205020404" pitchFamily="49" charset="0"/>
+              </a:rPr>
+              <a:t>= </a:t>
+            </a:r>
+            <a:r>
+              <a:rPr lang="en-US" altLang="en-US" sz="1100" b="1" dirty="0">
+                <a:solidFill>
+                  <a:srgbClr val="000080"/>
+                </a:solidFill>
+                <a:latin typeface="Courier New" panose="02070309020205020404" pitchFamily="49" charset="0"/>
+                <a:cs typeface="Courier New" panose="02070309020205020404" pitchFamily="49" charset="0"/>
+              </a:rPr>
+              <a:t>function</a:t>
+            </a:r>
+            <a:r>
+              <a:rPr lang="en-US" altLang="en-US" sz="1100" dirty="0">
+                <a:solidFill>
+                  <a:srgbClr val="000000"/>
+                </a:solidFill>
+                <a:latin typeface="Courier New" panose="02070309020205020404" pitchFamily="49" charset="0"/>
+                <a:cs typeface="Courier New" panose="02070309020205020404" pitchFamily="49" charset="0"/>
+              </a:rPr>
+              <a:t>(name) {</a:t>
+            </a:r>
+            <a:br>
+              <a:rPr lang="en-US" altLang="en-US" sz="1100" dirty="0">
+                <a:solidFill>
+                  <a:srgbClr val="000000"/>
+                </a:solidFill>
+                <a:latin typeface="Courier New" panose="02070309020205020404" pitchFamily="49" charset="0"/>
+                <a:cs typeface="Courier New" panose="02070309020205020404" pitchFamily="49" charset="0"/>
+              </a:rPr>
+            </a:br>
+            <a:r>
+              <a:rPr lang="en-US" altLang="en-US" sz="1100" dirty="0">
+                <a:solidFill>
+                  <a:srgbClr val="000000"/>
+                </a:solidFill>
+                <a:latin typeface="Courier New" panose="02070309020205020404" pitchFamily="49" charset="0"/>
+                <a:cs typeface="Courier New" panose="02070309020205020404" pitchFamily="49" charset="0"/>
+              </a:rPr>
+              <a:t>        </a:t>
+            </a:r>
+            <a:r>
+              <a:rPr lang="en-US" altLang="en-US" sz="1100" b="1" dirty="0">
+                <a:solidFill>
+                  <a:srgbClr val="000080"/>
+                </a:solidFill>
+                <a:latin typeface="Courier New" panose="02070309020205020404" pitchFamily="49" charset="0"/>
+                <a:cs typeface="Courier New" panose="02070309020205020404" pitchFamily="49" charset="0"/>
+              </a:rPr>
+              <a:t>return </a:t>
+            </a:r>
+            <a:r>
+              <a:rPr lang="en-US" altLang="en-US" sz="1100" b="1" dirty="0">
+                <a:solidFill>
+                  <a:srgbClr val="008000"/>
+                </a:solidFill>
+                <a:latin typeface="Courier New" panose="02070309020205020404" pitchFamily="49" charset="0"/>
+                <a:cs typeface="Courier New" panose="02070309020205020404" pitchFamily="49" charset="0"/>
+              </a:rPr>
+              <a:t>"Hi " </a:t>
+            </a:r>
+            <a:r>
+              <a:rPr lang="en-US" altLang="en-US" sz="1100" dirty="0">
+                <a:solidFill>
+                  <a:srgbClr val="000000"/>
+                </a:solidFill>
+                <a:latin typeface="Courier New" panose="02070309020205020404" pitchFamily="49" charset="0"/>
+                <a:cs typeface="Courier New" panose="02070309020205020404" pitchFamily="49" charset="0"/>
+              </a:rPr>
+              <a:t>+ name + </a:t>
+            </a:r>
+            <a:r>
+              <a:rPr lang="en-US" altLang="en-US" sz="1100" b="1" dirty="0">
+                <a:solidFill>
+                  <a:srgbClr val="008000"/>
+                </a:solidFill>
+                <a:latin typeface="Courier New" panose="02070309020205020404" pitchFamily="49" charset="0"/>
+                <a:cs typeface="Courier New" panose="02070309020205020404" pitchFamily="49" charset="0"/>
+              </a:rPr>
+              <a:t>"!"</a:t>
+            </a:r>
+            <a:r>
+              <a:rPr lang="en-US" altLang="en-US" sz="1100" dirty="0">
+                <a:solidFill>
+                  <a:srgbClr val="000000"/>
+                </a:solidFill>
+                <a:latin typeface="Courier New" panose="02070309020205020404" pitchFamily="49" charset="0"/>
+                <a:cs typeface="Courier New" panose="02070309020205020404" pitchFamily="49" charset="0"/>
+              </a:rPr>
+              <a:t>;</a:t>
+            </a:r>
+            <a:br>
+              <a:rPr lang="en-US" altLang="en-US" sz="1100" dirty="0">
+                <a:solidFill>
+                  <a:srgbClr val="000000"/>
+                </a:solidFill>
+                <a:latin typeface="Courier New" panose="02070309020205020404" pitchFamily="49" charset="0"/>
+                <a:cs typeface="Courier New" panose="02070309020205020404" pitchFamily="49" charset="0"/>
+              </a:rPr>
+            </a:br>
+            <a:r>
+              <a:rPr lang="en-US" altLang="en-US" sz="1100" dirty="0">
+                <a:solidFill>
+                  <a:srgbClr val="000000"/>
+                </a:solidFill>
+                <a:latin typeface="Courier New" panose="02070309020205020404" pitchFamily="49" charset="0"/>
+                <a:cs typeface="Courier New" panose="02070309020205020404" pitchFamily="49" charset="0"/>
+              </a:rPr>
+              <a:t>    };</a:t>
+            </a:r>
+            <a:br>
+              <a:rPr lang="en-US" altLang="en-US" sz="1100" dirty="0">
+                <a:solidFill>
+                  <a:srgbClr val="000000"/>
+                </a:solidFill>
+                <a:latin typeface="Courier New" panose="02070309020205020404" pitchFamily="49" charset="0"/>
+                <a:cs typeface="Courier New" panose="02070309020205020404" pitchFamily="49" charset="0"/>
+              </a:rPr>
+            </a:br>
+            <a:r>
+              <a:rPr lang="en-US" altLang="en-US" sz="1100" dirty="0">
+                <a:solidFill>
+                  <a:srgbClr val="000000"/>
+                </a:solidFill>
+                <a:latin typeface="Courier New" panose="02070309020205020404" pitchFamily="49" charset="0"/>
+                <a:cs typeface="Courier New" panose="02070309020205020404" pitchFamily="49" charset="0"/>
+              </a:rPr>
+              <a:t>});</a:t>
+            </a:r>
+            <a:endParaRPr lang="en-US" altLang="en-US" sz="2400" dirty="0">
+              <a:latin typeface="Arial" panose="020B0604020202020204" pitchFamily="34" charset="0"/>
+            </a:endParaRPr>
+          </a:p>
+        </p:txBody>
+      </p:sp>
+      <p:sp>
+        <p:nvSpPr>
+          <p:cNvPr id="8" name="Rectangle 7"/>
+          <p:cNvSpPr/>
+          <p:nvPr/>
+        </p:nvSpPr>
+        <p:spPr>
+          <a:xfrm>
+            <a:off x="457200" y="1472555"/>
+            <a:ext cx="3371692" cy="461665"/>
+          </a:xfrm>
+          <a:prstGeom prst="rect">
+            <a:avLst/>
+          </a:prstGeom>
+        </p:spPr>
+        <p:txBody>
+          <a:bodyPr wrap="none">
+            <a:spAutoFit/>
+          </a:bodyPr>
+          <a:lstStyle/>
+          <a:p>
+            <a:r>
+              <a:rPr lang="en-US" sz="2400" dirty="0" smtClean="0"/>
+              <a:t>service is a constructor </a:t>
+            </a:r>
+            <a:r>
+              <a:rPr lang="en-US" sz="2400" dirty="0" err="1" smtClean="0"/>
+              <a:t>fn</a:t>
+            </a:r>
+            <a:endParaRPr lang="en-US" sz="2400" dirty="0">
+              <a:solidFill>
+                <a:srgbClr val="C00000"/>
+              </a:solidFill>
+            </a:endParaRPr>
+          </a:p>
+        </p:txBody>
+      </p:sp>
+      <p:sp>
+        <p:nvSpPr>
+          <p:cNvPr id="11" name="Rectangle 10"/>
+          <p:cNvSpPr/>
+          <p:nvPr/>
+        </p:nvSpPr>
+        <p:spPr>
+          <a:xfrm>
+            <a:off x="4964488" y="1472555"/>
+            <a:ext cx="3710824" cy="461665"/>
+          </a:xfrm>
+          <a:prstGeom prst="rect">
+            <a:avLst/>
+          </a:prstGeom>
+        </p:spPr>
+        <p:txBody>
+          <a:bodyPr wrap="none">
+            <a:spAutoFit/>
+          </a:bodyPr>
+          <a:lstStyle/>
+          <a:p>
+            <a:r>
+              <a:rPr lang="en-US" sz="2400" dirty="0" smtClean="0"/>
+              <a:t>factory returns object as API</a:t>
+            </a:r>
+            <a:endParaRPr lang="en-US" sz="2400" dirty="0">
+              <a:solidFill>
+                <a:srgbClr val="C00000"/>
+              </a:solidFill>
+            </a:endParaRPr>
+          </a:p>
+        </p:txBody>
+      </p:sp>
+      <p:pic>
+        <p:nvPicPr>
+          <p:cNvPr id="2050" name="Picture 2" descr="http://www.veteranstoday.com/wp-content/uploads/2015/03/sugar.jpg"/>
+          <p:cNvPicPr>
+            <a:picLocks noChangeAspect="1" noChangeArrowheads="1"/>
+          </p:cNvPicPr>
+          <p:nvPr/>
+        </p:nvPicPr>
+        <p:blipFill>
+          <a:blip r:embed="rId3">
+            <a:extLst>
+              <a:ext uri="{28A0092B-C50C-407E-A947-70E740481C1C}">
+                <a14:useLocalDpi xmlns:a14="http://schemas.microsoft.com/office/drawing/2010/main" val="0"/>
+              </a:ext>
+            </a:extLst>
+          </a:blip>
+          <a:srcRect/>
+          <a:stretch>
+            <a:fillRect/>
+          </a:stretch>
+        </p:blipFill>
+        <p:spPr bwMode="auto">
+          <a:xfrm>
+            <a:off x="2895600" y="4648200"/>
+            <a:ext cx="2971800" cy="1854979"/>
+          </a:xfrm>
+          <a:prstGeom prst="rect">
+            <a:avLst/>
+          </a:prstGeom>
+          <a:noFill/>
+          <a:extLst>
+            <a:ext uri="{909E8E84-426E-40DD-AFC4-6F175D3DCCD1}">
+              <a14:hiddenFill xmlns:a14="http://schemas.microsoft.com/office/drawing/2010/main">
+                <a:solidFill>
+                  <a:srgbClr val="FFFFFF"/>
+                </a:solidFill>
+              </a14:hiddenFill>
+            </a:ext>
+          </a:extLst>
+        </p:spPr>
+      </p:pic>
+      <p:sp>
+        <p:nvSpPr>
+          <p:cNvPr id="3" name="Rectangle 2"/>
+          <p:cNvSpPr/>
+          <p:nvPr/>
+        </p:nvSpPr>
+        <p:spPr>
+          <a:xfrm>
+            <a:off x="874622" y="1934220"/>
+            <a:ext cx="2536848" cy="369332"/>
+          </a:xfrm>
+          <a:prstGeom prst="rect">
+            <a:avLst/>
+          </a:prstGeom>
+        </p:spPr>
+        <p:txBody>
+          <a:bodyPr wrap="none">
+            <a:spAutoFit/>
+          </a:bodyPr>
+          <a:lstStyle/>
+          <a:p>
+            <a:r>
+              <a:rPr lang="en-US" dirty="0"/>
+              <a:t>(also accepts es6 classes)</a:t>
+            </a:r>
+            <a:endParaRPr lang="en-US" dirty="0">
+              <a:solidFill>
+                <a:srgbClr val="C00000"/>
+              </a:solidFill>
+            </a:endParaRPr>
+          </a:p>
+        </p:txBody>
+      </p:sp>
+      <p:cxnSp>
+        <p:nvCxnSpPr>
+          <p:cNvPr id="7" name="Straight Arrow Connector 6"/>
+          <p:cNvCxnSpPr/>
+          <p:nvPr/>
+        </p:nvCxnSpPr>
+        <p:spPr>
+          <a:xfrm>
+            <a:off x="4114800" y="3429000"/>
+            <a:ext cx="457200" cy="0"/>
+          </a:xfrm>
+          <a:prstGeom prst="straightConnector1">
+            <a:avLst/>
+          </a:prstGeom>
+          <a:ln>
+            <a:tailEnd type="arrow"/>
+          </a:ln>
+        </p:spPr>
+        <p:style>
+          <a:lnRef idx="1">
+            <a:schemeClr val="dk1"/>
+          </a:lnRef>
+          <a:fillRef idx="0">
+            <a:schemeClr val="dk1"/>
+          </a:fillRef>
+          <a:effectRef idx="0">
+            <a:schemeClr val="dk1"/>
+          </a:effectRef>
+          <a:fontRef idx="minor">
+            <a:schemeClr val="tx1"/>
+          </a:fontRef>
+        </p:style>
+      </p:cxnSp>
+    </p:spTree>
+    <p:extLst>
+      <p:ext uri="{BB962C8B-B14F-4D97-AF65-F5344CB8AC3E}">
+        <p14:creationId xmlns:p14="http://schemas.microsoft.com/office/powerpoint/2010/main" val="4037644220"/>
+      </p:ext>
+    </p:extLst>
+  </p:cSld>
+  <p:clrMapOvr>
+    <a:masterClrMapping/>
+  </p:clrMapOvr>
+  <mc:AlternateContent xmlns:mc="http://schemas.openxmlformats.org/markup-compatibility/2006" xmlns:p14="http://schemas.microsoft.com/office/powerpoint/2010/main">
+    <mc:Choice Requires="p14">
+      <p:transition spd="slow" p14:dur="2000"/>
+    </mc:Choice>
+    <mc:Fallback xmlns="">
+      <p:transition spd="slow"/>
+    </mc:Fallback>
+  </mc:AlternateContent>
+  <p:timing>
+    <p:tnLst>
+      <p:par>
+        <p:cTn id="1" dur="indefinite" restart="never" nodeType="tmRoot">
+          <p:childTnLst>
+            <p:seq concurrent="1" nextAc="seek">
+              <p:cTn id="2" dur="indefinite" nodeType="mainSeq">
+                <p:childTnLst>
+                  <p:par>
+                    <p:cTn id="3" fill="hold">
+                      <p:stCondLst>
+                        <p:cond delay="indefinite"/>
+                      </p:stCondLst>
+                      <p:childTnLst>
+                        <p:par>
+                          <p:cTn id="4" fill="hold">
+                            <p:stCondLst>
+                              <p:cond delay="0"/>
+                            </p:stCondLst>
+                            <p:childTnLst>
+                              <p:par>
+                                <p:cTn id="5" presetID="1" presetClass="entr" presetSubtype="0" fill="hold" grpId="0" nodeType="clickEffect">
+                                  <p:stCondLst>
+                                    <p:cond delay="0"/>
+                                  </p:stCondLst>
+                                  <p:childTnLst>
+                                    <p:set>
+                                      <p:cBhvr>
+                                        <p:cTn id="6" dur="1" fill="hold">
+                                          <p:stCondLst>
+                                            <p:cond delay="0"/>
+                                          </p:stCondLst>
+                                        </p:cTn>
+                                        <p:tgtEl>
+                                          <p:spTgt spid="5"/>
+                                        </p:tgtEl>
+                                        <p:attrNameLst>
+                                          <p:attrName>style.visibility</p:attrName>
+                                        </p:attrNameLst>
+                                      </p:cBhvr>
+                                      <p:to>
+                                        <p:strVal val="visible"/>
+                                      </p:to>
+                                    </p:set>
+                                  </p:childTnLst>
+                                </p:cTn>
+                              </p:par>
+                              <p:par>
+                                <p:cTn id="7" presetID="1" presetClass="entr" presetSubtype="0" fill="hold" grpId="0" nodeType="withEffect">
+                                  <p:stCondLst>
+                                    <p:cond delay="0"/>
+                                  </p:stCondLst>
+                                  <p:childTnLst>
+                                    <p:set>
+                                      <p:cBhvr>
+                                        <p:cTn id="8" dur="1" fill="hold">
+                                          <p:stCondLst>
+                                            <p:cond delay="0"/>
+                                          </p:stCondLst>
+                                        </p:cTn>
+                                        <p:tgtEl>
+                                          <p:spTgt spid="8"/>
+                                        </p:tgtEl>
+                                        <p:attrNameLst>
+                                          <p:attrName>style.visibility</p:attrName>
+                                        </p:attrNameLst>
+                                      </p:cBhvr>
+                                      <p:to>
+                                        <p:strVal val="visible"/>
+                                      </p:to>
+                                    </p:set>
+                                  </p:childTnLst>
+                                </p:cTn>
+                              </p:par>
+                            </p:childTnLst>
+                          </p:cTn>
+                        </p:par>
+                      </p:childTnLst>
+                    </p:cTn>
+                  </p:par>
+                  <p:par>
+                    <p:cTn id="9" fill="hold">
+                      <p:stCondLst>
+                        <p:cond delay="indefinite"/>
+                      </p:stCondLst>
+                      <p:childTnLst>
+                        <p:par>
+                          <p:cTn id="10" fill="hold">
+                            <p:stCondLst>
+                              <p:cond delay="0"/>
+                            </p:stCondLst>
+                            <p:childTnLst>
+                              <p:par>
+                                <p:cTn id="11" presetID="1" presetClass="entr" presetSubtype="0" fill="hold" grpId="0" nodeType="clickEffect">
+                                  <p:stCondLst>
+                                    <p:cond delay="0"/>
+                                  </p:stCondLst>
+                                  <p:childTnLst>
+                                    <p:set>
+                                      <p:cBhvr>
+                                        <p:cTn id="12" dur="1" fill="hold">
+                                          <p:stCondLst>
+                                            <p:cond delay="0"/>
+                                          </p:stCondLst>
+                                        </p:cTn>
+                                        <p:tgtEl>
+                                          <p:spTgt spid="4"/>
+                                        </p:tgtEl>
+                                        <p:attrNameLst>
+                                          <p:attrName>style.visibility</p:attrName>
+                                        </p:attrNameLst>
+                                      </p:cBhvr>
+                                      <p:to>
+                                        <p:strVal val="visible"/>
+                                      </p:to>
+                                    </p:set>
+                                  </p:childTnLst>
+                                </p:cTn>
+                              </p:par>
+                              <p:par>
+                                <p:cTn id="13" presetID="1" presetClass="entr" presetSubtype="0" fill="hold" grpId="0" nodeType="withEffect">
+                                  <p:stCondLst>
+                                    <p:cond delay="0"/>
+                                  </p:stCondLst>
+                                  <p:childTnLst>
+                                    <p:set>
+                                      <p:cBhvr>
+                                        <p:cTn id="14" dur="1" fill="hold">
+                                          <p:stCondLst>
+                                            <p:cond delay="0"/>
+                                          </p:stCondLst>
+                                        </p:cTn>
+                                        <p:tgtEl>
+                                          <p:spTgt spid="11"/>
+                                        </p:tgtEl>
+                                        <p:attrNameLst>
+                                          <p:attrName>style.visibility</p:attrName>
+                                        </p:attrNameLst>
+                                      </p:cBhvr>
+                                      <p:to>
+                                        <p:strVal val="visible"/>
+                                      </p:to>
+                                    </p:set>
+                                  </p:childTnLst>
+                                </p:cTn>
+                              </p:par>
+                            </p:childTnLst>
+                          </p:cTn>
+                        </p:par>
+                      </p:childTnLst>
+                    </p:cTn>
+                  </p:par>
+                  <p:par>
+                    <p:cTn id="15" fill="hold">
+                      <p:stCondLst>
+                        <p:cond delay="indefinite"/>
+                      </p:stCondLst>
+                      <p:childTnLst>
+                        <p:par>
+                          <p:cTn id="16" fill="hold">
+                            <p:stCondLst>
+                              <p:cond delay="0"/>
+                            </p:stCondLst>
+                            <p:childTnLst>
+                              <p:par>
+                                <p:cTn id="17" presetID="1" presetClass="entr" presetSubtype="0" fill="hold" nodeType="clickEffect">
+                                  <p:stCondLst>
+                                    <p:cond delay="0"/>
+                                  </p:stCondLst>
+                                  <p:childTnLst>
+                                    <p:set>
+                                      <p:cBhvr>
+                                        <p:cTn id="18" dur="1" fill="hold">
+                                          <p:stCondLst>
+                                            <p:cond delay="0"/>
+                                          </p:stCondLst>
+                                        </p:cTn>
+                                        <p:tgtEl>
+                                          <p:spTgt spid="2050"/>
+                                        </p:tgtEl>
+                                        <p:attrNameLst>
+                                          <p:attrName>style.visibility</p:attrName>
+                                        </p:attrNameLst>
+                                      </p:cBhvr>
+                                      <p:to>
+                                        <p:strVal val="visible"/>
+                                      </p:to>
+                                    </p:set>
+                                  </p:childTnLst>
+                                </p:cTn>
+                              </p:par>
+                              <p:par>
+                                <p:cTn id="19" presetID="1" presetClass="entr" presetSubtype="0" fill="hold" nodeType="withEffect">
+                                  <p:stCondLst>
+                                    <p:cond delay="0"/>
+                                  </p:stCondLst>
+                                  <p:childTnLst>
+                                    <p:set>
+                                      <p:cBhvr>
+                                        <p:cTn id="20" dur="1" fill="hold">
+                                          <p:stCondLst>
+                                            <p:cond delay="0"/>
+                                          </p:stCondLst>
+                                        </p:cTn>
+                                        <p:tgtEl>
+                                          <p:spTgt spid="7"/>
+                                        </p:tgtEl>
+                                        <p:attrNameLst>
+                                          <p:attrName>style.visibility</p:attrName>
+                                        </p:attrNameLst>
+                                      </p:cBhvr>
+                                      <p:to>
+                                        <p:strVal val="visible"/>
+                                      </p:to>
+                                    </p:set>
+                                  </p:childTnLst>
+                                </p:cTn>
+                              </p:par>
+                            </p:childTnLst>
+                          </p:cTn>
+                        </p:par>
+                      </p:childTnLst>
+                    </p:cTn>
+                  </p:par>
+                </p:childTnLst>
+              </p:cTn>
+              <p:prevCondLst>
+                <p:cond evt="onPrev" delay="0">
+                  <p:tgtEl>
+                    <p:sldTgt/>
+                  </p:tgtEl>
+                </p:cond>
+              </p:prevCondLst>
+              <p:nextCondLst>
+                <p:cond evt="onNext" delay="0">
+                  <p:tgtEl>
+                    <p:sldTgt/>
+                  </p:tgtEl>
+                </p:cond>
+              </p:nextCondLst>
+            </p:seq>
+          </p:childTnLst>
+        </p:cTn>
+      </p:par>
+    </p:tnLst>
+    <p:bldLst>
+      <p:bldP spid="4" grpId="0" animBg="1"/>
+      <p:bldP spid="5" grpId="0" animBg="1"/>
+      <p:bldP spid="8" grpId="0"/>
+      <p:bldP spid="11" grpId="0"/>
+    </p:bldLst>
+  </p:timing>
+</p:sld>
+</file>
+
+<file path=ppt/slides/slide7.xml><?xml version="1.0" encoding="utf-8"?>
 <p:sld xmlns:a="http://schemas.openxmlformats.org/drawingml/2006/main" xmlns:r="http://schemas.openxmlformats.org/officeDocument/2006/relationships" xmlns:p="http://schemas.openxmlformats.org/presentationml/2006/main">
   <p:cSld>
     <p:spTree>
@@ -9439,14 +11862,951 @@
   <p:timing>
     <p:tnLst>
       <p:par>
-        <p:cTn id="1" dur="indefinite" restart="never" nodeType="tmRoot"/>
+        <p:cTn id="1" dur="indefinite" restart="never" nodeType="tmRoot">
+          <p:childTnLst>
+            <p:seq concurrent="1" nextAc="seek">
+              <p:cTn id="2" dur="indefinite" nodeType="mainSeq">
+                <p:childTnLst>
+                  <p:par>
+                    <p:cTn id="3" fill="hold">
+                      <p:stCondLst>
+                        <p:cond delay="indefinite"/>
+                      </p:stCondLst>
+                      <p:childTnLst>
+                        <p:par>
+                          <p:cTn id="4" fill="hold">
+                            <p:stCondLst>
+                              <p:cond delay="0"/>
+                            </p:stCondLst>
+                            <p:childTnLst>
+                              <p:par>
+                                <p:cTn id="5" presetID="1" presetClass="entr" presetSubtype="0" fill="hold" grpId="0" nodeType="clickEffect">
+                                  <p:stCondLst>
+                                    <p:cond delay="0"/>
+                                  </p:stCondLst>
+                                  <p:childTnLst>
+                                    <p:set>
+                                      <p:cBhvr>
+                                        <p:cTn id="6" dur="1" fill="hold">
+                                          <p:stCondLst>
+                                            <p:cond delay="0"/>
+                                          </p:stCondLst>
+                                        </p:cTn>
+                                        <p:tgtEl>
+                                          <p:spTgt spid="7"/>
+                                        </p:tgtEl>
+                                        <p:attrNameLst>
+                                          <p:attrName>style.visibility</p:attrName>
+                                        </p:attrNameLst>
+                                      </p:cBhvr>
+                                      <p:to>
+                                        <p:strVal val="visible"/>
+                                      </p:to>
+                                    </p:set>
+                                  </p:childTnLst>
+                                </p:cTn>
+                              </p:par>
+                            </p:childTnLst>
+                          </p:cTn>
+                        </p:par>
+                      </p:childTnLst>
+                    </p:cTn>
+                  </p:par>
+                  <p:par>
+                    <p:cTn id="7" fill="hold">
+                      <p:stCondLst>
+                        <p:cond delay="indefinite"/>
+                      </p:stCondLst>
+                      <p:childTnLst>
+                        <p:par>
+                          <p:cTn id="8" fill="hold">
+                            <p:stCondLst>
+                              <p:cond delay="0"/>
+                            </p:stCondLst>
+                            <p:childTnLst>
+                              <p:par>
+                                <p:cTn id="9" presetID="1" presetClass="entr" presetSubtype="0" fill="hold" grpId="0" nodeType="clickEffect">
+                                  <p:stCondLst>
+                                    <p:cond delay="0"/>
+                                  </p:stCondLst>
+                                  <p:childTnLst>
+                                    <p:set>
+                                      <p:cBhvr>
+                                        <p:cTn id="10" dur="1" fill="hold">
+                                          <p:stCondLst>
+                                            <p:cond delay="0"/>
+                                          </p:stCondLst>
+                                        </p:cTn>
+                                        <p:tgtEl>
+                                          <p:spTgt spid="10"/>
+                                        </p:tgtEl>
+                                        <p:attrNameLst>
+                                          <p:attrName>style.visibility</p:attrName>
+                                        </p:attrNameLst>
+                                      </p:cBhvr>
+                                      <p:to>
+                                        <p:strVal val="visible"/>
+                                      </p:to>
+                                    </p:set>
+                                  </p:childTnLst>
+                                </p:cTn>
+                              </p:par>
+                              <p:par>
+                                <p:cTn id="11" presetID="1" presetClass="entr" presetSubtype="0" fill="hold" grpId="0" nodeType="withEffect">
+                                  <p:stCondLst>
+                                    <p:cond delay="0"/>
+                                  </p:stCondLst>
+                                  <p:childTnLst>
+                                    <p:set>
+                                      <p:cBhvr>
+                                        <p:cTn id="12" dur="1" fill="hold">
+                                          <p:stCondLst>
+                                            <p:cond delay="0"/>
+                                          </p:stCondLst>
+                                        </p:cTn>
+                                        <p:tgtEl>
+                                          <p:spTgt spid="8"/>
+                                        </p:tgtEl>
+                                        <p:attrNameLst>
+                                          <p:attrName>style.visibility</p:attrName>
+                                        </p:attrNameLst>
+                                      </p:cBhvr>
+                                      <p:to>
+                                        <p:strVal val="visible"/>
+                                      </p:to>
+                                    </p:set>
+                                  </p:childTnLst>
+                                </p:cTn>
+                              </p:par>
+                            </p:childTnLst>
+                          </p:cTn>
+                        </p:par>
+                      </p:childTnLst>
+                    </p:cTn>
+                  </p:par>
+                  <p:par>
+                    <p:cTn id="13" fill="hold">
+                      <p:stCondLst>
+                        <p:cond delay="indefinite"/>
+                      </p:stCondLst>
+                      <p:childTnLst>
+                        <p:par>
+                          <p:cTn id="14" fill="hold">
+                            <p:stCondLst>
+                              <p:cond delay="0"/>
+                            </p:stCondLst>
+                            <p:childTnLst>
+                              <p:par>
+                                <p:cTn id="15" presetID="1" presetClass="entr" presetSubtype="0" fill="hold" grpId="0" nodeType="clickEffect">
+                                  <p:stCondLst>
+                                    <p:cond delay="0"/>
+                                  </p:stCondLst>
+                                  <p:childTnLst>
+                                    <p:set>
+                                      <p:cBhvr>
+                                        <p:cTn id="16" dur="1" fill="hold">
+                                          <p:stCondLst>
+                                            <p:cond delay="0"/>
+                                          </p:stCondLst>
+                                        </p:cTn>
+                                        <p:tgtEl>
+                                          <p:spTgt spid="11"/>
+                                        </p:tgtEl>
+                                        <p:attrNameLst>
+                                          <p:attrName>style.visibility</p:attrName>
+                                        </p:attrNameLst>
+                                      </p:cBhvr>
+                                      <p:to>
+                                        <p:strVal val="visible"/>
+                                      </p:to>
+                                    </p:set>
+                                  </p:childTnLst>
+                                </p:cTn>
+                              </p:par>
+                              <p:par>
+                                <p:cTn id="17" presetID="1" presetClass="entr" presetSubtype="0" fill="hold" grpId="0" nodeType="withEffect">
+                                  <p:stCondLst>
+                                    <p:cond delay="0"/>
+                                  </p:stCondLst>
+                                  <p:childTnLst>
+                                    <p:set>
+                                      <p:cBhvr>
+                                        <p:cTn id="18" dur="1" fill="hold">
+                                          <p:stCondLst>
+                                            <p:cond delay="0"/>
+                                          </p:stCondLst>
+                                        </p:cTn>
+                                        <p:tgtEl>
+                                          <p:spTgt spid="9"/>
+                                        </p:tgtEl>
+                                        <p:attrNameLst>
+                                          <p:attrName>style.visibility</p:attrName>
+                                        </p:attrNameLst>
+                                      </p:cBhvr>
+                                      <p:to>
+                                        <p:strVal val="visible"/>
+                                      </p:to>
+                                    </p:set>
+                                  </p:childTnLst>
+                                </p:cTn>
+                              </p:par>
+                            </p:childTnLst>
+                          </p:cTn>
+                        </p:par>
+                      </p:childTnLst>
+                    </p:cTn>
+                  </p:par>
+                  <p:par>
+                    <p:cTn id="19" fill="hold">
+                      <p:stCondLst>
+                        <p:cond delay="indefinite"/>
+                      </p:stCondLst>
+                      <p:childTnLst>
+                        <p:par>
+                          <p:cTn id="20" fill="hold">
+                            <p:stCondLst>
+                              <p:cond delay="0"/>
+                            </p:stCondLst>
+                            <p:childTnLst>
+                              <p:par>
+                                <p:cTn id="21" presetID="1" presetClass="entr" presetSubtype="0" fill="hold" grpId="0" nodeType="clickEffect">
+                                  <p:stCondLst>
+                                    <p:cond delay="0"/>
+                                  </p:stCondLst>
+                                  <p:childTnLst>
+                                    <p:set>
+                                      <p:cBhvr>
+                                        <p:cTn id="22" dur="1" fill="hold">
+                                          <p:stCondLst>
+                                            <p:cond delay="0"/>
+                                          </p:stCondLst>
+                                        </p:cTn>
+                                        <p:tgtEl>
+                                          <p:spTgt spid="13"/>
+                                        </p:tgtEl>
+                                        <p:attrNameLst>
+                                          <p:attrName>style.visibility</p:attrName>
+                                        </p:attrNameLst>
+                                      </p:cBhvr>
+                                      <p:to>
+                                        <p:strVal val="visible"/>
+                                      </p:to>
+                                    </p:set>
+                                  </p:childTnLst>
+                                </p:cTn>
+                              </p:par>
+                            </p:childTnLst>
+                          </p:cTn>
+                        </p:par>
+                      </p:childTnLst>
+                    </p:cTn>
+                  </p:par>
+                </p:childTnLst>
+              </p:cTn>
+              <p:prevCondLst>
+                <p:cond evt="onPrev" delay="0">
+                  <p:tgtEl>
+                    <p:sldTgt/>
+                  </p:tgtEl>
+                </p:cond>
+              </p:prevCondLst>
+              <p:nextCondLst>
+                <p:cond evt="onNext" delay="0">
+                  <p:tgtEl>
+                    <p:sldTgt/>
+                  </p:tgtEl>
+                </p:cond>
+              </p:nextCondLst>
+            </p:seq>
+          </p:childTnLst>
+        </p:cTn>
       </p:par>
     </p:tnLst>
+    <p:bldLst>
+      <p:bldP spid="7" grpId="0" animBg="1"/>
+      <p:bldP spid="8" grpId="0" animBg="1"/>
+      <p:bldP spid="9" grpId="0" animBg="1"/>
+      <p:bldP spid="10" grpId="0" animBg="1"/>
+      <p:bldP spid="11" grpId="0" animBg="1"/>
+      <p:bldP spid="13" grpId="0" animBg="1"/>
+    </p:bldLst>
   </p:timing>
 </p:sld>
 </file>
 
-<file path=ppt/slides/slide7.xml><?xml version="1.0" encoding="utf-8"?>
+<file path=ppt/slides/slide8.xml><?xml version="1.0" encoding="utf-8"?>
+<p:sld xmlns:a="http://schemas.openxmlformats.org/drawingml/2006/main" xmlns:r="http://schemas.openxmlformats.org/officeDocument/2006/relationships" xmlns:p="http://schemas.openxmlformats.org/presentationml/2006/main">
+  <p:cSld>
+    <p:spTree>
+      <p:nvGrpSpPr>
+        <p:cNvPr id="1" name=""/>
+        <p:cNvGrpSpPr/>
+        <p:nvPr/>
+      </p:nvGrpSpPr>
+      <p:grpSpPr>
+        <a:xfrm>
+          <a:off x="0" y="0"/>
+          <a:ext cx="0" cy="0"/>
+          <a:chOff x="0" y="0"/>
+          <a:chExt cx="0" cy="0"/>
+        </a:xfrm>
+      </p:grpSpPr>
+      <p:sp>
+        <p:nvSpPr>
+          <p:cNvPr id="2" name="Title 1"/>
+          <p:cNvSpPr>
+            <a:spLocks noGrp="1"/>
+          </p:cNvSpPr>
+          <p:nvPr>
+            <p:ph type="title"/>
+          </p:nvPr>
+        </p:nvSpPr>
+        <p:spPr/>
+        <p:txBody>
+          <a:bodyPr>
+            <a:normAutofit/>
+          </a:bodyPr>
+          <a:lstStyle/>
+          <a:p>
+            <a:r>
+              <a:rPr lang="en-US" dirty="0" smtClean="0">
+                <a:latin typeface="Courier New" panose="02070309020205020404" pitchFamily="49" charset="0"/>
+                <a:cs typeface="Courier New" panose="02070309020205020404" pitchFamily="49" charset="0"/>
+              </a:rPr>
+              <a:t>$$watchers</a:t>
+            </a:r>
+            <a:endParaRPr lang="ru-RU" dirty="0">
+              <a:latin typeface="Courier New" panose="02070309020205020404" pitchFamily="49" charset="0"/>
+              <a:cs typeface="Courier New" panose="02070309020205020404" pitchFamily="49" charset="0"/>
+            </a:endParaRPr>
+          </a:p>
+        </p:txBody>
+      </p:sp>
+      <p:sp>
+        <p:nvSpPr>
+          <p:cNvPr id="4" name="Rectangle 3"/>
+          <p:cNvSpPr/>
+          <p:nvPr/>
+        </p:nvSpPr>
+        <p:spPr>
+          <a:xfrm>
+            <a:off x="2105796" y="1295400"/>
+            <a:ext cx="5027658" cy="461665"/>
+          </a:xfrm>
+          <a:prstGeom prst="rect">
+            <a:avLst/>
+          </a:prstGeom>
+        </p:spPr>
+        <p:txBody>
+          <a:bodyPr wrap="none">
+            <a:spAutoFit/>
+          </a:bodyPr>
+          <a:lstStyle/>
+          <a:p>
+            <a:r>
+              <a:rPr lang="en-US" sz="2400" dirty="0" smtClean="0"/>
+              <a:t>each $scope has collection of watchers</a:t>
+            </a:r>
+            <a:endParaRPr lang="en-US" sz="2400" dirty="0"/>
+          </a:p>
+        </p:txBody>
+      </p:sp>
+      <p:pic>
+        <p:nvPicPr>
+          <p:cNvPr id="1026" name="Picture 2" descr="https://docs.angularjs.org/img/guide/concepts-scope-watch-strategies.png"/>
+          <p:cNvPicPr>
+            <a:picLocks noChangeAspect="1" noChangeArrowheads="1"/>
+          </p:cNvPicPr>
+          <p:nvPr/>
+        </p:nvPicPr>
+        <p:blipFill>
+          <a:blip r:embed="rId3">
+            <a:extLst>
+              <a:ext uri="{28A0092B-C50C-407E-A947-70E740481C1C}">
+                <a14:useLocalDpi xmlns:a14="http://schemas.microsoft.com/office/drawing/2010/main" val="0"/>
+              </a:ext>
+            </a:extLst>
+          </a:blip>
+          <a:srcRect/>
+          <a:stretch>
+            <a:fillRect/>
+          </a:stretch>
+        </p:blipFill>
+        <p:spPr bwMode="auto">
+          <a:xfrm>
+            <a:off x="1859753" y="1981200"/>
+            <a:ext cx="5276850" cy="3781425"/>
+          </a:xfrm>
+          <a:prstGeom prst="rect">
+            <a:avLst/>
+          </a:prstGeom>
+          <a:noFill/>
+          <a:extLst>
+            <a:ext uri="{909E8E84-426E-40DD-AFC4-6F175D3DCCD1}">
+              <a14:hiddenFill xmlns:a14="http://schemas.microsoft.com/office/drawing/2010/main">
+                <a:solidFill>
+                  <a:srgbClr val="FFFFFF"/>
+                </a:solidFill>
+              </a14:hiddenFill>
+            </a:ext>
+          </a:extLst>
+        </p:spPr>
+      </p:pic>
+      <p:sp>
+        <p:nvSpPr>
+          <p:cNvPr id="7" name="Rectangle 6"/>
+          <p:cNvSpPr/>
+          <p:nvPr/>
+        </p:nvSpPr>
+        <p:spPr>
+          <a:xfrm>
+            <a:off x="7315200" y="2362200"/>
+            <a:ext cx="1407565" cy="307777"/>
+          </a:xfrm>
+          <a:prstGeom prst="rect">
+            <a:avLst/>
+          </a:prstGeom>
+        </p:spPr>
+        <p:style>
+          <a:lnRef idx="2">
+            <a:schemeClr val="accent2"/>
+          </a:lnRef>
+          <a:fillRef idx="1">
+            <a:schemeClr val="lt1"/>
+          </a:fillRef>
+          <a:effectRef idx="0">
+            <a:schemeClr val="accent2"/>
+          </a:effectRef>
+          <a:fontRef idx="minor">
+            <a:schemeClr val="dk1"/>
+          </a:fontRef>
+        </p:style>
+        <p:txBody>
+          <a:bodyPr wrap="none">
+            <a:spAutoFit/>
+          </a:bodyPr>
+          <a:lstStyle/>
+          <a:p>
+            <a:pPr algn="ctr"/>
+            <a:r>
+              <a:rPr lang="en-US" sz="1400" dirty="0" err="1" smtClean="0"/>
+              <a:t>watchExpression</a:t>
+            </a:r>
+            <a:endParaRPr lang="en-US" sz="1400" dirty="0"/>
+          </a:p>
+        </p:txBody>
+      </p:sp>
+      <p:cxnSp>
+        <p:nvCxnSpPr>
+          <p:cNvPr id="8" name="Straight Arrow Connector 7"/>
+          <p:cNvCxnSpPr>
+            <a:stCxn id="7" idx="1"/>
+          </p:cNvCxnSpPr>
+          <p:nvPr/>
+        </p:nvCxnSpPr>
+        <p:spPr>
+          <a:xfrm flipH="1">
+            <a:off x="5943600" y="2516089"/>
+            <a:ext cx="1371600" cy="455711"/>
+          </a:xfrm>
+          <a:prstGeom prst="straightConnector1">
+            <a:avLst/>
+          </a:prstGeom>
+          <a:ln>
+            <a:tailEnd type="arrow"/>
+          </a:ln>
+        </p:spPr>
+        <p:style>
+          <a:lnRef idx="2">
+            <a:schemeClr val="accent2"/>
+          </a:lnRef>
+          <a:fillRef idx="0">
+            <a:schemeClr val="accent2"/>
+          </a:fillRef>
+          <a:effectRef idx="1">
+            <a:schemeClr val="accent2"/>
+          </a:effectRef>
+          <a:fontRef idx="minor">
+            <a:schemeClr val="tx1"/>
+          </a:fontRef>
+        </p:style>
+      </p:cxnSp>
+      <p:sp>
+        <p:nvSpPr>
+          <p:cNvPr id="10" name="Rectangle 9"/>
+          <p:cNvSpPr/>
+          <p:nvPr/>
+        </p:nvSpPr>
+        <p:spPr>
+          <a:xfrm>
+            <a:off x="7533743" y="3525173"/>
+            <a:ext cx="1275286" cy="307777"/>
+          </a:xfrm>
+          <a:prstGeom prst="rect">
+            <a:avLst/>
+          </a:prstGeom>
+        </p:spPr>
+        <p:style>
+          <a:lnRef idx="2">
+            <a:schemeClr val="accent2"/>
+          </a:lnRef>
+          <a:fillRef idx="1">
+            <a:schemeClr val="lt1"/>
+          </a:fillRef>
+          <a:effectRef idx="0">
+            <a:schemeClr val="accent2"/>
+          </a:effectRef>
+          <a:fontRef idx="minor">
+            <a:schemeClr val="dk1"/>
+          </a:fontRef>
+        </p:style>
+        <p:txBody>
+          <a:bodyPr wrap="none">
+            <a:spAutoFit/>
+          </a:bodyPr>
+          <a:lstStyle/>
+          <a:p>
+            <a:pPr algn="ctr"/>
+            <a:r>
+              <a:rPr lang="en-US" sz="1400" dirty="0" smtClean="0"/>
+              <a:t>watch function</a:t>
+            </a:r>
+            <a:endParaRPr lang="en-US" sz="1400" dirty="0"/>
+          </a:p>
+        </p:txBody>
+      </p:sp>
+      <p:cxnSp>
+        <p:nvCxnSpPr>
+          <p:cNvPr id="11" name="Straight Arrow Connector 10"/>
+          <p:cNvCxnSpPr>
+            <a:stCxn id="10" idx="1"/>
+          </p:cNvCxnSpPr>
+          <p:nvPr/>
+        </p:nvCxnSpPr>
+        <p:spPr>
+          <a:xfrm flipH="1" flipV="1">
+            <a:off x="6400807" y="3110256"/>
+            <a:ext cx="1132936" cy="568806"/>
+          </a:xfrm>
+          <a:prstGeom prst="straightConnector1">
+            <a:avLst/>
+          </a:prstGeom>
+          <a:ln>
+            <a:tailEnd type="arrow"/>
+          </a:ln>
+        </p:spPr>
+        <p:style>
+          <a:lnRef idx="2">
+            <a:schemeClr val="accent2"/>
+          </a:lnRef>
+          <a:fillRef idx="0">
+            <a:schemeClr val="accent2"/>
+          </a:fillRef>
+          <a:effectRef idx="1">
+            <a:schemeClr val="accent2"/>
+          </a:effectRef>
+          <a:fontRef idx="minor">
+            <a:schemeClr val="tx1"/>
+          </a:fontRef>
+        </p:style>
+      </p:cxnSp>
+      <p:sp>
+        <p:nvSpPr>
+          <p:cNvPr id="15" name="Rectangle 14"/>
+          <p:cNvSpPr/>
+          <p:nvPr/>
+        </p:nvSpPr>
+        <p:spPr>
+          <a:xfrm>
+            <a:off x="7489675" y="4910717"/>
+            <a:ext cx="1116589" cy="307777"/>
+          </a:xfrm>
+          <a:prstGeom prst="rect">
+            <a:avLst/>
+          </a:prstGeom>
+        </p:spPr>
+        <p:style>
+          <a:lnRef idx="2">
+            <a:schemeClr val="accent2"/>
+          </a:lnRef>
+          <a:fillRef idx="1">
+            <a:schemeClr val="lt1"/>
+          </a:fillRef>
+          <a:effectRef idx="0">
+            <a:schemeClr val="accent2"/>
+          </a:effectRef>
+          <a:fontRef idx="minor">
+            <a:schemeClr val="dk1"/>
+          </a:fontRef>
+        </p:style>
+        <p:txBody>
+          <a:bodyPr wrap="none">
+            <a:spAutoFit/>
+          </a:bodyPr>
+          <a:lstStyle/>
+          <a:p>
+            <a:pPr algn="ctr"/>
+            <a:r>
+              <a:rPr lang="en-US" sz="1400" dirty="0" smtClean="0"/>
+              <a:t>deep watch?</a:t>
+            </a:r>
+            <a:endParaRPr lang="en-US" sz="1400" dirty="0"/>
+          </a:p>
+        </p:txBody>
+      </p:sp>
+      <p:cxnSp>
+        <p:nvCxnSpPr>
+          <p:cNvPr id="16" name="Straight Arrow Connector 15"/>
+          <p:cNvCxnSpPr>
+            <a:stCxn id="15" idx="1"/>
+          </p:cNvCxnSpPr>
+          <p:nvPr/>
+        </p:nvCxnSpPr>
+        <p:spPr>
+          <a:xfrm flipH="1">
+            <a:off x="6843861" y="5064606"/>
+            <a:ext cx="645814" cy="0"/>
+          </a:xfrm>
+          <a:prstGeom prst="straightConnector1">
+            <a:avLst/>
+          </a:prstGeom>
+          <a:ln>
+            <a:tailEnd type="arrow"/>
+          </a:ln>
+        </p:spPr>
+        <p:style>
+          <a:lnRef idx="2">
+            <a:schemeClr val="accent2"/>
+          </a:lnRef>
+          <a:fillRef idx="0">
+            <a:schemeClr val="accent2"/>
+          </a:fillRef>
+          <a:effectRef idx="1">
+            <a:schemeClr val="accent2"/>
+          </a:effectRef>
+          <a:fontRef idx="minor">
+            <a:schemeClr val="tx1"/>
+          </a:fontRef>
+        </p:style>
+      </p:cxnSp>
+    </p:spTree>
+    <p:extLst>
+      <p:ext uri="{BB962C8B-B14F-4D97-AF65-F5344CB8AC3E}">
+        <p14:creationId xmlns:p14="http://schemas.microsoft.com/office/powerpoint/2010/main" val="3183271157"/>
+      </p:ext>
+    </p:extLst>
+  </p:cSld>
+  <p:clrMapOvr>
+    <a:masterClrMapping/>
+  </p:clrMapOvr>
+  <mc:AlternateContent xmlns:mc="http://schemas.openxmlformats.org/markup-compatibility/2006" xmlns:p14="http://schemas.microsoft.com/office/powerpoint/2010/main">
+    <mc:Choice Requires="p14">
+      <p:transition spd="slow" p14:dur="2000"/>
+    </mc:Choice>
+    <mc:Fallback xmlns="">
+      <p:transition spd="slow"/>
+    </mc:Fallback>
+  </mc:AlternateContent>
+  <p:timing>
+    <p:tnLst>
+      <p:par>
+        <p:cTn id="1" dur="indefinite" restart="never" nodeType="tmRoot">
+          <p:childTnLst>
+            <p:seq concurrent="1" nextAc="seek">
+              <p:cTn id="2" dur="indefinite" nodeType="mainSeq">
+                <p:childTnLst>
+                  <p:par>
+                    <p:cTn id="3" fill="hold">
+                      <p:stCondLst>
+                        <p:cond delay="indefinite"/>
+                      </p:stCondLst>
+                      <p:childTnLst>
+                        <p:par>
+                          <p:cTn id="4" fill="hold">
+                            <p:stCondLst>
+                              <p:cond delay="0"/>
+                            </p:stCondLst>
+                            <p:childTnLst>
+                              <p:par>
+                                <p:cTn id="5" presetID="1" presetClass="entr" presetSubtype="0" fill="hold" nodeType="clickEffect">
+                                  <p:stCondLst>
+                                    <p:cond delay="0"/>
+                                  </p:stCondLst>
+                                  <p:childTnLst>
+                                    <p:set>
+                                      <p:cBhvr>
+                                        <p:cTn id="6" dur="1" fill="hold">
+                                          <p:stCondLst>
+                                            <p:cond delay="0"/>
+                                          </p:stCondLst>
+                                        </p:cTn>
+                                        <p:tgtEl>
+                                          <p:spTgt spid="1026"/>
+                                        </p:tgtEl>
+                                        <p:attrNameLst>
+                                          <p:attrName>style.visibility</p:attrName>
+                                        </p:attrNameLst>
+                                      </p:cBhvr>
+                                      <p:to>
+                                        <p:strVal val="visible"/>
+                                      </p:to>
+                                    </p:set>
+                                  </p:childTnLst>
+                                </p:cTn>
+                              </p:par>
+                            </p:childTnLst>
+                          </p:cTn>
+                        </p:par>
+                      </p:childTnLst>
+                    </p:cTn>
+                  </p:par>
+                  <p:par>
+                    <p:cTn id="7" fill="hold">
+                      <p:stCondLst>
+                        <p:cond delay="indefinite"/>
+                      </p:stCondLst>
+                      <p:childTnLst>
+                        <p:par>
+                          <p:cTn id="8" fill="hold">
+                            <p:stCondLst>
+                              <p:cond delay="0"/>
+                            </p:stCondLst>
+                            <p:childTnLst>
+                              <p:par>
+                                <p:cTn id="9" presetID="1" presetClass="entr" presetSubtype="0" fill="hold" grpId="0" nodeType="clickEffect">
+                                  <p:stCondLst>
+                                    <p:cond delay="0"/>
+                                  </p:stCondLst>
+                                  <p:childTnLst>
+                                    <p:set>
+                                      <p:cBhvr>
+                                        <p:cTn id="10" dur="1" fill="hold">
+                                          <p:stCondLst>
+                                            <p:cond delay="0"/>
+                                          </p:stCondLst>
+                                        </p:cTn>
+                                        <p:tgtEl>
+                                          <p:spTgt spid="7"/>
+                                        </p:tgtEl>
+                                        <p:attrNameLst>
+                                          <p:attrName>style.visibility</p:attrName>
+                                        </p:attrNameLst>
+                                      </p:cBhvr>
+                                      <p:to>
+                                        <p:strVal val="visible"/>
+                                      </p:to>
+                                    </p:set>
+                                  </p:childTnLst>
+                                </p:cTn>
+                              </p:par>
+                              <p:par>
+                                <p:cTn id="11" presetID="1" presetClass="entr" presetSubtype="0" fill="hold" nodeType="withEffect">
+                                  <p:stCondLst>
+                                    <p:cond delay="0"/>
+                                  </p:stCondLst>
+                                  <p:childTnLst>
+                                    <p:set>
+                                      <p:cBhvr>
+                                        <p:cTn id="12" dur="1" fill="hold">
+                                          <p:stCondLst>
+                                            <p:cond delay="0"/>
+                                          </p:stCondLst>
+                                        </p:cTn>
+                                        <p:tgtEl>
+                                          <p:spTgt spid="8"/>
+                                        </p:tgtEl>
+                                        <p:attrNameLst>
+                                          <p:attrName>style.visibility</p:attrName>
+                                        </p:attrNameLst>
+                                      </p:cBhvr>
+                                      <p:to>
+                                        <p:strVal val="visible"/>
+                                      </p:to>
+                                    </p:set>
+                                  </p:childTnLst>
+                                </p:cTn>
+                              </p:par>
+                            </p:childTnLst>
+                          </p:cTn>
+                        </p:par>
+                      </p:childTnLst>
+                    </p:cTn>
+                  </p:par>
+                  <p:par>
+                    <p:cTn id="13" fill="hold">
+                      <p:stCondLst>
+                        <p:cond delay="indefinite"/>
+                      </p:stCondLst>
+                      <p:childTnLst>
+                        <p:par>
+                          <p:cTn id="14" fill="hold">
+                            <p:stCondLst>
+                              <p:cond delay="0"/>
+                            </p:stCondLst>
+                            <p:childTnLst>
+                              <p:par>
+                                <p:cTn id="15" presetID="1" presetClass="entr" presetSubtype="0" fill="hold" grpId="0" nodeType="clickEffect">
+                                  <p:stCondLst>
+                                    <p:cond delay="0"/>
+                                  </p:stCondLst>
+                                  <p:childTnLst>
+                                    <p:set>
+                                      <p:cBhvr>
+                                        <p:cTn id="16" dur="1" fill="hold">
+                                          <p:stCondLst>
+                                            <p:cond delay="0"/>
+                                          </p:stCondLst>
+                                        </p:cTn>
+                                        <p:tgtEl>
+                                          <p:spTgt spid="10"/>
+                                        </p:tgtEl>
+                                        <p:attrNameLst>
+                                          <p:attrName>style.visibility</p:attrName>
+                                        </p:attrNameLst>
+                                      </p:cBhvr>
+                                      <p:to>
+                                        <p:strVal val="visible"/>
+                                      </p:to>
+                                    </p:set>
+                                  </p:childTnLst>
+                                </p:cTn>
+                              </p:par>
+                              <p:par>
+                                <p:cTn id="17" presetID="1" presetClass="entr" presetSubtype="0" fill="hold" nodeType="withEffect">
+                                  <p:stCondLst>
+                                    <p:cond delay="0"/>
+                                  </p:stCondLst>
+                                  <p:childTnLst>
+                                    <p:set>
+                                      <p:cBhvr>
+                                        <p:cTn id="18" dur="1" fill="hold">
+                                          <p:stCondLst>
+                                            <p:cond delay="0"/>
+                                          </p:stCondLst>
+                                        </p:cTn>
+                                        <p:tgtEl>
+                                          <p:spTgt spid="11"/>
+                                        </p:tgtEl>
+                                        <p:attrNameLst>
+                                          <p:attrName>style.visibility</p:attrName>
+                                        </p:attrNameLst>
+                                      </p:cBhvr>
+                                      <p:to>
+                                        <p:strVal val="visible"/>
+                                      </p:to>
+                                    </p:set>
+                                  </p:childTnLst>
+                                </p:cTn>
+                              </p:par>
+                            </p:childTnLst>
+                          </p:cTn>
+                        </p:par>
+                      </p:childTnLst>
+                    </p:cTn>
+                  </p:par>
+                  <p:par>
+                    <p:cTn id="19" fill="hold">
+                      <p:stCondLst>
+                        <p:cond delay="indefinite"/>
+                      </p:stCondLst>
+                      <p:childTnLst>
+                        <p:par>
+                          <p:cTn id="20" fill="hold">
+                            <p:stCondLst>
+                              <p:cond delay="0"/>
+                            </p:stCondLst>
+                            <p:childTnLst>
+                              <p:par>
+                                <p:cTn id="21" presetID="1" presetClass="entr" presetSubtype="0" fill="hold" grpId="0" nodeType="clickEffect">
+                                  <p:stCondLst>
+                                    <p:cond delay="0"/>
+                                  </p:stCondLst>
+                                  <p:childTnLst>
+                                    <p:set>
+                                      <p:cBhvr>
+                                        <p:cTn id="22" dur="1" fill="hold">
+                                          <p:stCondLst>
+                                            <p:cond delay="0"/>
+                                          </p:stCondLst>
+                                        </p:cTn>
+                                        <p:tgtEl>
+                                          <p:spTgt spid="15"/>
+                                        </p:tgtEl>
+                                        <p:attrNameLst>
+                                          <p:attrName>style.visibility</p:attrName>
+                                        </p:attrNameLst>
+                                      </p:cBhvr>
+                                      <p:to>
+                                        <p:strVal val="visible"/>
+                                      </p:to>
+                                    </p:set>
+                                  </p:childTnLst>
+                                </p:cTn>
+                              </p:par>
+                              <p:par>
+                                <p:cTn id="23" presetID="1" presetClass="entr" presetSubtype="0" fill="hold" nodeType="withEffect">
+                                  <p:stCondLst>
+                                    <p:cond delay="0"/>
+                                  </p:stCondLst>
+                                  <p:childTnLst>
+                                    <p:set>
+                                      <p:cBhvr>
+                                        <p:cTn id="24" dur="1" fill="hold">
+                                          <p:stCondLst>
+                                            <p:cond delay="0"/>
+                                          </p:stCondLst>
+                                        </p:cTn>
+                                        <p:tgtEl>
+                                          <p:spTgt spid="16"/>
+                                        </p:tgtEl>
+                                        <p:attrNameLst>
+                                          <p:attrName>style.visibility</p:attrName>
+                                        </p:attrNameLst>
+                                      </p:cBhvr>
+                                      <p:to>
+                                        <p:strVal val="visible"/>
+                                      </p:to>
+                                    </p:set>
+                                  </p:childTnLst>
+                                </p:cTn>
+                              </p:par>
+                            </p:childTnLst>
+                          </p:cTn>
+                        </p:par>
+                      </p:childTnLst>
+                    </p:cTn>
+                  </p:par>
+                </p:childTnLst>
+              </p:cTn>
+              <p:prevCondLst>
+                <p:cond evt="onPrev" delay="0">
+                  <p:tgtEl>
+                    <p:sldTgt/>
+                  </p:tgtEl>
+                </p:cond>
+              </p:prevCondLst>
+              <p:nextCondLst>
+                <p:cond evt="onNext" delay="0">
+                  <p:tgtEl>
+                    <p:sldTgt/>
+                  </p:tgtEl>
+                </p:cond>
+              </p:nextCondLst>
+            </p:seq>
+          </p:childTnLst>
+        </p:cTn>
+      </p:par>
+    </p:tnLst>
+    <p:bldLst>
+      <p:bldP spid="7" grpId="0" animBg="1"/>
+      <p:bldP spid="10" grpId="0" animBg="1"/>
+      <p:bldP spid="15" grpId="0" animBg="1"/>
+    </p:bldLst>
+  </p:timing>
+</p:sld>
+</file>
+
+<file path=ppt/slides/slide9.xml><?xml version="1.0" encoding="utf-8"?>
 <p:sld xmlns:a="http://schemas.openxmlformats.org/drawingml/2006/main" xmlns:r="http://schemas.openxmlformats.org/officeDocument/2006/relationships" xmlns:p="http://schemas.openxmlformats.org/presentationml/2006/main">
   <p:cSld>
     <p:spTree>
@@ -9556,844 +12916,75 @@
   <p:timing>
     <p:tnLst>
       <p:par>
-        <p:cTn id="1" dur="indefinite" restart="never" nodeType="tmRoot"/>
-      </p:par>
-    </p:tnLst>
-  </p:timing>
-</p:sld>
-</file>
-
-<file path=ppt/slides/slide8.xml><?xml version="1.0" encoding="utf-8"?>
-<p:sld xmlns:a="http://schemas.openxmlformats.org/drawingml/2006/main" xmlns:r="http://schemas.openxmlformats.org/officeDocument/2006/relationships" xmlns:p="http://schemas.openxmlformats.org/presentationml/2006/main">
-  <p:cSld>
-    <p:spTree>
-      <p:nvGrpSpPr>
-        <p:cNvPr id="1" name=""/>
-        <p:cNvGrpSpPr/>
-        <p:nvPr/>
-      </p:nvGrpSpPr>
-      <p:grpSpPr>
-        <a:xfrm>
-          <a:off x="0" y="0"/>
-          <a:ext cx="0" cy="0"/>
-          <a:chOff x="0" y="0"/>
-          <a:chExt cx="0" cy="0"/>
-        </a:xfrm>
-      </p:grpSpPr>
-      <p:sp>
-        <p:nvSpPr>
-          <p:cNvPr id="2" name="Title 1"/>
-          <p:cNvSpPr>
-            <a:spLocks noGrp="1"/>
-          </p:cNvSpPr>
-          <p:nvPr>
-            <p:ph type="title"/>
-          </p:nvPr>
-        </p:nvSpPr>
-        <p:spPr/>
-        <p:txBody>
-          <a:bodyPr>
-            <a:normAutofit/>
-          </a:bodyPr>
-          <a:lstStyle/>
-          <a:p>
-            <a:r>
-              <a:rPr lang="en-US" dirty="0" smtClean="0">
-                <a:latin typeface="Courier New" panose="02070309020205020404" pitchFamily="49" charset="0"/>
-                <a:cs typeface="Courier New" panose="02070309020205020404" pitchFamily="49" charset="0"/>
-              </a:rPr>
-              <a:t>dirty checking</a:t>
-            </a:r>
-            <a:endParaRPr lang="ru-RU" dirty="0">
-              <a:latin typeface="Courier New" panose="02070309020205020404" pitchFamily="49" charset="0"/>
-              <a:cs typeface="Courier New" panose="02070309020205020404" pitchFamily="49" charset="0"/>
-            </a:endParaRPr>
-          </a:p>
-        </p:txBody>
-      </p:sp>
-      <p:sp>
-        <p:nvSpPr>
-          <p:cNvPr id="4" name="Rectangle 3"/>
-          <p:cNvSpPr/>
-          <p:nvPr/>
-        </p:nvSpPr>
-        <p:spPr>
-          <a:xfrm>
-            <a:off x="990600" y="1447800"/>
-            <a:ext cx="6984413" cy="461665"/>
-          </a:xfrm>
-          <a:prstGeom prst="rect">
-            <a:avLst/>
-          </a:prstGeom>
-        </p:spPr>
-        <p:txBody>
-          <a:bodyPr wrap="none">
-            <a:spAutoFit/>
-          </a:bodyPr>
-          <a:lstStyle/>
-          <a:p>
-            <a:r>
-              <a:rPr lang="en-US" sz="2400" dirty="0" smtClean="0"/>
-              <a:t>dirty checking is done “in 1 transaction” of digest cycle</a:t>
-            </a:r>
-            <a:endParaRPr lang="en-US" sz="2400" dirty="0"/>
-          </a:p>
-        </p:txBody>
-      </p:sp>
-      <p:sp>
-        <p:nvSpPr>
-          <p:cNvPr id="5" name="Rectangle 4"/>
-          <p:cNvSpPr/>
-          <p:nvPr/>
-        </p:nvSpPr>
-        <p:spPr>
-          <a:xfrm>
-            <a:off x="939592" y="2057400"/>
-            <a:ext cx="7086427" cy="830997"/>
-          </a:xfrm>
-          <a:prstGeom prst="rect">
-            <a:avLst/>
-          </a:prstGeom>
-        </p:spPr>
-        <p:txBody>
-          <a:bodyPr wrap="none">
-            <a:spAutoFit/>
-          </a:bodyPr>
-          <a:lstStyle/>
-          <a:p>
-            <a:pPr algn="ctr"/>
-            <a:r>
-              <a:rPr lang="en-US" sz="2400" dirty="0" smtClean="0">
-                <a:hlinkClick r:id="rId3"/>
-              </a:rPr>
-              <a:t>opposed to </a:t>
-            </a:r>
-            <a:r>
-              <a:rPr lang="en-US" sz="2400" dirty="0" smtClean="0"/>
-              <a:t>change listeners in </a:t>
-            </a:r>
-            <a:r>
-              <a:rPr lang="en-US" sz="2400" dirty="0" err="1" smtClean="0"/>
-              <a:t>KnockoutJS</a:t>
-            </a:r>
-            <a:r>
-              <a:rPr lang="en-US" sz="2400" dirty="0" smtClean="0"/>
-              <a:t> or Backbone</a:t>
-            </a:r>
-            <a:br>
-              <a:rPr lang="en-US" sz="2400" dirty="0" smtClean="0"/>
-            </a:br>
-            <a:r>
-              <a:rPr lang="en-US" sz="2400" dirty="0" smtClean="0"/>
-              <a:t>which could create inconsistent state</a:t>
-            </a:r>
-            <a:endParaRPr lang="en-US" sz="2400" dirty="0"/>
-          </a:p>
-        </p:txBody>
-      </p:sp>
-      <p:sp>
-        <p:nvSpPr>
-          <p:cNvPr id="6" name="Rectangle 5"/>
-          <p:cNvSpPr/>
-          <p:nvPr/>
-        </p:nvSpPr>
-        <p:spPr>
-          <a:xfrm>
-            <a:off x="2866593" y="2971800"/>
-            <a:ext cx="3328155" cy="338554"/>
-          </a:xfrm>
-          <a:prstGeom prst="rect">
-            <a:avLst/>
-          </a:prstGeom>
-        </p:spPr>
-        <p:txBody>
-          <a:bodyPr wrap="none">
-            <a:spAutoFit/>
-          </a:bodyPr>
-          <a:lstStyle/>
-          <a:p>
-            <a:pPr algn="ctr"/>
-            <a:r>
-              <a:rPr lang="en-US" sz="1600" dirty="0" smtClean="0"/>
-              <a:t>(but with dependency tracking it’s ok)</a:t>
-            </a:r>
-            <a:endParaRPr lang="en-US" sz="1600" dirty="0"/>
-          </a:p>
-        </p:txBody>
-      </p:sp>
-    </p:spTree>
-    <p:extLst>
-      <p:ext uri="{BB962C8B-B14F-4D97-AF65-F5344CB8AC3E}">
-        <p14:creationId xmlns:p14="http://schemas.microsoft.com/office/powerpoint/2010/main" val="3478346650"/>
-      </p:ext>
-    </p:extLst>
-  </p:cSld>
-  <p:clrMapOvr>
-    <a:masterClrMapping/>
-  </p:clrMapOvr>
-  <mc:AlternateContent xmlns:mc="http://schemas.openxmlformats.org/markup-compatibility/2006" xmlns:p14="http://schemas.microsoft.com/office/powerpoint/2010/main">
-    <mc:Choice Requires="p14">
-      <p:transition spd="slow" p14:dur="2000"/>
-    </mc:Choice>
-    <mc:Fallback xmlns="">
-      <p:transition spd="slow"/>
-    </mc:Fallback>
-  </mc:AlternateContent>
-  <p:timing>
-    <p:tnLst>
-      <p:par>
-        <p:cTn id="1" dur="indefinite" restart="never" nodeType="tmRoot"/>
-      </p:par>
-    </p:tnLst>
-  </p:timing>
-</p:sld>
-</file>
-
-<file path=ppt/slides/slide9.xml><?xml version="1.0" encoding="utf-8"?>
-<p:sld xmlns:a="http://schemas.openxmlformats.org/drawingml/2006/main" xmlns:r="http://schemas.openxmlformats.org/officeDocument/2006/relationships" xmlns:p="http://schemas.openxmlformats.org/presentationml/2006/main">
-  <p:cSld>
-    <p:spTree>
-      <p:nvGrpSpPr>
-        <p:cNvPr id="1" name=""/>
-        <p:cNvGrpSpPr/>
-        <p:nvPr/>
-      </p:nvGrpSpPr>
-      <p:grpSpPr>
-        <a:xfrm>
-          <a:off x="0" y="0"/>
-          <a:ext cx="0" cy="0"/>
-          <a:chOff x="0" y="0"/>
-          <a:chExt cx="0" cy="0"/>
-        </a:xfrm>
-      </p:grpSpPr>
-      <p:sp>
-        <p:nvSpPr>
-          <p:cNvPr id="2" name="Title 1"/>
-          <p:cNvSpPr>
-            <a:spLocks noGrp="1"/>
-          </p:cNvSpPr>
-          <p:nvPr>
-            <p:ph type="title"/>
-          </p:nvPr>
-        </p:nvSpPr>
-        <p:spPr/>
-        <p:txBody>
-          <a:bodyPr>
-            <a:normAutofit/>
-          </a:bodyPr>
-          <a:lstStyle/>
-          <a:p>
-            <a:r>
-              <a:rPr lang="en-US" dirty="0" smtClean="0">
-                <a:latin typeface="Courier New" panose="02070309020205020404" pitchFamily="49" charset="0"/>
-                <a:cs typeface="Courier New" panose="02070309020205020404" pitchFamily="49" charset="0"/>
-              </a:rPr>
-              <a:t>$apply</a:t>
-            </a:r>
-            <a:endParaRPr lang="ru-RU" dirty="0">
-              <a:latin typeface="Courier New" panose="02070309020205020404" pitchFamily="49" charset="0"/>
-              <a:cs typeface="Courier New" panose="02070309020205020404" pitchFamily="49" charset="0"/>
-            </a:endParaRPr>
-          </a:p>
-        </p:txBody>
-      </p:sp>
-      <p:sp>
-        <p:nvSpPr>
-          <p:cNvPr id="4" name="Rectangle 4"/>
-          <p:cNvSpPr>
-            <a:spLocks noChangeArrowheads="1"/>
-          </p:cNvSpPr>
-          <p:nvPr/>
-        </p:nvSpPr>
-        <p:spPr bwMode="auto">
-          <a:xfrm>
-            <a:off x="2819400" y="2819400"/>
-            <a:ext cx="2895600" cy="1741603"/>
-          </a:xfrm>
-          <a:prstGeom prst="rect">
-            <a:avLst/>
-          </a:prstGeom>
-          <a:solidFill>
-            <a:srgbClr val="F5F2F0"/>
-          </a:solidFill>
-          <a:ln>
-            <a:noFill/>
-          </a:ln>
-          <a:effectLst/>
-          <a:extLst>
-            <a:ext uri="{91240B29-F687-4F45-9708-019B960494DF}">
-              <a14:hiddenLine xmlns:a14="http://schemas.microsoft.com/office/drawing/2010/main" w="9525">
-                <a:solidFill>
-                  <a:schemeClr val="tx1"/>
-                </a:solidFill>
-                <a:miter lim="800000"/>
-                <a:headEnd/>
-                <a:tailEnd/>
-              </a14:hiddenLine>
-            </a:ext>
-            <a:ext uri="{AF507438-7753-43E0-B8FC-AC1667EBCBE1}">
-              <a14:hiddenEffects xmlns:a14="http://schemas.microsoft.com/office/drawing/2010/main">
-                <a:effectLst>
-                  <a:outerShdw dist="35921" dir="2700000" algn="ctr" rotWithShape="0">
-                    <a:schemeClr val="bg2"/>
-                  </a:outerShdw>
-                </a:effectLst>
-              </a14:hiddenEffects>
-            </a:ext>
-          </a:extLst>
-        </p:spPr>
-        <p:txBody>
-          <a:bodyPr vert="horz" wrap="square" lIns="108000" tIns="108000" rIns="108000" bIns="108000" numCol="1" anchor="ctr" anchorCtr="0" compatLnSpc="1">
-            <a:prstTxWarp prst="textNoShape">
-              <a:avLst/>
-            </a:prstTxWarp>
-            <a:spAutoFit/>
-          </a:bodyPr>
-          <a:lstStyle/>
-          <a:p>
-            <a:pPr lvl="0" fontAlgn="base">
-              <a:spcBef>
-                <a:spcPct val="0"/>
-              </a:spcBef>
-              <a:spcAft>
-                <a:spcPct val="0"/>
-              </a:spcAft>
-            </a:pPr>
-            <a:r>
-              <a:rPr lang="ru-RU" altLang="ru-RU" sz="1100" b="1" dirty="0">
-                <a:solidFill>
-                  <a:srgbClr val="000080"/>
-                </a:solidFill>
-                <a:latin typeface="Courier New" pitchFamily="49" charset="0"/>
-                <a:cs typeface="Courier New" pitchFamily="49" charset="0"/>
-              </a:rPr>
-              <a:t>function </a:t>
-            </a:r>
-            <a:r>
-              <a:rPr lang="ru-RU" altLang="ru-RU" sz="1100" i="1" dirty="0">
-                <a:solidFill>
-                  <a:srgbClr val="000000"/>
-                </a:solidFill>
-                <a:latin typeface="Courier New" pitchFamily="49" charset="0"/>
-                <a:cs typeface="Courier New" pitchFamily="49" charset="0"/>
-              </a:rPr>
-              <a:t>$apply</a:t>
-            </a:r>
-            <a:r>
-              <a:rPr lang="ru-RU" altLang="ru-RU" sz="1100" dirty="0">
-                <a:solidFill>
-                  <a:srgbClr val="000000"/>
-                </a:solidFill>
-                <a:latin typeface="Courier New" pitchFamily="49" charset="0"/>
-                <a:cs typeface="Courier New" pitchFamily="49" charset="0"/>
-              </a:rPr>
-              <a:t>(expr) {</a:t>
-            </a:r>
-            <a:br>
-              <a:rPr lang="ru-RU" altLang="ru-RU" sz="1100" dirty="0">
-                <a:solidFill>
-                  <a:srgbClr val="000000"/>
-                </a:solidFill>
-                <a:latin typeface="Courier New" pitchFamily="49" charset="0"/>
-                <a:cs typeface="Courier New" pitchFamily="49" charset="0"/>
-              </a:rPr>
-            </a:br>
-            <a:r>
-              <a:rPr lang="ru-RU" altLang="ru-RU" sz="1100" dirty="0">
-                <a:solidFill>
-                  <a:srgbClr val="000000"/>
-                </a:solidFill>
-                <a:latin typeface="Courier New" pitchFamily="49" charset="0"/>
-                <a:cs typeface="Courier New" pitchFamily="49" charset="0"/>
-              </a:rPr>
-              <a:t>    </a:t>
-            </a:r>
-            <a:r>
-              <a:rPr lang="ru-RU" altLang="ru-RU" sz="1100" b="1" dirty="0">
-                <a:solidFill>
-                  <a:srgbClr val="000080"/>
-                </a:solidFill>
-                <a:latin typeface="Courier New" pitchFamily="49" charset="0"/>
-                <a:cs typeface="Courier New" pitchFamily="49" charset="0"/>
-              </a:rPr>
-              <a:t>try </a:t>
-            </a:r>
-            <a:r>
-              <a:rPr lang="ru-RU" altLang="ru-RU" sz="1100" dirty="0">
-                <a:solidFill>
-                  <a:srgbClr val="000000"/>
-                </a:solidFill>
-                <a:latin typeface="Courier New" pitchFamily="49" charset="0"/>
-                <a:cs typeface="Courier New" pitchFamily="49" charset="0"/>
-              </a:rPr>
-              <a:t>{</a:t>
-            </a:r>
-            <a:br>
-              <a:rPr lang="ru-RU" altLang="ru-RU" sz="1100" dirty="0">
-                <a:solidFill>
-                  <a:srgbClr val="000000"/>
-                </a:solidFill>
-                <a:latin typeface="Courier New" pitchFamily="49" charset="0"/>
-                <a:cs typeface="Courier New" pitchFamily="49" charset="0"/>
-              </a:rPr>
-            </a:br>
-            <a:r>
-              <a:rPr lang="ru-RU" altLang="ru-RU" sz="1100" dirty="0">
-                <a:solidFill>
-                  <a:srgbClr val="000000"/>
-                </a:solidFill>
-                <a:latin typeface="Courier New" pitchFamily="49" charset="0"/>
-                <a:cs typeface="Courier New" pitchFamily="49" charset="0"/>
-              </a:rPr>
-              <a:t>        </a:t>
-            </a:r>
-            <a:r>
-              <a:rPr lang="ru-RU" altLang="ru-RU" sz="1100" b="1" dirty="0">
-                <a:solidFill>
-                  <a:srgbClr val="000080"/>
-                </a:solidFill>
-                <a:latin typeface="Courier New" pitchFamily="49" charset="0"/>
-                <a:cs typeface="Courier New" pitchFamily="49" charset="0"/>
-              </a:rPr>
-              <a:t>return </a:t>
-            </a:r>
-            <a:r>
-              <a:rPr lang="ru-RU" altLang="ru-RU" sz="1100" dirty="0">
-                <a:solidFill>
-                  <a:srgbClr val="000000"/>
-                </a:solidFill>
-                <a:latin typeface="Courier New" pitchFamily="49" charset="0"/>
-                <a:cs typeface="Courier New" pitchFamily="49" charset="0"/>
-              </a:rPr>
-              <a:t>$eval(expr);</a:t>
-            </a:r>
-            <a:br>
-              <a:rPr lang="ru-RU" altLang="ru-RU" sz="1100" dirty="0">
-                <a:solidFill>
-                  <a:srgbClr val="000000"/>
-                </a:solidFill>
-                <a:latin typeface="Courier New" pitchFamily="49" charset="0"/>
-                <a:cs typeface="Courier New" pitchFamily="49" charset="0"/>
-              </a:rPr>
-            </a:br>
-            <a:r>
-              <a:rPr lang="ru-RU" altLang="ru-RU" sz="1100" dirty="0">
-                <a:solidFill>
-                  <a:srgbClr val="000000"/>
-                </a:solidFill>
-                <a:latin typeface="Courier New" pitchFamily="49" charset="0"/>
-                <a:cs typeface="Courier New" pitchFamily="49" charset="0"/>
-              </a:rPr>
-              <a:t>    } </a:t>
-            </a:r>
-            <a:r>
-              <a:rPr lang="ru-RU" altLang="ru-RU" sz="1100" b="1" dirty="0">
-                <a:solidFill>
-                  <a:srgbClr val="000080"/>
-                </a:solidFill>
-                <a:latin typeface="Courier New" pitchFamily="49" charset="0"/>
-                <a:cs typeface="Courier New" pitchFamily="49" charset="0"/>
-              </a:rPr>
-              <a:t>catch </a:t>
-            </a:r>
-            <a:r>
-              <a:rPr lang="ru-RU" altLang="ru-RU" sz="1100" dirty="0">
-                <a:solidFill>
-                  <a:srgbClr val="000000"/>
-                </a:solidFill>
-                <a:latin typeface="Courier New" pitchFamily="49" charset="0"/>
-                <a:cs typeface="Courier New" pitchFamily="49" charset="0"/>
-              </a:rPr>
-              <a:t>(e) {</a:t>
-            </a:r>
-            <a:br>
-              <a:rPr lang="ru-RU" altLang="ru-RU" sz="1100" dirty="0">
-                <a:solidFill>
-                  <a:srgbClr val="000000"/>
-                </a:solidFill>
-                <a:latin typeface="Courier New" pitchFamily="49" charset="0"/>
-                <a:cs typeface="Courier New" pitchFamily="49" charset="0"/>
-              </a:rPr>
-            </a:br>
-            <a:r>
-              <a:rPr lang="ru-RU" altLang="ru-RU" sz="1100" dirty="0">
-                <a:solidFill>
-                  <a:srgbClr val="000000"/>
-                </a:solidFill>
-                <a:latin typeface="Courier New" pitchFamily="49" charset="0"/>
-                <a:cs typeface="Courier New" pitchFamily="49" charset="0"/>
-              </a:rPr>
-              <a:t>        </a:t>
-            </a:r>
-            <a:r>
-              <a:rPr lang="ru-RU" altLang="ru-RU" sz="1100" i="1" dirty="0">
-                <a:solidFill>
-                  <a:srgbClr val="000000"/>
-                </a:solidFill>
-                <a:latin typeface="Courier New" pitchFamily="49" charset="0"/>
-                <a:cs typeface="Courier New" pitchFamily="49" charset="0"/>
-              </a:rPr>
-              <a:t>$exceptionHandler</a:t>
-            </a:r>
-            <a:r>
-              <a:rPr lang="ru-RU" altLang="ru-RU" sz="1100" dirty="0">
-                <a:solidFill>
-                  <a:srgbClr val="000000"/>
-                </a:solidFill>
-                <a:latin typeface="Courier New" pitchFamily="49" charset="0"/>
-                <a:cs typeface="Courier New" pitchFamily="49" charset="0"/>
-              </a:rPr>
-              <a:t>(e);</a:t>
-            </a:r>
-            <a:br>
-              <a:rPr lang="ru-RU" altLang="ru-RU" sz="1100" dirty="0">
-                <a:solidFill>
-                  <a:srgbClr val="000000"/>
-                </a:solidFill>
-                <a:latin typeface="Courier New" pitchFamily="49" charset="0"/>
-                <a:cs typeface="Courier New" pitchFamily="49" charset="0"/>
-              </a:rPr>
-            </a:br>
-            <a:r>
-              <a:rPr lang="ru-RU" altLang="ru-RU" sz="1100" dirty="0">
-                <a:solidFill>
-                  <a:srgbClr val="000000"/>
-                </a:solidFill>
-                <a:latin typeface="Courier New" pitchFamily="49" charset="0"/>
-                <a:cs typeface="Courier New" pitchFamily="49" charset="0"/>
-              </a:rPr>
-              <a:t>    } </a:t>
-            </a:r>
-            <a:r>
-              <a:rPr lang="ru-RU" altLang="ru-RU" sz="1100" b="1" dirty="0">
-                <a:solidFill>
-                  <a:srgbClr val="000080"/>
-                </a:solidFill>
-                <a:latin typeface="Courier New" pitchFamily="49" charset="0"/>
-                <a:cs typeface="Courier New" pitchFamily="49" charset="0"/>
-              </a:rPr>
-              <a:t>finally </a:t>
-            </a:r>
-            <a:r>
-              <a:rPr lang="ru-RU" altLang="ru-RU" sz="1100" dirty="0">
-                <a:solidFill>
-                  <a:srgbClr val="000000"/>
-                </a:solidFill>
-                <a:latin typeface="Courier New" pitchFamily="49" charset="0"/>
-                <a:cs typeface="Courier New" pitchFamily="49" charset="0"/>
-              </a:rPr>
-              <a:t>{</a:t>
-            </a:r>
-            <a:br>
-              <a:rPr lang="ru-RU" altLang="ru-RU" sz="1100" dirty="0">
-                <a:solidFill>
-                  <a:srgbClr val="000000"/>
-                </a:solidFill>
-                <a:latin typeface="Courier New" pitchFamily="49" charset="0"/>
-                <a:cs typeface="Courier New" pitchFamily="49" charset="0"/>
-              </a:rPr>
-            </a:br>
-            <a:r>
-              <a:rPr lang="ru-RU" altLang="ru-RU" sz="1100" dirty="0">
-                <a:solidFill>
-                  <a:srgbClr val="000000"/>
-                </a:solidFill>
-                <a:latin typeface="Courier New" pitchFamily="49" charset="0"/>
-                <a:cs typeface="Courier New" pitchFamily="49" charset="0"/>
-              </a:rPr>
-              <a:t>        </a:t>
-            </a:r>
-            <a:r>
-              <a:rPr lang="ru-RU" altLang="ru-RU" sz="1100" b="1" dirty="0">
-                <a:solidFill>
-                  <a:srgbClr val="660E7A"/>
-                </a:solidFill>
-                <a:latin typeface="Courier New" pitchFamily="49" charset="0"/>
-                <a:cs typeface="Courier New" pitchFamily="49" charset="0"/>
-              </a:rPr>
-              <a:t>$root</a:t>
-            </a:r>
-            <a:r>
-              <a:rPr lang="ru-RU" altLang="ru-RU" sz="1100" dirty="0">
-                <a:solidFill>
-                  <a:srgbClr val="000000"/>
-                </a:solidFill>
-                <a:latin typeface="Courier New" pitchFamily="49" charset="0"/>
-                <a:cs typeface="Courier New" pitchFamily="49" charset="0"/>
-              </a:rPr>
-              <a:t>.</a:t>
-            </a:r>
-            <a:r>
-              <a:rPr lang="ru-RU" altLang="ru-RU" sz="1100" dirty="0">
-                <a:solidFill>
-                  <a:srgbClr val="7A7A43"/>
-                </a:solidFill>
-                <a:latin typeface="Courier New" pitchFamily="49" charset="0"/>
-                <a:cs typeface="Courier New" pitchFamily="49" charset="0"/>
-              </a:rPr>
-              <a:t>$digest</a:t>
-            </a:r>
-            <a:r>
-              <a:rPr lang="ru-RU" altLang="ru-RU" sz="1100" dirty="0">
-                <a:solidFill>
-                  <a:srgbClr val="000000"/>
-                </a:solidFill>
-                <a:latin typeface="Courier New" pitchFamily="49" charset="0"/>
-                <a:cs typeface="Courier New" pitchFamily="49" charset="0"/>
-              </a:rPr>
-              <a:t>();</a:t>
-            </a:r>
-            <a:br>
-              <a:rPr lang="ru-RU" altLang="ru-RU" sz="1100" dirty="0">
-                <a:solidFill>
-                  <a:srgbClr val="000000"/>
-                </a:solidFill>
-                <a:latin typeface="Courier New" pitchFamily="49" charset="0"/>
-                <a:cs typeface="Courier New" pitchFamily="49" charset="0"/>
-              </a:rPr>
-            </a:br>
-            <a:r>
-              <a:rPr lang="ru-RU" altLang="ru-RU" sz="1100" dirty="0">
-                <a:solidFill>
-                  <a:srgbClr val="000000"/>
-                </a:solidFill>
-                <a:latin typeface="Courier New" pitchFamily="49" charset="0"/>
-                <a:cs typeface="Courier New" pitchFamily="49" charset="0"/>
-              </a:rPr>
-              <a:t>    }</a:t>
-            </a:r>
-            <a:br>
-              <a:rPr lang="ru-RU" altLang="ru-RU" sz="1100" dirty="0">
-                <a:solidFill>
-                  <a:srgbClr val="000000"/>
-                </a:solidFill>
-                <a:latin typeface="Courier New" pitchFamily="49" charset="0"/>
-                <a:cs typeface="Courier New" pitchFamily="49" charset="0"/>
-              </a:rPr>
-            </a:br>
-            <a:r>
-              <a:rPr lang="ru-RU" altLang="ru-RU" sz="1100" dirty="0">
-                <a:solidFill>
-                  <a:srgbClr val="000000"/>
-                </a:solidFill>
-                <a:latin typeface="Courier New" pitchFamily="49" charset="0"/>
-                <a:cs typeface="Courier New" pitchFamily="49" charset="0"/>
-              </a:rPr>
-              <a:t>}</a:t>
-            </a:r>
-            <a:endParaRPr lang="ru-RU" altLang="ru-RU" sz="2400" dirty="0">
-              <a:latin typeface="Arial" pitchFamily="34" charset="0"/>
-              <a:cs typeface="Arial" pitchFamily="34" charset="0"/>
-            </a:endParaRPr>
-          </a:p>
-        </p:txBody>
-      </p:sp>
-      <p:sp>
-        <p:nvSpPr>
-          <p:cNvPr id="5" name="Rectangle 4"/>
-          <p:cNvSpPr/>
-          <p:nvPr/>
-        </p:nvSpPr>
-        <p:spPr>
-          <a:xfrm>
-            <a:off x="546393" y="2133600"/>
-            <a:ext cx="5915915" cy="461665"/>
-          </a:xfrm>
-          <a:prstGeom prst="rect">
-            <a:avLst/>
-          </a:prstGeom>
-        </p:spPr>
-        <p:txBody>
-          <a:bodyPr wrap="none">
-            <a:spAutoFit/>
-          </a:bodyPr>
-          <a:lstStyle/>
-          <a:p>
-            <a:r>
-              <a:rPr lang="en-US" sz="2400" dirty="0" smtClean="0"/>
-              <a:t>used if some code is executed outside </a:t>
-            </a:r>
-            <a:r>
-              <a:rPr lang="en-US" sz="2400" dirty="0" smtClean="0">
-                <a:solidFill>
-                  <a:srgbClr val="C00000"/>
-                </a:solidFill>
-              </a:rPr>
-              <a:t>angular</a:t>
-            </a:r>
-            <a:endParaRPr lang="en-US" sz="2400" dirty="0">
-              <a:solidFill>
-                <a:srgbClr val="C00000"/>
-              </a:solidFill>
-            </a:endParaRPr>
-          </a:p>
-        </p:txBody>
-      </p:sp>
-      <p:sp>
-        <p:nvSpPr>
-          <p:cNvPr id="6" name="Rectangle 5"/>
-          <p:cNvSpPr/>
-          <p:nvPr/>
-        </p:nvSpPr>
-        <p:spPr>
-          <a:xfrm>
-            <a:off x="546393" y="1524000"/>
-            <a:ext cx="5551776" cy="461665"/>
-          </a:xfrm>
-          <a:prstGeom prst="rect">
-            <a:avLst/>
-          </a:prstGeom>
-        </p:spPr>
-        <p:txBody>
-          <a:bodyPr wrap="none">
-            <a:spAutoFit/>
-          </a:bodyPr>
-          <a:lstStyle/>
-          <a:p>
-            <a:r>
-              <a:rPr lang="en-US" sz="2400" dirty="0" smtClean="0"/>
-              <a:t>all </a:t>
-            </a:r>
-            <a:r>
-              <a:rPr lang="en-US" sz="2400" dirty="0" smtClean="0">
-                <a:latin typeface="Courier New" panose="02070309020205020404" pitchFamily="49" charset="0"/>
-                <a:cs typeface="Courier New" panose="02070309020205020404" pitchFamily="49" charset="0"/>
-              </a:rPr>
-              <a:t>$scope </a:t>
-            </a:r>
-            <a:r>
-              <a:rPr lang="en-US" sz="2400" dirty="0" smtClean="0"/>
-              <a:t>functions run in apply context</a:t>
-            </a:r>
-            <a:endParaRPr lang="en-US" sz="2400" dirty="0">
-              <a:solidFill>
-                <a:srgbClr val="C00000"/>
-              </a:solidFill>
-            </a:endParaRPr>
-          </a:p>
-        </p:txBody>
-      </p:sp>
-      <p:sp>
-        <p:nvSpPr>
-          <p:cNvPr id="7" name="Rectangle 6"/>
-          <p:cNvSpPr/>
-          <p:nvPr/>
-        </p:nvSpPr>
-        <p:spPr>
-          <a:xfrm>
-            <a:off x="4275031" y="4724400"/>
-            <a:ext cx="2152641" cy="369332"/>
-          </a:xfrm>
-          <a:prstGeom prst="rect">
-            <a:avLst/>
-          </a:prstGeom>
-        </p:spPr>
-        <p:txBody>
-          <a:bodyPr wrap="none">
-            <a:spAutoFit/>
-          </a:bodyPr>
-          <a:lstStyle/>
-          <a:p>
-            <a:r>
-              <a:rPr lang="en-US" dirty="0" smtClean="0"/>
-              <a:t>always runs from top</a:t>
-            </a:r>
-            <a:endParaRPr lang="en-US" dirty="0">
-              <a:solidFill>
-                <a:srgbClr val="C00000"/>
-              </a:solidFill>
-            </a:endParaRPr>
-          </a:p>
-        </p:txBody>
-      </p:sp>
-      <p:sp>
-        <p:nvSpPr>
-          <p:cNvPr id="8" name="Rectangle 7"/>
-          <p:cNvSpPr/>
-          <p:nvPr/>
-        </p:nvSpPr>
-        <p:spPr>
-          <a:xfrm>
-            <a:off x="4275031" y="5072320"/>
-            <a:ext cx="4452181" cy="369332"/>
-          </a:xfrm>
-          <a:prstGeom prst="rect">
-            <a:avLst/>
-          </a:prstGeom>
-        </p:spPr>
-        <p:txBody>
-          <a:bodyPr wrap="none">
-            <a:spAutoFit/>
-          </a:bodyPr>
-          <a:lstStyle/>
-          <a:p>
-            <a:r>
-              <a:rPr lang="en-US" dirty="0" smtClean="0"/>
-              <a:t>(because ng doesn’t know what you’re doing)</a:t>
-            </a:r>
-            <a:endParaRPr lang="en-US" dirty="0">
-              <a:solidFill>
-                <a:srgbClr val="C00000"/>
-              </a:solidFill>
-            </a:endParaRPr>
-          </a:p>
-        </p:txBody>
-      </p:sp>
-      <p:cxnSp>
-        <p:nvCxnSpPr>
-          <p:cNvPr id="9" name="Straight Arrow Connector 8"/>
-          <p:cNvCxnSpPr/>
-          <p:nvPr/>
-        </p:nvCxnSpPr>
-        <p:spPr>
-          <a:xfrm flipH="1" flipV="1">
-            <a:off x="4495800" y="4191000"/>
-            <a:ext cx="533400" cy="533400"/>
-          </a:xfrm>
-          <a:prstGeom prst="straightConnector1">
-            <a:avLst/>
-          </a:prstGeom>
-          <a:ln>
-            <a:tailEnd type="arrow"/>
-          </a:ln>
-        </p:spPr>
-        <p:style>
-          <a:lnRef idx="2">
-            <a:schemeClr val="accent2"/>
-          </a:lnRef>
-          <a:fillRef idx="0">
-            <a:schemeClr val="accent2"/>
-          </a:fillRef>
-          <a:effectRef idx="1">
-            <a:schemeClr val="accent2"/>
-          </a:effectRef>
-          <a:fontRef idx="minor">
-            <a:schemeClr val="tx1"/>
-          </a:fontRef>
-        </p:style>
-      </p:cxnSp>
-    </p:spTree>
-    <p:extLst>
-      <p:ext uri="{BB962C8B-B14F-4D97-AF65-F5344CB8AC3E}">
-        <p14:creationId xmlns:p14="http://schemas.microsoft.com/office/powerpoint/2010/main" val="2890765039"/>
-      </p:ext>
-    </p:extLst>
-  </p:cSld>
-  <p:clrMapOvr>
-    <a:masterClrMapping/>
-  </p:clrMapOvr>
-  <mc:AlternateContent xmlns:mc="http://schemas.openxmlformats.org/markup-compatibility/2006" xmlns:p14="http://schemas.microsoft.com/office/powerpoint/2010/main">
-    <mc:Choice Requires="p14">
-      <p:transition spd="slow" p14:dur="2000"/>
-    </mc:Choice>
-    <mc:Fallback xmlns="">
-      <p:transition spd="slow"/>
-    </mc:Fallback>
-  </mc:AlternateContent>
-  <p:timing>
-    <p:tnLst>
-      <p:par>
-        <p:cTn id="1" dur="indefinite" restart="never" nodeType="tmRoot"/>
+        <p:cTn id="1" dur="indefinite" restart="never" nodeType="tmRoot">
+          <p:childTnLst>
+            <p:seq concurrent="1" nextAc="seek">
+              <p:cTn id="2" dur="indefinite" nodeType="mainSeq">
+                <p:childTnLst>
+                  <p:par>
+                    <p:cTn id="3" fill="hold">
+                      <p:stCondLst>
+                        <p:cond delay="indefinite"/>
+                      </p:stCondLst>
+                      <p:childTnLst>
+                        <p:par>
+                          <p:cTn id="4" fill="hold">
+                            <p:stCondLst>
+                              <p:cond delay="0"/>
+                            </p:stCondLst>
+                            <p:childTnLst>
+                              <p:par>
+                                <p:cTn id="5" presetID="1" presetClass="entr" presetSubtype="0" fill="hold" nodeType="clickEffect">
+                                  <p:stCondLst>
+                                    <p:cond delay="0"/>
+                                  </p:stCondLst>
+                                  <p:childTnLst>
+                                    <p:set>
+                                      <p:cBhvr>
+                                        <p:cTn id="6" dur="1" fill="hold">
+                                          <p:stCondLst>
+                                            <p:cond delay="0"/>
+                                          </p:stCondLst>
+                                        </p:cTn>
+                                        <p:tgtEl>
+                                          <p:spTgt spid="5122"/>
+                                        </p:tgtEl>
+                                        <p:attrNameLst>
+                                          <p:attrName>style.visibility</p:attrName>
+                                        </p:attrNameLst>
+                                      </p:cBhvr>
+                                      <p:to>
+                                        <p:strVal val="visible"/>
+                                      </p:to>
+                                    </p:set>
+                                  </p:childTnLst>
+                                </p:cTn>
+                              </p:par>
+                            </p:childTnLst>
+                          </p:cTn>
+                        </p:par>
+                      </p:childTnLst>
+                    </p:cTn>
+                  </p:par>
+                </p:childTnLst>
+              </p:cTn>
+              <p:prevCondLst>
+                <p:cond evt="onPrev" delay="0">
+                  <p:tgtEl>
+                    <p:sldTgt/>
+                  </p:tgtEl>
+                </p:cond>
+              </p:prevCondLst>
+              <p:nextCondLst>
+                <p:cond evt="onNext" delay="0">
+                  <p:tgtEl>
+                    <p:sldTgt/>
+                  </p:tgtEl>
+                </p:cond>
+              </p:nextCondLst>
+            </p:seq>
+          </p:childTnLst>
+        </p:cTn>
       </p:par>
     </p:tnLst>
   </p:timing>

--- a/docs/02_ng_basics_followup.pptx
+++ b/docs/02_ng_basics_followup.pptx
@@ -5,7 +5,7 @@
     <p:sldMasterId id="2147483648" r:id="rId1"/>
   </p:sldMasterIdLst>
   <p:notesMasterIdLst>
-    <p:notesMasterId r:id="rId17"/>
+    <p:notesMasterId r:id="rId16"/>
   </p:notesMasterIdLst>
   <p:sldIdLst>
     <p:sldId id="256" r:id="rId2"/>
@@ -22,7 +22,6 @@
     <p:sldId id="274" r:id="rId13"/>
     <p:sldId id="277" r:id="rId14"/>
     <p:sldId id="280" r:id="rId15"/>
-    <p:sldId id="281" r:id="rId16"/>
   </p:sldIdLst>
   <p:sldSz cx="9144000" cy="6858000" type="screen4x3"/>
   <p:notesSz cx="6858000" cy="9144000"/>
@@ -123,7 +122,7 @@
   </p:defaultTextStyle>
   <p:extLst>
     <p:ext uri="{EFAFB233-063F-42B5-8137-9DF3F51BA10A}">
-      <p15:sldGuideLst xmlns:p15="http://schemas.microsoft.com/office/powerpoint/2012/main" xmlns="">
+      <p15:sldGuideLst xmlns="" xmlns:p15="http://schemas.microsoft.com/office/powerpoint/2012/main">
         <p15:guide id="1" orient="horz" pos="2160">
           <p15:clr>
             <a:srgbClr val="A4A3A4"/>
@@ -753,94 +752,6 @@
     <p:extLst>
       <p:ext uri="{BB962C8B-B14F-4D97-AF65-F5344CB8AC3E}">
         <p14:creationId xmlns:p14="http://schemas.microsoft.com/office/powerpoint/2010/main" val="3373412012"/>
-      </p:ext>
-    </p:extLst>
-  </p:cSld>
-  <p:clrMapOvr>
-    <a:masterClrMapping/>
-  </p:clrMapOvr>
-</p:notes>
-</file>
-
-<file path=ppt/notesSlides/notesSlide12.xml><?xml version="1.0" encoding="utf-8"?>
-<p:notes xmlns:a="http://schemas.openxmlformats.org/drawingml/2006/main" xmlns:r="http://schemas.openxmlformats.org/officeDocument/2006/relationships" xmlns:p="http://schemas.openxmlformats.org/presentationml/2006/main">
-  <p:cSld>
-    <p:spTree>
-      <p:nvGrpSpPr>
-        <p:cNvPr id="1" name=""/>
-        <p:cNvGrpSpPr/>
-        <p:nvPr/>
-      </p:nvGrpSpPr>
-      <p:grpSpPr>
-        <a:xfrm>
-          <a:off x="0" y="0"/>
-          <a:ext cx="0" cy="0"/>
-          <a:chOff x="0" y="0"/>
-          <a:chExt cx="0" cy="0"/>
-        </a:xfrm>
-      </p:grpSpPr>
-      <p:sp>
-        <p:nvSpPr>
-          <p:cNvPr id="2" name="Slide Image Placeholder 1"/>
-          <p:cNvSpPr>
-            <a:spLocks noGrp="1" noRot="1" noChangeAspect="1"/>
-          </p:cNvSpPr>
-          <p:nvPr>
-            <p:ph type="sldImg"/>
-          </p:nvPr>
-        </p:nvSpPr>
-        <p:spPr/>
-      </p:sp>
-      <p:sp>
-        <p:nvSpPr>
-          <p:cNvPr id="3" name="Notes Placeholder 2"/>
-          <p:cNvSpPr>
-            <a:spLocks noGrp="1"/>
-          </p:cNvSpPr>
-          <p:nvPr>
-            <p:ph type="body" idx="1"/>
-          </p:nvPr>
-        </p:nvSpPr>
-        <p:spPr/>
-        <p:txBody>
-          <a:bodyPr/>
-          <a:lstStyle/>
-          <a:p>
-            <a:r>
-              <a:rPr lang="en-US" dirty="0" smtClean="0"/>
-              <a:t>https://docs.angularjs.org/guide</a:t>
-            </a:r>
-            <a:endParaRPr lang="ru-RU" dirty="0"/>
-          </a:p>
-        </p:txBody>
-      </p:sp>
-      <p:sp>
-        <p:nvSpPr>
-          <p:cNvPr id="4" name="Slide Number Placeholder 3"/>
-          <p:cNvSpPr>
-            <a:spLocks noGrp="1"/>
-          </p:cNvSpPr>
-          <p:nvPr>
-            <p:ph type="sldNum" sz="quarter" idx="10"/>
-          </p:nvPr>
-        </p:nvSpPr>
-        <p:spPr/>
-        <p:txBody>
-          <a:bodyPr/>
-          <a:lstStyle/>
-          <a:p>
-            <a:fld id="{DA8CAE91-5FC7-41E5-8054-44424FFBB7AB}" type="slidenum">
-              <a:rPr lang="ru-RU" smtClean="0"/>
-              <a:t>15</a:t>
-            </a:fld>
-            <a:endParaRPr lang="ru-RU"/>
-          </a:p>
-        </p:txBody>
-      </p:sp>
-    </p:spTree>
-    <p:extLst>
-      <p:ext uri="{BB962C8B-B14F-4D97-AF65-F5344CB8AC3E}">
-        <p14:creationId xmlns:p14="http://schemas.microsoft.com/office/powerpoint/2010/main" val="3191455273"/>
       </p:ext>
     </p:extLst>
   </p:cSld>
@@ -6530,189 +6441,6 @@
     </p:tnLst>
     <p:bldLst>
       <p:bldP spid="4" grpId="0"/>
-    </p:bldLst>
-  </p:timing>
-</p:sld>
-</file>
-
-<file path=ppt/slides/slide15.xml><?xml version="1.0" encoding="utf-8"?>
-<p:sld xmlns:a="http://schemas.openxmlformats.org/drawingml/2006/main" xmlns:r="http://schemas.openxmlformats.org/officeDocument/2006/relationships" xmlns:p="http://schemas.openxmlformats.org/presentationml/2006/main">
-  <p:cSld>
-    <p:spTree>
-      <p:nvGrpSpPr>
-        <p:cNvPr id="1" name=""/>
-        <p:cNvGrpSpPr/>
-        <p:nvPr/>
-      </p:nvGrpSpPr>
-      <p:grpSpPr>
-        <a:xfrm>
-          <a:off x="0" y="0"/>
-          <a:ext cx="0" cy="0"/>
-          <a:chOff x="0" y="0"/>
-          <a:chExt cx="0" cy="0"/>
-        </a:xfrm>
-      </p:grpSpPr>
-      <p:sp>
-        <p:nvSpPr>
-          <p:cNvPr id="2" name="Title 1"/>
-          <p:cNvSpPr>
-            <a:spLocks noGrp="1"/>
-          </p:cNvSpPr>
-          <p:nvPr>
-            <p:ph type="title"/>
-          </p:nvPr>
-        </p:nvSpPr>
-        <p:spPr>
-          <a:xfrm>
-            <a:off x="533400" y="1981200"/>
-            <a:ext cx="8229600" cy="1143000"/>
-          </a:xfrm>
-        </p:spPr>
-        <p:txBody>
-          <a:bodyPr>
-            <a:normAutofit/>
-          </a:bodyPr>
-          <a:lstStyle/>
-          <a:p>
-            <a:r>
-              <a:rPr lang="en-US" dirty="0" smtClean="0">
-                <a:latin typeface="Courier New" panose="02070309020205020404" pitchFamily="49" charset="0"/>
-                <a:cs typeface="Courier New" panose="02070309020205020404" pitchFamily="49" charset="0"/>
-              </a:rPr>
-              <a:t>Homework!</a:t>
-            </a:r>
-            <a:endParaRPr lang="ru-RU" dirty="0">
-              <a:latin typeface="Courier New" panose="02070309020205020404" pitchFamily="49" charset="0"/>
-              <a:cs typeface="Courier New" panose="02070309020205020404" pitchFamily="49" charset="0"/>
-            </a:endParaRPr>
-          </a:p>
-        </p:txBody>
-      </p:sp>
-      <p:sp>
-        <p:nvSpPr>
-          <p:cNvPr id="3" name="Rectangle 2"/>
-          <p:cNvSpPr/>
-          <p:nvPr/>
-        </p:nvSpPr>
-        <p:spPr>
-          <a:xfrm>
-            <a:off x="2925189" y="3200400"/>
-            <a:ext cx="3228128" cy="369332"/>
-          </a:xfrm>
-          <a:prstGeom prst="rect">
-            <a:avLst/>
-          </a:prstGeom>
-        </p:spPr>
-        <p:txBody>
-          <a:bodyPr wrap="none">
-            <a:spAutoFit/>
-          </a:bodyPr>
-          <a:lstStyle/>
-          <a:p>
-            <a:r>
-              <a:rPr lang="en-US" dirty="0">
-                <a:hlinkClick r:id="rId3"/>
-              </a:rPr>
-              <a:t>https://docs.angularjs.org/guide</a:t>
-            </a:r>
-            <a:endParaRPr lang="ru-RU" dirty="0"/>
-          </a:p>
-        </p:txBody>
-      </p:sp>
-    </p:spTree>
-    <p:extLst>
-      <p:ext uri="{BB962C8B-B14F-4D97-AF65-F5344CB8AC3E}">
-        <p14:creationId xmlns:p14="http://schemas.microsoft.com/office/powerpoint/2010/main" val="2954431745"/>
-      </p:ext>
-    </p:extLst>
-  </p:cSld>
-  <p:clrMapOvr>
-    <a:masterClrMapping/>
-  </p:clrMapOvr>
-  <mc:AlternateContent xmlns:mc="http://schemas.openxmlformats.org/markup-compatibility/2006" xmlns:p14="http://schemas.microsoft.com/office/powerpoint/2010/main">
-    <mc:Choice Requires="p14">
-      <p:transition spd="slow" p14:dur="2000"/>
-    </mc:Choice>
-    <mc:Fallback xmlns="">
-      <p:transition spd="slow"/>
-    </mc:Fallback>
-  </mc:AlternateContent>
-  <p:timing>
-    <p:tnLst>
-      <p:par>
-        <p:cTn id="1" dur="indefinite" restart="never" nodeType="tmRoot">
-          <p:childTnLst>
-            <p:seq concurrent="1" nextAc="seek">
-              <p:cTn id="2" dur="indefinite" nodeType="mainSeq">
-                <p:childTnLst>
-                  <p:par>
-                    <p:cTn id="3" fill="hold">
-                      <p:stCondLst>
-                        <p:cond delay="indefinite"/>
-                      </p:stCondLst>
-                      <p:childTnLst>
-                        <p:par>
-                          <p:cTn id="4" fill="hold">
-                            <p:stCondLst>
-                              <p:cond delay="0"/>
-                            </p:stCondLst>
-                            <p:childTnLst>
-                              <p:par>
-                                <p:cTn id="5" presetID="1" presetClass="entr" presetSubtype="0" fill="hold" grpId="0" nodeType="clickEffect">
-                                  <p:stCondLst>
-                                    <p:cond delay="0"/>
-                                  </p:stCondLst>
-                                  <p:childTnLst>
-                                    <p:set>
-                                      <p:cBhvr>
-                                        <p:cTn id="6" dur="1" fill="hold">
-                                          <p:stCondLst>
-                                            <p:cond delay="0"/>
-                                          </p:stCondLst>
-                                        </p:cTn>
-                                        <p:tgtEl>
-                                          <p:spTgt spid="3"/>
-                                        </p:tgtEl>
-                                        <p:attrNameLst>
-                                          <p:attrName>style.visibility</p:attrName>
-                                        </p:attrNameLst>
-                                      </p:cBhvr>
-                                      <p:to>
-                                        <p:strVal val="visible"/>
-                                      </p:to>
-                                    </p:set>
-                                  </p:childTnLst>
-                                </p:cTn>
-                              </p:par>
-                            </p:childTnLst>
-                          </p:cTn>
-                        </p:par>
-                      </p:childTnLst>
-                    </p:cTn>
-                  </p:par>
-                </p:childTnLst>
-              </p:cTn>
-              <p:prevCondLst>
-                <p:cond evt="onPrev" delay="0">
-                  <p:tgtEl>
-                    <p:sldTgt/>
-                  </p:tgtEl>
-                </p:cond>
-              </p:prevCondLst>
-              <p:nextCondLst>
-                <p:cond evt="onNext" delay="0">
-                  <p:tgtEl>
-                    <p:sldTgt/>
-                  </p:tgtEl>
-                </p:cond>
-              </p:nextCondLst>
-            </p:seq>
-          </p:childTnLst>
-        </p:cTn>
-      </p:par>
-    </p:tnLst>
-    <p:bldLst>
-      <p:bldP spid="3" grpId="0"/>
     </p:bldLst>
   </p:timing>
 </p:sld>

--- a/docs/02_ng_basics_followup.pptx
+++ b/docs/02_ng_basics_followup.pptx
@@ -122,7 +122,7 @@
   </p:defaultTextStyle>
   <p:extLst>
     <p:ext uri="{EFAFB233-063F-42B5-8137-9DF3F51BA10A}">
-      <p15:sldGuideLst xmlns="" xmlns:p15="http://schemas.microsoft.com/office/powerpoint/2012/main">
+      <p15:sldGuideLst xmlns:p15="http://schemas.microsoft.com/office/powerpoint/2012/main">
         <p15:guide id="1" orient="horz" pos="2160">
           <p15:clr>
             <a:srgbClr val="A4A3A4"/>
@@ -221,7 +221,7 @@
           <a:p>
             <a:fld id="{CB1C2BA7-0370-4E4B-9997-E70834CB9037}" type="datetimeFigureOut">
               <a:rPr lang="ru-RU" smtClean="0"/>
-              <a:t>09.12.2016</a:t>
+              <a:t>13.12.2016</a:t>
             </a:fld>
             <a:endParaRPr lang="ru-RU"/>
           </a:p>
@@ -1179,13 +1179,20 @@
           <a:p>
             <a:r>
               <a:rPr lang="en-US" dirty="0" smtClean="0"/>
-              <a:t>make</a:t>
+              <a:t>digest runs “</a:t>
+            </a:r>
+            <a:r>
+              <a:rPr lang="en-US" dirty="0" err="1" smtClean="0"/>
+              <a:t>transactionally</a:t>
+            </a:r>
+            <a:r>
+              <a:rPr lang="en-US" dirty="0" smtClean="0"/>
+              <a:t>”, re-renders instantly</a:t>
             </a:r>
             <a:r>
               <a:rPr lang="en-US" baseline="0" dirty="0" smtClean="0"/>
-              <a:t> picture of ctrl + view</a:t>
-            </a:r>
-            <a:endParaRPr lang="ru-RU" dirty="0"/>
+              <a:t> all DOM</a:t>
+            </a:r>
           </a:p>
         </p:txBody>
       </p:sp>
@@ -1270,12 +1277,18 @@
           <a:lstStyle/>
           <a:p>
             <a:r>
+              <a:rPr lang="en-US" dirty="0" err="1" smtClean="0"/>
+              <a:t>Misco’s</a:t>
+            </a:r>
+            <a:r>
               <a:rPr lang="en-US" dirty="0" smtClean="0"/>
-              <a:t>make</a:t>
-            </a:r>
-            <a:r>
-              <a:rPr lang="en-US" baseline="0" dirty="0" smtClean="0"/>
-              <a:t> picture of ctrl + view</a:t>
+              <a:t> answer</a:t>
+            </a:r>
+          </a:p>
+          <a:p>
+            <a:r>
+              <a:rPr lang="en-US" dirty="0" smtClean="0"/>
+              <a:t>http://stackoverflow.com/questions/9682092/how-does-data-binding-work-in-angularjs/9693933#9693933</a:t>
             </a:r>
             <a:endParaRPr lang="ru-RU" dirty="0"/>
           </a:p>
@@ -1683,7 +1696,7 @@
             <a:fld id="{1D8BD707-D9CF-40AE-B4C6-C98DA3205C09}" type="datetimeFigureOut">
               <a:rPr lang="en-US" smtClean="0"/>
               <a:pPr/>
-              <a:t>12/9/2016</a:t>
+              <a:t>12/13/2016</a:t>
             </a:fld>
             <a:endParaRPr lang="en-US"/>
           </a:p>
@@ -1850,7 +1863,7 @@
             <a:fld id="{1D8BD707-D9CF-40AE-B4C6-C98DA3205C09}" type="datetimeFigureOut">
               <a:rPr lang="en-US" smtClean="0"/>
               <a:pPr/>
-              <a:t>12/9/2016</a:t>
+              <a:t>12/13/2016</a:t>
             </a:fld>
             <a:endParaRPr lang="en-US"/>
           </a:p>
@@ -2027,7 +2040,7 @@
             <a:fld id="{1D8BD707-D9CF-40AE-B4C6-C98DA3205C09}" type="datetimeFigureOut">
               <a:rPr lang="en-US" smtClean="0"/>
               <a:pPr/>
-              <a:t>12/9/2016</a:t>
+              <a:t>12/13/2016</a:t>
             </a:fld>
             <a:endParaRPr lang="en-US"/>
           </a:p>
@@ -2194,7 +2207,7 @@
             <a:fld id="{1D8BD707-D9CF-40AE-B4C6-C98DA3205C09}" type="datetimeFigureOut">
               <a:rPr lang="en-US" smtClean="0"/>
               <a:pPr/>
-              <a:t>12/9/2016</a:t>
+              <a:t>12/13/2016</a:t>
             </a:fld>
             <a:endParaRPr lang="en-US"/>
           </a:p>
@@ -2437,7 +2450,7 @@
             <a:fld id="{1D8BD707-D9CF-40AE-B4C6-C98DA3205C09}" type="datetimeFigureOut">
               <a:rPr lang="en-US" smtClean="0"/>
               <a:pPr/>
-              <a:t>12/9/2016</a:t>
+              <a:t>12/13/2016</a:t>
             </a:fld>
             <a:endParaRPr lang="en-US"/>
           </a:p>
@@ -2722,7 +2735,7 @@
             <a:fld id="{1D8BD707-D9CF-40AE-B4C6-C98DA3205C09}" type="datetimeFigureOut">
               <a:rPr lang="en-US" smtClean="0"/>
               <a:pPr/>
-              <a:t>12/9/2016</a:t>
+              <a:t>12/13/2016</a:t>
             </a:fld>
             <a:endParaRPr lang="en-US"/>
           </a:p>
@@ -3141,7 +3154,7 @@
             <a:fld id="{1D8BD707-D9CF-40AE-B4C6-C98DA3205C09}" type="datetimeFigureOut">
               <a:rPr lang="en-US" smtClean="0"/>
               <a:pPr/>
-              <a:t>12/9/2016</a:t>
+              <a:t>12/13/2016</a:t>
             </a:fld>
             <a:endParaRPr lang="en-US"/>
           </a:p>
@@ -3256,7 +3269,7 @@
             <a:fld id="{1D8BD707-D9CF-40AE-B4C6-C98DA3205C09}" type="datetimeFigureOut">
               <a:rPr lang="en-US" smtClean="0"/>
               <a:pPr/>
-              <a:t>12/9/2016</a:t>
+              <a:t>12/13/2016</a:t>
             </a:fld>
             <a:endParaRPr lang="en-US"/>
           </a:p>
@@ -3348,7 +3361,7 @@
             <a:fld id="{1D8BD707-D9CF-40AE-B4C6-C98DA3205C09}" type="datetimeFigureOut">
               <a:rPr lang="en-US" smtClean="0"/>
               <a:pPr/>
-              <a:t>12/9/2016</a:t>
+              <a:t>12/13/2016</a:t>
             </a:fld>
             <a:endParaRPr lang="en-US"/>
           </a:p>
@@ -3622,7 +3635,7 @@
             <a:fld id="{1D8BD707-D9CF-40AE-B4C6-C98DA3205C09}" type="datetimeFigureOut">
               <a:rPr lang="en-US" smtClean="0"/>
               <a:pPr/>
-              <a:t>12/9/2016</a:t>
+              <a:t>12/13/2016</a:t>
             </a:fld>
             <a:endParaRPr lang="en-US"/>
           </a:p>
@@ -3872,7 +3885,7 @@
             <a:fld id="{1D8BD707-D9CF-40AE-B4C6-C98DA3205C09}" type="datetimeFigureOut">
               <a:rPr lang="en-US" smtClean="0"/>
               <a:pPr/>
-              <a:t>12/9/2016</a:t>
+              <a:t>12/13/2016</a:t>
             </a:fld>
             <a:endParaRPr lang="en-US"/>
           </a:p>
@@ -4085,7 +4098,7 @@
             <a:fld id="{1D8BD707-D9CF-40AE-B4C6-C98DA3205C09}" type="datetimeFigureOut">
               <a:rPr lang="en-US" smtClean="0"/>
               <a:pPr/>
-              <a:t>12/9/2016</a:t>
+              <a:t>12/13/2016</a:t>
             </a:fld>
             <a:endParaRPr lang="en-US"/>
           </a:p>
@@ -6374,9 +6387,6 @@
                     <p:cTn id="3" fill="hold">
                       <p:stCondLst>
                         <p:cond delay="indefinite"/>
-                        <p:cond evt="onBegin" delay="0">
-                          <p:tn val="2"/>
-                        </p:cond>
                       </p:stCondLst>
                       <p:childTnLst>
                         <p:par>
@@ -6386,7 +6396,7 @@
                             </p:stCondLst>
                             <p:childTnLst>
                               <p:par>
-                                <p:cTn id="5" presetID="1" presetClass="entr" presetSubtype="0" fill="hold" grpId="0" nodeType="withEffect">
+                                <p:cTn id="5" presetID="1" presetClass="entr" presetSubtype="0" fill="hold" grpId="0" nodeType="clickEffect">
                                   <p:stCondLst>
                                     <p:cond delay="0"/>
                                   </p:stCondLst>
